--- a/공유문서/수정요청/화면점검_20161217(통계분석).pptx
+++ b/공유문서/수정요청/화면점검_20161217(통계분석).pptx
@@ -221,14 +221,14 @@
           <a:effectLst/>
           <a:extLst>
             <a:ext uri="{909E8E84-426E-40DD-AFC4-6F175D3DCCD1}">
-              <a14:hiddenFill xmlns:a14="http://schemas.microsoft.com/office/drawing/2010/main">
+              <a14:hiddenFill xmlns:a14="http://schemas.microsoft.com/office/drawing/2010/main" xmlns="">
                 <a:solidFill>
                   <a:schemeClr val="accent1"/>
                 </a:solidFill>
               </a14:hiddenFill>
             </a:ext>
             <a:ext uri="{91240B29-F687-4F45-9708-019B960494DF}">
-              <a14:hiddenLine xmlns:a14="http://schemas.microsoft.com/office/drawing/2010/main" w="9525">
+              <a14:hiddenLine xmlns:a14="http://schemas.microsoft.com/office/drawing/2010/main" xmlns="" w="9525">
                 <a:solidFill>
                   <a:schemeClr val="tx1"/>
                 </a:solidFill>
@@ -238,7 +238,7 @@
               </a14:hiddenLine>
             </a:ext>
             <a:ext uri="{AF507438-7753-43E0-B8FC-AC1667EBCBE1}">
-              <a14:hiddenEffects xmlns:a14="http://schemas.microsoft.com/office/drawing/2010/main">
+              <a14:hiddenEffects xmlns:a14="http://schemas.microsoft.com/office/drawing/2010/main" xmlns="">
                 <a:effectLst>
                   <a:outerShdw dist="35921" dir="2700000" algn="ctr" rotWithShape="0">
                     <a:schemeClr val="bg2"/>
@@ -292,14 +292,14 @@
           <a:effectLst/>
           <a:extLst>
             <a:ext uri="{909E8E84-426E-40DD-AFC4-6F175D3DCCD1}">
-              <a14:hiddenFill xmlns:a14="http://schemas.microsoft.com/office/drawing/2010/main">
+              <a14:hiddenFill xmlns:a14="http://schemas.microsoft.com/office/drawing/2010/main" xmlns="">
                 <a:solidFill>
                   <a:schemeClr val="accent1"/>
                 </a:solidFill>
               </a14:hiddenFill>
             </a:ext>
             <a:ext uri="{91240B29-F687-4F45-9708-019B960494DF}">
-              <a14:hiddenLine xmlns:a14="http://schemas.microsoft.com/office/drawing/2010/main" w="9525">
+              <a14:hiddenLine xmlns:a14="http://schemas.microsoft.com/office/drawing/2010/main" xmlns="" w="9525">
                 <a:solidFill>
                   <a:schemeClr val="tx1"/>
                 </a:solidFill>
@@ -309,7 +309,7 @@
               </a14:hiddenLine>
             </a:ext>
             <a:ext uri="{AF507438-7753-43E0-B8FC-AC1667EBCBE1}">
-              <a14:hiddenEffects xmlns:a14="http://schemas.microsoft.com/office/drawing/2010/main">
+              <a14:hiddenEffects xmlns:a14="http://schemas.microsoft.com/office/drawing/2010/main" xmlns="">
                 <a:effectLst>
                   <a:outerShdw dist="35921" dir="2700000" algn="ctr" rotWithShape="0">
                     <a:schemeClr val="bg2"/>
@@ -363,14 +363,14 @@
           <a:effectLst/>
           <a:extLst>
             <a:ext uri="{909E8E84-426E-40DD-AFC4-6F175D3DCCD1}">
-              <a14:hiddenFill xmlns:a14="http://schemas.microsoft.com/office/drawing/2010/main">
+              <a14:hiddenFill xmlns:a14="http://schemas.microsoft.com/office/drawing/2010/main" xmlns="">
                 <a:solidFill>
                   <a:schemeClr val="accent1"/>
                 </a:solidFill>
               </a14:hiddenFill>
             </a:ext>
             <a:ext uri="{91240B29-F687-4F45-9708-019B960494DF}">
-              <a14:hiddenLine xmlns:a14="http://schemas.microsoft.com/office/drawing/2010/main" w="9525">
+              <a14:hiddenLine xmlns:a14="http://schemas.microsoft.com/office/drawing/2010/main" xmlns="" w="9525">
                 <a:solidFill>
                   <a:schemeClr val="tx1"/>
                 </a:solidFill>
@@ -380,7 +380,7 @@
               </a14:hiddenLine>
             </a:ext>
             <a:ext uri="{AF507438-7753-43E0-B8FC-AC1667EBCBE1}">
-              <a14:hiddenEffects xmlns:a14="http://schemas.microsoft.com/office/drawing/2010/main">
+              <a14:hiddenEffects xmlns:a14="http://schemas.microsoft.com/office/drawing/2010/main" xmlns="">
                 <a:effectLst>
                   <a:outerShdw dist="35921" dir="2700000" algn="ctr" rotWithShape="0">
                     <a:schemeClr val="bg2"/>
@@ -434,14 +434,14 @@
           <a:effectLst/>
           <a:extLst>
             <a:ext uri="{909E8E84-426E-40DD-AFC4-6F175D3DCCD1}">
-              <a14:hiddenFill xmlns:a14="http://schemas.microsoft.com/office/drawing/2010/main">
+              <a14:hiddenFill xmlns:a14="http://schemas.microsoft.com/office/drawing/2010/main" xmlns="">
                 <a:solidFill>
                   <a:schemeClr val="accent1"/>
                 </a:solidFill>
               </a14:hiddenFill>
             </a:ext>
             <a:ext uri="{91240B29-F687-4F45-9708-019B960494DF}">
-              <a14:hiddenLine xmlns:a14="http://schemas.microsoft.com/office/drawing/2010/main" w="9525">
+              <a14:hiddenLine xmlns:a14="http://schemas.microsoft.com/office/drawing/2010/main" xmlns="" w="9525">
                 <a:solidFill>
                   <a:schemeClr val="tx1"/>
                 </a:solidFill>
@@ -451,7 +451,7 @@
               </a14:hiddenLine>
             </a:ext>
             <a:ext uri="{AF507438-7753-43E0-B8FC-AC1667EBCBE1}">
-              <a14:hiddenEffects xmlns:a14="http://schemas.microsoft.com/office/drawing/2010/main">
+              <a14:hiddenEffects xmlns:a14="http://schemas.microsoft.com/office/drawing/2010/main" xmlns="">
                 <a:effectLst>
                   <a:outerShdw dist="35921" dir="2700000" algn="ctr" rotWithShape="0">
                     <a:schemeClr val="bg2"/>
@@ -488,7 +488,7 @@
     </p:spTree>
     <p:extLst>
       <p:ext uri="{BB962C8B-B14F-4D97-AF65-F5344CB8AC3E}">
-        <p14:creationId xmlns:p14="http://schemas.microsoft.com/office/powerpoint/2010/main" val="2069468955"/>
+        <p14:creationId xmlns:p14="http://schemas.microsoft.com/office/powerpoint/2010/main" xmlns="" val="2069468955"/>
       </p:ext>
     </p:extLst>
   </p:cSld>
@@ -546,14 +546,14 @@
           <a:effectLst/>
           <a:extLst>
             <a:ext uri="{909E8E84-426E-40DD-AFC4-6F175D3DCCD1}">
-              <a14:hiddenFill xmlns:a14="http://schemas.microsoft.com/office/drawing/2010/main">
+              <a14:hiddenFill xmlns:a14="http://schemas.microsoft.com/office/drawing/2010/main" xmlns="">
                 <a:solidFill>
                   <a:schemeClr val="accent1"/>
                 </a:solidFill>
               </a14:hiddenFill>
             </a:ext>
             <a:ext uri="{91240B29-F687-4F45-9708-019B960494DF}">
-              <a14:hiddenLine xmlns:a14="http://schemas.microsoft.com/office/drawing/2010/main" w="9525">
+              <a14:hiddenLine xmlns:a14="http://schemas.microsoft.com/office/drawing/2010/main" xmlns="" w="9525">
                 <a:solidFill>
                   <a:schemeClr val="tx1"/>
                 </a:solidFill>
@@ -563,7 +563,7 @@
               </a14:hiddenLine>
             </a:ext>
             <a:ext uri="{AF507438-7753-43E0-B8FC-AC1667EBCBE1}">
-              <a14:hiddenEffects xmlns:a14="http://schemas.microsoft.com/office/drawing/2010/main">
+              <a14:hiddenEffects xmlns:a14="http://schemas.microsoft.com/office/drawing/2010/main" xmlns="">
                 <a:effectLst>
                   <a:outerShdw dist="35921" dir="2700000" algn="ctr" rotWithShape="0">
                     <a:schemeClr val="bg2"/>
@@ -617,14 +617,14 @@
           <a:effectLst/>
           <a:extLst>
             <a:ext uri="{909E8E84-426E-40DD-AFC4-6F175D3DCCD1}">
-              <a14:hiddenFill xmlns:a14="http://schemas.microsoft.com/office/drawing/2010/main">
+              <a14:hiddenFill xmlns:a14="http://schemas.microsoft.com/office/drawing/2010/main" xmlns="">
                 <a:solidFill>
                   <a:schemeClr val="accent1"/>
                 </a:solidFill>
               </a14:hiddenFill>
             </a:ext>
             <a:ext uri="{91240B29-F687-4F45-9708-019B960494DF}">
-              <a14:hiddenLine xmlns:a14="http://schemas.microsoft.com/office/drawing/2010/main" w="9525">
+              <a14:hiddenLine xmlns:a14="http://schemas.microsoft.com/office/drawing/2010/main" xmlns="" w="9525">
                 <a:solidFill>
                   <a:schemeClr val="tx1"/>
                 </a:solidFill>
@@ -634,7 +634,7 @@
               </a14:hiddenLine>
             </a:ext>
             <a:ext uri="{AF507438-7753-43E0-B8FC-AC1667EBCBE1}">
-              <a14:hiddenEffects xmlns:a14="http://schemas.microsoft.com/office/drawing/2010/main">
+              <a14:hiddenEffects xmlns:a14="http://schemas.microsoft.com/office/drawing/2010/main" xmlns="">
                 <a:effectLst>
                   <a:outerShdw dist="35921" dir="2700000" algn="ctr" rotWithShape="0">
                     <a:schemeClr val="bg2"/>
@@ -693,7 +693,7 @@
           <a:effectLst/>
           <a:extLst>
             <a:ext uri="{AF507438-7753-43E0-B8FC-AC1667EBCBE1}">
-              <a14:hiddenEffects xmlns:a14="http://schemas.microsoft.com/office/drawing/2010/main">
+              <a14:hiddenEffects xmlns:a14="http://schemas.microsoft.com/office/drawing/2010/main" xmlns="">
                 <a:effectLst>
                   <a:outerShdw dist="35921" dir="2700000" algn="ctr" rotWithShape="0">
                     <a:srgbClr val="808080"/>
@@ -702,7 +702,7 @@
               </a14:hiddenEffects>
             </a:ext>
             <a:ext uri="{53640926-AAD7-44D8-BBD7-CCE9431645EC}">
-              <a14:shadowObscured xmlns:a14="http://schemas.microsoft.com/office/drawing/2010/main" val="1"/>
+              <a14:shadowObscured xmlns:a14="http://schemas.microsoft.com/office/drawing/2010/main" xmlns="" val="1"/>
             </a:ext>
           </a:extLst>
         </p:spPr>
@@ -732,14 +732,14 @@
           <a:effectLst/>
           <a:extLst>
             <a:ext uri="{909E8E84-426E-40DD-AFC4-6F175D3DCCD1}">
-              <a14:hiddenFill xmlns:a14="http://schemas.microsoft.com/office/drawing/2010/main">
+              <a14:hiddenFill xmlns:a14="http://schemas.microsoft.com/office/drawing/2010/main" xmlns="">
                 <a:solidFill>
                   <a:schemeClr val="accent1"/>
                 </a:solidFill>
               </a14:hiddenFill>
             </a:ext>
             <a:ext uri="{91240B29-F687-4F45-9708-019B960494DF}">
-              <a14:hiddenLine xmlns:a14="http://schemas.microsoft.com/office/drawing/2010/main" w="9525">
+              <a14:hiddenLine xmlns:a14="http://schemas.microsoft.com/office/drawing/2010/main" xmlns="" w="9525">
                 <a:solidFill>
                   <a:schemeClr val="tx1"/>
                 </a:solidFill>
@@ -749,7 +749,7 @@
               </a14:hiddenLine>
             </a:ext>
             <a:ext uri="{AF507438-7753-43E0-B8FC-AC1667EBCBE1}">
-              <a14:hiddenEffects xmlns:a14="http://schemas.microsoft.com/office/drawing/2010/main">
+              <a14:hiddenEffects xmlns:a14="http://schemas.microsoft.com/office/drawing/2010/main" xmlns="">
                 <a:effectLst>
                   <a:outerShdw dist="35921" dir="2700000" algn="ctr" rotWithShape="0">
                     <a:schemeClr val="bg2"/>
@@ -828,14 +828,14 @@
           <a:effectLst/>
           <a:extLst>
             <a:ext uri="{909E8E84-426E-40DD-AFC4-6F175D3DCCD1}">
-              <a14:hiddenFill xmlns:a14="http://schemas.microsoft.com/office/drawing/2010/main">
+              <a14:hiddenFill xmlns:a14="http://schemas.microsoft.com/office/drawing/2010/main" xmlns="">
                 <a:solidFill>
                   <a:schemeClr val="accent1"/>
                 </a:solidFill>
               </a14:hiddenFill>
             </a:ext>
             <a:ext uri="{91240B29-F687-4F45-9708-019B960494DF}">
-              <a14:hiddenLine xmlns:a14="http://schemas.microsoft.com/office/drawing/2010/main" w="9525">
+              <a14:hiddenLine xmlns:a14="http://schemas.microsoft.com/office/drawing/2010/main" xmlns="" w="9525">
                 <a:solidFill>
                   <a:schemeClr val="tx1"/>
                 </a:solidFill>
@@ -845,7 +845,7 @@
               </a14:hiddenLine>
             </a:ext>
             <a:ext uri="{AF507438-7753-43E0-B8FC-AC1667EBCBE1}">
-              <a14:hiddenEffects xmlns:a14="http://schemas.microsoft.com/office/drawing/2010/main">
+              <a14:hiddenEffects xmlns:a14="http://schemas.microsoft.com/office/drawing/2010/main" xmlns="">
                 <a:effectLst>
                   <a:outerShdw dist="35921" dir="2700000" algn="ctr" rotWithShape="0">
                     <a:schemeClr val="bg2"/>
@@ -899,14 +899,14 @@
           <a:effectLst/>
           <a:extLst>
             <a:ext uri="{909E8E84-426E-40DD-AFC4-6F175D3DCCD1}">
-              <a14:hiddenFill xmlns:a14="http://schemas.microsoft.com/office/drawing/2010/main">
+              <a14:hiddenFill xmlns:a14="http://schemas.microsoft.com/office/drawing/2010/main" xmlns="">
                 <a:solidFill>
                   <a:schemeClr val="accent1"/>
                 </a:solidFill>
               </a14:hiddenFill>
             </a:ext>
             <a:ext uri="{91240B29-F687-4F45-9708-019B960494DF}">
-              <a14:hiddenLine xmlns:a14="http://schemas.microsoft.com/office/drawing/2010/main" w="9525">
+              <a14:hiddenLine xmlns:a14="http://schemas.microsoft.com/office/drawing/2010/main" xmlns="" w="9525">
                 <a:solidFill>
                   <a:schemeClr val="tx1"/>
                 </a:solidFill>
@@ -916,7 +916,7 @@
               </a14:hiddenLine>
             </a:ext>
             <a:ext uri="{AF507438-7753-43E0-B8FC-AC1667EBCBE1}">
-              <a14:hiddenEffects xmlns:a14="http://schemas.microsoft.com/office/drawing/2010/main">
+              <a14:hiddenEffects xmlns:a14="http://schemas.microsoft.com/office/drawing/2010/main" xmlns="">
                 <a:effectLst>
                   <a:outerShdw dist="35921" dir="2700000" algn="ctr" rotWithShape="0">
                     <a:schemeClr val="bg2"/>
@@ -953,7 +953,7 @@
     </p:spTree>
     <p:extLst>
       <p:ext uri="{BB962C8B-B14F-4D97-AF65-F5344CB8AC3E}">
-        <p14:creationId xmlns:p14="http://schemas.microsoft.com/office/powerpoint/2010/main" val="4157978950"/>
+        <p14:creationId xmlns:p14="http://schemas.microsoft.com/office/powerpoint/2010/main" xmlns="" val="4157978950"/>
       </p:ext>
     </p:extLst>
   </p:cSld>
@@ -1149,7 +1149,7 @@
             <a:effectLst/>
             <a:extLst>
               <a:ext uri="{91240B29-F687-4F45-9708-019B960494DF}">
-                <a14:hiddenLine xmlns:a14="http://schemas.microsoft.com/office/drawing/2010/main" w="9525">
+                <a14:hiddenLine xmlns:a14="http://schemas.microsoft.com/office/drawing/2010/main" xmlns="" w="9525">
                   <a:solidFill>
                     <a:schemeClr val="tx1"/>
                   </a:solidFill>
@@ -1159,7 +1159,7 @@
                 </a14:hiddenLine>
               </a:ext>
               <a:ext uri="{AF507438-7753-43E0-B8FC-AC1667EBCBE1}">
-                <a14:hiddenEffects xmlns:a14="http://schemas.microsoft.com/office/drawing/2010/main">
+                <a14:hiddenEffects xmlns:a14="http://schemas.microsoft.com/office/drawing/2010/main" xmlns="">
                   <a:effectLst>
                     <a:outerShdw dist="35921" dir="2700000" algn="ctr" rotWithShape="0">
                       <a:schemeClr val="bg2"/>
@@ -1212,7 +1212,7 @@
             </a:ln>
             <a:extLst>
               <a:ext uri="{91240B29-F687-4F45-9708-019B960494DF}">
-                <a14:hiddenLine xmlns:a14="http://schemas.microsoft.com/office/drawing/2010/main" w="9525">
+                <a14:hiddenLine xmlns:a14="http://schemas.microsoft.com/office/drawing/2010/main" xmlns="" w="9525">
                   <a:solidFill>
                     <a:srgbClr val="000000"/>
                   </a:solidFill>
@@ -1282,7 +1282,7 @@
               </a:ln>
               <a:extLst>
                 <a:ext uri="{91240B29-F687-4F45-9708-019B960494DF}">
-                  <a14:hiddenLine xmlns:a14="http://schemas.microsoft.com/office/drawing/2010/main" w="9525">
+                  <a14:hiddenLine xmlns:a14="http://schemas.microsoft.com/office/drawing/2010/main" xmlns="" w="9525">
                     <a:solidFill>
                       <a:srgbClr val="000000"/>
                     </a:solidFill>
@@ -1336,7 +1336,7 @@
               </a:ln>
               <a:extLst>
                 <a:ext uri="{91240B29-F687-4F45-9708-019B960494DF}">
-                  <a14:hiddenLine xmlns:a14="http://schemas.microsoft.com/office/drawing/2010/main" w="9525">
+                  <a14:hiddenLine xmlns:a14="http://schemas.microsoft.com/office/drawing/2010/main" xmlns="" w="9525">
                     <a:solidFill>
                       <a:srgbClr val="000000"/>
                     </a:solidFill>
@@ -1390,7 +1390,7 @@
               </a:ln>
               <a:extLst>
                 <a:ext uri="{91240B29-F687-4F45-9708-019B960494DF}">
-                  <a14:hiddenLine xmlns:a14="http://schemas.microsoft.com/office/drawing/2010/main" w="9525">
+                  <a14:hiddenLine xmlns:a14="http://schemas.microsoft.com/office/drawing/2010/main" xmlns="" w="9525">
                     <a:solidFill>
                       <a:srgbClr val="000000"/>
                     </a:solidFill>
@@ -1444,7 +1444,7 @@
               </a:ln>
               <a:extLst>
                 <a:ext uri="{91240B29-F687-4F45-9708-019B960494DF}">
-                  <a14:hiddenLine xmlns:a14="http://schemas.microsoft.com/office/drawing/2010/main" w="9525">
+                  <a14:hiddenLine xmlns:a14="http://schemas.microsoft.com/office/drawing/2010/main" xmlns="" w="9525">
                     <a:solidFill>
                       <a:srgbClr val="000000"/>
                     </a:solidFill>
@@ -1498,7 +1498,7 @@
               </a:ln>
               <a:extLst>
                 <a:ext uri="{91240B29-F687-4F45-9708-019B960494DF}">
-                  <a14:hiddenLine xmlns:a14="http://schemas.microsoft.com/office/drawing/2010/main" w="9525">
+                  <a14:hiddenLine xmlns:a14="http://schemas.microsoft.com/office/drawing/2010/main" xmlns="" w="9525">
                     <a:solidFill>
                       <a:srgbClr val="000000"/>
                     </a:solidFill>
@@ -1552,7 +1552,7 @@
               </a:ln>
               <a:extLst>
                 <a:ext uri="{91240B29-F687-4F45-9708-019B960494DF}">
-                  <a14:hiddenLine xmlns:a14="http://schemas.microsoft.com/office/drawing/2010/main" w="9525">
+                  <a14:hiddenLine xmlns:a14="http://schemas.microsoft.com/office/drawing/2010/main" xmlns="" w="9525">
                     <a:solidFill>
                       <a:srgbClr val="000000"/>
                     </a:solidFill>
@@ -1606,7 +1606,7 @@
               </a:ln>
               <a:extLst>
                 <a:ext uri="{91240B29-F687-4F45-9708-019B960494DF}">
-                  <a14:hiddenLine xmlns:a14="http://schemas.microsoft.com/office/drawing/2010/main" w="9525">
+                  <a14:hiddenLine xmlns:a14="http://schemas.microsoft.com/office/drawing/2010/main" xmlns="" w="9525">
                     <a:solidFill>
                       <a:srgbClr val="000000"/>
                     </a:solidFill>
@@ -1660,7 +1660,7 @@
               </a:ln>
               <a:extLst>
                 <a:ext uri="{91240B29-F687-4F45-9708-019B960494DF}">
-                  <a14:hiddenLine xmlns:a14="http://schemas.microsoft.com/office/drawing/2010/main" w="9525">
+                  <a14:hiddenLine xmlns:a14="http://schemas.microsoft.com/office/drawing/2010/main" xmlns="" w="9525">
                     <a:solidFill>
                       <a:srgbClr val="000000"/>
                     </a:solidFill>
@@ -1714,7 +1714,7 @@
               </a:ln>
               <a:extLst>
                 <a:ext uri="{91240B29-F687-4F45-9708-019B960494DF}">
-                  <a14:hiddenLine xmlns:a14="http://schemas.microsoft.com/office/drawing/2010/main" w="9525">
+                  <a14:hiddenLine xmlns:a14="http://schemas.microsoft.com/office/drawing/2010/main" xmlns="" w="9525">
                     <a:solidFill>
                       <a:srgbClr val="000000"/>
                     </a:solidFill>
@@ -1768,7 +1768,7 @@
               </a:ln>
               <a:extLst>
                 <a:ext uri="{91240B29-F687-4F45-9708-019B960494DF}">
-                  <a14:hiddenLine xmlns:a14="http://schemas.microsoft.com/office/drawing/2010/main" w="9525">
+                  <a14:hiddenLine xmlns:a14="http://schemas.microsoft.com/office/drawing/2010/main" xmlns="" w="9525">
                     <a:solidFill>
                       <a:srgbClr val="000000"/>
                     </a:solidFill>
@@ -2127,7 +2127,7 @@
     </p:spTree>
     <p:extLst>
       <p:ext uri="{BB962C8B-B14F-4D97-AF65-F5344CB8AC3E}">
-        <p14:creationId xmlns:p14="http://schemas.microsoft.com/office/powerpoint/2010/main" val="86913377"/>
+        <p14:creationId xmlns:p14="http://schemas.microsoft.com/office/powerpoint/2010/main" xmlns="" val="86913377"/>
       </p:ext>
     </p:extLst>
   </p:cSld>
@@ -2317,7 +2317,7 @@
     </p:spTree>
     <p:extLst>
       <p:ext uri="{BB962C8B-B14F-4D97-AF65-F5344CB8AC3E}">
-        <p14:creationId xmlns:p14="http://schemas.microsoft.com/office/powerpoint/2010/main" val="4273429077"/>
+        <p14:creationId xmlns:p14="http://schemas.microsoft.com/office/powerpoint/2010/main" xmlns="" val="4273429077"/>
       </p:ext>
     </p:extLst>
   </p:cSld>
@@ -2579,7 +2579,7 @@
     </p:spTree>
     <p:extLst>
       <p:ext uri="{BB962C8B-B14F-4D97-AF65-F5344CB8AC3E}">
-        <p14:creationId xmlns:p14="http://schemas.microsoft.com/office/powerpoint/2010/main" val="831120082"/>
+        <p14:creationId xmlns:p14="http://schemas.microsoft.com/office/powerpoint/2010/main" xmlns="" val="831120082"/>
       </p:ext>
     </p:extLst>
   </p:cSld>
@@ -2812,7 +2812,7 @@
     </p:spTree>
     <p:extLst>
       <p:ext uri="{BB962C8B-B14F-4D97-AF65-F5344CB8AC3E}">
-        <p14:creationId xmlns:p14="http://schemas.microsoft.com/office/powerpoint/2010/main" val="2373605731"/>
+        <p14:creationId xmlns:p14="http://schemas.microsoft.com/office/powerpoint/2010/main" xmlns="" val="2373605731"/>
       </p:ext>
     </p:extLst>
   </p:cSld>
@@ -3045,7 +3045,7 @@
     </p:spTree>
     <p:extLst>
       <p:ext uri="{BB962C8B-B14F-4D97-AF65-F5344CB8AC3E}">
-        <p14:creationId xmlns:p14="http://schemas.microsoft.com/office/powerpoint/2010/main" val="1881871935"/>
+        <p14:creationId xmlns:p14="http://schemas.microsoft.com/office/powerpoint/2010/main" xmlns="" val="1881871935"/>
       </p:ext>
     </p:extLst>
   </p:cSld>
@@ -3225,7 +3225,7 @@
     </p:spTree>
     <p:extLst>
       <p:ext uri="{BB962C8B-B14F-4D97-AF65-F5344CB8AC3E}">
-        <p14:creationId xmlns:p14="http://schemas.microsoft.com/office/powerpoint/2010/main" val="2048350811"/>
+        <p14:creationId xmlns:p14="http://schemas.microsoft.com/office/powerpoint/2010/main" xmlns="" val="2048350811"/>
       </p:ext>
     </p:extLst>
   </p:cSld>
@@ -3427,7 +3427,7 @@
     </p:spTree>
     <p:extLst>
       <p:ext uri="{BB962C8B-B14F-4D97-AF65-F5344CB8AC3E}">
-        <p14:creationId xmlns:p14="http://schemas.microsoft.com/office/powerpoint/2010/main" val="2196783589"/>
+        <p14:creationId xmlns:p14="http://schemas.microsoft.com/office/powerpoint/2010/main" xmlns="" val="2196783589"/>
       </p:ext>
     </p:extLst>
   </p:cSld>
@@ -3725,7 +3725,7 @@
     </p:spTree>
     <p:extLst>
       <p:ext uri="{BB962C8B-B14F-4D97-AF65-F5344CB8AC3E}">
-        <p14:creationId xmlns:p14="http://schemas.microsoft.com/office/powerpoint/2010/main" val="814128731"/>
+        <p14:creationId xmlns:p14="http://schemas.microsoft.com/office/powerpoint/2010/main" xmlns="" val="814128731"/>
       </p:ext>
     </p:extLst>
   </p:cSld>
@@ -4162,7 +4162,7 @@
     </p:spTree>
     <p:extLst>
       <p:ext uri="{BB962C8B-B14F-4D97-AF65-F5344CB8AC3E}">
-        <p14:creationId xmlns:p14="http://schemas.microsoft.com/office/powerpoint/2010/main" val="692798999"/>
+        <p14:creationId xmlns:p14="http://schemas.microsoft.com/office/powerpoint/2010/main" xmlns="" val="692798999"/>
       </p:ext>
     </p:extLst>
   </p:cSld>
@@ -4290,7 +4290,7 @@
     </p:spTree>
     <p:extLst>
       <p:ext uri="{BB962C8B-B14F-4D97-AF65-F5344CB8AC3E}">
-        <p14:creationId xmlns:p14="http://schemas.microsoft.com/office/powerpoint/2010/main" val="971838808"/>
+        <p14:creationId xmlns:p14="http://schemas.microsoft.com/office/powerpoint/2010/main" xmlns="" val="971838808"/>
       </p:ext>
     </p:extLst>
   </p:cSld>
@@ -4395,7 +4395,7 @@
     </p:spTree>
     <p:extLst>
       <p:ext uri="{BB962C8B-B14F-4D97-AF65-F5344CB8AC3E}">
-        <p14:creationId xmlns:p14="http://schemas.microsoft.com/office/powerpoint/2010/main" val="4268550838"/>
+        <p14:creationId xmlns:p14="http://schemas.microsoft.com/office/powerpoint/2010/main" xmlns="" val="4268550838"/>
       </p:ext>
     </p:extLst>
   </p:cSld>
@@ -4682,7 +4682,7 @@
     </p:spTree>
     <p:extLst>
       <p:ext uri="{BB962C8B-B14F-4D97-AF65-F5344CB8AC3E}">
-        <p14:creationId xmlns:p14="http://schemas.microsoft.com/office/powerpoint/2010/main" val="835405000"/>
+        <p14:creationId xmlns:p14="http://schemas.microsoft.com/office/powerpoint/2010/main" xmlns="" val="835405000"/>
       </p:ext>
     </p:extLst>
   </p:cSld>
@@ -4949,7 +4949,7 @@
     </p:spTree>
     <p:extLst>
       <p:ext uri="{BB962C8B-B14F-4D97-AF65-F5344CB8AC3E}">
-        <p14:creationId xmlns:p14="http://schemas.microsoft.com/office/powerpoint/2010/main" val="1218909942"/>
+        <p14:creationId xmlns:p14="http://schemas.microsoft.com/office/powerpoint/2010/main" xmlns="" val="1218909942"/>
       </p:ext>
     </p:extLst>
   </p:cSld>
@@ -5010,14 +5010,14 @@
           <a:effectLst/>
           <a:extLst>
             <a:ext uri="{909E8E84-426E-40DD-AFC4-6F175D3DCCD1}">
-              <a14:hiddenFill xmlns:a14="http://schemas.microsoft.com/office/drawing/2010/main">
+              <a14:hiddenFill xmlns:a14="http://schemas.microsoft.com/office/drawing/2010/main" xmlns="">
                 <a:solidFill>
                   <a:schemeClr val="accent1"/>
                 </a:solidFill>
               </a14:hiddenFill>
             </a:ext>
             <a:ext uri="{91240B29-F687-4F45-9708-019B960494DF}">
-              <a14:hiddenLine xmlns:a14="http://schemas.microsoft.com/office/drawing/2010/main" w="9525">
+              <a14:hiddenLine xmlns:a14="http://schemas.microsoft.com/office/drawing/2010/main" xmlns="" w="9525">
                 <a:solidFill>
                   <a:schemeClr val="tx1"/>
                 </a:solidFill>
@@ -5027,7 +5027,7 @@
               </a14:hiddenLine>
             </a:ext>
             <a:ext uri="{AF507438-7753-43E0-B8FC-AC1667EBCBE1}">
-              <a14:hiddenEffects xmlns:a14="http://schemas.microsoft.com/office/drawing/2010/main">
+              <a14:hiddenEffects xmlns:a14="http://schemas.microsoft.com/office/drawing/2010/main" xmlns="">
                 <a:effectLst>
                   <a:outerShdw dist="35921" dir="2700000" algn="ctr" rotWithShape="0">
                     <a:schemeClr val="bg2"/>
@@ -5080,14 +5080,14 @@
           <a:effectLst/>
           <a:extLst>
             <a:ext uri="{909E8E84-426E-40DD-AFC4-6F175D3DCCD1}">
-              <a14:hiddenFill xmlns:a14="http://schemas.microsoft.com/office/drawing/2010/main">
+              <a14:hiddenFill xmlns:a14="http://schemas.microsoft.com/office/drawing/2010/main" xmlns="">
                 <a:solidFill>
                   <a:schemeClr val="accent1"/>
                 </a:solidFill>
               </a14:hiddenFill>
             </a:ext>
             <a:ext uri="{91240B29-F687-4F45-9708-019B960494DF}">
-              <a14:hiddenLine xmlns:a14="http://schemas.microsoft.com/office/drawing/2010/main" w="9525">
+              <a14:hiddenLine xmlns:a14="http://schemas.microsoft.com/office/drawing/2010/main" xmlns="" w="9525">
                 <a:solidFill>
                   <a:schemeClr val="tx1"/>
                 </a:solidFill>
@@ -5097,7 +5097,7 @@
               </a14:hiddenLine>
             </a:ext>
             <a:ext uri="{AF507438-7753-43E0-B8FC-AC1667EBCBE1}">
-              <a14:hiddenEffects xmlns:a14="http://schemas.microsoft.com/office/drawing/2010/main">
+              <a14:hiddenEffects xmlns:a14="http://schemas.microsoft.com/office/drawing/2010/main" xmlns="">
                 <a:effectLst>
                   <a:outerShdw dist="35921" dir="2700000" algn="ctr" rotWithShape="0">
                     <a:schemeClr val="bg2"/>
@@ -5180,7 +5180,7 @@
             <a:effectLst/>
             <a:extLst>
               <a:ext uri="{91240B29-F687-4F45-9708-019B960494DF}">
-                <a14:hiddenLine xmlns:a14="http://schemas.microsoft.com/office/drawing/2010/main" w="9525">
+                <a14:hiddenLine xmlns:a14="http://schemas.microsoft.com/office/drawing/2010/main" xmlns="" w="9525">
                   <a:solidFill>
                     <a:schemeClr val="tx1"/>
                   </a:solidFill>
@@ -5190,7 +5190,7 @@
                 </a14:hiddenLine>
               </a:ext>
               <a:ext uri="{AF507438-7753-43E0-B8FC-AC1667EBCBE1}">
-                <a14:hiddenEffects xmlns:a14="http://schemas.microsoft.com/office/drawing/2010/main">
+                <a14:hiddenEffects xmlns:a14="http://schemas.microsoft.com/office/drawing/2010/main" xmlns="">
                   <a:effectLst>
                     <a:outerShdw dist="35921" dir="2700000" algn="ctr" rotWithShape="0">
                       <a:schemeClr val="bg2"/>
@@ -5251,7 +5251,7 @@
             </a:ln>
             <a:extLst>
               <a:ext uri="{91240B29-F687-4F45-9708-019B960494DF}">
-                <a14:hiddenLine xmlns:a14="http://schemas.microsoft.com/office/drawing/2010/main" w="9525">
+                <a14:hiddenLine xmlns:a14="http://schemas.microsoft.com/office/drawing/2010/main" xmlns="" w="9525">
                   <a:solidFill>
                     <a:srgbClr val="000000"/>
                   </a:solidFill>
@@ -5305,7 +5305,7 @@
             </a:ln>
             <a:extLst>
               <a:ext uri="{91240B29-F687-4F45-9708-019B960494DF}">
-                <a14:hiddenLine xmlns:a14="http://schemas.microsoft.com/office/drawing/2010/main" w="9525">
+                <a14:hiddenLine xmlns:a14="http://schemas.microsoft.com/office/drawing/2010/main" xmlns="" w="9525">
                   <a:solidFill>
                     <a:srgbClr val="000000"/>
                   </a:solidFill>
@@ -5354,7 +5354,7 @@
             </a:ln>
             <a:extLst>
               <a:ext uri="{91240B29-F687-4F45-9708-019B960494DF}">
-                <a14:hiddenLine xmlns:a14="http://schemas.microsoft.com/office/drawing/2010/main" w="9525">
+                <a14:hiddenLine xmlns:a14="http://schemas.microsoft.com/office/drawing/2010/main" xmlns="" w="9525">
                   <a:solidFill>
                     <a:srgbClr val="000000"/>
                   </a:solidFill>
@@ -5403,7 +5403,7 @@
             </a:ln>
             <a:extLst>
               <a:ext uri="{91240B29-F687-4F45-9708-019B960494DF}">
-                <a14:hiddenLine xmlns:a14="http://schemas.microsoft.com/office/drawing/2010/main" w="9525">
+                <a14:hiddenLine xmlns:a14="http://schemas.microsoft.com/office/drawing/2010/main" xmlns="" w="9525">
                   <a:solidFill>
                     <a:srgbClr val="000000"/>
                   </a:solidFill>
@@ -5452,7 +5452,7 @@
             </a:ln>
             <a:extLst>
               <a:ext uri="{91240B29-F687-4F45-9708-019B960494DF}">
-                <a14:hiddenLine xmlns:a14="http://schemas.microsoft.com/office/drawing/2010/main" w="9525">
+                <a14:hiddenLine xmlns:a14="http://schemas.microsoft.com/office/drawing/2010/main" xmlns="" w="9525">
                   <a:solidFill>
                     <a:srgbClr val="000000"/>
                   </a:solidFill>
@@ -5501,7 +5501,7 @@
             </a:ln>
             <a:extLst>
               <a:ext uri="{91240B29-F687-4F45-9708-019B960494DF}">
-                <a14:hiddenLine xmlns:a14="http://schemas.microsoft.com/office/drawing/2010/main" w="9525">
+                <a14:hiddenLine xmlns:a14="http://schemas.microsoft.com/office/drawing/2010/main" xmlns="" w="9525">
                   <a:solidFill>
                     <a:srgbClr val="000000"/>
                   </a:solidFill>
@@ -5555,7 +5555,7 @@
             </a:ln>
             <a:extLst>
               <a:ext uri="{91240B29-F687-4F45-9708-019B960494DF}">
-                <a14:hiddenLine xmlns:a14="http://schemas.microsoft.com/office/drawing/2010/main" w="9525">
+                <a14:hiddenLine xmlns:a14="http://schemas.microsoft.com/office/drawing/2010/main" xmlns="" w="9525">
                   <a:solidFill>
                     <a:srgbClr val="000000"/>
                   </a:solidFill>
@@ -5604,7 +5604,7 @@
             </a:ln>
             <a:extLst>
               <a:ext uri="{91240B29-F687-4F45-9708-019B960494DF}">
-                <a14:hiddenLine xmlns:a14="http://schemas.microsoft.com/office/drawing/2010/main" w="9525">
+                <a14:hiddenLine xmlns:a14="http://schemas.microsoft.com/office/drawing/2010/main" xmlns="" w="9525">
                   <a:solidFill>
                     <a:srgbClr val="000000"/>
                   </a:solidFill>
@@ -5655,14 +5655,14 @@
           <a:effectLst/>
           <a:extLst>
             <a:ext uri="{909E8E84-426E-40DD-AFC4-6F175D3DCCD1}">
-              <a14:hiddenFill xmlns:a14="http://schemas.microsoft.com/office/drawing/2010/main">
+              <a14:hiddenFill xmlns:a14="http://schemas.microsoft.com/office/drawing/2010/main" xmlns="">
                 <a:solidFill>
                   <a:schemeClr val="accent1"/>
                 </a:solidFill>
               </a14:hiddenFill>
             </a:ext>
             <a:ext uri="{91240B29-F687-4F45-9708-019B960494DF}">
-              <a14:hiddenLine xmlns:a14="http://schemas.microsoft.com/office/drawing/2010/main" w="9525">
+              <a14:hiddenLine xmlns:a14="http://schemas.microsoft.com/office/drawing/2010/main" xmlns="" w="9525">
                 <a:solidFill>
                   <a:schemeClr val="tx1"/>
                 </a:solidFill>
@@ -5672,7 +5672,7 @@
               </a14:hiddenLine>
             </a:ext>
             <a:ext uri="{AF507438-7753-43E0-B8FC-AC1667EBCBE1}">
-              <a14:hiddenEffects xmlns:a14="http://schemas.microsoft.com/office/drawing/2010/main">
+              <a14:hiddenEffects xmlns:a14="http://schemas.microsoft.com/office/drawing/2010/main" xmlns="">
                 <a:effectLst>
                   <a:outerShdw dist="35921" dir="2700000" algn="ctr" rotWithShape="0">
                     <a:schemeClr val="bg2"/>
@@ -5723,14 +5723,14 @@
           <a:effectLst/>
           <a:extLst>
             <a:ext uri="{909E8E84-426E-40DD-AFC4-6F175D3DCCD1}">
-              <a14:hiddenFill xmlns:a14="http://schemas.microsoft.com/office/drawing/2010/main">
+              <a14:hiddenFill xmlns:a14="http://schemas.microsoft.com/office/drawing/2010/main" xmlns="">
                 <a:solidFill>
                   <a:schemeClr val="accent1"/>
                 </a:solidFill>
               </a14:hiddenFill>
             </a:ext>
             <a:ext uri="{91240B29-F687-4F45-9708-019B960494DF}">
-              <a14:hiddenLine xmlns:a14="http://schemas.microsoft.com/office/drawing/2010/main" w="9525">
+              <a14:hiddenLine xmlns:a14="http://schemas.microsoft.com/office/drawing/2010/main" xmlns="" w="9525">
                 <a:solidFill>
                   <a:schemeClr val="tx1"/>
                 </a:solidFill>
@@ -5740,7 +5740,7 @@
               </a14:hiddenLine>
             </a:ext>
             <a:ext uri="{AF507438-7753-43E0-B8FC-AC1667EBCBE1}">
-              <a14:hiddenEffects xmlns:a14="http://schemas.microsoft.com/office/drawing/2010/main">
+              <a14:hiddenEffects xmlns:a14="http://schemas.microsoft.com/office/drawing/2010/main" xmlns="">
                 <a:effectLst>
                   <a:outerShdw dist="35921" dir="2700000" algn="ctr" rotWithShape="0">
                     <a:schemeClr val="bg2"/>
@@ -5819,14 +5819,14 @@
           <a:effectLst/>
           <a:extLst>
             <a:ext uri="{909E8E84-426E-40DD-AFC4-6F175D3DCCD1}">
-              <a14:hiddenFill xmlns:a14="http://schemas.microsoft.com/office/drawing/2010/main">
+              <a14:hiddenFill xmlns:a14="http://schemas.microsoft.com/office/drawing/2010/main" xmlns="">
                 <a:solidFill>
                   <a:schemeClr val="accent1"/>
                 </a:solidFill>
               </a14:hiddenFill>
             </a:ext>
             <a:ext uri="{91240B29-F687-4F45-9708-019B960494DF}">
-              <a14:hiddenLine xmlns:a14="http://schemas.microsoft.com/office/drawing/2010/main" w="9525">
+              <a14:hiddenLine xmlns:a14="http://schemas.microsoft.com/office/drawing/2010/main" xmlns="" w="9525">
                 <a:solidFill>
                   <a:schemeClr val="tx1"/>
                 </a:solidFill>
@@ -5836,7 +5836,7 @@
               </a14:hiddenLine>
             </a:ext>
             <a:ext uri="{AF507438-7753-43E0-B8FC-AC1667EBCBE1}">
-              <a14:hiddenEffects xmlns:a14="http://schemas.microsoft.com/office/drawing/2010/main">
+              <a14:hiddenEffects xmlns:a14="http://schemas.microsoft.com/office/drawing/2010/main" xmlns="">
                 <a:effectLst>
                   <a:outerShdw dist="35921" dir="2700000" algn="ctr" rotWithShape="0">
                     <a:schemeClr val="bg2"/>
@@ -6545,7 +6545,7 @@
             <a:effectLst/>
             <a:extLst>
               <a:ext uri="{AF507438-7753-43E0-B8FC-AC1667EBCBE1}">
-                <a14:hiddenEffects xmlns:a14="http://schemas.microsoft.com/office/drawing/2010/main">
+                <a14:hiddenEffects xmlns:a14="http://schemas.microsoft.com/office/drawing/2010/main" xmlns="">
                   <a:effectLst>
                     <a:outerShdw dist="35921" dir="2700000" algn="ctr" rotWithShape="0">
                       <a:schemeClr val="bg2"/>
@@ -6585,7 +6585,7 @@
             <a:effectLst/>
             <a:extLst>
               <a:ext uri="{AF507438-7753-43E0-B8FC-AC1667EBCBE1}">
-                <a14:hiddenEffects xmlns:a14="http://schemas.microsoft.com/office/drawing/2010/main">
+                <a14:hiddenEffects xmlns:a14="http://schemas.microsoft.com/office/drawing/2010/main" xmlns="">
                   <a:effectLst>
                     <a:outerShdw dist="35921" dir="2700000" algn="ctr" rotWithShape="0">
                       <a:schemeClr val="bg2"/>
@@ -6625,7 +6625,7 @@
             <a:effectLst/>
             <a:extLst>
               <a:ext uri="{AF507438-7753-43E0-B8FC-AC1667EBCBE1}">
-                <a14:hiddenEffects xmlns:a14="http://schemas.microsoft.com/office/drawing/2010/main">
+                <a14:hiddenEffects xmlns:a14="http://schemas.microsoft.com/office/drawing/2010/main" xmlns="">
                   <a:effectLst>
                     <a:outerShdw dist="35921" dir="2700000" algn="ctr" rotWithShape="0">
                       <a:schemeClr val="bg2"/>
@@ -6668,7 +6668,7 @@
             <a:effectLst/>
             <a:extLst>
               <a:ext uri="{AF507438-7753-43E0-B8FC-AC1667EBCBE1}">
-                <a14:hiddenEffects xmlns:a14="http://schemas.microsoft.com/office/drawing/2010/main">
+                <a14:hiddenEffects xmlns:a14="http://schemas.microsoft.com/office/drawing/2010/main" xmlns="">
                   <a:effectLst>
                     <a:outerShdw dist="35921" dir="2700000" algn="ctr" rotWithShape="0">
                       <a:schemeClr val="bg2"/>
@@ -6707,14 +6707,7 @@
                 <a:latin typeface="맑은 고딕" panose="020B0503020000020004" pitchFamily="50" charset="-127"/>
                 <a:ea typeface="맑은 고딕" panose="020B0503020000020004" pitchFamily="50" charset="-127"/>
               </a:rPr>
-              <a:t>통계 </a:t>
-            </a:r>
-            <a:r>
-              <a:rPr lang="ko-KR" altLang="en-US" sz="3600" dirty="0" smtClean="0">
-                <a:latin typeface="맑은 고딕" panose="020B0503020000020004" pitchFamily="50" charset="-127"/>
-                <a:ea typeface="맑은 고딕" panose="020B0503020000020004" pitchFamily="50" charset="-127"/>
-              </a:rPr>
-              <a:t>분석 </a:t>
+              <a:t>통계 분석 </a:t>
             </a:r>
             <a:r>
               <a:rPr lang="en-US" altLang="ko-KR" sz="3600" dirty="0" smtClean="0">
@@ -6742,7 +6735,7 @@
     </p:spTree>
     <p:extLst>
       <p:ext uri="{BB962C8B-B14F-4D97-AF65-F5344CB8AC3E}">
-        <p14:creationId xmlns:p14="http://schemas.microsoft.com/office/powerpoint/2010/main" val="703775315"/>
+        <p14:creationId xmlns:p14="http://schemas.microsoft.com/office/powerpoint/2010/main" xmlns="" val="703775315"/>
       </p:ext>
     </p:extLst>
   </p:cSld>
@@ -7007,7 +7000,7 @@
             <a:effectLst/>
             <a:extLst>
               <a:ext uri="{AF507438-7753-43E0-B8FC-AC1667EBCBE1}">
-                <a14:hiddenEffects xmlns:a14="http://schemas.microsoft.com/office/drawing/2010/main">
+                <a14:hiddenEffects xmlns:a14="http://schemas.microsoft.com/office/drawing/2010/main" xmlns="">
                   <a:effectLst>
                     <a:outerShdw dist="35921" dir="2700000" algn="ctr" rotWithShape="0">
                       <a:schemeClr val="bg2"/>
@@ -7047,7 +7040,7 @@
             <a:effectLst/>
             <a:extLst>
               <a:ext uri="{AF507438-7753-43E0-B8FC-AC1667EBCBE1}">
-                <a14:hiddenEffects xmlns:a14="http://schemas.microsoft.com/office/drawing/2010/main">
+                <a14:hiddenEffects xmlns:a14="http://schemas.microsoft.com/office/drawing/2010/main" xmlns="">
                   <a:effectLst>
                     <a:outerShdw dist="35921" dir="2700000" algn="ctr" rotWithShape="0">
                       <a:schemeClr val="bg2"/>
@@ -7087,7 +7080,7 @@
             <a:effectLst/>
             <a:extLst>
               <a:ext uri="{AF507438-7753-43E0-B8FC-AC1667EBCBE1}">
-                <a14:hiddenEffects xmlns:a14="http://schemas.microsoft.com/office/drawing/2010/main">
+                <a14:hiddenEffects xmlns:a14="http://schemas.microsoft.com/office/drawing/2010/main" xmlns="">
                   <a:effectLst>
                     <a:outerShdw dist="35921" dir="2700000" algn="ctr" rotWithShape="0">
                       <a:schemeClr val="bg2"/>
@@ -7130,7 +7123,7 @@
             <a:effectLst/>
             <a:extLst>
               <a:ext uri="{AF507438-7753-43E0-B8FC-AC1667EBCBE1}">
-                <a14:hiddenEffects xmlns:a14="http://schemas.microsoft.com/office/drawing/2010/main">
+                <a14:hiddenEffects xmlns:a14="http://schemas.microsoft.com/office/drawing/2010/main" xmlns="">
                   <a:effectLst>
                     <a:outerShdw dist="35921" dir="2700000" algn="ctr" rotWithShape="0">
                       <a:schemeClr val="bg2"/>
@@ -7212,14 +7205,7 @@
                 <a:latin typeface="맑은 고딕" panose="020B0503020000020004" pitchFamily="50" charset="-127"/>
                 <a:ea typeface="맑은 고딕" panose="020B0503020000020004" pitchFamily="50" charset="-127"/>
               </a:rPr>
-              <a:t>2016 – 12 - </a:t>
-            </a:r>
-            <a:r>
-              <a:rPr lang="en-US" altLang="ko-KR" sz="1400" b="1" dirty="0" smtClean="0">
-                <a:latin typeface="맑은 고딕" panose="020B0503020000020004" pitchFamily="50" charset="-127"/>
-                <a:ea typeface="맑은 고딕" panose="020B0503020000020004" pitchFamily="50" charset="-127"/>
-              </a:rPr>
-              <a:t>17</a:t>
+              <a:t>2016 – 12 - 17</a:t>
             </a:r>
             <a:endParaRPr lang="ko-KR" altLang="en-US" sz="1400" b="1" dirty="0">
               <a:latin typeface="맑은 고딕" panose="020B0503020000020004" pitchFamily="50" charset="-127"/>
@@ -7792,10 +7778,10 @@
           <p:nvPr/>
         </p:nvPicPr>
         <p:blipFill>
-          <a:blip r:embed="rId3">
+          <a:blip r:embed="rId3" cstate="print">
             <a:extLst>
               <a:ext uri="{28A0092B-C50C-407E-A947-70E740481C1C}">
-                <a14:useLocalDpi xmlns:a14="http://schemas.microsoft.com/office/drawing/2010/main" val="0"/>
+                <a14:useLocalDpi xmlns:a14="http://schemas.microsoft.com/office/drawing/2010/main" xmlns="" val="0"/>
               </a:ext>
             </a:extLst>
           </a:blip>
@@ -7818,14 +7804,14 @@
           </a:ln>
           <a:extLst>
             <a:ext uri="{909E8E84-426E-40DD-AFC4-6F175D3DCCD1}">
-              <a14:hiddenFill xmlns:a14="http://schemas.microsoft.com/office/drawing/2010/main">
+              <a14:hiddenFill xmlns:a14="http://schemas.microsoft.com/office/drawing/2010/main" xmlns="">
                 <a:solidFill>
                   <a:schemeClr val="accent1"/>
                 </a:solidFill>
               </a14:hiddenFill>
             </a:ext>
             <a:ext uri="{91240B29-F687-4F45-9708-019B960494DF}">
-              <a14:hiddenLine xmlns:a14="http://schemas.microsoft.com/office/drawing/2010/main" w="9525">
+              <a14:hiddenLine xmlns:a14="http://schemas.microsoft.com/office/drawing/2010/main" xmlns="" w="9525">
                 <a:solidFill>
                   <a:schemeClr val="tx1"/>
                 </a:solidFill>
@@ -8527,10 +8513,90 @@
           </a:p>
         </p:txBody>
       </p:sp>
+      <p:sp>
+        <p:nvSpPr>
+          <p:cNvPr id="28" name="직사각형 27"/>
+          <p:cNvSpPr/>
+          <p:nvPr/>
+        </p:nvSpPr>
+        <p:spPr bwMode="auto">
+          <a:xfrm>
+            <a:off x="5796136" y="1412776"/>
+            <a:ext cx="4752528" cy="1944216"/>
+          </a:xfrm>
+          <a:prstGeom prst="rect">
+            <a:avLst/>
+          </a:prstGeom>
+          <a:solidFill>
+            <a:schemeClr val="accent1"/>
+          </a:solidFill>
+          <a:ln w="9525" cap="flat" cmpd="sng" algn="ctr">
+            <a:solidFill>
+              <a:schemeClr val="tx1"/>
+            </a:solidFill>
+            <a:prstDash val="solid"/>
+            <a:round/>
+            <a:headEnd type="none" w="med" len="med"/>
+            <a:tailEnd type="none" w="med" len="med"/>
+          </a:ln>
+          <a:effectLst/>
+          <a:extLst>
+            <a:ext uri="{AF507438-7753-43E0-B8FC-AC1667EBCBE1}">
+              <a14:hiddenEffects xmlns:a14="http://schemas.microsoft.com/office/drawing/2010/main" xmlns="">
+                <a:effectLst>
+                  <a:outerShdw dist="35921" dir="2700000" algn="ctr" rotWithShape="0">
+                    <a:schemeClr val="bg2"/>
+                  </a:outerShdw>
+                </a:effectLst>
+              </a14:hiddenEffects>
+            </a:ext>
+          </a:extLst>
+        </p:spPr>
+        <p:txBody>
+          <a:bodyPr vert="horz" wrap="none" lIns="91440" tIns="45720" rIns="91440" bIns="45720" numCol="1" rtlCol="0" anchor="ctr" anchorCtr="0" compatLnSpc="1">
+            <a:prstTxWarp prst="textNoShape">
+              <a:avLst/>
+            </a:prstTxWarp>
+          </a:bodyPr>
+          <a:lstStyle/>
+          <a:p>
+            <a:pPr marL="0" marR="0" indent="0" algn="l" defTabSz="914400" rtl="0" eaLnBrk="0" fontAlgn="base" latinLnBrk="0" hangingPunct="0">
+              <a:lnSpc>
+                <a:spcPct val="100000"/>
+              </a:lnSpc>
+              <a:spcBef>
+                <a:spcPct val="0"/>
+              </a:spcBef>
+              <a:spcAft>
+                <a:spcPct val="0"/>
+              </a:spcAft>
+              <a:buClrTx/>
+              <a:buSzTx/>
+              <a:buFontTx/>
+              <a:buNone/>
+              <a:tabLst/>
+            </a:pPr>
+            <a:r>
+              <a:rPr lang="ko-KR" altLang="en-US" sz="3200" smtClean="0"/>
+              <a:t>완료</a:t>
+            </a:r>
+            <a:endParaRPr kumimoji="0" lang="ko-KR" altLang="en-US" sz="3200" b="0" i="0" u="none" strike="noStrike" cap="none" normalizeH="0" baseline="0" dirty="0" smtClean="0">
+              <a:ln>
+                <a:noFill/>
+              </a:ln>
+              <a:solidFill>
+                <a:schemeClr val="tx1"/>
+              </a:solidFill>
+              <a:effectLst/>
+              <a:latin typeface="Arial" charset="0"/>
+            </a:endParaRPr>
+          </a:p>
+        </p:txBody>
+      </p:sp>
     </p:spTree>
     <p:extLst>
       <p:ext uri="{BB962C8B-B14F-4D97-AF65-F5344CB8AC3E}">
-        <p14:creationId xmlns:p14="http://schemas.microsoft.com/office/powerpoint/2010/main" val="4201971601"/>
+        <p14:creationId xmlns:p14="http://schemas.microsoft.com/office/powerpoint/2010/main" xmlns="" val="4201971601"/>
       </p:ext>
     </p:extLst>
   </p:cSld>
@@ -8795,7 +8861,7 @@
             <a:effectLst/>
             <a:extLst>
               <a:ext uri="{AF507438-7753-43E0-B8FC-AC1667EBCBE1}">
-                <a14:hiddenEffects xmlns:a14="http://schemas.microsoft.com/office/drawing/2010/main">
+                <a14:hiddenEffects xmlns:a14="http://schemas.microsoft.com/office/drawing/2010/main" xmlns="">
                   <a:effectLst>
                     <a:outerShdw dist="35921" dir="2700000" algn="ctr" rotWithShape="0">
                       <a:schemeClr val="bg2"/>
@@ -8835,7 +8901,7 @@
             <a:effectLst/>
             <a:extLst>
               <a:ext uri="{AF507438-7753-43E0-B8FC-AC1667EBCBE1}">
-                <a14:hiddenEffects xmlns:a14="http://schemas.microsoft.com/office/drawing/2010/main">
+                <a14:hiddenEffects xmlns:a14="http://schemas.microsoft.com/office/drawing/2010/main" xmlns="">
                   <a:effectLst>
                     <a:outerShdw dist="35921" dir="2700000" algn="ctr" rotWithShape="0">
                       <a:schemeClr val="bg2"/>
@@ -8875,7 +8941,7 @@
             <a:effectLst/>
             <a:extLst>
               <a:ext uri="{AF507438-7753-43E0-B8FC-AC1667EBCBE1}">
-                <a14:hiddenEffects xmlns:a14="http://schemas.microsoft.com/office/drawing/2010/main">
+                <a14:hiddenEffects xmlns:a14="http://schemas.microsoft.com/office/drawing/2010/main" xmlns="">
                   <a:effectLst>
                     <a:outerShdw dist="35921" dir="2700000" algn="ctr" rotWithShape="0">
                       <a:schemeClr val="bg2"/>
@@ -8918,7 +8984,7 @@
             <a:effectLst/>
             <a:extLst>
               <a:ext uri="{AF507438-7753-43E0-B8FC-AC1667EBCBE1}">
-                <a14:hiddenEffects xmlns:a14="http://schemas.microsoft.com/office/drawing/2010/main">
+                <a14:hiddenEffects xmlns:a14="http://schemas.microsoft.com/office/drawing/2010/main" xmlns="">
                   <a:effectLst>
                     <a:outerShdw dist="35921" dir="2700000" algn="ctr" rotWithShape="0">
                       <a:schemeClr val="bg2"/>
@@ -9000,14 +9066,7 @@
                 <a:latin typeface="맑은 고딕" panose="020B0503020000020004" pitchFamily="50" charset="-127"/>
                 <a:ea typeface="맑은 고딕" panose="020B0503020000020004" pitchFamily="50" charset="-127"/>
               </a:rPr>
-              <a:t>2016 – 12 - </a:t>
-            </a:r>
-            <a:r>
-              <a:rPr lang="en-US" altLang="ko-KR" sz="1400" b="1" dirty="0" smtClean="0">
-                <a:latin typeface="맑은 고딕" panose="020B0503020000020004" pitchFamily="50" charset="-127"/>
-                <a:ea typeface="맑은 고딕" panose="020B0503020000020004" pitchFamily="50" charset="-127"/>
-              </a:rPr>
-              <a:t>17</a:t>
+              <a:t>2016 – 12 - 17</a:t>
             </a:r>
             <a:endParaRPr lang="ko-KR" altLang="en-US" sz="1400" b="1" dirty="0">
               <a:latin typeface="맑은 고딕" panose="020B0503020000020004" pitchFamily="50" charset="-127"/>
@@ -9420,10 +9479,10 @@
           <p:nvPr/>
         </p:nvPicPr>
         <p:blipFill>
-          <a:blip r:embed="rId3">
+          <a:blip r:embed="rId3" cstate="print">
             <a:extLst>
               <a:ext uri="{28A0092B-C50C-407E-A947-70E740481C1C}">
-                <a14:useLocalDpi xmlns:a14="http://schemas.microsoft.com/office/drawing/2010/main" val="0"/>
+                <a14:useLocalDpi xmlns:a14="http://schemas.microsoft.com/office/drawing/2010/main" xmlns="" val="0"/>
               </a:ext>
             </a:extLst>
           </a:blip>
@@ -9446,14 +9505,14 @@
           </a:ln>
           <a:extLst>
             <a:ext uri="{909E8E84-426E-40DD-AFC4-6F175D3DCCD1}">
-              <a14:hiddenFill xmlns:a14="http://schemas.microsoft.com/office/drawing/2010/main">
+              <a14:hiddenFill xmlns:a14="http://schemas.microsoft.com/office/drawing/2010/main" xmlns="">
                 <a:solidFill>
                   <a:schemeClr val="accent1"/>
                 </a:solidFill>
               </a14:hiddenFill>
             </a:ext>
             <a:ext uri="{91240B29-F687-4F45-9708-019B960494DF}">
-              <a14:hiddenLine xmlns:a14="http://schemas.microsoft.com/office/drawing/2010/main" w="9525">
+              <a14:hiddenLine xmlns:a14="http://schemas.microsoft.com/office/drawing/2010/main" xmlns="" w="9525">
                 <a:solidFill>
                   <a:schemeClr val="tx1"/>
                 </a:solidFill>
@@ -10020,7 +10079,7 @@
     </p:spTree>
     <p:extLst>
       <p:ext uri="{BB962C8B-B14F-4D97-AF65-F5344CB8AC3E}">
-        <p14:creationId xmlns:p14="http://schemas.microsoft.com/office/powerpoint/2010/main" val="668301445"/>
+        <p14:creationId xmlns:p14="http://schemas.microsoft.com/office/powerpoint/2010/main" xmlns="" val="668301445"/>
       </p:ext>
     </p:extLst>
   </p:cSld>
@@ -10285,7 +10344,7 @@
             <a:effectLst/>
             <a:extLst>
               <a:ext uri="{AF507438-7753-43E0-B8FC-AC1667EBCBE1}">
-                <a14:hiddenEffects xmlns:a14="http://schemas.microsoft.com/office/drawing/2010/main">
+                <a14:hiddenEffects xmlns:a14="http://schemas.microsoft.com/office/drawing/2010/main" xmlns="">
                   <a:effectLst>
                     <a:outerShdw dist="35921" dir="2700000" algn="ctr" rotWithShape="0">
                       <a:schemeClr val="bg2"/>
@@ -10325,7 +10384,7 @@
             <a:effectLst/>
             <a:extLst>
               <a:ext uri="{AF507438-7753-43E0-B8FC-AC1667EBCBE1}">
-                <a14:hiddenEffects xmlns:a14="http://schemas.microsoft.com/office/drawing/2010/main">
+                <a14:hiddenEffects xmlns:a14="http://schemas.microsoft.com/office/drawing/2010/main" xmlns="">
                   <a:effectLst>
                     <a:outerShdw dist="35921" dir="2700000" algn="ctr" rotWithShape="0">
                       <a:schemeClr val="bg2"/>
@@ -10365,7 +10424,7 @@
             <a:effectLst/>
             <a:extLst>
               <a:ext uri="{AF507438-7753-43E0-B8FC-AC1667EBCBE1}">
-                <a14:hiddenEffects xmlns:a14="http://schemas.microsoft.com/office/drawing/2010/main">
+                <a14:hiddenEffects xmlns:a14="http://schemas.microsoft.com/office/drawing/2010/main" xmlns="">
                   <a:effectLst>
                     <a:outerShdw dist="35921" dir="2700000" algn="ctr" rotWithShape="0">
                       <a:schemeClr val="bg2"/>
@@ -10408,7 +10467,7 @@
             <a:effectLst/>
             <a:extLst>
               <a:ext uri="{AF507438-7753-43E0-B8FC-AC1667EBCBE1}">
-                <a14:hiddenEffects xmlns:a14="http://schemas.microsoft.com/office/drawing/2010/main">
+                <a14:hiddenEffects xmlns:a14="http://schemas.microsoft.com/office/drawing/2010/main" xmlns="">
                   <a:effectLst>
                     <a:outerShdw dist="35921" dir="2700000" algn="ctr" rotWithShape="0">
                       <a:schemeClr val="bg2"/>
@@ -10490,14 +10549,7 @@
                 <a:latin typeface="맑은 고딕" panose="020B0503020000020004" pitchFamily="50" charset="-127"/>
                 <a:ea typeface="맑은 고딕" panose="020B0503020000020004" pitchFamily="50" charset="-127"/>
               </a:rPr>
-              <a:t>2016 – 12 - </a:t>
-            </a:r>
-            <a:r>
-              <a:rPr lang="en-US" altLang="ko-KR" sz="1400" b="1" dirty="0" smtClean="0">
-                <a:latin typeface="맑은 고딕" panose="020B0503020000020004" pitchFamily="50" charset="-127"/>
-                <a:ea typeface="맑은 고딕" panose="020B0503020000020004" pitchFamily="50" charset="-127"/>
-              </a:rPr>
-              <a:t>17</a:t>
+              <a:t>2016 – 12 - 17</a:t>
             </a:r>
             <a:endParaRPr lang="ko-KR" altLang="en-US" sz="1400" b="1" dirty="0">
               <a:latin typeface="맑은 고딕" panose="020B0503020000020004" pitchFamily="50" charset="-127"/>
@@ -10892,10 +10944,10 @@
           <p:nvPr/>
         </p:nvPicPr>
         <p:blipFill>
-          <a:blip r:embed="rId3">
+          <a:blip r:embed="rId3" cstate="print">
             <a:extLst>
               <a:ext uri="{28A0092B-C50C-407E-A947-70E740481C1C}">
-                <a14:useLocalDpi xmlns:a14="http://schemas.microsoft.com/office/drawing/2010/main" val="0"/>
+                <a14:useLocalDpi xmlns:a14="http://schemas.microsoft.com/office/drawing/2010/main" xmlns="" val="0"/>
               </a:ext>
             </a:extLst>
           </a:blip>
@@ -10918,14 +10970,14 @@
           </a:ln>
           <a:extLst>
             <a:ext uri="{909E8E84-426E-40DD-AFC4-6F175D3DCCD1}">
-              <a14:hiddenFill xmlns:a14="http://schemas.microsoft.com/office/drawing/2010/main">
+              <a14:hiddenFill xmlns:a14="http://schemas.microsoft.com/office/drawing/2010/main" xmlns="">
                 <a:solidFill>
                   <a:schemeClr val="accent1"/>
                 </a:solidFill>
               </a14:hiddenFill>
             </a:ext>
             <a:ext uri="{91240B29-F687-4F45-9708-019B960494DF}">
-              <a14:hiddenLine xmlns:a14="http://schemas.microsoft.com/office/drawing/2010/main" w="9525">
+              <a14:hiddenLine xmlns:a14="http://schemas.microsoft.com/office/drawing/2010/main" xmlns="" w="9525">
                 <a:solidFill>
                   <a:schemeClr val="tx1"/>
                 </a:solidFill>
@@ -11216,7 +11268,7 @@
     </p:spTree>
     <p:extLst>
       <p:ext uri="{BB962C8B-B14F-4D97-AF65-F5344CB8AC3E}">
-        <p14:creationId xmlns:p14="http://schemas.microsoft.com/office/powerpoint/2010/main" val="1854283886"/>
+        <p14:creationId xmlns:p14="http://schemas.microsoft.com/office/powerpoint/2010/main" xmlns="" val="1854283886"/>
       </p:ext>
     </p:extLst>
   </p:cSld>
@@ -11481,7 +11533,7 @@
             <a:effectLst/>
             <a:extLst>
               <a:ext uri="{AF507438-7753-43E0-B8FC-AC1667EBCBE1}">
-                <a14:hiddenEffects xmlns:a14="http://schemas.microsoft.com/office/drawing/2010/main">
+                <a14:hiddenEffects xmlns:a14="http://schemas.microsoft.com/office/drawing/2010/main" xmlns="">
                   <a:effectLst>
                     <a:outerShdw dist="35921" dir="2700000" algn="ctr" rotWithShape="0">
                       <a:schemeClr val="bg2"/>
@@ -11521,7 +11573,7 @@
             <a:effectLst/>
             <a:extLst>
               <a:ext uri="{AF507438-7753-43E0-B8FC-AC1667EBCBE1}">
-                <a14:hiddenEffects xmlns:a14="http://schemas.microsoft.com/office/drawing/2010/main">
+                <a14:hiddenEffects xmlns:a14="http://schemas.microsoft.com/office/drawing/2010/main" xmlns="">
                   <a:effectLst>
                     <a:outerShdw dist="35921" dir="2700000" algn="ctr" rotWithShape="0">
                       <a:schemeClr val="bg2"/>
@@ -11561,7 +11613,7 @@
             <a:effectLst/>
             <a:extLst>
               <a:ext uri="{AF507438-7753-43E0-B8FC-AC1667EBCBE1}">
-                <a14:hiddenEffects xmlns:a14="http://schemas.microsoft.com/office/drawing/2010/main">
+                <a14:hiddenEffects xmlns:a14="http://schemas.microsoft.com/office/drawing/2010/main" xmlns="">
                   <a:effectLst>
                     <a:outerShdw dist="35921" dir="2700000" algn="ctr" rotWithShape="0">
                       <a:schemeClr val="bg2"/>
@@ -11604,7 +11656,7 @@
             <a:effectLst/>
             <a:extLst>
               <a:ext uri="{AF507438-7753-43E0-B8FC-AC1667EBCBE1}">
-                <a14:hiddenEffects xmlns:a14="http://schemas.microsoft.com/office/drawing/2010/main">
+                <a14:hiddenEffects xmlns:a14="http://schemas.microsoft.com/office/drawing/2010/main" xmlns="">
                   <a:effectLst>
                     <a:outerShdw dist="35921" dir="2700000" algn="ctr" rotWithShape="0">
                       <a:schemeClr val="bg2"/>
@@ -11686,14 +11738,7 @@
                 <a:latin typeface="맑은 고딕" panose="020B0503020000020004" pitchFamily="50" charset="-127"/>
                 <a:ea typeface="맑은 고딕" panose="020B0503020000020004" pitchFamily="50" charset="-127"/>
               </a:rPr>
-              <a:t>2016 – 12 - </a:t>
-            </a:r>
-            <a:r>
-              <a:rPr lang="en-US" altLang="ko-KR" sz="1400" b="1" dirty="0" smtClean="0">
-                <a:latin typeface="맑은 고딕" panose="020B0503020000020004" pitchFamily="50" charset="-127"/>
-                <a:ea typeface="맑은 고딕" panose="020B0503020000020004" pitchFamily="50" charset="-127"/>
-              </a:rPr>
-              <a:t>17</a:t>
+              <a:t>2016 – 12 - 17</a:t>
             </a:r>
             <a:endParaRPr lang="ko-KR" altLang="en-US" sz="1400" b="1" dirty="0">
               <a:latin typeface="맑은 고딕" panose="020B0503020000020004" pitchFamily="50" charset="-127"/>
@@ -11971,10 +12016,10 @@
           <p:nvPr/>
         </p:nvPicPr>
         <p:blipFill>
-          <a:blip r:embed="rId3">
+          <a:blip r:embed="rId3" cstate="print">
             <a:extLst>
               <a:ext uri="{28A0092B-C50C-407E-A947-70E740481C1C}">
-                <a14:useLocalDpi xmlns:a14="http://schemas.microsoft.com/office/drawing/2010/main" val="0"/>
+                <a14:useLocalDpi xmlns:a14="http://schemas.microsoft.com/office/drawing/2010/main" xmlns="" val="0"/>
               </a:ext>
             </a:extLst>
           </a:blip>
@@ -11997,14 +12042,14 @@
           </a:ln>
           <a:extLst>
             <a:ext uri="{909E8E84-426E-40DD-AFC4-6F175D3DCCD1}">
-              <a14:hiddenFill xmlns:a14="http://schemas.microsoft.com/office/drawing/2010/main">
+              <a14:hiddenFill xmlns:a14="http://schemas.microsoft.com/office/drawing/2010/main" xmlns="">
                 <a:solidFill>
                   <a:schemeClr val="accent1"/>
                 </a:solidFill>
               </a14:hiddenFill>
             </a:ext>
             <a:ext uri="{91240B29-F687-4F45-9708-019B960494DF}">
-              <a14:hiddenLine xmlns:a14="http://schemas.microsoft.com/office/drawing/2010/main" w="9525">
+              <a14:hiddenLine xmlns:a14="http://schemas.microsoft.com/office/drawing/2010/main" xmlns="" w="9525">
                 <a:solidFill>
                   <a:schemeClr val="tx1"/>
                 </a:solidFill>
@@ -12025,10 +12070,10 @@
           <p:nvPr/>
         </p:nvPicPr>
         <p:blipFill>
-          <a:blip r:embed="rId4">
+          <a:blip r:embed="rId4" cstate="print">
             <a:extLst>
               <a:ext uri="{28A0092B-C50C-407E-A947-70E740481C1C}">
-                <a14:useLocalDpi xmlns:a14="http://schemas.microsoft.com/office/drawing/2010/main" val="0"/>
+                <a14:useLocalDpi xmlns:a14="http://schemas.microsoft.com/office/drawing/2010/main" xmlns="" val="0"/>
               </a:ext>
             </a:extLst>
           </a:blip>
@@ -12051,14 +12096,14 @@
           </a:ln>
           <a:extLst>
             <a:ext uri="{909E8E84-426E-40DD-AFC4-6F175D3DCCD1}">
-              <a14:hiddenFill xmlns:a14="http://schemas.microsoft.com/office/drawing/2010/main">
+              <a14:hiddenFill xmlns:a14="http://schemas.microsoft.com/office/drawing/2010/main" xmlns="">
                 <a:solidFill>
                   <a:schemeClr val="accent1"/>
                 </a:solidFill>
               </a14:hiddenFill>
             </a:ext>
             <a:ext uri="{91240B29-F687-4F45-9708-019B960494DF}">
-              <a14:hiddenLine xmlns:a14="http://schemas.microsoft.com/office/drawing/2010/main" w="9525">
+              <a14:hiddenLine xmlns:a14="http://schemas.microsoft.com/office/drawing/2010/main" xmlns="" w="9525">
                 <a:solidFill>
                   <a:schemeClr val="tx1"/>
                 </a:solidFill>
@@ -12477,7 +12522,7 @@
     </p:spTree>
     <p:extLst>
       <p:ext uri="{BB962C8B-B14F-4D97-AF65-F5344CB8AC3E}">
-        <p14:creationId xmlns:p14="http://schemas.microsoft.com/office/powerpoint/2010/main" val="1634749954"/>
+        <p14:creationId xmlns:p14="http://schemas.microsoft.com/office/powerpoint/2010/main" xmlns="" val="1634749954"/>
       </p:ext>
     </p:extLst>
   </p:cSld>
@@ -12742,7 +12787,7 @@
             <a:effectLst/>
             <a:extLst>
               <a:ext uri="{AF507438-7753-43E0-B8FC-AC1667EBCBE1}">
-                <a14:hiddenEffects xmlns:a14="http://schemas.microsoft.com/office/drawing/2010/main">
+                <a14:hiddenEffects xmlns:a14="http://schemas.microsoft.com/office/drawing/2010/main" xmlns="">
                   <a:effectLst>
                     <a:outerShdw dist="35921" dir="2700000" algn="ctr" rotWithShape="0">
                       <a:schemeClr val="bg2"/>
@@ -12782,7 +12827,7 @@
             <a:effectLst/>
             <a:extLst>
               <a:ext uri="{AF507438-7753-43E0-B8FC-AC1667EBCBE1}">
-                <a14:hiddenEffects xmlns:a14="http://schemas.microsoft.com/office/drawing/2010/main">
+                <a14:hiddenEffects xmlns:a14="http://schemas.microsoft.com/office/drawing/2010/main" xmlns="">
                   <a:effectLst>
                     <a:outerShdw dist="35921" dir="2700000" algn="ctr" rotWithShape="0">
                       <a:schemeClr val="bg2"/>
@@ -12822,7 +12867,7 @@
             <a:effectLst/>
             <a:extLst>
               <a:ext uri="{AF507438-7753-43E0-B8FC-AC1667EBCBE1}">
-                <a14:hiddenEffects xmlns:a14="http://schemas.microsoft.com/office/drawing/2010/main">
+                <a14:hiddenEffects xmlns:a14="http://schemas.microsoft.com/office/drawing/2010/main" xmlns="">
                   <a:effectLst>
                     <a:outerShdw dist="35921" dir="2700000" algn="ctr" rotWithShape="0">
                       <a:schemeClr val="bg2"/>
@@ -12865,7 +12910,7 @@
             <a:effectLst/>
             <a:extLst>
               <a:ext uri="{AF507438-7753-43E0-B8FC-AC1667EBCBE1}">
-                <a14:hiddenEffects xmlns:a14="http://schemas.microsoft.com/office/drawing/2010/main">
+                <a14:hiddenEffects xmlns:a14="http://schemas.microsoft.com/office/drawing/2010/main" xmlns="">
                   <a:effectLst>
                     <a:outerShdw dist="35921" dir="2700000" algn="ctr" rotWithShape="0">
                       <a:schemeClr val="bg2"/>
@@ -12947,14 +12992,7 @@
                 <a:latin typeface="맑은 고딕" panose="020B0503020000020004" pitchFamily="50" charset="-127"/>
                 <a:ea typeface="맑은 고딕" panose="020B0503020000020004" pitchFamily="50" charset="-127"/>
               </a:rPr>
-              <a:t>2016 – 12 - </a:t>
-            </a:r>
-            <a:r>
-              <a:rPr lang="en-US" altLang="ko-KR" sz="1400" b="1" dirty="0" smtClean="0">
-                <a:latin typeface="맑은 고딕" panose="020B0503020000020004" pitchFamily="50" charset="-127"/>
-                <a:ea typeface="맑은 고딕" panose="020B0503020000020004" pitchFamily="50" charset="-127"/>
-              </a:rPr>
-              <a:t>17</a:t>
+              <a:t>2016 – 12 - 17</a:t>
             </a:r>
             <a:endParaRPr lang="ko-KR" altLang="en-US" sz="1400" b="1" dirty="0">
               <a:latin typeface="맑은 고딕" panose="020B0503020000020004" pitchFamily="50" charset="-127"/>
@@ -13330,10 +13368,10 @@
           <p:nvPr/>
         </p:nvPicPr>
         <p:blipFill>
-          <a:blip r:embed="rId3">
+          <a:blip r:embed="rId3" cstate="print">
             <a:extLst>
               <a:ext uri="{28A0092B-C50C-407E-A947-70E740481C1C}">
-                <a14:useLocalDpi xmlns:a14="http://schemas.microsoft.com/office/drawing/2010/main" val="0"/>
+                <a14:useLocalDpi xmlns:a14="http://schemas.microsoft.com/office/drawing/2010/main" xmlns="" val="0"/>
               </a:ext>
             </a:extLst>
           </a:blip>
@@ -13356,14 +13394,14 @@
           </a:ln>
           <a:extLst>
             <a:ext uri="{909E8E84-426E-40DD-AFC4-6F175D3DCCD1}">
-              <a14:hiddenFill xmlns:a14="http://schemas.microsoft.com/office/drawing/2010/main">
+              <a14:hiddenFill xmlns:a14="http://schemas.microsoft.com/office/drawing/2010/main" xmlns="">
                 <a:solidFill>
                   <a:schemeClr val="accent1"/>
                 </a:solidFill>
               </a14:hiddenFill>
             </a:ext>
             <a:ext uri="{91240B29-F687-4F45-9708-019B960494DF}">
-              <a14:hiddenLine xmlns:a14="http://schemas.microsoft.com/office/drawing/2010/main" w="9525">
+              <a14:hiddenLine xmlns:a14="http://schemas.microsoft.com/office/drawing/2010/main" xmlns="" w="9525">
                 <a:solidFill>
                   <a:schemeClr val="tx1"/>
                 </a:solidFill>
@@ -13944,7 +13982,7 @@
     </p:spTree>
     <p:extLst>
       <p:ext uri="{BB962C8B-B14F-4D97-AF65-F5344CB8AC3E}">
-        <p14:creationId xmlns:p14="http://schemas.microsoft.com/office/powerpoint/2010/main" val="1112426373"/>
+        <p14:creationId xmlns:p14="http://schemas.microsoft.com/office/powerpoint/2010/main" xmlns="" val="1112426373"/>
       </p:ext>
     </p:extLst>
   </p:cSld>
@@ -14209,7 +14247,7 @@
             <a:effectLst/>
             <a:extLst>
               <a:ext uri="{AF507438-7753-43E0-B8FC-AC1667EBCBE1}">
-                <a14:hiddenEffects xmlns:a14="http://schemas.microsoft.com/office/drawing/2010/main">
+                <a14:hiddenEffects xmlns:a14="http://schemas.microsoft.com/office/drawing/2010/main" xmlns="">
                   <a:effectLst>
                     <a:outerShdw dist="35921" dir="2700000" algn="ctr" rotWithShape="0">
                       <a:schemeClr val="bg2"/>
@@ -14249,7 +14287,7 @@
             <a:effectLst/>
             <a:extLst>
               <a:ext uri="{AF507438-7753-43E0-B8FC-AC1667EBCBE1}">
-                <a14:hiddenEffects xmlns:a14="http://schemas.microsoft.com/office/drawing/2010/main">
+                <a14:hiddenEffects xmlns:a14="http://schemas.microsoft.com/office/drawing/2010/main" xmlns="">
                   <a:effectLst>
                     <a:outerShdw dist="35921" dir="2700000" algn="ctr" rotWithShape="0">
                       <a:schemeClr val="bg2"/>
@@ -14289,7 +14327,7 @@
             <a:effectLst/>
             <a:extLst>
               <a:ext uri="{AF507438-7753-43E0-B8FC-AC1667EBCBE1}">
-                <a14:hiddenEffects xmlns:a14="http://schemas.microsoft.com/office/drawing/2010/main">
+                <a14:hiddenEffects xmlns:a14="http://schemas.microsoft.com/office/drawing/2010/main" xmlns="">
                   <a:effectLst>
                     <a:outerShdw dist="35921" dir="2700000" algn="ctr" rotWithShape="0">
                       <a:schemeClr val="bg2"/>
@@ -14332,7 +14370,7 @@
             <a:effectLst/>
             <a:extLst>
               <a:ext uri="{AF507438-7753-43E0-B8FC-AC1667EBCBE1}">
-                <a14:hiddenEffects xmlns:a14="http://schemas.microsoft.com/office/drawing/2010/main">
+                <a14:hiddenEffects xmlns:a14="http://schemas.microsoft.com/office/drawing/2010/main" xmlns="">
                   <a:effectLst>
                     <a:outerShdw dist="35921" dir="2700000" algn="ctr" rotWithShape="0">
                       <a:schemeClr val="bg2"/>
@@ -14414,14 +14452,7 @@
                 <a:latin typeface="맑은 고딕" panose="020B0503020000020004" pitchFamily="50" charset="-127"/>
                 <a:ea typeface="맑은 고딕" panose="020B0503020000020004" pitchFamily="50" charset="-127"/>
               </a:rPr>
-              <a:t>2016 – 12 - </a:t>
-            </a:r>
-            <a:r>
-              <a:rPr lang="en-US" altLang="ko-KR" sz="1400" b="1" dirty="0" smtClean="0">
-                <a:latin typeface="맑은 고딕" panose="020B0503020000020004" pitchFamily="50" charset="-127"/>
-                <a:ea typeface="맑은 고딕" panose="020B0503020000020004" pitchFamily="50" charset="-127"/>
-              </a:rPr>
-              <a:t>17</a:t>
+              <a:t>2016 – 12 - 17</a:t>
             </a:r>
             <a:endParaRPr lang="ko-KR" altLang="en-US" sz="1400" b="1" dirty="0">
               <a:latin typeface="맑은 고딕" panose="020B0503020000020004" pitchFamily="50" charset="-127"/>
@@ -14903,10 +14934,10 @@
           <p:nvPr/>
         </p:nvPicPr>
         <p:blipFill>
-          <a:blip r:embed="rId3">
+          <a:blip r:embed="rId3" cstate="print">
             <a:extLst>
               <a:ext uri="{28A0092B-C50C-407E-A947-70E740481C1C}">
-                <a14:useLocalDpi xmlns:a14="http://schemas.microsoft.com/office/drawing/2010/main" val="0"/>
+                <a14:useLocalDpi xmlns:a14="http://schemas.microsoft.com/office/drawing/2010/main" xmlns="" val="0"/>
               </a:ext>
             </a:extLst>
           </a:blip>
@@ -14929,14 +14960,14 @@
           </a:ln>
           <a:extLst>
             <a:ext uri="{909E8E84-426E-40DD-AFC4-6F175D3DCCD1}">
-              <a14:hiddenFill xmlns:a14="http://schemas.microsoft.com/office/drawing/2010/main">
+              <a14:hiddenFill xmlns:a14="http://schemas.microsoft.com/office/drawing/2010/main" xmlns="">
                 <a:solidFill>
                   <a:schemeClr val="accent1"/>
                 </a:solidFill>
               </a14:hiddenFill>
             </a:ext>
             <a:ext uri="{91240B29-F687-4F45-9708-019B960494DF}">
-              <a14:hiddenLine xmlns:a14="http://schemas.microsoft.com/office/drawing/2010/main" w="9525">
+              <a14:hiddenLine xmlns:a14="http://schemas.microsoft.com/office/drawing/2010/main" xmlns="" w="9525">
                 <a:solidFill>
                   <a:schemeClr val="tx1"/>
                 </a:solidFill>
@@ -15524,7 +15555,7 @@
     </p:spTree>
     <p:extLst>
       <p:ext uri="{BB962C8B-B14F-4D97-AF65-F5344CB8AC3E}">
-        <p14:creationId xmlns:p14="http://schemas.microsoft.com/office/powerpoint/2010/main" val="3337928231"/>
+        <p14:creationId xmlns:p14="http://schemas.microsoft.com/office/powerpoint/2010/main" xmlns="" val="3337928231"/>
       </p:ext>
     </p:extLst>
   </p:cSld>
@@ -15789,7 +15820,7 @@
             <a:effectLst/>
             <a:extLst>
               <a:ext uri="{AF507438-7753-43E0-B8FC-AC1667EBCBE1}">
-                <a14:hiddenEffects xmlns:a14="http://schemas.microsoft.com/office/drawing/2010/main">
+                <a14:hiddenEffects xmlns:a14="http://schemas.microsoft.com/office/drawing/2010/main" xmlns="">
                   <a:effectLst>
                     <a:outerShdw dist="35921" dir="2700000" algn="ctr" rotWithShape="0">
                       <a:schemeClr val="bg2"/>
@@ -15829,7 +15860,7 @@
             <a:effectLst/>
             <a:extLst>
               <a:ext uri="{AF507438-7753-43E0-B8FC-AC1667EBCBE1}">
-                <a14:hiddenEffects xmlns:a14="http://schemas.microsoft.com/office/drawing/2010/main">
+                <a14:hiddenEffects xmlns:a14="http://schemas.microsoft.com/office/drawing/2010/main" xmlns="">
                   <a:effectLst>
                     <a:outerShdw dist="35921" dir="2700000" algn="ctr" rotWithShape="0">
                       <a:schemeClr val="bg2"/>
@@ -15869,7 +15900,7 @@
             <a:effectLst/>
             <a:extLst>
               <a:ext uri="{AF507438-7753-43E0-B8FC-AC1667EBCBE1}">
-                <a14:hiddenEffects xmlns:a14="http://schemas.microsoft.com/office/drawing/2010/main">
+                <a14:hiddenEffects xmlns:a14="http://schemas.microsoft.com/office/drawing/2010/main" xmlns="">
                   <a:effectLst>
                     <a:outerShdw dist="35921" dir="2700000" algn="ctr" rotWithShape="0">
                       <a:schemeClr val="bg2"/>
@@ -15912,7 +15943,7 @@
             <a:effectLst/>
             <a:extLst>
               <a:ext uri="{AF507438-7753-43E0-B8FC-AC1667EBCBE1}">
-                <a14:hiddenEffects xmlns:a14="http://schemas.microsoft.com/office/drawing/2010/main">
+                <a14:hiddenEffects xmlns:a14="http://schemas.microsoft.com/office/drawing/2010/main" xmlns="">
                   <a:effectLst>
                     <a:outerShdw dist="35921" dir="2700000" algn="ctr" rotWithShape="0">
                       <a:schemeClr val="bg2"/>
@@ -15994,14 +16025,7 @@
                 <a:latin typeface="맑은 고딕" panose="020B0503020000020004" pitchFamily="50" charset="-127"/>
                 <a:ea typeface="맑은 고딕" panose="020B0503020000020004" pitchFamily="50" charset="-127"/>
               </a:rPr>
-              <a:t>2016 – 12 - </a:t>
-            </a:r>
-            <a:r>
-              <a:rPr lang="en-US" altLang="ko-KR" sz="1400" b="1" dirty="0" smtClean="0">
-                <a:latin typeface="맑은 고딕" panose="020B0503020000020004" pitchFamily="50" charset="-127"/>
-                <a:ea typeface="맑은 고딕" panose="020B0503020000020004" pitchFamily="50" charset="-127"/>
-              </a:rPr>
-              <a:t>17</a:t>
+              <a:t>2016 – 12 - 17</a:t>
             </a:r>
             <a:endParaRPr lang="ko-KR" altLang="en-US" sz="1400" b="1" dirty="0">
               <a:latin typeface="맑은 고딕" panose="020B0503020000020004" pitchFamily="50" charset="-127"/>
@@ -16264,10 +16288,10 @@
           <p:nvPr/>
         </p:nvPicPr>
         <p:blipFill>
-          <a:blip r:embed="rId3">
+          <a:blip r:embed="rId3" cstate="print">
             <a:extLst>
               <a:ext uri="{28A0092B-C50C-407E-A947-70E740481C1C}">
-                <a14:useLocalDpi xmlns:a14="http://schemas.microsoft.com/office/drawing/2010/main" val="0"/>
+                <a14:useLocalDpi xmlns:a14="http://schemas.microsoft.com/office/drawing/2010/main" xmlns="" val="0"/>
               </a:ext>
             </a:extLst>
           </a:blip>
@@ -16290,14 +16314,14 @@
           </a:ln>
           <a:extLst>
             <a:ext uri="{909E8E84-426E-40DD-AFC4-6F175D3DCCD1}">
-              <a14:hiddenFill xmlns:a14="http://schemas.microsoft.com/office/drawing/2010/main">
+              <a14:hiddenFill xmlns:a14="http://schemas.microsoft.com/office/drawing/2010/main" xmlns="">
                 <a:solidFill>
                   <a:schemeClr val="accent1"/>
                 </a:solidFill>
               </a14:hiddenFill>
             </a:ext>
             <a:ext uri="{91240B29-F687-4F45-9708-019B960494DF}">
-              <a14:hiddenLine xmlns:a14="http://schemas.microsoft.com/office/drawing/2010/main" w="9525">
+              <a14:hiddenLine xmlns:a14="http://schemas.microsoft.com/office/drawing/2010/main" xmlns="" w="9525">
                 <a:solidFill>
                   <a:schemeClr val="tx1"/>
                 </a:solidFill>
@@ -16457,7 +16481,7 @@
     </p:spTree>
     <p:extLst>
       <p:ext uri="{BB962C8B-B14F-4D97-AF65-F5344CB8AC3E}">
-        <p14:creationId xmlns:p14="http://schemas.microsoft.com/office/powerpoint/2010/main" val="1365750035"/>
+        <p14:creationId xmlns:p14="http://schemas.microsoft.com/office/powerpoint/2010/main" xmlns="" val="1365750035"/>
       </p:ext>
     </p:extLst>
   </p:cSld>
@@ -16722,7 +16746,7 @@
             <a:effectLst/>
             <a:extLst>
               <a:ext uri="{AF507438-7753-43E0-B8FC-AC1667EBCBE1}">
-                <a14:hiddenEffects xmlns:a14="http://schemas.microsoft.com/office/drawing/2010/main">
+                <a14:hiddenEffects xmlns:a14="http://schemas.microsoft.com/office/drawing/2010/main" xmlns="">
                   <a:effectLst>
                     <a:outerShdw dist="35921" dir="2700000" algn="ctr" rotWithShape="0">
                       <a:schemeClr val="bg2"/>
@@ -16762,7 +16786,7 @@
             <a:effectLst/>
             <a:extLst>
               <a:ext uri="{AF507438-7753-43E0-B8FC-AC1667EBCBE1}">
-                <a14:hiddenEffects xmlns:a14="http://schemas.microsoft.com/office/drawing/2010/main">
+                <a14:hiddenEffects xmlns:a14="http://schemas.microsoft.com/office/drawing/2010/main" xmlns="">
                   <a:effectLst>
                     <a:outerShdw dist="35921" dir="2700000" algn="ctr" rotWithShape="0">
                       <a:schemeClr val="bg2"/>
@@ -16802,7 +16826,7 @@
             <a:effectLst/>
             <a:extLst>
               <a:ext uri="{AF507438-7753-43E0-B8FC-AC1667EBCBE1}">
-                <a14:hiddenEffects xmlns:a14="http://schemas.microsoft.com/office/drawing/2010/main">
+                <a14:hiddenEffects xmlns:a14="http://schemas.microsoft.com/office/drawing/2010/main" xmlns="">
                   <a:effectLst>
                     <a:outerShdw dist="35921" dir="2700000" algn="ctr" rotWithShape="0">
                       <a:schemeClr val="bg2"/>
@@ -16845,7 +16869,7 @@
             <a:effectLst/>
             <a:extLst>
               <a:ext uri="{AF507438-7753-43E0-B8FC-AC1667EBCBE1}">
-                <a14:hiddenEffects xmlns:a14="http://schemas.microsoft.com/office/drawing/2010/main">
+                <a14:hiddenEffects xmlns:a14="http://schemas.microsoft.com/office/drawing/2010/main" xmlns="">
                   <a:effectLst>
                     <a:outerShdw dist="35921" dir="2700000" algn="ctr" rotWithShape="0">
                       <a:schemeClr val="bg2"/>
@@ -16927,14 +16951,7 @@
                 <a:latin typeface="맑은 고딕" panose="020B0503020000020004" pitchFamily="50" charset="-127"/>
                 <a:ea typeface="맑은 고딕" panose="020B0503020000020004" pitchFamily="50" charset="-127"/>
               </a:rPr>
-              <a:t>2016 – 12 - </a:t>
-            </a:r>
-            <a:r>
-              <a:rPr lang="en-US" altLang="ko-KR" sz="1400" b="1" dirty="0" smtClean="0">
-                <a:latin typeface="맑은 고딕" panose="020B0503020000020004" pitchFamily="50" charset="-127"/>
-                <a:ea typeface="맑은 고딕" panose="020B0503020000020004" pitchFamily="50" charset="-127"/>
-              </a:rPr>
-              <a:t>17</a:t>
+              <a:t>2016 – 12 - 17</a:t>
             </a:r>
             <a:endParaRPr lang="ko-KR" altLang="en-US" sz="1400" b="1" dirty="0">
               <a:latin typeface="맑은 고딕" panose="020B0503020000020004" pitchFamily="50" charset="-127"/>
@@ -17253,10 +17270,6 @@
               </a:rPr>
               <a:t> </a:t>
             </a:r>
-            <a:endParaRPr lang="ko-KR" altLang="en-US" sz="1200" b="1" dirty="0">
-              <a:latin typeface="맑은 고딕" panose="020B0503020000020004" pitchFamily="50" charset="-127"/>
-              <a:ea typeface="맑은 고딕" panose="020B0503020000020004" pitchFamily="50" charset="-127"/>
-            </a:endParaRPr>
           </a:p>
         </p:txBody>
       </p:sp>
@@ -17269,10 +17282,10 @@
           <p:nvPr/>
         </p:nvPicPr>
         <p:blipFill>
-          <a:blip r:embed="rId3">
+          <a:blip r:embed="rId3" cstate="print">
             <a:extLst>
               <a:ext uri="{28A0092B-C50C-407E-A947-70E740481C1C}">
-                <a14:useLocalDpi xmlns:a14="http://schemas.microsoft.com/office/drawing/2010/main" val="0"/>
+                <a14:useLocalDpi xmlns:a14="http://schemas.microsoft.com/office/drawing/2010/main" xmlns="" val="0"/>
               </a:ext>
             </a:extLst>
           </a:blip>
@@ -17295,14 +17308,14 @@
           </a:ln>
           <a:extLst>
             <a:ext uri="{909E8E84-426E-40DD-AFC4-6F175D3DCCD1}">
-              <a14:hiddenFill xmlns:a14="http://schemas.microsoft.com/office/drawing/2010/main">
+              <a14:hiddenFill xmlns:a14="http://schemas.microsoft.com/office/drawing/2010/main" xmlns="">
                 <a:solidFill>
                   <a:schemeClr val="accent1"/>
                 </a:solidFill>
               </a14:hiddenFill>
             </a:ext>
             <a:ext uri="{91240B29-F687-4F45-9708-019B960494DF}">
-              <a14:hiddenLine xmlns:a14="http://schemas.microsoft.com/office/drawing/2010/main" w="9525">
+              <a14:hiddenLine xmlns:a14="http://schemas.microsoft.com/office/drawing/2010/main" xmlns="" w="9525">
                 <a:solidFill>
                   <a:schemeClr val="tx1"/>
                 </a:solidFill>
@@ -17607,7 +17620,7 @@
     </p:spTree>
     <p:extLst>
       <p:ext uri="{BB962C8B-B14F-4D97-AF65-F5344CB8AC3E}">
-        <p14:creationId xmlns:p14="http://schemas.microsoft.com/office/powerpoint/2010/main" val="895244554"/>
+        <p14:creationId xmlns:p14="http://schemas.microsoft.com/office/powerpoint/2010/main" xmlns="" val="895244554"/>
       </p:ext>
     </p:extLst>
   </p:cSld>
@@ -17872,7 +17885,7 @@
             <a:effectLst/>
             <a:extLst>
               <a:ext uri="{AF507438-7753-43E0-B8FC-AC1667EBCBE1}">
-                <a14:hiddenEffects xmlns:a14="http://schemas.microsoft.com/office/drawing/2010/main">
+                <a14:hiddenEffects xmlns:a14="http://schemas.microsoft.com/office/drawing/2010/main" xmlns="">
                   <a:effectLst>
                     <a:outerShdw dist="35921" dir="2700000" algn="ctr" rotWithShape="0">
                       <a:schemeClr val="bg2"/>
@@ -17912,7 +17925,7 @@
             <a:effectLst/>
             <a:extLst>
               <a:ext uri="{AF507438-7753-43E0-B8FC-AC1667EBCBE1}">
-                <a14:hiddenEffects xmlns:a14="http://schemas.microsoft.com/office/drawing/2010/main">
+                <a14:hiddenEffects xmlns:a14="http://schemas.microsoft.com/office/drawing/2010/main" xmlns="">
                   <a:effectLst>
                     <a:outerShdw dist="35921" dir="2700000" algn="ctr" rotWithShape="0">
                       <a:schemeClr val="bg2"/>
@@ -17952,7 +17965,7 @@
             <a:effectLst/>
             <a:extLst>
               <a:ext uri="{AF507438-7753-43E0-B8FC-AC1667EBCBE1}">
-                <a14:hiddenEffects xmlns:a14="http://schemas.microsoft.com/office/drawing/2010/main">
+                <a14:hiddenEffects xmlns:a14="http://schemas.microsoft.com/office/drawing/2010/main" xmlns="">
                   <a:effectLst>
                     <a:outerShdw dist="35921" dir="2700000" algn="ctr" rotWithShape="0">
                       <a:schemeClr val="bg2"/>
@@ -17995,7 +18008,7 @@
             <a:effectLst/>
             <a:extLst>
               <a:ext uri="{AF507438-7753-43E0-B8FC-AC1667EBCBE1}">
-                <a14:hiddenEffects xmlns:a14="http://schemas.microsoft.com/office/drawing/2010/main">
+                <a14:hiddenEffects xmlns:a14="http://schemas.microsoft.com/office/drawing/2010/main" xmlns="">
                   <a:effectLst>
                     <a:outerShdw dist="35921" dir="2700000" algn="ctr" rotWithShape="0">
                       <a:schemeClr val="bg2"/>
@@ -18077,14 +18090,7 @@
                 <a:latin typeface="맑은 고딕" panose="020B0503020000020004" pitchFamily="50" charset="-127"/>
                 <a:ea typeface="맑은 고딕" panose="020B0503020000020004" pitchFamily="50" charset="-127"/>
               </a:rPr>
-              <a:t>2016 – 12 - </a:t>
-            </a:r>
-            <a:r>
-              <a:rPr lang="en-US" altLang="ko-KR" sz="1400" b="1" dirty="0" smtClean="0">
-                <a:latin typeface="맑은 고딕" panose="020B0503020000020004" pitchFamily="50" charset="-127"/>
-                <a:ea typeface="맑은 고딕" panose="020B0503020000020004" pitchFamily="50" charset="-127"/>
-              </a:rPr>
-              <a:t>17</a:t>
+              <a:t>2016 – 12 - 17</a:t>
             </a:r>
             <a:endParaRPr lang="ko-KR" altLang="en-US" sz="1400" b="1" dirty="0">
               <a:latin typeface="맑은 고딕" panose="020B0503020000020004" pitchFamily="50" charset="-127"/>
@@ -18409,10 +18415,6 @@
               </a:rPr>
               <a:t> </a:t>
             </a:r>
-            <a:endParaRPr lang="ko-KR" altLang="en-US" sz="1200" b="1" dirty="0">
-              <a:latin typeface="맑은 고딕" panose="020B0503020000020004" pitchFamily="50" charset="-127"/>
-              <a:ea typeface="맑은 고딕" panose="020B0503020000020004" pitchFamily="50" charset="-127"/>
-            </a:endParaRPr>
           </a:p>
         </p:txBody>
       </p:sp>
@@ -18425,10 +18427,10 @@
           <p:nvPr/>
         </p:nvPicPr>
         <p:blipFill>
-          <a:blip r:embed="rId3">
+          <a:blip r:embed="rId3" cstate="print">
             <a:extLst>
               <a:ext uri="{28A0092B-C50C-407E-A947-70E740481C1C}">
-                <a14:useLocalDpi xmlns:a14="http://schemas.microsoft.com/office/drawing/2010/main" val="0"/>
+                <a14:useLocalDpi xmlns:a14="http://schemas.microsoft.com/office/drawing/2010/main" xmlns="" val="0"/>
               </a:ext>
             </a:extLst>
           </a:blip>
@@ -18451,14 +18453,14 @@
           </a:ln>
           <a:extLst>
             <a:ext uri="{909E8E84-426E-40DD-AFC4-6F175D3DCCD1}">
-              <a14:hiddenFill xmlns:a14="http://schemas.microsoft.com/office/drawing/2010/main">
+              <a14:hiddenFill xmlns:a14="http://schemas.microsoft.com/office/drawing/2010/main" xmlns="">
                 <a:solidFill>
                   <a:schemeClr val="accent1"/>
                 </a:solidFill>
               </a14:hiddenFill>
             </a:ext>
             <a:ext uri="{91240B29-F687-4F45-9708-019B960494DF}">
-              <a14:hiddenLine xmlns:a14="http://schemas.microsoft.com/office/drawing/2010/main" w="9525">
+              <a14:hiddenLine xmlns:a14="http://schemas.microsoft.com/office/drawing/2010/main" xmlns="" w="9525">
                 <a:solidFill>
                   <a:schemeClr val="tx1"/>
                 </a:solidFill>
@@ -18618,7 +18620,7 @@
     </p:spTree>
     <p:extLst>
       <p:ext uri="{BB962C8B-B14F-4D97-AF65-F5344CB8AC3E}">
-        <p14:creationId xmlns:p14="http://schemas.microsoft.com/office/powerpoint/2010/main" val="1532892768"/>
+        <p14:creationId xmlns:p14="http://schemas.microsoft.com/office/powerpoint/2010/main" xmlns="" val="1532892768"/>
       </p:ext>
     </p:extLst>
   </p:cSld>
@@ -18883,7 +18885,7 @@
             <a:effectLst/>
             <a:extLst>
               <a:ext uri="{AF507438-7753-43E0-B8FC-AC1667EBCBE1}">
-                <a14:hiddenEffects xmlns:a14="http://schemas.microsoft.com/office/drawing/2010/main">
+                <a14:hiddenEffects xmlns:a14="http://schemas.microsoft.com/office/drawing/2010/main" xmlns="">
                   <a:effectLst>
                     <a:outerShdw dist="35921" dir="2700000" algn="ctr" rotWithShape="0">
                       <a:schemeClr val="bg2"/>
@@ -18923,7 +18925,7 @@
             <a:effectLst/>
             <a:extLst>
               <a:ext uri="{AF507438-7753-43E0-B8FC-AC1667EBCBE1}">
-                <a14:hiddenEffects xmlns:a14="http://schemas.microsoft.com/office/drawing/2010/main">
+                <a14:hiddenEffects xmlns:a14="http://schemas.microsoft.com/office/drawing/2010/main" xmlns="">
                   <a:effectLst>
                     <a:outerShdw dist="35921" dir="2700000" algn="ctr" rotWithShape="0">
                       <a:schemeClr val="bg2"/>
@@ -18963,7 +18965,7 @@
             <a:effectLst/>
             <a:extLst>
               <a:ext uri="{AF507438-7753-43E0-B8FC-AC1667EBCBE1}">
-                <a14:hiddenEffects xmlns:a14="http://schemas.microsoft.com/office/drawing/2010/main">
+                <a14:hiddenEffects xmlns:a14="http://schemas.microsoft.com/office/drawing/2010/main" xmlns="">
                   <a:effectLst>
                     <a:outerShdw dist="35921" dir="2700000" algn="ctr" rotWithShape="0">
                       <a:schemeClr val="bg2"/>
@@ -19006,7 +19008,7 @@
             <a:effectLst/>
             <a:extLst>
               <a:ext uri="{AF507438-7753-43E0-B8FC-AC1667EBCBE1}">
-                <a14:hiddenEffects xmlns:a14="http://schemas.microsoft.com/office/drawing/2010/main">
+                <a14:hiddenEffects xmlns:a14="http://schemas.microsoft.com/office/drawing/2010/main" xmlns="">
                   <a:effectLst>
                     <a:outerShdw dist="35921" dir="2700000" algn="ctr" rotWithShape="0">
                       <a:schemeClr val="bg2"/>
@@ -19088,14 +19090,7 @@
                 <a:latin typeface="맑은 고딕" panose="020B0503020000020004" pitchFamily="50" charset="-127"/>
                 <a:ea typeface="맑은 고딕" panose="020B0503020000020004" pitchFamily="50" charset="-127"/>
               </a:rPr>
-              <a:t>2016 – 12 - </a:t>
-            </a:r>
-            <a:r>
-              <a:rPr lang="en-US" altLang="ko-KR" sz="1400" b="1" dirty="0" smtClean="0">
-                <a:latin typeface="맑은 고딕" panose="020B0503020000020004" pitchFamily="50" charset="-127"/>
-                <a:ea typeface="맑은 고딕" panose="020B0503020000020004" pitchFamily="50" charset="-127"/>
-              </a:rPr>
-              <a:t>17</a:t>
+              <a:t>2016 – 12 - 17</a:t>
             </a:r>
             <a:endParaRPr lang="ko-KR" altLang="en-US" sz="1400" b="1" dirty="0">
               <a:latin typeface="맑은 고딕" panose="020B0503020000020004" pitchFamily="50" charset="-127"/>
@@ -19464,10 +19459,10 @@
           <p:nvPr/>
         </p:nvPicPr>
         <p:blipFill>
-          <a:blip r:embed="rId3">
+          <a:blip r:embed="rId3" cstate="print">
             <a:extLst>
               <a:ext uri="{28A0092B-C50C-407E-A947-70E740481C1C}">
-                <a14:useLocalDpi xmlns:a14="http://schemas.microsoft.com/office/drawing/2010/main" val="0"/>
+                <a14:useLocalDpi xmlns:a14="http://schemas.microsoft.com/office/drawing/2010/main" xmlns="" val="0"/>
               </a:ext>
             </a:extLst>
           </a:blip>
@@ -19490,14 +19485,14 @@
           </a:ln>
           <a:extLst>
             <a:ext uri="{909E8E84-426E-40DD-AFC4-6F175D3DCCD1}">
-              <a14:hiddenFill xmlns:a14="http://schemas.microsoft.com/office/drawing/2010/main">
+              <a14:hiddenFill xmlns:a14="http://schemas.microsoft.com/office/drawing/2010/main" xmlns="">
                 <a:solidFill>
                   <a:schemeClr val="accent1"/>
                 </a:solidFill>
               </a14:hiddenFill>
             </a:ext>
             <a:ext uri="{91240B29-F687-4F45-9708-019B960494DF}">
-              <a14:hiddenLine xmlns:a14="http://schemas.microsoft.com/office/drawing/2010/main" w="9525">
+              <a14:hiddenLine xmlns:a14="http://schemas.microsoft.com/office/drawing/2010/main" xmlns="" w="9525">
                 <a:solidFill>
                   <a:schemeClr val="tx1"/>
                 </a:solidFill>
@@ -19795,7 +19790,7 @@
     </p:spTree>
     <p:extLst>
       <p:ext uri="{BB962C8B-B14F-4D97-AF65-F5344CB8AC3E}">
-        <p14:creationId xmlns:p14="http://schemas.microsoft.com/office/powerpoint/2010/main" val="3680518366"/>
+        <p14:creationId xmlns:p14="http://schemas.microsoft.com/office/powerpoint/2010/main" xmlns="" val="3680518366"/>
       </p:ext>
     </p:extLst>
   </p:cSld>
@@ -20060,7 +20055,7 @@
             <a:effectLst/>
             <a:extLst>
               <a:ext uri="{AF507438-7753-43E0-B8FC-AC1667EBCBE1}">
-                <a14:hiddenEffects xmlns:a14="http://schemas.microsoft.com/office/drawing/2010/main">
+                <a14:hiddenEffects xmlns:a14="http://schemas.microsoft.com/office/drawing/2010/main" xmlns="">
                   <a:effectLst>
                     <a:outerShdw dist="35921" dir="2700000" algn="ctr" rotWithShape="0">
                       <a:schemeClr val="bg2"/>
@@ -20100,7 +20095,7 @@
             <a:effectLst/>
             <a:extLst>
               <a:ext uri="{AF507438-7753-43E0-B8FC-AC1667EBCBE1}">
-                <a14:hiddenEffects xmlns:a14="http://schemas.microsoft.com/office/drawing/2010/main">
+                <a14:hiddenEffects xmlns:a14="http://schemas.microsoft.com/office/drawing/2010/main" xmlns="">
                   <a:effectLst>
                     <a:outerShdw dist="35921" dir="2700000" algn="ctr" rotWithShape="0">
                       <a:schemeClr val="bg2"/>
@@ -20140,7 +20135,7 @@
             <a:effectLst/>
             <a:extLst>
               <a:ext uri="{AF507438-7753-43E0-B8FC-AC1667EBCBE1}">
-                <a14:hiddenEffects xmlns:a14="http://schemas.microsoft.com/office/drawing/2010/main">
+                <a14:hiddenEffects xmlns:a14="http://schemas.microsoft.com/office/drawing/2010/main" xmlns="">
                   <a:effectLst>
                     <a:outerShdw dist="35921" dir="2700000" algn="ctr" rotWithShape="0">
                       <a:schemeClr val="bg2"/>
@@ -20183,7 +20178,7 @@
             <a:effectLst/>
             <a:extLst>
               <a:ext uri="{AF507438-7753-43E0-B8FC-AC1667EBCBE1}">
-                <a14:hiddenEffects xmlns:a14="http://schemas.microsoft.com/office/drawing/2010/main">
+                <a14:hiddenEffects xmlns:a14="http://schemas.microsoft.com/office/drawing/2010/main" xmlns="">
                   <a:effectLst>
                     <a:outerShdw dist="35921" dir="2700000" algn="ctr" rotWithShape="0">
                       <a:schemeClr val="bg2"/>
@@ -20423,10 +20418,10 @@
           <p:nvPr/>
         </p:nvPicPr>
         <p:blipFill>
-          <a:blip r:embed="rId2">
+          <a:blip r:embed="rId2" cstate="print">
             <a:extLst>
               <a:ext uri="{28A0092B-C50C-407E-A947-70E740481C1C}">
-                <a14:useLocalDpi xmlns:a14="http://schemas.microsoft.com/office/drawing/2010/main" val="0"/>
+                <a14:useLocalDpi xmlns:a14="http://schemas.microsoft.com/office/drawing/2010/main" xmlns="" val="0"/>
               </a:ext>
             </a:extLst>
           </a:blip>
@@ -20449,14 +20444,14 @@
           </a:ln>
           <a:extLst>
             <a:ext uri="{909E8E84-426E-40DD-AFC4-6F175D3DCCD1}">
-              <a14:hiddenFill xmlns:a14="http://schemas.microsoft.com/office/drawing/2010/main">
+              <a14:hiddenFill xmlns:a14="http://schemas.microsoft.com/office/drawing/2010/main" xmlns="">
                 <a:solidFill>
                   <a:schemeClr val="accent1"/>
                 </a:solidFill>
               </a14:hiddenFill>
             </a:ext>
             <a:ext uri="{91240B29-F687-4F45-9708-019B960494DF}">
-              <a14:hiddenLine xmlns:a14="http://schemas.microsoft.com/office/drawing/2010/main" w="9525">
+              <a14:hiddenLine xmlns:a14="http://schemas.microsoft.com/office/drawing/2010/main" xmlns="" w="9525">
                 <a:solidFill>
                   <a:schemeClr val="tx1"/>
                 </a:solidFill>
@@ -20477,10 +20472,10 @@
           <p:nvPr/>
         </p:nvPicPr>
         <p:blipFill>
-          <a:blip r:embed="rId3">
+          <a:blip r:embed="rId3" cstate="print">
             <a:extLst>
               <a:ext uri="{28A0092B-C50C-407E-A947-70E740481C1C}">
-                <a14:useLocalDpi xmlns:a14="http://schemas.microsoft.com/office/drawing/2010/main" val="0"/>
+                <a14:useLocalDpi xmlns:a14="http://schemas.microsoft.com/office/drawing/2010/main" xmlns="" val="0"/>
               </a:ext>
             </a:extLst>
           </a:blip>
@@ -20503,14 +20498,14 @@
           </a:ln>
           <a:extLst>
             <a:ext uri="{909E8E84-426E-40DD-AFC4-6F175D3DCCD1}">
-              <a14:hiddenFill xmlns:a14="http://schemas.microsoft.com/office/drawing/2010/main">
+              <a14:hiddenFill xmlns:a14="http://schemas.microsoft.com/office/drawing/2010/main" xmlns="">
                 <a:solidFill>
                   <a:schemeClr val="accent1"/>
                 </a:solidFill>
               </a14:hiddenFill>
             </a:ext>
             <a:ext uri="{91240B29-F687-4F45-9708-019B960494DF}">
-              <a14:hiddenLine xmlns:a14="http://schemas.microsoft.com/office/drawing/2010/main" w="9525">
+              <a14:hiddenLine xmlns:a14="http://schemas.microsoft.com/office/drawing/2010/main" xmlns="" w="9525">
                 <a:solidFill>
                   <a:schemeClr val="tx1"/>
                 </a:solidFill>
@@ -20679,7 +20674,7 @@
           <a:effectLst/>
           <a:extLst>
             <a:ext uri="{AF507438-7753-43E0-B8FC-AC1667EBCBE1}">
-              <a14:hiddenEffects xmlns:a14="http://schemas.microsoft.com/office/drawing/2010/main">
+              <a14:hiddenEffects xmlns:a14="http://schemas.microsoft.com/office/drawing/2010/main" xmlns="">
                 <a:effectLst>
                   <a:outerShdw dist="35921" dir="2700000" algn="ctr" rotWithShape="0">
                     <a:schemeClr val="bg2"/>
@@ -20859,10 +20854,10 @@
           <p:nvPr/>
         </p:nvPicPr>
         <p:blipFill>
-          <a:blip r:embed="rId4">
+          <a:blip r:embed="rId4" cstate="print">
             <a:extLst>
               <a:ext uri="{28A0092B-C50C-407E-A947-70E740481C1C}">
-                <a14:useLocalDpi xmlns:a14="http://schemas.microsoft.com/office/drawing/2010/main" val="0"/>
+                <a14:useLocalDpi xmlns:a14="http://schemas.microsoft.com/office/drawing/2010/main" xmlns="" val="0"/>
               </a:ext>
             </a:extLst>
           </a:blip>
@@ -20885,14 +20880,14 @@
           </a:ln>
           <a:extLst>
             <a:ext uri="{909E8E84-426E-40DD-AFC4-6F175D3DCCD1}">
-              <a14:hiddenFill xmlns:a14="http://schemas.microsoft.com/office/drawing/2010/main">
+              <a14:hiddenFill xmlns:a14="http://schemas.microsoft.com/office/drawing/2010/main" xmlns="">
                 <a:solidFill>
                   <a:schemeClr val="accent1"/>
                 </a:solidFill>
               </a14:hiddenFill>
             </a:ext>
             <a:ext uri="{91240B29-F687-4F45-9708-019B960494DF}">
-              <a14:hiddenLine xmlns:a14="http://schemas.microsoft.com/office/drawing/2010/main" w="9525">
+              <a14:hiddenLine xmlns:a14="http://schemas.microsoft.com/office/drawing/2010/main" xmlns="" w="9525">
                 <a:solidFill>
                   <a:schemeClr val="tx1"/>
                 </a:solidFill>
@@ -20913,10 +20908,10 @@
           <p:nvPr/>
         </p:nvPicPr>
         <p:blipFill>
-          <a:blip r:embed="rId5">
+          <a:blip r:embed="rId5" cstate="print">
             <a:extLst>
               <a:ext uri="{28A0092B-C50C-407E-A947-70E740481C1C}">
-                <a14:useLocalDpi xmlns:a14="http://schemas.microsoft.com/office/drawing/2010/main" val="0"/>
+                <a14:useLocalDpi xmlns:a14="http://schemas.microsoft.com/office/drawing/2010/main" xmlns="" val="0"/>
               </a:ext>
             </a:extLst>
           </a:blip>
@@ -20939,14 +20934,14 @@
           </a:ln>
           <a:extLst>
             <a:ext uri="{909E8E84-426E-40DD-AFC4-6F175D3DCCD1}">
-              <a14:hiddenFill xmlns:a14="http://schemas.microsoft.com/office/drawing/2010/main">
+              <a14:hiddenFill xmlns:a14="http://schemas.microsoft.com/office/drawing/2010/main" xmlns="">
                 <a:solidFill>
                   <a:schemeClr val="accent1"/>
                 </a:solidFill>
               </a14:hiddenFill>
             </a:ext>
             <a:ext uri="{91240B29-F687-4F45-9708-019B960494DF}">
-              <a14:hiddenLine xmlns:a14="http://schemas.microsoft.com/office/drawing/2010/main" w="9525">
+              <a14:hiddenLine xmlns:a14="http://schemas.microsoft.com/office/drawing/2010/main" xmlns="" w="9525">
                 <a:solidFill>
                   <a:schemeClr val="tx1"/>
                 </a:solidFill>
@@ -21235,10 +21230,10 @@
           <p:nvPr/>
         </p:nvPicPr>
         <p:blipFill>
-          <a:blip r:embed="rId6">
+          <a:blip r:embed="rId6" cstate="print">
             <a:extLst>
               <a:ext uri="{28A0092B-C50C-407E-A947-70E740481C1C}">
-                <a14:useLocalDpi xmlns:a14="http://schemas.microsoft.com/office/drawing/2010/main" val="0"/>
+                <a14:useLocalDpi xmlns:a14="http://schemas.microsoft.com/office/drawing/2010/main" xmlns="" val="0"/>
               </a:ext>
             </a:extLst>
           </a:blip>
@@ -21261,14 +21256,14 @@
           </a:ln>
           <a:extLst>
             <a:ext uri="{909E8E84-426E-40DD-AFC4-6F175D3DCCD1}">
-              <a14:hiddenFill xmlns:a14="http://schemas.microsoft.com/office/drawing/2010/main">
+              <a14:hiddenFill xmlns:a14="http://schemas.microsoft.com/office/drawing/2010/main" xmlns="">
                 <a:solidFill>
                   <a:schemeClr val="accent1"/>
                 </a:solidFill>
               </a14:hiddenFill>
             </a:ext>
             <a:ext uri="{91240B29-F687-4F45-9708-019B960494DF}">
-              <a14:hiddenLine xmlns:a14="http://schemas.microsoft.com/office/drawing/2010/main" w="9525">
+              <a14:hiddenLine xmlns:a14="http://schemas.microsoft.com/office/drawing/2010/main" xmlns="" w="9525">
                 <a:solidFill>
                   <a:schemeClr val="tx1"/>
                 </a:solidFill>
@@ -21434,10 +21429,10 @@
           <p:nvPr/>
         </p:nvPicPr>
         <p:blipFill>
-          <a:blip r:embed="rId7">
+          <a:blip r:embed="rId7" cstate="print">
             <a:extLst>
               <a:ext uri="{28A0092B-C50C-407E-A947-70E740481C1C}">
-                <a14:useLocalDpi xmlns:a14="http://schemas.microsoft.com/office/drawing/2010/main" val="0"/>
+                <a14:useLocalDpi xmlns:a14="http://schemas.microsoft.com/office/drawing/2010/main" xmlns="" val="0"/>
               </a:ext>
             </a:extLst>
           </a:blip>
@@ -21460,14 +21455,14 @@
           </a:ln>
           <a:extLst>
             <a:ext uri="{909E8E84-426E-40DD-AFC4-6F175D3DCCD1}">
-              <a14:hiddenFill xmlns:a14="http://schemas.microsoft.com/office/drawing/2010/main">
+              <a14:hiddenFill xmlns:a14="http://schemas.microsoft.com/office/drawing/2010/main" xmlns="">
                 <a:solidFill>
                   <a:schemeClr val="accent1"/>
                 </a:solidFill>
               </a14:hiddenFill>
             </a:ext>
             <a:ext uri="{91240B29-F687-4F45-9708-019B960494DF}">
-              <a14:hiddenLine xmlns:a14="http://schemas.microsoft.com/office/drawing/2010/main" w="9525">
+              <a14:hiddenLine xmlns:a14="http://schemas.microsoft.com/office/drawing/2010/main" xmlns="" w="9525">
                 <a:solidFill>
                   <a:schemeClr val="tx1"/>
                 </a:solidFill>
@@ -21609,10 +21604,120 @@
           </a:p>
         </p:txBody>
       </p:sp>
+      <p:sp>
+        <p:nvSpPr>
+          <p:cNvPr id="31" name="직사각형 30"/>
+          <p:cNvSpPr/>
+          <p:nvPr/>
+        </p:nvSpPr>
+        <p:spPr bwMode="auto">
+          <a:xfrm>
+            <a:off x="5796136" y="1412776"/>
+            <a:ext cx="4752528" cy="1944216"/>
+          </a:xfrm>
+          <a:prstGeom prst="rect">
+            <a:avLst/>
+          </a:prstGeom>
+          <a:solidFill>
+            <a:schemeClr val="accent1"/>
+          </a:solidFill>
+          <a:ln w="9525" cap="flat" cmpd="sng" algn="ctr">
+            <a:solidFill>
+              <a:schemeClr val="tx1"/>
+            </a:solidFill>
+            <a:prstDash val="solid"/>
+            <a:round/>
+            <a:headEnd type="none" w="med" len="med"/>
+            <a:tailEnd type="none" w="med" len="med"/>
+          </a:ln>
+          <a:effectLst/>
+          <a:extLst>
+            <a:ext uri="{AF507438-7753-43E0-B8FC-AC1667EBCBE1}">
+              <a14:hiddenEffects xmlns:a14="http://schemas.microsoft.com/office/drawing/2010/main" xmlns="">
+                <a:effectLst>
+                  <a:outerShdw dist="35921" dir="2700000" algn="ctr" rotWithShape="0">
+                    <a:schemeClr val="bg2"/>
+                  </a:outerShdw>
+                </a:effectLst>
+              </a14:hiddenEffects>
+            </a:ext>
+          </a:extLst>
+        </p:spPr>
+        <p:txBody>
+          <a:bodyPr vert="horz" wrap="none" lIns="91440" tIns="45720" rIns="91440" bIns="45720" numCol="1" rtlCol="0" anchor="ctr" anchorCtr="0" compatLnSpc="1">
+            <a:prstTxWarp prst="textNoShape">
+              <a:avLst/>
+            </a:prstTxWarp>
+          </a:bodyPr>
+          <a:lstStyle/>
+          <a:p>
+            <a:pPr marL="0" marR="0" indent="0" algn="l" defTabSz="914400" rtl="0" eaLnBrk="0" fontAlgn="base" latinLnBrk="0" hangingPunct="0">
+              <a:lnSpc>
+                <a:spcPct val="100000"/>
+              </a:lnSpc>
+              <a:spcBef>
+                <a:spcPct val="0"/>
+              </a:spcBef>
+              <a:spcAft>
+                <a:spcPct val="0"/>
+              </a:spcAft>
+              <a:buClrTx/>
+              <a:buSzTx/>
+              <a:buFontTx/>
+              <a:buNone/>
+              <a:tabLst/>
+            </a:pPr>
+            <a:r>
+              <a:rPr kumimoji="0" lang="en-US" altLang="ko-KR" sz="3200" b="0" i="0" u="none" strike="noStrike" cap="none" normalizeH="0" baseline="0" dirty="0" smtClean="0">
+                <a:ln>
+                  <a:noFill/>
+                </a:ln>
+                <a:solidFill>
+                  <a:schemeClr val="tx1"/>
+                </a:solidFill>
+                <a:effectLst/>
+                <a:latin typeface="Arial" charset="0"/>
+              </a:rPr>
+              <a:t>3</a:t>
+            </a:r>
+            <a:r>
+              <a:rPr kumimoji="0" lang="ko-KR" altLang="en-US" sz="3200" b="0" i="0" u="none" strike="noStrike" cap="none" normalizeH="0" baseline="0" dirty="0" smtClean="0">
+                <a:ln>
+                  <a:noFill/>
+                </a:ln>
+                <a:solidFill>
+                  <a:schemeClr val="tx1"/>
+                </a:solidFill>
+                <a:effectLst/>
+                <a:latin typeface="Arial" charset="0"/>
+              </a:rPr>
+              <a:t>번 제외 </a:t>
+            </a:r>
+            <a:r>
+              <a:rPr lang="ko-KR" altLang="en-US" sz="3200" dirty="0" smtClean="0"/>
+              <a:t>완</a:t>
+            </a:r>
+            <a:r>
+              <a:rPr lang="ko-KR" altLang="en-US" sz="3200" dirty="0" smtClean="0"/>
+              <a:t>료</a:t>
+            </a:r>
+            <a:endParaRPr kumimoji="0" lang="ko-KR" altLang="en-US" sz="3200" b="0" i="0" u="none" strike="noStrike" cap="none" normalizeH="0" baseline="0" dirty="0" smtClean="0">
+              <a:ln>
+                <a:noFill/>
+              </a:ln>
+              <a:solidFill>
+                <a:schemeClr val="tx1"/>
+              </a:solidFill>
+              <a:effectLst/>
+              <a:latin typeface="Arial" charset="0"/>
+            </a:endParaRPr>
+          </a:p>
+        </p:txBody>
+      </p:sp>
     </p:spTree>
     <p:extLst>
       <p:ext uri="{BB962C8B-B14F-4D97-AF65-F5344CB8AC3E}">
-        <p14:creationId xmlns:p14="http://schemas.microsoft.com/office/powerpoint/2010/main" val="2566599230"/>
+        <p14:creationId xmlns:p14="http://schemas.microsoft.com/office/powerpoint/2010/main" xmlns="" val="2566599230"/>
       </p:ext>
     </p:extLst>
   </p:cSld>
@@ -21877,7 +21982,7 @@
             <a:effectLst/>
             <a:extLst>
               <a:ext uri="{AF507438-7753-43E0-B8FC-AC1667EBCBE1}">
-                <a14:hiddenEffects xmlns:a14="http://schemas.microsoft.com/office/drawing/2010/main">
+                <a14:hiddenEffects xmlns:a14="http://schemas.microsoft.com/office/drawing/2010/main" xmlns="">
                   <a:effectLst>
                     <a:outerShdw dist="35921" dir="2700000" algn="ctr" rotWithShape="0">
                       <a:schemeClr val="bg2"/>
@@ -21917,7 +22022,7 @@
             <a:effectLst/>
             <a:extLst>
               <a:ext uri="{AF507438-7753-43E0-B8FC-AC1667EBCBE1}">
-                <a14:hiddenEffects xmlns:a14="http://schemas.microsoft.com/office/drawing/2010/main">
+                <a14:hiddenEffects xmlns:a14="http://schemas.microsoft.com/office/drawing/2010/main" xmlns="">
                   <a:effectLst>
                     <a:outerShdw dist="35921" dir="2700000" algn="ctr" rotWithShape="0">
                       <a:schemeClr val="bg2"/>
@@ -21957,7 +22062,7 @@
             <a:effectLst/>
             <a:extLst>
               <a:ext uri="{AF507438-7753-43E0-B8FC-AC1667EBCBE1}">
-                <a14:hiddenEffects xmlns:a14="http://schemas.microsoft.com/office/drawing/2010/main">
+                <a14:hiddenEffects xmlns:a14="http://schemas.microsoft.com/office/drawing/2010/main" xmlns="">
                   <a:effectLst>
                     <a:outerShdw dist="35921" dir="2700000" algn="ctr" rotWithShape="0">
                       <a:schemeClr val="bg2"/>
@@ -22000,7 +22105,7 @@
             <a:effectLst/>
             <a:extLst>
               <a:ext uri="{AF507438-7753-43E0-B8FC-AC1667EBCBE1}">
-                <a14:hiddenEffects xmlns:a14="http://schemas.microsoft.com/office/drawing/2010/main">
+                <a14:hiddenEffects xmlns:a14="http://schemas.microsoft.com/office/drawing/2010/main" xmlns="">
                   <a:effectLst>
                     <a:outerShdw dist="35921" dir="2700000" algn="ctr" rotWithShape="0">
                       <a:schemeClr val="bg2"/>
@@ -22082,14 +22187,7 @@
                 <a:latin typeface="맑은 고딕" panose="020B0503020000020004" pitchFamily="50" charset="-127"/>
                 <a:ea typeface="맑은 고딕" panose="020B0503020000020004" pitchFamily="50" charset="-127"/>
               </a:rPr>
-              <a:t>2016 – 12 - </a:t>
-            </a:r>
-            <a:r>
-              <a:rPr lang="en-US" altLang="ko-KR" sz="1400" b="1" dirty="0" smtClean="0">
-                <a:latin typeface="맑은 고딕" panose="020B0503020000020004" pitchFamily="50" charset="-127"/>
-                <a:ea typeface="맑은 고딕" panose="020B0503020000020004" pitchFamily="50" charset="-127"/>
-              </a:rPr>
-              <a:t>17</a:t>
+              <a:t>2016 – 12 - 17</a:t>
             </a:r>
             <a:endParaRPr lang="ko-KR" altLang="en-US" sz="1400" b="1" dirty="0">
               <a:latin typeface="맑은 고딕" panose="020B0503020000020004" pitchFamily="50" charset="-127"/>
@@ -22578,10 +22676,10 @@
           <p:nvPr/>
         </p:nvPicPr>
         <p:blipFill>
-          <a:blip r:embed="rId3">
+          <a:blip r:embed="rId3" cstate="print">
             <a:extLst>
               <a:ext uri="{28A0092B-C50C-407E-A947-70E740481C1C}">
-                <a14:useLocalDpi xmlns:a14="http://schemas.microsoft.com/office/drawing/2010/main" val="0"/>
+                <a14:useLocalDpi xmlns:a14="http://schemas.microsoft.com/office/drawing/2010/main" xmlns="" val="0"/>
               </a:ext>
             </a:extLst>
           </a:blip>
@@ -22604,14 +22702,14 @@
           </a:ln>
           <a:extLst>
             <a:ext uri="{909E8E84-426E-40DD-AFC4-6F175D3DCCD1}">
-              <a14:hiddenFill xmlns:a14="http://schemas.microsoft.com/office/drawing/2010/main">
+              <a14:hiddenFill xmlns:a14="http://schemas.microsoft.com/office/drawing/2010/main" xmlns="">
                 <a:solidFill>
                   <a:schemeClr val="accent1"/>
                 </a:solidFill>
               </a14:hiddenFill>
             </a:ext>
             <a:ext uri="{91240B29-F687-4F45-9708-019B960494DF}">
-              <a14:hiddenLine xmlns:a14="http://schemas.microsoft.com/office/drawing/2010/main" w="9525">
+              <a14:hiddenLine xmlns:a14="http://schemas.microsoft.com/office/drawing/2010/main" xmlns="" w="9525">
                 <a:solidFill>
                   <a:schemeClr val="tx1"/>
                 </a:solidFill>
@@ -23117,10 +23215,10 @@
           <p:nvPr/>
         </p:nvPicPr>
         <p:blipFill>
-          <a:blip r:embed="rId4">
+          <a:blip r:embed="rId4" cstate="print">
             <a:extLst>
               <a:ext uri="{28A0092B-C50C-407E-A947-70E740481C1C}">
-                <a14:useLocalDpi xmlns:a14="http://schemas.microsoft.com/office/drawing/2010/main" val="0"/>
+                <a14:useLocalDpi xmlns:a14="http://schemas.microsoft.com/office/drawing/2010/main" xmlns="" val="0"/>
               </a:ext>
             </a:extLst>
           </a:blip>
@@ -23148,7 +23246,7 @@
           </a:ln>
           <a:extLst>
             <a:ext uri="{909E8E84-426E-40DD-AFC4-6F175D3DCCD1}">
-              <a14:hiddenFill xmlns:a14="http://schemas.microsoft.com/office/drawing/2010/main">
+              <a14:hiddenFill xmlns:a14="http://schemas.microsoft.com/office/drawing/2010/main" xmlns="">
                 <a:solidFill>
                   <a:schemeClr val="accent1"/>
                 </a:solidFill>
@@ -23443,7 +23541,7 @@
     </p:spTree>
     <p:extLst>
       <p:ext uri="{BB962C8B-B14F-4D97-AF65-F5344CB8AC3E}">
-        <p14:creationId xmlns:p14="http://schemas.microsoft.com/office/powerpoint/2010/main" val="204687591"/>
+        <p14:creationId xmlns:p14="http://schemas.microsoft.com/office/powerpoint/2010/main" xmlns="" val="204687591"/>
       </p:ext>
     </p:extLst>
   </p:cSld>
@@ -23708,7 +23806,7 @@
             <a:effectLst/>
             <a:extLst>
               <a:ext uri="{AF507438-7753-43E0-B8FC-AC1667EBCBE1}">
-                <a14:hiddenEffects xmlns:a14="http://schemas.microsoft.com/office/drawing/2010/main">
+                <a14:hiddenEffects xmlns:a14="http://schemas.microsoft.com/office/drawing/2010/main" xmlns="">
                   <a:effectLst>
                     <a:outerShdw dist="35921" dir="2700000" algn="ctr" rotWithShape="0">
                       <a:schemeClr val="bg2"/>
@@ -23748,7 +23846,7 @@
             <a:effectLst/>
             <a:extLst>
               <a:ext uri="{AF507438-7753-43E0-B8FC-AC1667EBCBE1}">
-                <a14:hiddenEffects xmlns:a14="http://schemas.microsoft.com/office/drawing/2010/main">
+                <a14:hiddenEffects xmlns:a14="http://schemas.microsoft.com/office/drawing/2010/main" xmlns="">
                   <a:effectLst>
                     <a:outerShdw dist="35921" dir="2700000" algn="ctr" rotWithShape="0">
                       <a:schemeClr val="bg2"/>
@@ -23788,7 +23886,7 @@
             <a:effectLst/>
             <a:extLst>
               <a:ext uri="{AF507438-7753-43E0-B8FC-AC1667EBCBE1}">
-                <a14:hiddenEffects xmlns:a14="http://schemas.microsoft.com/office/drawing/2010/main">
+                <a14:hiddenEffects xmlns:a14="http://schemas.microsoft.com/office/drawing/2010/main" xmlns="">
                   <a:effectLst>
                     <a:outerShdw dist="35921" dir="2700000" algn="ctr" rotWithShape="0">
                       <a:schemeClr val="bg2"/>
@@ -23831,7 +23929,7 @@
             <a:effectLst/>
             <a:extLst>
               <a:ext uri="{AF507438-7753-43E0-B8FC-AC1667EBCBE1}">
-                <a14:hiddenEffects xmlns:a14="http://schemas.microsoft.com/office/drawing/2010/main">
+                <a14:hiddenEffects xmlns:a14="http://schemas.microsoft.com/office/drawing/2010/main" xmlns="">
                   <a:effectLst>
                     <a:outerShdw dist="35921" dir="2700000" algn="ctr" rotWithShape="0">
                       <a:schemeClr val="bg2"/>
@@ -23913,14 +24011,7 @@
                 <a:latin typeface="맑은 고딕" panose="020B0503020000020004" pitchFamily="50" charset="-127"/>
                 <a:ea typeface="맑은 고딕" panose="020B0503020000020004" pitchFamily="50" charset="-127"/>
               </a:rPr>
-              <a:t>2016 – 12 - </a:t>
-            </a:r>
-            <a:r>
-              <a:rPr lang="en-US" altLang="ko-KR" sz="1400" b="1" dirty="0" smtClean="0">
-                <a:latin typeface="맑은 고딕" panose="020B0503020000020004" pitchFamily="50" charset="-127"/>
-                <a:ea typeface="맑은 고딕" panose="020B0503020000020004" pitchFamily="50" charset="-127"/>
-              </a:rPr>
-              <a:t>17</a:t>
+              <a:t>2016 – 12 - 17</a:t>
             </a:r>
             <a:endParaRPr lang="ko-KR" altLang="en-US" sz="1400" b="1" dirty="0">
               <a:latin typeface="맑은 고딕" panose="020B0503020000020004" pitchFamily="50" charset="-127"/>
@@ -24278,10 +24369,10 @@
           <p:nvPr/>
         </p:nvPicPr>
         <p:blipFill>
-          <a:blip r:embed="rId3">
+          <a:blip r:embed="rId3" cstate="print">
             <a:extLst>
               <a:ext uri="{28A0092B-C50C-407E-A947-70E740481C1C}">
-                <a14:useLocalDpi xmlns:a14="http://schemas.microsoft.com/office/drawing/2010/main" val="0"/>
+                <a14:useLocalDpi xmlns:a14="http://schemas.microsoft.com/office/drawing/2010/main" xmlns="" val="0"/>
               </a:ext>
             </a:extLst>
           </a:blip>
@@ -24304,14 +24395,14 @@
           </a:ln>
           <a:extLst>
             <a:ext uri="{909E8E84-426E-40DD-AFC4-6F175D3DCCD1}">
-              <a14:hiddenFill xmlns:a14="http://schemas.microsoft.com/office/drawing/2010/main">
+              <a14:hiddenFill xmlns:a14="http://schemas.microsoft.com/office/drawing/2010/main" xmlns="">
                 <a:solidFill>
                   <a:schemeClr val="accent1"/>
                 </a:solidFill>
               </a14:hiddenFill>
             </a:ext>
             <a:ext uri="{91240B29-F687-4F45-9708-019B960494DF}">
-              <a14:hiddenLine xmlns:a14="http://schemas.microsoft.com/office/drawing/2010/main" w="9525">
+              <a14:hiddenLine xmlns:a14="http://schemas.microsoft.com/office/drawing/2010/main" xmlns="" w="9525">
                 <a:solidFill>
                   <a:schemeClr val="tx1"/>
                 </a:solidFill>
@@ -24616,7 +24707,7 @@
     </p:spTree>
     <p:extLst>
       <p:ext uri="{BB962C8B-B14F-4D97-AF65-F5344CB8AC3E}">
-        <p14:creationId xmlns:p14="http://schemas.microsoft.com/office/powerpoint/2010/main" val="850629866"/>
+        <p14:creationId xmlns:p14="http://schemas.microsoft.com/office/powerpoint/2010/main" xmlns="" val="850629866"/>
       </p:ext>
     </p:extLst>
   </p:cSld>
@@ -24881,7 +24972,7 @@
             <a:effectLst/>
             <a:extLst>
               <a:ext uri="{AF507438-7753-43E0-B8FC-AC1667EBCBE1}">
-                <a14:hiddenEffects xmlns:a14="http://schemas.microsoft.com/office/drawing/2010/main">
+                <a14:hiddenEffects xmlns:a14="http://schemas.microsoft.com/office/drawing/2010/main" xmlns="">
                   <a:effectLst>
                     <a:outerShdw dist="35921" dir="2700000" algn="ctr" rotWithShape="0">
                       <a:schemeClr val="bg2"/>
@@ -24921,7 +25012,7 @@
             <a:effectLst/>
             <a:extLst>
               <a:ext uri="{AF507438-7753-43E0-B8FC-AC1667EBCBE1}">
-                <a14:hiddenEffects xmlns:a14="http://schemas.microsoft.com/office/drawing/2010/main">
+                <a14:hiddenEffects xmlns:a14="http://schemas.microsoft.com/office/drawing/2010/main" xmlns="">
                   <a:effectLst>
                     <a:outerShdw dist="35921" dir="2700000" algn="ctr" rotWithShape="0">
                       <a:schemeClr val="bg2"/>
@@ -24961,7 +25052,7 @@
             <a:effectLst/>
             <a:extLst>
               <a:ext uri="{AF507438-7753-43E0-B8FC-AC1667EBCBE1}">
-                <a14:hiddenEffects xmlns:a14="http://schemas.microsoft.com/office/drawing/2010/main">
+                <a14:hiddenEffects xmlns:a14="http://schemas.microsoft.com/office/drawing/2010/main" xmlns="">
                   <a:effectLst>
                     <a:outerShdw dist="35921" dir="2700000" algn="ctr" rotWithShape="0">
                       <a:schemeClr val="bg2"/>
@@ -25004,7 +25095,7 @@
             <a:effectLst/>
             <a:extLst>
               <a:ext uri="{AF507438-7753-43E0-B8FC-AC1667EBCBE1}">
-                <a14:hiddenEffects xmlns:a14="http://schemas.microsoft.com/office/drawing/2010/main">
+                <a14:hiddenEffects xmlns:a14="http://schemas.microsoft.com/office/drawing/2010/main" xmlns="">
                   <a:effectLst>
                     <a:outerShdw dist="35921" dir="2700000" algn="ctr" rotWithShape="0">
                       <a:schemeClr val="bg2"/>
@@ -25086,14 +25177,7 @@
                 <a:latin typeface="맑은 고딕" panose="020B0503020000020004" pitchFamily="50" charset="-127"/>
                 <a:ea typeface="맑은 고딕" panose="020B0503020000020004" pitchFamily="50" charset="-127"/>
               </a:rPr>
-              <a:t>2016 – 12 - </a:t>
-            </a:r>
-            <a:r>
-              <a:rPr lang="en-US" altLang="ko-KR" sz="1400" b="1" dirty="0" smtClean="0">
-                <a:latin typeface="맑은 고딕" panose="020B0503020000020004" pitchFamily="50" charset="-127"/>
-                <a:ea typeface="맑은 고딕" panose="020B0503020000020004" pitchFamily="50" charset="-127"/>
-              </a:rPr>
-              <a:t>17</a:t>
+              <a:t>2016 – 12 - 17</a:t>
             </a:r>
             <a:endParaRPr lang="ko-KR" altLang="en-US" sz="1400" b="1" dirty="0">
               <a:latin typeface="맑은 고딕" panose="020B0503020000020004" pitchFamily="50" charset="-127"/>
@@ -25409,10 +25493,10 @@
           <p:nvPr/>
         </p:nvPicPr>
         <p:blipFill>
-          <a:blip r:embed="rId3">
+          <a:blip r:embed="rId3" cstate="print">
             <a:extLst>
               <a:ext uri="{28A0092B-C50C-407E-A947-70E740481C1C}">
-                <a14:useLocalDpi xmlns:a14="http://schemas.microsoft.com/office/drawing/2010/main" val="0"/>
+                <a14:useLocalDpi xmlns:a14="http://schemas.microsoft.com/office/drawing/2010/main" xmlns="" val="0"/>
               </a:ext>
             </a:extLst>
           </a:blip>
@@ -25435,14 +25519,14 @@
           </a:ln>
           <a:extLst>
             <a:ext uri="{909E8E84-426E-40DD-AFC4-6F175D3DCCD1}">
-              <a14:hiddenFill xmlns:a14="http://schemas.microsoft.com/office/drawing/2010/main">
+              <a14:hiddenFill xmlns:a14="http://schemas.microsoft.com/office/drawing/2010/main" xmlns="">
                 <a:solidFill>
                   <a:schemeClr val="accent1"/>
                 </a:solidFill>
               </a14:hiddenFill>
             </a:ext>
             <a:ext uri="{91240B29-F687-4F45-9708-019B960494DF}">
-              <a14:hiddenLine xmlns:a14="http://schemas.microsoft.com/office/drawing/2010/main" w="9525">
+              <a14:hiddenLine xmlns:a14="http://schemas.microsoft.com/office/drawing/2010/main" xmlns="" w="9525">
                 <a:solidFill>
                   <a:schemeClr val="tx1"/>
                 </a:solidFill>
@@ -25878,7 +25962,7 @@
     </p:spTree>
     <p:extLst>
       <p:ext uri="{BB962C8B-B14F-4D97-AF65-F5344CB8AC3E}">
-        <p14:creationId xmlns:p14="http://schemas.microsoft.com/office/powerpoint/2010/main" val="3227897207"/>
+        <p14:creationId xmlns:p14="http://schemas.microsoft.com/office/powerpoint/2010/main" xmlns="" val="3227897207"/>
       </p:ext>
     </p:extLst>
   </p:cSld>
@@ -26143,7 +26227,7 @@
             <a:effectLst/>
             <a:extLst>
               <a:ext uri="{AF507438-7753-43E0-B8FC-AC1667EBCBE1}">
-                <a14:hiddenEffects xmlns:a14="http://schemas.microsoft.com/office/drawing/2010/main">
+                <a14:hiddenEffects xmlns:a14="http://schemas.microsoft.com/office/drawing/2010/main" xmlns="">
                   <a:effectLst>
                     <a:outerShdw dist="35921" dir="2700000" algn="ctr" rotWithShape="0">
                       <a:schemeClr val="bg2"/>
@@ -26183,7 +26267,7 @@
             <a:effectLst/>
             <a:extLst>
               <a:ext uri="{AF507438-7753-43E0-B8FC-AC1667EBCBE1}">
-                <a14:hiddenEffects xmlns:a14="http://schemas.microsoft.com/office/drawing/2010/main">
+                <a14:hiddenEffects xmlns:a14="http://schemas.microsoft.com/office/drawing/2010/main" xmlns="">
                   <a:effectLst>
                     <a:outerShdw dist="35921" dir="2700000" algn="ctr" rotWithShape="0">
                       <a:schemeClr val="bg2"/>
@@ -26223,7 +26307,7 @@
             <a:effectLst/>
             <a:extLst>
               <a:ext uri="{AF507438-7753-43E0-B8FC-AC1667EBCBE1}">
-                <a14:hiddenEffects xmlns:a14="http://schemas.microsoft.com/office/drawing/2010/main">
+                <a14:hiddenEffects xmlns:a14="http://schemas.microsoft.com/office/drawing/2010/main" xmlns="">
                   <a:effectLst>
                     <a:outerShdw dist="35921" dir="2700000" algn="ctr" rotWithShape="0">
                       <a:schemeClr val="bg2"/>
@@ -26266,7 +26350,7 @@
             <a:effectLst/>
             <a:extLst>
               <a:ext uri="{AF507438-7753-43E0-B8FC-AC1667EBCBE1}">
-                <a14:hiddenEffects xmlns:a14="http://schemas.microsoft.com/office/drawing/2010/main">
+                <a14:hiddenEffects xmlns:a14="http://schemas.microsoft.com/office/drawing/2010/main" xmlns="">
                   <a:effectLst>
                     <a:outerShdw dist="35921" dir="2700000" algn="ctr" rotWithShape="0">
                       <a:schemeClr val="bg2"/>
@@ -26348,14 +26432,7 @@
                 <a:latin typeface="맑은 고딕" panose="020B0503020000020004" pitchFamily="50" charset="-127"/>
                 <a:ea typeface="맑은 고딕" panose="020B0503020000020004" pitchFamily="50" charset="-127"/>
               </a:rPr>
-              <a:t>2016 – 12 - </a:t>
-            </a:r>
-            <a:r>
-              <a:rPr lang="en-US" altLang="ko-KR" sz="1400" b="1" dirty="0" smtClean="0">
-                <a:latin typeface="맑은 고딕" panose="020B0503020000020004" pitchFamily="50" charset="-127"/>
-                <a:ea typeface="맑은 고딕" panose="020B0503020000020004" pitchFamily="50" charset="-127"/>
-              </a:rPr>
-              <a:t>17</a:t>
+              <a:t>2016 – 12 - 17</a:t>
             </a:r>
             <a:endParaRPr lang="ko-KR" altLang="en-US" sz="1400" b="1" dirty="0">
               <a:latin typeface="맑은 고딕" panose="020B0503020000020004" pitchFamily="50" charset="-127"/>
@@ -26613,10 +26690,10 @@
           <p:nvPr/>
         </p:nvPicPr>
         <p:blipFill>
-          <a:blip r:embed="rId3">
+          <a:blip r:embed="rId3" cstate="print">
             <a:extLst>
               <a:ext uri="{28A0092B-C50C-407E-A947-70E740481C1C}">
-                <a14:useLocalDpi xmlns:a14="http://schemas.microsoft.com/office/drawing/2010/main" val="0"/>
+                <a14:useLocalDpi xmlns:a14="http://schemas.microsoft.com/office/drawing/2010/main" xmlns="" val="0"/>
               </a:ext>
             </a:extLst>
           </a:blip>
@@ -26639,14 +26716,14 @@
           </a:ln>
           <a:extLst>
             <a:ext uri="{909E8E84-426E-40DD-AFC4-6F175D3DCCD1}">
-              <a14:hiddenFill xmlns:a14="http://schemas.microsoft.com/office/drawing/2010/main">
+              <a14:hiddenFill xmlns:a14="http://schemas.microsoft.com/office/drawing/2010/main" xmlns="">
                 <a:solidFill>
                   <a:schemeClr val="accent1"/>
                 </a:solidFill>
               </a14:hiddenFill>
             </a:ext>
             <a:ext uri="{91240B29-F687-4F45-9708-019B960494DF}">
-              <a14:hiddenLine xmlns:a14="http://schemas.microsoft.com/office/drawing/2010/main" w="9525">
+              <a14:hiddenLine xmlns:a14="http://schemas.microsoft.com/office/drawing/2010/main" xmlns="" w="9525">
                 <a:solidFill>
                   <a:schemeClr val="tx1"/>
                 </a:solidFill>
@@ -26806,7 +26883,7 @@
     </p:spTree>
     <p:extLst>
       <p:ext uri="{BB962C8B-B14F-4D97-AF65-F5344CB8AC3E}">
-        <p14:creationId xmlns:p14="http://schemas.microsoft.com/office/powerpoint/2010/main" val="3782649962"/>
+        <p14:creationId xmlns:p14="http://schemas.microsoft.com/office/powerpoint/2010/main" xmlns="" val="3782649962"/>
       </p:ext>
     </p:extLst>
   </p:cSld>
@@ -27071,7 +27148,7 @@
             <a:effectLst/>
             <a:extLst>
               <a:ext uri="{AF507438-7753-43E0-B8FC-AC1667EBCBE1}">
-                <a14:hiddenEffects xmlns:a14="http://schemas.microsoft.com/office/drawing/2010/main">
+                <a14:hiddenEffects xmlns:a14="http://schemas.microsoft.com/office/drawing/2010/main" xmlns="">
                   <a:effectLst>
                     <a:outerShdw dist="35921" dir="2700000" algn="ctr" rotWithShape="0">
                       <a:schemeClr val="bg2"/>
@@ -27111,7 +27188,7 @@
             <a:effectLst/>
             <a:extLst>
               <a:ext uri="{AF507438-7753-43E0-B8FC-AC1667EBCBE1}">
-                <a14:hiddenEffects xmlns:a14="http://schemas.microsoft.com/office/drawing/2010/main">
+                <a14:hiddenEffects xmlns:a14="http://schemas.microsoft.com/office/drawing/2010/main" xmlns="">
                   <a:effectLst>
                     <a:outerShdw dist="35921" dir="2700000" algn="ctr" rotWithShape="0">
                       <a:schemeClr val="bg2"/>
@@ -27151,7 +27228,7 @@
             <a:effectLst/>
             <a:extLst>
               <a:ext uri="{AF507438-7753-43E0-B8FC-AC1667EBCBE1}">
-                <a14:hiddenEffects xmlns:a14="http://schemas.microsoft.com/office/drawing/2010/main">
+                <a14:hiddenEffects xmlns:a14="http://schemas.microsoft.com/office/drawing/2010/main" xmlns="">
                   <a:effectLst>
                     <a:outerShdw dist="35921" dir="2700000" algn="ctr" rotWithShape="0">
                       <a:schemeClr val="bg2"/>
@@ -27194,7 +27271,7 @@
             <a:effectLst/>
             <a:extLst>
               <a:ext uri="{AF507438-7753-43E0-B8FC-AC1667EBCBE1}">
-                <a14:hiddenEffects xmlns:a14="http://schemas.microsoft.com/office/drawing/2010/main">
+                <a14:hiddenEffects xmlns:a14="http://schemas.microsoft.com/office/drawing/2010/main" xmlns="">
                   <a:effectLst>
                     <a:outerShdw dist="35921" dir="2700000" algn="ctr" rotWithShape="0">
                       <a:schemeClr val="bg2"/>
@@ -27276,14 +27353,7 @@
                 <a:latin typeface="맑은 고딕" panose="020B0503020000020004" pitchFamily="50" charset="-127"/>
                 <a:ea typeface="맑은 고딕" panose="020B0503020000020004" pitchFamily="50" charset="-127"/>
               </a:rPr>
-              <a:t>2016 – 12 - </a:t>
-            </a:r>
-            <a:r>
-              <a:rPr lang="en-US" altLang="ko-KR" sz="1400" b="1" dirty="0" smtClean="0">
-                <a:latin typeface="맑은 고딕" panose="020B0503020000020004" pitchFamily="50" charset="-127"/>
-                <a:ea typeface="맑은 고딕" panose="020B0503020000020004" pitchFamily="50" charset="-127"/>
-              </a:rPr>
-              <a:t>17</a:t>
+              <a:t>2016 – 12 - 17</a:t>
             </a:r>
             <a:endParaRPr lang="ko-KR" altLang="en-US" sz="1400" b="1" dirty="0">
               <a:latin typeface="맑은 고딕" panose="020B0503020000020004" pitchFamily="50" charset="-127"/>
@@ -27590,10 +27660,10 @@
           <p:nvPr/>
         </p:nvPicPr>
         <p:blipFill>
-          <a:blip r:embed="rId3">
+          <a:blip r:embed="rId3" cstate="print">
             <a:extLst>
               <a:ext uri="{28A0092B-C50C-407E-A947-70E740481C1C}">
-                <a14:useLocalDpi xmlns:a14="http://schemas.microsoft.com/office/drawing/2010/main" val="0"/>
+                <a14:useLocalDpi xmlns:a14="http://schemas.microsoft.com/office/drawing/2010/main" xmlns="" val="0"/>
               </a:ext>
             </a:extLst>
           </a:blip>
@@ -27616,14 +27686,14 @@
           </a:ln>
           <a:extLst>
             <a:ext uri="{909E8E84-426E-40DD-AFC4-6F175D3DCCD1}">
-              <a14:hiddenFill xmlns:a14="http://schemas.microsoft.com/office/drawing/2010/main">
+              <a14:hiddenFill xmlns:a14="http://schemas.microsoft.com/office/drawing/2010/main" xmlns="">
                 <a:solidFill>
                   <a:schemeClr val="accent1"/>
                 </a:solidFill>
               </a14:hiddenFill>
             </a:ext>
             <a:ext uri="{91240B29-F687-4F45-9708-019B960494DF}">
-              <a14:hiddenLine xmlns:a14="http://schemas.microsoft.com/office/drawing/2010/main" w="9525">
+              <a14:hiddenLine xmlns:a14="http://schemas.microsoft.com/office/drawing/2010/main" xmlns="" w="9525">
                 <a:solidFill>
                   <a:schemeClr val="tx1"/>
                 </a:solidFill>
@@ -27928,7 +27998,7 @@
     </p:spTree>
     <p:extLst>
       <p:ext uri="{BB962C8B-B14F-4D97-AF65-F5344CB8AC3E}">
-        <p14:creationId xmlns:p14="http://schemas.microsoft.com/office/powerpoint/2010/main" val="1596524086"/>
+        <p14:creationId xmlns:p14="http://schemas.microsoft.com/office/powerpoint/2010/main" xmlns="" val="1596524086"/>
       </p:ext>
     </p:extLst>
   </p:cSld>
@@ -28193,7 +28263,7 @@
             <a:effectLst/>
             <a:extLst>
               <a:ext uri="{AF507438-7753-43E0-B8FC-AC1667EBCBE1}">
-                <a14:hiddenEffects xmlns:a14="http://schemas.microsoft.com/office/drawing/2010/main">
+                <a14:hiddenEffects xmlns:a14="http://schemas.microsoft.com/office/drawing/2010/main" xmlns="">
                   <a:effectLst>
                     <a:outerShdw dist="35921" dir="2700000" algn="ctr" rotWithShape="0">
                       <a:schemeClr val="bg2"/>
@@ -28233,7 +28303,7 @@
             <a:effectLst/>
             <a:extLst>
               <a:ext uri="{AF507438-7753-43E0-B8FC-AC1667EBCBE1}">
-                <a14:hiddenEffects xmlns:a14="http://schemas.microsoft.com/office/drawing/2010/main">
+                <a14:hiddenEffects xmlns:a14="http://schemas.microsoft.com/office/drawing/2010/main" xmlns="">
                   <a:effectLst>
                     <a:outerShdw dist="35921" dir="2700000" algn="ctr" rotWithShape="0">
                       <a:schemeClr val="bg2"/>
@@ -28273,7 +28343,7 @@
             <a:effectLst/>
             <a:extLst>
               <a:ext uri="{AF507438-7753-43E0-B8FC-AC1667EBCBE1}">
-                <a14:hiddenEffects xmlns:a14="http://schemas.microsoft.com/office/drawing/2010/main">
+                <a14:hiddenEffects xmlns:a14="http://schemas.microsoft.com/office/drawing/2010/main" xmlns="">
                   <a:effectLst>
                     <a:outerShdw dist="35921" dir="2700000" algn="ctr" rotWithShape="0">
                       <a:schemeClr val="bg2"/>
@@ -28316,7 +28386,7 @@
             <a:effectLst/>
             <a:extLst>
               <a:ext uri="{AF507438-7753-43E0-B8FC-AC1667EBCBE1}">
-                <a14:hiddenEffects xmlns:a14="http://schemas.microsoft.com/office/drawing/2010/main">
+                <a14:hiddenEffects xmlns:a14="http://schemas.microsoft.com/office/drawing/2010/main" xmlns="">
                   <a:effectLst>
                     <a:outerShdw dist="35921" dir="2700000" algn="ctr" rotWithShape="0">
                       <a:schemeClr val="bg2"/>
@@ -28398,14 +28468,7 @@
                 <a:latin typeface="맑은 고딕" panose="020B0503020000020004" pitchFamily="50" charset="-127"/>
                 <a:ea typeface="맑은 고딕" panose="020B0503020000020004" pitchFamily="50" charset="-127"/>
               </a:rPr>
-              <a:t>2016 – 12 - </a:t>
-            </a:r>
-            <a:r>
-              <a:rPr lang="en-US" altLang="ko-KR" sz="1400" b="1" dirty="0" smtClean="0">
-                <a:latin typeface="맑은 고딕" panose="020B0503020000020004" pitchFamily="50" charset="-127"/>
-                <a:ea typeface="맑은 고딕" panose="020B0503020000020004" pitchFamily="50" charset="-127"/>
-              </a:rPr>
-              <a:t>17</a:t>
+              <a:t>2016 – 12 - 17</a:t>
             </a:r>
             <a:endParaRPr lang="ko-KR" altLang="en-US" sz="1400" b="1" dirty="0">
               <a:latin typeface="맑은 고딕" panose="020B0503020000020004" pitchFamily="50" charset="-127"/>
@@ -28632,53 +28695,40 @@
                 <a:ea typeface="맑은 고딕" panose="020B0503020000020004" pitchFamily="50" charset="-127"/>
                 <a:sym typeface="Wingdings" panose="05000000000000000000" pitchFamily="2" charset="2"/>
               </a:rPr>
+              <a:t>..,  </a:t>
+            </a:r>
+            <a:r>
+              <a:rPr lang="ko-KR" altLang="en-US" sz="1200" b="1" dirty="0" smtClean="0">
+                <a:latin typeface="맑은 고딕" panose="020B0503020000020004" pitchFamily="50" charset="-127"/>
+                <a:ea typeface="맑은 고딕" panose="020B0503020000020004" pitchFamily="50" charset="-127"/>
+                <a:sym typeface="Wingdings" panose="05000000000000000000" pitchFamily="2" charset="2"/>
+              </a:rPr>
+              <a:t>접수일자</a:t>
+            </a:r>
+            <a:r>
+              <a:rPr lang="en-US" altLang="ko-KR" sz="1200" b="1" dirty="0" smtClean="0">
+                <a:latin typeface="맑은 고딕" panose="020B0503020000020004" pitchFamily="50" charset="-127"/>
+                <a:ea typeface="맑은 고딕" panose="020B0503020000020004" pitchFamily="50" charset="-127"/>
+                <a:sym typeface="Wingdings" panose="05000000000000000000" pitchFamily="2" charset="2"/>
+              </a:rPr>
+              <a:t>, </a:t>
+            </a:r>
+            <a:r>
+              <a:rPr lang="ko-KR" altLang="en-US" sz="1200" b="1" dirty="0" smtClean="0">
+                <a:latin typeface="맑은 고딕" panose="020B0503020000020004" pitchFamily="50" charset="-127"/>
+                <a:ea typeface="맑은 고딕" panose="020B0503020000020004" pitchFamily="50" charset="-127"/>
+                <a:sym typeface="Wingdings" panose="05000000000000000000" pitchFamily="2" charset="2"/>
+              </a:rPr>
+              <a:t>조치일자는 제품코드 옆으로 이동해서 검색조건 공간을 줄어주세요</a:t>
+            </a:r>
+            <a:r>
+              <a:rPr lang="en-US" altLang="ko-KR" sz="1200" b="1" dirty="0" smtClean="0">
+                <a:latin typeface="맑은 고딕" panose="020B0503020000020004" pitchFamily="50" charset="-127"/>
+                <a:ea typeface="맑은 고딕" panose="020B0503020000020004" pitchFamily="50" charset="-127"/>
+                <a:sym typeface="Wingdings" panose="05000000000000000000" pitchFamily="2" charset="2"/>
+              </a:rPr>
               <a:t>..</a:t>
             </a:r>
-            <a:r>
-              <a:rPr lang="en-US" altLang="ko-KR" sz="1200" b="1" dirty="0" smtClean="0">
-                <a:latin typeface="맑은 고딕" panose="020B0503020000020004" pitchFamily="50" charset="-127"/>
-                <a:ea typeface="맑은 고딕" panose="020B0503020000020004" pitchFamily="50" charset="-127"/>
-                <a:sym typeface="Wingdings" panose="05000000000000000000" pitchFamily="2" charset="2"/>
-              </a:rPr>
-              <a:t>,  </a:t>
-            </a:r>
-            <a:r>
-              <a:rPr lang="ko-KR" altLang="en-US" sz="1200" b="1" dirty="0" smtClean="0">
-                <a:latin typeface="맑은 고딕" panose="020B0503020000020004" pitchFamily="50" charset="-127"/>
-                <a:ea typeface="맑은 고딕" panose="020B0503020000020004" pitchFamily="50" charset="-127"/>
-                <a:sym typeface="Wingdings" panose="05000000000000000000" pitchFamily="2" charset="2"/>
-              </a:rPr>
-              <a:t>접수일자</a:t>
-            </a:r>
-            <a:r>
-              <a:rPr lang="en-US" altLang="ko-KR" sz="1200" b="1" dirty="0" smtClean="0">
-                <a:latin typeface="맑은 고딕" panose="020B0503020000020004" pitchFamily="50" charset="-127"/>
-                <a:ea typeface="맑은 고딕" panose="020B0503020000020004" pitchFamily="50" charset="-127"/>
-                <a:sym typeface="Wingdings" panose="05000000000000000000" pitchFamily="2" charset="2"/>
-              </a:rPr>
-              <a:t>, </a:t>
-            </a:r>
-            <a:r>
-              <a:rPr lang="ko-KR" altLang="en-US" sz="1200" b="1" dirty="0" smtClean="0">
-                <a:latin typeface="맑은 고딕" panose="020B0503020000020004" pitchFamily="50" charset="-127"/>
-                <a:ea typeface="맑은 고딕" panose="020B0503020000020004" pitchFamily="50" charset="-127"/>
-                <a:sym typeface="Wingdings" panose="05000000000000000000" pitchFamily="2" charset="2"/>
-              </a:rPr>
-              <a:t>조치일자는 제품코드 옆으로 이동해서 검색조건 공간을 줄어주세요</a:t>
-            </a:r>
-            <a:r>
-              <a:rPr lang="en-US" altLang="ko-KR" sz="1200" b="1" dirty="0" smtClean="0">
-                <a:latin typeface="맑은 고딕" panose="020B0503020000020004" pitchFamily="50" charset="-127"/>
-                <a:ea typeface="맑은 고딕" panose="020B0503020000020004" pitchFamily="50" charset="-127"/>
-                <a:sym typeface="Wingdings" panose="05000000000000000000" pitchFamily="2" charset="2"/>
-              </a:rPr>
-              <a:t>..</a:t>
-            </a:r>
-            <a:endParaRPr lang="en-US" altLang="ko-KR" sz="1200" b="1" dirty="0" smtClean="0">
-              <a:latin typeface="맑은 고딕" panose="020B0503020000020004" pitchFamily="50" charset="-127"/>
-              <a:ea typeface="맑은 고딕" panose="020B0503020000020004" pitchFamily="50" charset="-127"/>
-              <a:sym typeface="Wingdings" panose="05000000000000000000" pitchFamily="2" charset="2"/>
-            </a:endParaRPr>
           </a:p>
         </p:txBody>
       </p:sp>
@@ -28691,10 +28741,10 @@
           <p:nvPr/>
         </p:nvPicPr>
         <p:blipFill>
-          <a:blip r:embed="rId3">
+          <a:blip r:embed="rId3" cstate="print">
             <a:extLst>
               <a:ext uri="{28A0092B-C50C-407E-A947-70E740481C1C}">
-                <a14:useLocalDpi xmlns:a14="http://schemas.microsoft.com/office/drawing/2010/main" val="0"/>
+                <a14:useLocalDpi xmlns:a14="http://schemas.microsoft.com/office/drawing/2010/main" xmlns="" val="0"/>
               </a:ext>
             </a:extLst>
           </a:blip>
@@ -28717,14 +28767,14 @@
           </a:ln>
           <a:extLst>
             <a:ext uri="{909E8E84-426E-40DD-AFC4-6F175D3DCCD1}">
-              <a14:hiddenFill xmlns:a14="http://schemas.microsoft.com/office/drawing/2010/main">
+              <a14:hiddenFill xmlns:a14="http://schemas.microsoft.com/office/drawing/2010/main" xmlns="">
                 <a:solidFill>
                   <a:schemeClr val="accent1"/>
                 </a:solidFill>
               </a14:hiddenFill>
             </a:ext>
             <a:ext uri="{91240B29-F687-4F45-9708-019B960494DF}">
-              <a14:hiddenLine xmlns:a14="http://schemas.microsoft.com/office/drawing/2010/main" w="9525">
+              <a14:hiddenLine xmlns:a14="http://schemas.microsoft.com/office/drawing/2010/main" xmlns="" w="9525">
                 <a:solidFill>
                   <a:schemeClr val="tx1"/>
                 </a:solidFill>
@@ -28884,7 +28934,7 @@
     </p:spTree>
     <p:extLst>
       <p:ext uri="{BB962C8B-B14F-4D97-AF65-F5344CB8AC3E}">
-        <p14:creationId xmlns:p14="http://schemas.microsoft.com/office/powerpoint/2010/main" val="3316582217"/>
+        <p14:creationId xmlns:p14="http://schemas.microsoft.com/office/powerpoint/2010/main" xmlns="" val="3316582217"/>
       </p:ext>
     </p:extLst>
   </p:cSld>
@@ -29149,7 +29199,7 @@
             <a:effectLst/>
             <a:extLst>
               <a:ext uri="{AF507438-7753-43E0-B8FC-AC1667EBCBE1}">
-                <a14:hiddenEffects xmlns:a14="http://schemas.microsoft.com/office/drawing/2010/main">
+                <a14:hiddenEffects xmlns:a14="http://schemas.microsoft.com/office/drawing/2010/main" xmlns="">
                   <a:effectLst>
                     <a:outerShdw dist="35921" dir="2700000" algn="ctr" rotWithShape="0">
                       <a:schemeClr val="bg2"/>
@@ -29189,7 +29239,7 @@
             <a:effectLst/>
             <a:extLst>
               <a:ext uri="{AF507438-7753-43E0-B8FC-AC1667EBCBE1}">
-                <a14:hiddenEffects xmlns:a14="http://schemas.microsoft.com/office/drawing/2010/main">
+                <a14:hiddenEffects xmlns:a14="http://schemas.microsoft.com/office/drawing/2010/main" xmlns="">
                   <a:effectLst>
                     <a:outerShdw dist="35921" dir="2700000" algn="ctr" rotWithShape="0">
                       <a:schemeClr val="bg2"/>
@@ -29229,7 +29279,7 @@
             <a:effectLst/>
             <a:extLst>
               <a:ext uri="{AF507438-7753-43E0-B8FC-AC1667EBCBE1}">
-                <a14:hiddenEffects xmlns:a14="http://schemas.microsoft.com/office/drawing/2010/main">
+                <a14:hiddenEffects xmlns:a14="http://schemas.microsoft.com/office/drawing/2010/main" xmlns="">
                   <a:effectLst>
                     <a:outerShdw dist="35921" dir="2700000" algn="ctr" rotWithShape="0">
                       <a:schemeClr val="bg2"/>
@@ -29272,7 +29322,7 @@
             <a:effectLst/>
             <a:extLst>
               <a:ext uri="{AF507438-7753-43E0-B8FC-AC1667EBCBE1}">
-                <a14:hiddenEffects xmlns:a14="http://schemas.microsoft.com/office/drawing/2010/main">
+                <a14:hiddenEffects xmlns:a14="http://schemas.microsoft.com/office/drawing/2010/main" xmlns="">
                   <a:effectLst>
                     <a:outerShdw dist="35921" dir="2700000" algn="ctr" rotWithShape="0">
                       <a:schemeClr val="bg2"/>
@@ -29354,14 +29404,7 @@
                 <a:latin typeface="맑은 고딕" panose="020B0503020000020004" pitchFamily="50" charset="-127"/>
                 <a:ea typeface="맑은 고딕" panose="020B0503020000020004" pitchFamily="50" charset="-127"/>
               </a:rPr>
-              <a:t>2016 – 12 - </a:t>
-            </a:r>
-            <a:r>
-              <a:rPr lang="en-US" altLang="ko-KR" sz="1400" b="1" dirty="0" smtClean="0">
-                <a:latin typeface="맑은 고딕" panose="020B0503020000020004" pitchFamily="50" charset="-127"/>
-                <a:ea typeface="맑은 고딕" panose="020B0503020000020004" pitchFamily="50" charset="-127"/>
-              </a:rPr>
-              <a:t>17</a:t>
+              <a:t>2016 – 12 - 17</a:t>
             </a:r>
             <a:endParaRPr lang="ko-KR" altLang="en-US" sz="1400" b="1" dirty="0">
               <a:latin typeface="맑은 고딕" panose="020B0503020000020004" pitchFamily="50" charset="-127"/>
@@ -29566,15 +29609,7 @@
                 <a:ea typeface="맑은 고딕" panose="020B0503020000020004" pitchFamily="50" charset="-127"/>
                 <a:sym typeface="Wingdings" panose="05000000000000000000" pitchFamily="2" charset="2"/>
               </a:rPr>
-              <a:t>위와 동일</a:t>
-            </a:r>
-            <a:r>
-              <a:rPr lang="ko-KR" altLang="en-US" sz="1200" b="1" dirty="0" smtClean="0">
-                <a:latin typeface="맑은 고딕" panose="020B0503020000020004" pitchFamily="50" charset="-127"/>
-                <a:ea typeface="맑은 고딕" panose="020B0503020000020004" pitchFamily="50" charset="-127"/>
-                <a:sym typeface="Wingdings" panose="05000000000000000000" pitchFamily="2" charset="2"/>
-              </a:rPr>
-              <a:t>한 용어이므로 </a:t>
+              <a:t>위와 동일한 용어이므로 </a:t>
             </a:r>
             <a:r>
               <a:rPr lang="en-US" altLang="ko-KR" sz="1200" b="1" dirty="0" smtClean="0">
@@ -29737,10 +29772,10 @@
           <p:nvPr/>
         </p:nvPicPr>
         <p:blipFill>
-          <a:blip r:embed="rId3">
+          <a:blip r:embed="rId3" cstate="print">
             <a:extLst>
               <a:ext uri="{28A0092B-C50C-407E-A947-70E740481C1C}">
-                <a14:useLocalDpi xmlns:a14="http://schemas.microsoft.com/office/drawing/2010/main" val="0"/>
+                <a14:useLocalDpi xmlns:a14="http://schemas.microsoft.com/office/drawing/2010/main" xmlns="" val="0"/>
               </a:ext>
             </a:extLst>
           </a:blip>
@@ -29763,14 +29798,14 @@
           </a:ln>
           <a:extLst>
             <a:ext uri="{909E8E84-426E-40DD-AFC4-6F175D3DCCD1}">
-              <a14:hiddenFill xmlns:a14="http://schemas.microsoft.com/office/drawing/2010/main">
+              <a14:hiddenFill xmlns:a14="http://schemas.microsoft.com/office/drawing/2010/main" xmlns="">
                 <a:solidFill>
                   <a:schemeClr val="accent1"/>
                 </a:solidFill>
               </a14:hiddenFill>
             </a:ext>
             <a:ext uri="{91240B29-F687-4F45-9708-019B960494DF}">
-              <a14:hiddenLine xmlns:a14="http://schemas.microsoft.com/office/drawing/2010/main" w="9525">
+              <a14:hiddenLine xmlns:a14="http://schemas.microsoft.com/office/drawing/2010/main" xmlns="" w="9525">
                 <a:solidFill>
                   <a:schemeClr val="tx1"/>
                 </a:solidFill>
@@ -30220,7 +30255,7 @@
     </p:spTree>
     <p:extLst>
       <p:ext uri="{BB962C8B-B14F-4D97-AF65-F5344CB8AC3E}">
-        <p14:creationId xmlns:p14="http://schemas.microsoft.com/office/powerpoint/2010/main" val="621323672"/>
+        <p14:creationId xmlns:p14="http://schemas.microsoft.com/office/powerpoint/2010/main" xmlns="" val="621323672"/>
       </p:ext>
     </p:extLst>
   </p:cSld>
@@ -30485,7 +30520,7 @@
             <a:effectLst/>
             <a:extLst>
               <a:ext uri="{AF507438-7753-43E0-B8FC-AC1667EBCBE1}">
-                <a14:hiddenEffects xmlns:a14="http://schemas.microsoft.com/office/drawing/2010/main">
+                <a14:hiddenEffects xmlns:a14="http://schemas.microsoft.com/office/drawing/2010/main" xmlns="">
                   <a:effectLst>
                     <a:outerShdw dist="35921" dir="2700000" algn="ctr" rotWithShape="0">
                       <a:schemeClr val="bg2"/>
@@ -30525,7 +30560,7 @@
             <a:effectLst/>
             <a:extLst>
               <a:ext uri="{AF507438-7753-43E0-B8FC-AC1667EBCBE1}">
-                <a14:hiddenEffects xmlns:a14="http://schemas.microsoft.com/office/drawing/2010/main">
+                <a14:hiddenEffects xmlns:a14="http://schemas.microsoft.com/office/drawing/2010/main" xmlns="">
                   <a:effectLst>
                     <a:outerShdw dist="35921" dir="2700000" algn="ctr" rotWithShape="0">
                       <a:schemeClr val="bg2"/>
@@ -30565,7 +30600,7 @@
             <a:effectLst/>
             <a:extLst>
               <a:ext uri="{AF507438-7753-43E0-B8FC-AC1667EBCBE1}">
-                <a14:hiddenEffects xmlns:a14="http://schemas.microsoft.com/office/drawing/2010/main">
+                <a14:hiddenEffects xmlns:a14="http://schemas.microsoft.com/office/drawing/2010/main" xmlns="">
                   <a:effectLst>
                     <a:outerShdw dist="35921" dir="2700000" algn="ctr" rotWithShape="0">
                       <a:schemeClr val="bg2"/>
@@ -30608,7 +30643,7 @@
             <a:effectLst/>
             <a:extLst>
               <a:ext uri="{AF507438-7753-43E0-B8FC-AC1667EBCBE1}">
-                <a14:hiddenEffects xmlns:a14="http://schemas.microsoft.com/office/drawing/2010/main">
+                <a14:hiddenEffects xmlns:a14="http://schemas.microsoft.com/office/drawing/2010/main" xmlns="">
                   <a:effectLst>
                     <a:outerShdw dist="35921" dir="2700000" algn="ctr" rotWithShape="0">
                       <a:schemeClr val="bg2"/>
@@ -30884,10 +30919,10 @@
           <p:nvPr/>
         </p:nvPicPr>
         <p:blipFill>
-          <a:blip r:embed="rId2">
+          <a:blip r:embed="rId2" cstate="print">
             <a:extLst>
               <a:ext uri="{28A0092B-C50C-407E-A947-70E740481C1C}">
-                <a14:useLocalDpi xmlns:a14="http://schemas.microsoft.com/office/drawing/2010/main" val="0"/>
+                <a14:useLocalDpi xmlns:a14="http://schemas.microsoft.com/office/drawing/2010/main" xmlns="" val="0"/>
               </a:ext>
             </a:extLst>
           </a:blip>
@@ -30910,14 +30945,14 @@
           </a:ln>
           <a:extLst>
             <a:ext uri="{909E8E84-426E-40DD-AFC4-6F175D3DCCD1}">
-              <a14:hiddenFill xmlns:a14="http://schemas.microsoft.com/office/drawing/2010/main">
+              <a14:hiddenFill xmlns:a14="http://schemas.microsoft.com/office/drawing/2010/main" xmlns="">
                 <a:solidFill>
                   <a:schemeClr val="accent1"/>
                 </a:solidFill>
               </a14:hiddenFill>
             </a:ext>
             <a:ext uri="{91240B29-F687-4F45-9708-019B960494DF}">
-              <a14:hiddenLine xmlns:a14="http://schemas.microsoft.com/office/drawing/2010/main" w="9525">
+              <a14:hiddenLine xmlns:a14="http://schemas.microsoft.com/office/drawing/2010/main" xmlns="" w="9525">
                 <a:solidFill>
                   <a:schemeClr val="tx1"/>
                 </a:solidFill>
@@ -31077,7 +31112,7 @@
     </p:spTree>
     <p:extLst>
       <p:ext uri="{BB962C8B-B14F-4D97-AF65-F5344CB8AC3E}">
-        <p14:creationId xmlns:p14="http://schemas.microsoft.com/office/powerpoint/2010/main" val="4285758701"/>
+        <p14:creationId xmlns:p14="http://schemas.microsoft.com/office/powerpoint/2010/main" xmlns="" val="4285758701"/>
       </p:ext>
     </p:extLst>
   </p:cSld>
@@ -31342,7 +31377,7 @@
             <a:effectLst/>
             <a:extLst>
               <a:ext uri="{AF507438-7753-43E0-B8FC-AC1667EBCBE1}">
-                <a14:hiddenEffects xmlns:a14="http://schemas.microsoft.com/office/drawing/2010/main">
+                <a14:hiddenEffects xmlns:a14="http://schemas.microsoft.com/office/drawing/2010/main" xmlns="">
                   <a:effectLst>
                     <a:outerShdw dist="35921" dir="2700000" algn="ctr" rotWithShape="0">
                       <a:schemeClr val="bg2"/>
@@ -31382,7 +31417,7 @@
             <a:effectLst/>
             <a:extLst>
               <a:ext uri="{AF507438-7753-43E0-B8FC-AC1667EBCBE1}">
-                <a14:hiddenEffects xmlns:a14="http://schemas.microsoft.com/office/drawing/2010/main">
+                <a14:hiddenEffects xmlns:a14="http://schemas.microsoft.com/office/drawing/2010/main" xmlns="">
                   <a:effectLst>
                     <a:outerShdw dist="35921" dir="2700000" algn="ctr" rotWithShape="0">
                       <a:schemeClr val="bg2"/>
@@ -31422,7 +31457,7 @@
             <a:effectLst/>
             <a:extLst>
               <a:ext uri="{AF507438-7753-43E0-B8FC-AC1667EBCBE1}">
-                <a14:hiddenEffects xmlns:a14="http://schemas.microsoft.com/office/drawing/2010/main">
+                <a14:hiddenEffects xmlns:a14="http://schemas.microsoft.com/office/drawing/2010/main" xmlns="">
                   <a:effectLst>
                     <a:outerShdw dist="35921" dir="2700000" algn="ctr" rotWithShape="0">
                       <a:schemeClr val="bg2"/>
@@ -31465,7 +31500,7 @@
             <a:effectLst/>
             <a:extLst>
               <a:ext uri="{AF507438-7753-43E0-B8FC-AC1667EBCBE1}">
-                <a14:hiddenEffects xmlns:a14="http://schemas.microsoft.com/office/drawing/2010/main">
+                <a14:hiddenEffects xmlns:a14="http://schemas.microsoft.com/office/drawing/2010/main" xmlns="">
                   <a:effectLst>
                     <a:outerShdw dist="35921" dir="2700000" algn="ctr" rotWithShape="0">
                       <a:schemeClr val="bg2"/>
@@ -31529,10 +31564,10 @@
           <p:nvPr/>
         </p:nvPicPr>
         <p:blipFill>
-          <a:blip r:embed="rId2">
+          <a:blip r:embed="rId2" cstate="print">
             <a:extLst>
               <a:ext uri="{28A0092B-C50C-407E-A947-70E740481C1C}">
-                <a14:useLocalDpi xmlns:a14="http://schemas.microsoft.com/office/drawing/2010/main" val="0"/>
+                <a14:useLocalDpi xmlns:a14="http://schemas.microsoft.com/office/drawing/2010/main" xmlns="" val="0"/>
               </a:ext>
             </a:extLst>
           </a:blip>
@@ -31555,14 +31590,14 @@
           </a:ln>
           <a:extLst>
             <a:ext uri="{909E8E84-426E-40DD-AFC4-6F175D3DCCD1}">
-              <a14:hiddenFill xmlns:a14="http://schemas.microsoft.com/office/drawing/2010/main">
+              <a14:hiddenFill xmlns:a14="http://schemas.microsoft.com/office/drawing/2010/main" xmlns="">
                 <a:solidFill>
                   <a:schemeClr val="accent1"/>
                 </a:solidFill>
               </a14:hiddenFill>
             </a:ext>
             <a:ext uri="{91240B29-F687-4F45-9708-019B960494DF}">
-              <a14:hiddenLine xmlns:a14="http://schemas.microsoft.com/office/drawing/2010/main" w="9525">
+              <a14:hiddenLine xmlns:a14="http://schemas.microsoft.com/office/drawing/2010/main" xmlns="" w="9525">
                 <a:solidFill>
                   <a:schemeClr val="tx1"/>
                 </a:solidFill>
@@ -31907,7 +31942,7 @@
     </p:spTree>
     <p:extLst>
       <p:ext uri="{BB962C8B-B14F-4D97-AF65-F5344CB8AC3E}">
-        <p14:creationId xmlns:p14="http://schemas.microsoft.com/office/powerpoint/2010/main" val="3218567344"/>
+        <p14:creationId xmlns:p14="http://schemas.microsoft.com/office/powerpoint/2010/main" xmlns="" val="3218567344"/>
       </p:ext>
     </p:extLst>
   </p:cSld>
@@ -32172,7 +32207,7 @@
             <a:effectLst/>
             <a:extLst>
               <a:ext uri="{AF507438-7753-43E0-B8FC-AC1667EBCBE1}">
-                <a14:hiddenEffects xmlns:a14="http://schemas.microsoft.com/office/drawing/2010/main">
+                <a14:hiddenEffects xmlns:a14="http://schemas.microsoft.com/office/drawing/2010/main" xmlns="">
                   <a:effectLst>
                     <a:outerShdw dist="35921" dir="2700000" algn="ctr" rotWithShape="0">
                       <a:schemeClr val="bg2"/>
@@ -32212,7 +32247,7 @@
             <a:effectLst/>
             <a:extLst>
               <a:ext uri="{AF507438-7753-43E0-B8FC-AC1667EBCBE1}">
-                <a14:hiddenEffects xmlns:a14="http://schemas.microsoft.com/office/drawing/2010/main">
+                <a14:hiddenEffects xmlns:a14="http://schemas.microsoft.com/office/drawing/2010/main" xmlns="">
                   <a:effectLst>
                     <a:outerShdw dist="35921" dir="2700000" algn="ctr" rotWithShape="0">
                       <a:schemeClr val="bg2"/>
@@ -32252,7 +32287,7 @@
             <a:effectLst/>
             <a:extLst>
               <a:ext uri="{AF507438-7753-43E0-B8FC-AC1667EBCBE1}">
-                <a14:hiddenEffects xmlns:a14="http://schemas.microsoft.com/office/drawing/2010/main">
+                <a14:hiddenEffects xmlns:a14="http://schemas.microsoft.com/office/drawing/2010/main" xmlns="">
                   <a:effectLst>
                     <a:outerShdw dist="35921" dir="2700000" algn="ctr" rotWithShape="0">
                       <a:schemeClr val="bg2"/>
@@ -32295,7 +32330,7 @@
             <a:effectLst/>
             <a:extLst>
               <a:ext uri="{AF507438-7753-43E0-B8FC-AC1667EBCBE1}">
-                <a14:hiddenEffects xmlns:a14="http://schemas.microsoft.com/office/drawing/2010/main">
+                <a14:hiddenEffects xmlns:a14="http://schemas.microsoft.com/office/drawing/2010/main" xmlns="">
                   <a:effectLst>
                     <a:outerShdw dist="35921" dir="2700000" algn="ctr" rotWithShape="0">
                       <a:schemeClr val="bg2"/>
@@ -32359,10 +32394,10 @@
           <p:nvPr/>
         </p:nvPicPr>
         <p:blipFill>
-          <a:blip r:embed="rId2">
+          <a:blip r:embed="rId2" cstate="print">
             <a:extLst>
               <a:ext uri="{28A0092B-C50C-407E-A947-70E740481C1C}">
-                <a14:useLocalDpi xmlns:a14="http://schemas.microsoft.com/office/drawing/2010/main" val="0"/>
+                <a14:useLocalDpi xmlns:a14="http://schemas.microsoft.com/office/drawing/2010/main" xmlns="" val="0"/>
               </a:ext>
             </a:extLst>
           </a:blip>
@@ -32385,14 +32420,14 @@
           </a:ln>
           <a:extLst>
             <a:ext uri="{909E8E84-426E-40DD-AFC4-6F175D3DCCD1}">
-              <a14:hiddenFill xmlns:a14="http://schemas.microsoft.com/office/drawing/2010/main">
+              <a14:hiddenFill xmlns:a14="http://schemas.microsoft.com/office/drawing/2010/main" xmlns="">
                 <a:solidFill>
                   <a:schemeClr val="accent1"/>
                 </a:solidFill>
               </a14:hiddenFill>
             </a:ext>
             <a:ext uri="{91240B29-F687-4F45-9708-019B960494DF}">
-              <a14:hiddenLine xmlns:a14="http://schemas.microsoft.com/office/drawing/2010/main" w="9525">
+              <a14:hiddenLine xmlns:a14="http://schemas.microsoft.com/office/drawing/2010/main" xmlns="" w="9525">
                 <a:solidFill>
                   <a:schemeClr val="tx1"/>
                 </a:solidFill>
@@ -32704,10 +32739,94 @@
           </a:p>
         </p:txBody>
       </p:sp>
+      <p:sp>
+        <p:nvSpPr>
+          <p:cNvPr id="18" name="직사각형 17"/>
+          <p:cNvSpPr/>
+          <p:nvPr/>
+        </p:nvSpPr>
+        <p:spPr bwMode="auto">
+          <a:xfrm>
+            <a:off x="5580112" y="692696"/>
+            <a:ext cx="4032448" cy="2088232"/>
+          </a:xfrm>
+          <a:prstGeom prst="rect">
+            <a:avLst/>
+          </a:prstGeom>
+          <a:solidFill>
+            <a:schemeClr val="accent1"/>
+          </a:solidFill>
+          <a:ln w="9525" cap="flat" cmpd="sng" algn="ctr">
+            <a:solidFill>
+              <a:schemeClr val="tx1"/>
+            </a:solidFill>
+            <a:prstDash val="solid"/>
+            <a:round/>
+            <a:headEnd type="none" w="med" len="med"/>
+            <a:tailEnd type="none" w="med" len="med"/>
+          </a:ln>
+          <a:effectLst/>
+          <a:extLst>
+            <a:ext uri="{AF507438-7753-43E0-B8FC-AC1667EBCBE1}">
+              <a14:hiddenEffects xmlns:a14="http://schemas.microsoft.com/office/drawing/2010/main" xmlns="">
+                <a:effectLst>
+                  <a:outerShdw dist="35921" dir="2700000" algn="ctr" rotWithShape="0">
+                    <a:schemeClr val="bg2"/>
+                  </a:outerShdw>
+                </a:effectLst>
+              </a14:hiddenEffects>
+            </a:ext>
+          </a:extLst>
+        </p:spPr>
+        <p:txBody>
+          <a:bodyPr vert="horz" wrap="none" lIns="91440" tIns="45720" rIns="91440" bIns="45720" numCol="1" rtlCol="0" anchor="ctr" anchorCtr="0" compatLnSpc="1">
+            <a:prstTxWarp prst="textNoShape">
+              <a:avLst/>
+            </a:prstTxWarp>
+          </a:bodyPr>
+          <a:lstStyle/>
+          <a:p>
+            <a:pPr marL="0" marR="0" indent="0" algn="ctr" defTabSz="914400" rtl="0" eaLnBrk="0" fontAlgn="base" latinLnBrk="0" hangingPunct="0">
+              <a:lnSpc>
+                <a:spcPct val="100000"/>
+              </a:lnSpc>
+              <a:spcBef>
+                <a:spcPct val="0"/>
+              </a:spcBef>
+              <a:spcAft>
+                <a:spcPct val="0"/>
+              </a:spcAft>
+              <a:buClrTx/>
+              <a:buSzTx/>
+              <a:buFontTx/>
+              <a:buNone/>
+              <a:tabLst/>
+            </a:pPr>
+            <a:r>
+              <a:rPr lang="ko-KR" altLang="en-US" sz="3600" dirty="0" smtClean="0"/>
+              <a:t>완</a:t>
+            </a:r>
+            <a:r>
+              <a:rPr lang="ko-KR" altLang="en-US" sz="3600" dirty="0" smtClean="0"/>
+              <a:t>료</a:t>
+            </a:r>
+            <a:endParaRPr kumimoji="0" lang="ko-KR" altLang="en-US" sz="3600" b="0" i="0" u="none" strike="noStrike" cap="none" normalizeH="0" baseline="0" dirty="0" smtClean="0">
+              <a:ln>
+                <a:noFill/>
+              </a:ln>
+              <a:solidFill>
+                <a:schemeClr val="tx1"/>
+              </a:solidFill>
+              <a:effectLst/>
+              <a:latin typeface="Arial" charset="0"/>
+            </a:endParaRPr>
+          </a:p>
+        </p:txBody>
+      </p:sp>
     </p:spTree>
     <p:extLst>
       <p:ext uri="{BB962C8B-B14F-4D97-AF65-F5344CB8AC3E}">
-        <p14:creationId xmlns:p14="http://schemas.microsoft.com/office/powerpoint/2010/main" val="2585101492"/>
+        <p14:creationId xmlns:p14="http://schemas.microsoft.com/office/powerpoint/2010/main" xmlns="" val="2585101492"/>
       </p:ext>
     </p:extLst>
   </p:cSld>
@@ -32972,7 +33091,7 @@
             <a:effectLst/>
             <a:extLst>
               <a:ext uri="{AF507438-7753-43E0-B8FC-AC1667EBCBE1}">
-                <a14:hiddenEffects xmlns:a14="http://schemas.microsoft.com/office/drawing/2010/main">
+                <a14:hiddenEffects xmlns:a14="http://schemas.microsoft.com/office/drawing/2010/main" xmlns="">
                   <a:effectLst>
                     <a:outerShdw dist="35921" dir="2700000" algn="ctr" rotWithShape="0">
                       <a:schemeClr val="bg2"/>
@@ -33012,7 +33131,7 @@
             <a:effectLst/>
             <a:extLst>
               <a:ext uri="{AF507438-7753-43E0-B8FC-AC1667EBCBE1}">
-                <a14:hiddenEffects xmlns:a14="http://schemas.microsoft.com/office/drawing/2010/main">
+                <a14:hiddenEffects xmlns:a14="http://schemas.microsoft.com/office/drawing/2010/main" xmlns="">
                   <a:effectLst>
                     <a:outerShdw dist="35921" dir="2700000" algn="ctr" rotWithShape="0">
                       <a:schemeClr val="bg2"/>
@@ -33052,7 +33171,7 @@
             <a:effectLst/>
             <a:extLst>
               <a:ext uri="{AF507438-7753-43E0-B8FC-AC1667EBCBE1}">
-                <a14:hiddenEffects xmlns:a14="http://schemas.microsoft.com/office/drawing/2010/main">
+                <a14:hiddenEffects xmlns:a14="http://schemas.microsoft.com/office/drawing/2010/main" xmlns="">
                   <a:effectLst>
                     <a:outerShdw dist="35921" dir="2700000" algn="ctr" rotWithShape="0">
                       <a:schemeClr val="bg2"/>
@@ -33095,7 +33214,7 @@
             <a:effectLst/>
             <a:extLst>
               <a:ext uri="{AF507438-7753-43E0-B8FC-AC1667EBCBE1}">
-                <a14:hiddenEffects xmlns:a14="http://schemas.microsoft.com/office/drawing/2010/main">
+                <a14:hiddenEffects xmlns:a14="http://schemas.microsoft.com/office/drawing/2010/main" xmlns="">
                   <a:effectLst>
                     <a:outerShdw dist="35921" dir="2700000" algn="ctr" rotWithShape="0">
                       <a:schemeClr val="bg2"/>
@@ -33322,18 +33441,7 @@
                 <a:ea typeface="맑은 고딕" panose="020B0503020000020004" pitchFamily="50" charset="-127"/>
                 <a:sym typeface="Wingdings" panose="05000000000000000000" pitchFamily="2" charset="2"/>
               </a:rPr>
-              <a:t> </a:t>
-            </a:r>
-            <a:r>
-              <a:rPr lang="en-US" altLang="ko-KR" sz="1200" b="1" dirty="0" smtClean="0">
-                <a:solidFill>
-                  <a:srgbClr val="FF3300"/>
-                </a:solidFill>
-                <a:latin typeface="맑은 고딕" panose="020B0503020000020004" pitchFamily="50" charset="-127"/>
-                <a:ea typeface="맑은 고딕" panose="020B0503020000020004" pitchFamily="50" charset="-127"/>
-                <a:sym typeface="Wingdings" panose="05000000000000000000" pitchFamily="2" charset="2"/>
-              </a:rPr>
-              <a:t> </a:t>
+              <a:t>  </a:t>
             </a:r>
             <a:r>
               <a:rPr lang="ko-KR" altLang="en-US" sz="1200" b="1" dirty="0" smtClean="0">
@@ -33433,10 +33541,10 @@
           <p:nvPr/>
         </p:nvPicPr>
         <p:blipFill>
-          <a:blip r:embed="rId2">
+          <a:blip r:embed="rId2" cstate="print">
             <a:extLst>
               <a:ext uri="{28A0092B-C50C-407E-A947-70E740481C1C}">
-                <a14:useLocalDpi xmlns:a14="http://schemas.microsoft.com/office/drawing/2010/main" val="0"/>
+                <a14:useLocalDpi xmlns:a14="http://schemas.microsoft.com/office/drawing/2010/main" xmlns="" val="0"/>
               </a:ext>
             </a:extLst>
           </a:blip>
@@ -33459,14 +33567,14 @@
           </a:ln>
           <a:extLst>
             <a:ext uri="{909E8E84-426E-40DD-AFC4-6F175D3DCCD1}">
-              <a14:hiddenFill xmlns:a14="http://schemas.microsoft.com/office/drawing/2010/main">
+              <a14:hiddenFill xmlns:a14="http://schemas.microsoft.com/office/drawing/2010/main" xmlns="">
                 <a:solidFill>
                   <a:schemeClr val="accent1"/>
                 </a:solidFill>
               </a14:hiddenFill>
             </a:ext>
             <a:ext uri="{91240B29-F687-4F45-9708-019B960494DF}">
-              <a14:hiddenLine xmlns:a14="http://schemas.microsoft.com/office/drawing/2010/main" w="9525">
+              <a14:hiddenLine xmlns:a14="http://schemas.microsoft.com/office/drawing/2010/main" xmlns="" w="9525">
                 <a:solidFill>
                   <a:schemeClr val="tx1"/>
                 </a:solidFill>
@@ -33623,10 +33731,94 @@
           </a:p>
         </p:txBody>
       </p:sp>
+      <p:sp>
+        <p:nvSpPr>
+          <p:cNvPr id="17" name="직사각형 16"/>
+          <p:cNvSpPr/>
+          <p:nvPr/>
+        </p:nvSpPr>
+        <p:spPr bwMode="auto">
+          <a:xfrm>
+            <a:off x="5580112" y="692696"/>
+            <a:ext cx="4032448" cy="2088232"/>
+          </a:xfrm>
+          <a:prstGeom prst="rect">
+            <a:avLst/>
+          </a:prstGeom>
+          <a:solidFill>
+            <a:schemeClr val="accent1"/>
+          </a:solidFill>
+          <a:ln w="9525" cap="flat" cmpd="sng" algn="ctr">
+            <a:solidFill>
+              <a:schemeClr val="tx1"/>
+            </a:solidFill>
+            <a:prstDash val="solid"/>
+            <a:round/>
+            <a:headEnd type="none" w="med" len="med"/>
+            <a:tailEnd type="none" w="med" len="med"/>
+          </a:ln>
+          <a:effectLst/>
+          <a:extLst>
+            <a:ext uri="{AF507438-7753-43E0-B8FC-AC1667EBCBE1}">
+              <a14:hiddenEffects xmlns:a14="http://schemas.microsoft.com/office/drawing/2010/main" xmlns="">
+                <a:effectLst>
+                  <a:outerShdw dist="35921" dir="2700000" algn="ctr" rotWithShape="0">
+                    <a:schemeClr val="bg2"/>
+                  </a:outerShdw>
+                </a:effectLst>
+              </a14:hiddenEffects>
+            </a:ext>
+          </a:extLst>
+        </p:spPr>
+        <p:txBody>
+          <a:bodyPr vert="horz" wrap="none" lIns="91440" tIns="45720" rIns="91440" bIns="45720" numCol="1" rtlCol="0" anchor="ctr" anchorCtr="0" compatLnSpc="1">
+            <a:prstTxWarp prst="textNoShape">
+              <a:avLst/>
+            </a:prstTxWarp>
+          </a:bodyPr>
+          <a:lstStyle/>
+          <a:p>
+            <a:pPr marL="0" marR="0" indent="0" algn="ctr" defTabSz="914400" rtl="0" eaLnBrk="0" fontAlgn="base" latinLnBrk="0" hangingPunct="0">
+              <a:lnSpc>
+                <a:spcPct val="100000"/>
+              </a:lnSpc>
+              <a:spcBef>
+                <a:spcPct val="0"/>
+              </a:spcBef>
+              <a:spcAft>
+                <a:spcPct val="0"/>
+              </a:spcAft>
+              <a:buClrTx/>
+              <a:buSzTx/>
+              <a:buFontTx/>
+              <a:buNone/>
+              <a:tabLst/>
+            </a:pPr>
+            <a:r>
+              <a:rPr lang="ko-KR" altLang="en-US" sz="3600" dirty="0" smtClean="0"/>
+              <a:t>완</a:t>
+            </a:r>
+            <a:r>
+              <a:rPr lang="ko-KR" altLang="en-US" sz="3600" dirty="0" smtClean="0"/>
+              <a:t>료</a:t>
+            </a:r>
+            <a:endParaRPr kumimoji="0" lang="ko-KR" altLang="en-US" sz="3600" b="0" i="0" u="none" strike="noStrike" cap="none" normalizeH="0" baseline="0" dirty="0" smtClean="0">
+              <a:ln>
+                <a:noFill/>
+              </a:ln>
+              <a:solidFill>
+                <a:schemeClr val="tx1"/>
+              </a:solidFill>
+              <a:effectLst/>
+              <a:latin typeface="Arial" charset="0"/>
+            </a:endParaRPr>
+          </a:p>
+        </p:txBody>
+      </p:sp>
     </p:spTree>
     <p:extLst>
       <p:ext uri="{BB962C8B-B14F-4D97-AF65-F5344CB8AC3E}">
-        <p14:creationId xmlns:p14="http://schemas.microsoft.com/office/powerpoint/2010/main" val="1219351500"/>
+        <p14:creationId xmlns:p14="http://schemas.microsoft.com/office/powerpoint/2010/main" xmlns="" val="1219351500"/>
       </p:ext>
     </p:extLst>
   </p:cSld>
@@ -33891,7 +34083,7 @@
             <a:effectLst/>
             <a:extLst>
               <a:ext uri="{AF507438-7753-43E0-B8FC-AC1667EBCBE1}">
-                <a14:hiddenEffects xmlns:a14="http://schemas.microsoft.com/office/drawing/2010/main">
+                <a14:hiddenEffects xmlns:a14="http://schemas.microsoft.com/office/drawing/2010/main" xmlns="">
                   <a:effectLst>
                     <a:outerShdw dist="35921" dir="2700000" algn="ctr" rotWithShape="0">
                       <a:schemeClr val="bg2"/>
@@ -33931,7 +34123,7 @@
             <a:effectLst/>
             <a:extLst>
               <a:ext uri="{AF507438-7753-43E0-B8FC-AC1667EBCBE1}">
-                <a14:hiddenEffects xmlns:a14="http://schemas.microsoft.com/office/drawing/2010/main">
+                <a14:hiddenEffects xmlns:a14="http://schemas.microsoft.com/office/drawing/2010/main" xmlns="">
                   <a:effectLst>
                     <a:outerShdw dist="35921" dir="2700000" algn="ctr" rotWithShape="0">
                       <a:schemeClr val="bg2"/>
@@ -33971,7 +34163,7 @@
             <a:effectLst/>
             <a:extLst>
               <a:ext uri="{AF507438-7753-43E0-B8FC-AC1667EBCBE1}">
-                <a14:hiddenEffects xmlns:a14="http://schemas.microsoft.com/office/drawing/2010/main">
+                <a14:hiddenEffects xmlns:a14="http://schemas.microsoft.com/office/drawing/2010/main" xmlns="">
                   <a:effectLst>
                     <a:outerShdw dist="35921" dir="2700000" algn="ctr" rotWithShape="0">
                       <a:schemeClr val="bg2"/>
@@ -34014,7 +34206,7 @@
             <a:effectLst/>
             <a:extLst>
               <a:ext uri="{AF507438-7753-43E0-B8FC-AC1667EBCBE1}">
-                <a14:hiddenEffects xmlns:a14="http://schemas.microsoft.com/office/drawing/2010/main">
+                <a14:hiddenEffects xmlns:a14="http://schemas.microsoft.com/office/drawing/2010/main" xmlns="">
                   <a:effectLst>
                     <a:outerShdw dist="35921" dir="2700000" algn="ctr" rotWithShape="0">
                       <a:schemeClr val="bg2"/>
@@ -34053,14 +34245,7 @@
                 <a:latin typeface="맑은 고딕" panose="020B0503020000020004" pitchFamily="50" charset="-127"/>
                 <a:ea typeface="맑은 고딕" panose="020B0503020000020004" pitchFamily="50" charset="-127"/>
               </a:rPr>
-              <a:t>통계 </a:t>
-            </a:r>
-            <a:r>
-              <a:rPr lang="ko-KR" altLang="en-US" sz="3600" dirty="0" smtClean="0">
-                <a:latin typeface="맑은 고딕" panose="020B0503020000020004" pitchFamily="50" charset="-127"/>
-                <a:ea typeface="맑은 고딕" panose="020B0503020000020004" pitchFamily="50" charset="-127"/>
-              </a:rPr>
-              <a:t>분석 </a:t>
+              <a:t>통계 분석 </a:t>
             </a:r>
             <a:r>
               <a:rPr lang="en-US" altLang="ko-KR" sz="3600" dirty="0" smtClean="0">
@@ -34088,7 +34273,7 @@
     </p:spTree>
     <p:extLst>
       <p:ext uri="{BB962C8B-B14F-4D97-AF65-F5344CB8AC3E}">
-        <p14:creationId xmlns:p14="http://schemas.microsoft.com/office/powerpoint/2010/main" val="4190711320"/>
+        <p14:creationId xmlns:p14="http://schemas.microsoft.com/office/powerpoint/2010/main" xmlns="" val="4190711320"/>
       </p:ext>
     </p:extLst>
   </p:cSld>
@@ -34353,7 +34538,7 @@
             <a:effectLst/>
             <a:extLst>
               <a:ext uri="{AF507438-7753-43E0-B8FC-AC1667EBCBE1}">
-                <a14:hiddenEffects xmlns:a14="http://schemas.microsoft.com/office/drawing/2010/main">
+                <a14:hiddenEffects xmlns:a14="http://schemas.microsoft.com/office/drawing/2010/main" xmlns="">
                   <a:effectLst>
                     <a:outerShdw dist="35921" dir="2700000" algn="ctr" rotWithShape="0">
                       <a:schemeClr val="bg2"/>
@@ -34393,7 +34578,7 @@
             <a:effectLst/>
             <a:extLst>
               <a:ext uri="{AF507438-7753-43E0-B8FC-AC1667EBCBE1}">
-                <a14:hiddenEffects xmlns:a14="http://schemas.microsoft.com/office/drawing/2010/main">
+                <a14:hiddenEffects xmlns:a14="http://schemas.microsoft.com/office/drawing/2010/main" xmlns="">
                   <a:effectLst>
                     <a:outerShdw dist="35921" dir="2700000" algn="ctr" rotWithShape="0">
                       <a:schemeClr val="bg2"/>
@@ -34433,7 +34618,7 @@
             <a:effectLst/>
             <a:extLst>
               <a:ext uri="{AF507438-7753-43E0-B8FC-AC1667EBCBE1}">
-                <a14:hiddenEffects xmlns:a14="http://schemas.microsoft.com/office/drawing/2010/main">
+                <a14:hiddenEffects xmlns:a14="http://schemas.microsoft.com/office/drawing/2010/main" xmlns="">
                   <a:effectLst>
                     <a:outerShdw dist="35921" dir="2700000" algn="ctr" rotWithShape="0">
                       <a:schemeClr val="bg2"/>
@@ -34476,7 +34661,7 @@
             <a:effectLst/>
             <a:extLst>
               <a:ext uri="{AF507438-7753-43E0-B8FC-AC1667EBCBE1}">
-                <a14:hiddenEffects xmlns:a14="http://schemas.microsoft.com/office/drawing/2010/main">
+                <a14:hiddenEffects xmlns:a14="http://schemas.microsoft.com/office/drawing/2010/main" xmlns="">
                   <a:effectLst>
                     <a:outerShdw dist="35921" dir="2700000" algn="ctr" rotWithShape="0">
                       <a:schemeClr val="bg2"/>
@@ -34558,14 +34743,7 @@
                 <a:latin typeface="맑은 고딕" panose="020B0503020000020004" pitchFamily="50" charset="-127"/>
                 <a:ea typeface="맑은 고딕" panose="020B0503020000020004" pitchFamily="50" charset="-127"/>
               </a:rPr>
-              <a:t>2016 – 12 - </a:t>
-            </a:r>
-            <a:r>
-              <a:rPr lang="en-US" altLang="ko-KR" sz="1400" b="1" dirty="0" smtClean="0">
-                <a:latin typeface="맑은 고딕" panose="020B0503020000020004" pitchFamily="50" charset="-127"/>
-                <a:ea typeface="맑은 고딕" panose="020B0503020000020004" pitchFamily="50" charset="-127"/>
-              </a:rPr>
-              <a:t>17</a:t>
+              <a:t>2016 – 12 - 17</a:t>
             </a:r>
             <a:endParaRPr lang="ko-KR" altLang="en-US" sz="1400" b="1" dirty="0">
               <a:latin typeface="맑은 고딕" panose="020B0503020000020004" pitchFamily="50" charset="-127"/>
@@ -34869,10 +35047,10 @@
           <p:nvPr/>
         </p:nvPicPr>
         <p:blipFill>
-          <a:blip r:embed="rId3">
+          <a:blip r:embed="rId3" cstate="print">
             <a:extLst>
               <a:ext uri="{28A0092B-C50C-407E-A947-70E740481C1C}">
-                <a14:useLocalDpi xmlns:a14="http://schemas.microsoft.com/office/drawing/2010/main" val="0"/>
+                <a14:useLocalDpi xmlns:a14="http://schemas.microsoft.com/office/drawing/2010/main" xmlns="" val="0"/>
               </a:ext>
             </a:extLst>
           </a:blip>
@@ -34895,14 +35073,14 @@
           </a:ln>
           <a:extLst>
             <a:ext uri="{909E8E84-426E-40DD-AFC4-6F175D3DCCD1}">
-              <a14:hiddenFill xmlns:a14="http://schemas.microsoft.com/office/drawing/2010/main">
+              <a14:hiddenFill xmlns:a14="http://schemas.microsoft.com/office/drawing/2010/main" xmlns="">
                 <a:solidFill>
                   <a:schemeClr val="accent1"/>
                 </a:solidFill>
               </a14:hiddenFill>
             </a:ext>
             <a:ext uri="{91240B29-F687-4F45-9708-019B960494DF}">
-              <a14:hiddenLine xmlns:a14="http://schemas.microsoft.com/office/drawing/2010/main" w="9525">
+              <a14:hiddenLine xmlns:a14="http://schemas.microsoft.com/office/drawing/2010/main" xmlns="" w="9525">
                 <a:solidFill>
                   <a:schemeClr val="tx1"/>
                 </a:solidFill>
@@ -35335,10 +35513,120 @@
           </a:p>
         </p:txBody>
       </p:sp>
+      <p:sp>
+        <p:nvSpPr>
+          <p:cNvPr id="25" name="직사각형 24"/>
+          <p:cNvSpPr/>
+          <p:nvPr/>
+        </p:nvSpPr>
+        <p:spPr bwMode="auto">
+          <a:xfrm>
+            <a:off x="7668344" y="4437112"/>
+            <a:ext cx="4752528" cy="1944216"/>
+          </a:xfrm>
+          <a:prstGeom prst="rect">
+            <a:avLst/>
+          </a:prstGeom>
+          <a:solidFill>
+            <a:schemeClr val="accent1"/>
+          </a:solidFill>
+          <a:ln w="9525" cap="flat" cmpd="sng" algn="ctr">
+            <a:solidFill>
+              <a:schemeClr val="tx1"/>
+            </a:solidFill>
+            <a:prstDash val="solid"/>
+            <a:round/>
+            <a:headEnd type="none" w="med" len="med"/>
+            <a:tailEnd type="none" w="med" len="med"/>
+          </a:ln>
+          <a:effectLst/>
+          <a:extLst>
+            <a:ext uri="{AF507438-7753-43E0-B8FC-AC1667EBCBE1}">
+              <a14:hiddenEffects xmlns:a14="http://schemas.microsoft.com/office/drawing/2010/main" xmlns="">
+                <a:effectLst>
+                  <a:outerShdw dist="35921" dir="2700000" algn="ctr" rotWithShape="0">
+                    <a:schemeClr val="bg2"/>
+                  </a:outerShdw>
+                </a:effectLst>
+              </a14:hiddenEffects>
+            </a:ext>
+          </a:extLst>
+        </p:spPr>
+        <p:txBody>
+          <a:bodyPr vert="horz" wrap="none" lIns="91440" tIns="45720" rIns="91440" bIns="45720" numCol="1" rtlCol="0" anchor="ctr" anchorCtr="0" compatLnSpc="1">
+            <a:prstTxWarp prst="textNoShape">
+              <a:avLst/>
+            </a:prstTxWarp>
+          </a:bodyPr>
+          <a:lstStyle/>
+          <a:p>
+            <a:pPr marL="0" marR="0" indent="0" algn="l" defTabSz="914400" rtl="0" eaLnBrk="0" fontAlgn="base" latinLnBrk="0" hangingPunct="0">
+              <a:lnSpc>
+                <a:spcPct val="100000"/>
+              </a:lnSpc>
+              <a:spcBef>
+                <a:spcPct val="0"/>
+              </a:spcBef>
+              <a:spcAft>
+                <a:spcPct val="0"/>
+              </a:spcAft>
+              <a:buClrTx/>
+              <a:buSzTx/>
+              <a:buFontTx/>
+              <a:buNone/>
+              <a:tabLst/>
+            </a:pPr>
+            <a:r>
+              <a:rPr kumimoji="0" lang="en-US" altLang="ko-KR" sz="3200" b="0" i="0" u="none" strike="noStrike" cap="none" normalizeH="0" baseline="0" dirty="0" smtClean="0">
+                <a:ln>
+                  <a:noFill/>
+                </a:ln>
+                <a:solidFill>
+                  <a:schemeClr val="tx1"/>
+                </a:solidFill>
+                <a:effectLst/>
+                <a:latin typeface="Arial" charset="0"/>
+              </a:rPr>
+              <a:t>3</a:t>
+            </a:r>
+            <a:r>
+              <a:rPr kumimoji="0" lang="ko-KR" altLang="en-US" sz="3200" b="0" i="0" u="none" strike="noStrike" cap="none" normalizeH="0" baseline="0" dirty="0" smtClean="0">
+                <a:ln>
+                  <a:noFill/>
+                </a:ln>
+                <a:solidFill>
+                  <a:schemeClr val="tx1"/>
+                </a:solidFill>
+                <a:effectLst/>
+                <a:latin typeface="Arial" charset="0"/>
+              </a:rPr>
+              <a:t>번 제외 </a:t>
+            </a:r>
+            <a:r>
+              <a:rPr lang="ko-KR" altLang="en-US" sz="3200" dirty="0" smtClean="0"/>
+              <a:t>완</a:t>
+            </a:r>
+            <a:r>
+              <a:rPr lang="ko-KR" altLang="en-US" sz="3200" dirty="0" smtClean="0"/>
+              <a:t>료</a:t>
+            </a:r>
+            <a:endParaRPr kumimoji="0" lang="ko-KR" altLang="en-US" sz="3200" b="0" i="0" u="none" strike="noStrike" cap="none" normalizeH="0" baseline="0" dirty="0" smtClean="0">
+              <a:ln>
+                <a:noFill/>
+              </a:ln>
+              <a:solidFill>
+                <a:schemeClr val="tx1"/>
+              </a:solidFill>
+              <a:effectLst/>
+              <a:latin typeface="Arial" charset="0"/>
+            </a:endParaRPr>
+          </a:p>
+        </p:txBody>
+      </p:sp>
     </p:spTree>
     <p:extLst>
       <p:ext uri="{BB962C8B-B14F-4D97-AF65-F5344CB8AC3E}">
-        <p14:creationId xmlns:p14="http://schemas.microsoft.com/office/powerpoint/2010/main" val="3304783979"/>
+        <p14:creationId xmlns:p14="http://schemas.microsoft.com/office/powerpoint/2010/main" xmlns="" val="3304783979"/>
       </p:ext>
     </p:extLst>
   </p:cSld>
@@ -35603,7 +35891,7 @@
             <a:effectLst/>
             <a:extLst>
               <a:ext uri="{AF507438-7753-43E0-B8FC-AC1667EBCBE1}">
-                <a14:hiddenEffects xmlns:a14="http://schemas.microsoft.com/office/drawing/2010/main">
+                <a14:hiddenEffects xmlns:a14="http://schemas.microsoft.com/office/drawing/2010/main" xmlns="">
                   <a:effectLst>
                     <a:outerShdw dist="35921" dir="2700000" algn="ctr" rotWithShape="0">
                       <a:schemeClr val="bg2"/>
@@ -35643,7 +35931,7 @@
             <a:effectLst/>
             <a:extLst>
               <a:ext uri="{AF507438-7753-43E0-B8FC-AC1667EBCBE1}">
-                <a14:hiddenEffects xmlns:a14="http://schemas.microsoft.com/office/drawing/2010/main">
+                <a14:hiddenEffects xmlns:a14="http://schemas.microsoft.com/office/drawing/2010/main" xmlns="">
                   <a:effectLst>
                     <a:outerShdw dist="35921" dir="2700000" algn="ctr" rotWithShape="0">
                       <a:schemeClr val="bg2"/>
@@ -35683,7 +35971,7 @@
             <a:effectLst/>
             <a:extLst>
               <a:ext uri="{AF507438-7753-43E0-B8FC-AC1667EBCBE1}">
-                <a14:hiddenEffects xmlns:a14="http://schemas.microsoft.com/office/drawing/2010/main">
+                <a14:hiddenEffects xmlns:a14="http://schemas.microsoft.com/office/drawing/2010/main" xmlns="">
                   <a:effectLst>
                     <a:outerShdw dist="35921" dir="2700000" algn="ctr" rotWithShape="0">
                       <a:schemeClr val="bg2"/>
@@ -35726,7 +36014,7 @@
             <a:effectLst/>
             <a:extLst>
               <a:ext uri="{AF507438-7753-43E0-B8FC-AC1667EBCBE1}">
-                <a14:hiddenEffects xmlns:a14="http://schemas.microsoft.com/office/drawing/2010/main">
+                <a14:hiddenEffects xmlns:a14="http://schemas.microsoft.com/office/drawing/2010/main" xmlns="">
                   <a:effectLst>
                     <a:outerShdw dist="35921" dir="2700000" algn="ctr" rotWithShape="0">
                       <a:schemeClr val="bg2"/>
@@ -35808,14 +36096,7 @@
                 <a:latin typeface="맑은 고딕" panose="020B0503020000020004" pitchFamily="50" charset="-127"/>
                 <a:ea typeface="맑은 고딕" panose="020B0503020000020004" pitchFamily="50" charset="-127"/>
               </a:rPr>
-              <a:t>2016 – 12 - </a:t>
-            </a:r>
-            <a:r>
-              <a:rPr lang="en-US" altLang="ko-KR" sz="1400" b="1" dirty="0" smtClean="0">
-                <a:latin typeface="맑은 고딕" panose="020B0503020000020004" pitchFamily="50" charset="-127"/>
-                <a:ea typeface="맑은 고딕" panose="020B0503020000020004" pitchFamily="50" charset="-127"/>
-              </a:rPr>
-              <a:t>17</a:t>
+              <a:t>2016 – 12 - 17</a:t>
             </a:r>
             <a:endParaRPr lang="ko-KR" altLang="en-US" sz="1400" b="1" dirty="0">
               <a:latin typeface="맑은 고딕" panose="020B0503020000020004" pitchFamily="50" charset="-127"/>
@@ -36220,10 +36501,10 @@
           <p:nvPr/>
         </p:nvPicPr>
         <p:blipFill>
-          <a:blip r:embed="rId3">
+          <a:blip r:embed="rId3" cstate="print">
             <a:extLst>
               <a:ext uri="{28A0092B-C50C-407E-A947-70E740481C1C}">
-                <a14:useLocalDpi xmlns:a14="http://schemas.microsoft.com/office/drawing/2010/main" val="0"/>
+                <a14:useLocalDpi xmlns:a14="http://schemas.microsoft.com/office/drawing/2010/main" xmlns="" val="0"/>
               </a:ext>
             </a:extLst>
           </a:blip>
@@ -36246,14 +36527,14 @@
           </a:ln>
           <a:extLst>
             <a:ext uri="{909E8E84-426E-40DD-AFC4-6F175D3DCCD1}">
-              <a14:hiddenFill xmlns:a14="http://schemas.microsoft.com/office/drawing/2010/main">
+              <a14:hiddenFill xmlns:a14="http://schemas.microsoft.com/office/drawing/2010/main" xmlns="">
                 <a:solidFill>
                   <a:schemeClr val="accent1"/>
                 </a:solidFill>
               </a14:hiddenFill>
             </a:ext>
             <a:ext uri="{91240B29-F687-4F45-9708-019B960494DF}">
-              <a14:hiddenLine xmlns:a14="http://schemas.microsoft.com/office/drawing/2010/main" w="9525">
+              <a14:hiddenLine xmlns:a14="http://schemas.microsoft.com/office/drawing/2010/main" xmlns="" w="9525">
                 <a:solidFill>
                   <a:schemeClr val="tx1"/>
                 </a:solidFill>
@@ -36686,10 +36967,120 @@
           </a:p>
         </p:txBody>
       </p:sp>
+      <p:sp>
+        <p:nvSpPr>
+          <p:cNvPr id="23" name="직사각형 22"/>
+          <p:cNvSpPr/>
+          <p:nvPr/>
+        </p:nvSpPr>
+        <p:spPr bwMode="auto">
+          <a:xfrm>
+            <a:off x="5796136" y="1412776"/>
+            <a:ext cx="4752528" cy="1944216"/>
+          </a:xfrm>
+          <a:prstGeom prst="rect">
+            <a:avLst/>
+          </a:prstGeom>
+          <a:solidFill>
+            <a:schemeClr val="accent1"/>
+          </a:solidFill>
+          <a:ln w="9525" cap="flat" cmpd="sng" algn="ctr">
+            <a:solidFill>
+              <a:schemeClr val="tx1"/>
+            </a:solidFill>
+            <a:prstDash val="solid"/>
+            <a:round/>
+            <a:headEnd type="none" w="med" len="med"/>
+            <a:tailEnd type="none" w="med" len="med"/>
+          </a:ln>
+          <a:effectLst/>
+          <a:extLst>
+            <a:ext uri="{AF507438-7753-43E0-B8FC-AC1667EBCBE1}">
+              <a14:hiddenEffects xmlns:a14="http://schemas.microsoft.com/office/drawing/2010/main" xmlns="">
+                <a:effectLst>
+                  <a:outerShdw dist="35921" dir="2700000" algn="ctr" rotWithShape="0">
+                    <a:schemeClr val="bg2"/>
+                  </a:outerShdw>
+                </a:effectLst>
+              </a14:hiddenEffects>
+            </a:ext>
+          </a:extLst>
+        </p:spPr>
+        <p:txBody>
+          <a:bodyPr vert="horz" wrap="none" lIns="91440" tIns="45720" rIns="91440" bIns="45720" numCol="1" rtlCol="0" anchor="ctr" anchorCtr="0" compatLnSpc="1">
+            <a:prstTxWarp prst="textNoShape">
+              <a:avLst/>
+            </a:prstTxWarp>
+          </a:bodyPr>
+          <a:lstStyle/>
+          <a:p>
+            <a:pPr marL="0" marR="0" indent="0" algn="l" defTabSz="914400" rtl="0" eaLnBrk="0" fontAlgn="base" latinLnBrk="0" hangingPunct="0">
+              <a:lnSpc>
+                <a:spcPct val="100000"/>
+              </a:lnSpc>
+              <a:spcBef>
+                <a:spcPct val="0"/>
+              </a:spcBef>
+              <a:spcAft>
+                <a:spcPct val="0"/>
+              </a:spcAft>
+              <a:buClrTx/>
+              <a:buSzTx/>
+              <a:buFontTx/>
+              <a:buNone/>
+              <a:tabLst/>
+            </a:pPr>
+            <a:r>
+              <a:rPr kumimoji="0" lang="en-US" altLang="ko-KR" sz="3200" b="0" i="0" u="none" strike="noStrike" cap="none" normalizeH="0" baseline="0" dirty="0" smtClean="0">
+                <a:ln>
+                  <a:noFill/>
+                </a:ln>
+                <a:solidFill>
+                  <a:schemeClr val="tx1"/>
+                </a:solidFill>
+                <a:effectLst/>
+                <a:latin typeface="Arial" charset="0"/>
+              </a:rPr>
+              <a:t>2, 3</a:t>
+            </a:r>
+            <a:r>
+              <a:rPr kumimoji="0" lang="ko-KR" altLang="en-US" sz="3200" b="0" i="0" u="none" strike="noStrike" cap="none" normalizeH="0" baseline="0" dirty="0" smtClean="0">
+                <a:ln>
+                  <a:noFill/>
+                </a:ln>
+                <a:solidFill>
+                  <a:schemeClr val="tx1"/>
+                </a:solidFill>
+                <a:effectLst/>
+                <a:latin typeface="Arial" charset="0"/>
+              </a:rPr>
+              <a:t>번 제외 </a:t>
+            </a:r>
+            <a:r>
+              <a:rPr lang="ko-KR" altLang="en-US" sz="3200" dirty="0" smtClean="0"/>
+              <a:t>완</a:t>
+            </a:r>
+            <a:r>
+              <a:rPr lang="ko-KR" altLang="en-US" sz="3200" dirty="0" smtClean="0"/>
+              <a:t>료</a:t>
+            </a:r>
+            <a:endParaRPr kumimoji="0" lang="ko-KR" altLang="en-US" sz="3200" b="0" i="0" u="none" strike="noStrike" cap="none" normalizeH="0" baseline="0" dirty="0" smtClean="0">
+              <a:ln>
+                <a:noFill/>
+              </a:ln>
+              <a:solidFill>
+                <a:schemeClr val="tx1"/>
+              </a:solidFill>
+              <a:effectLst/>
+              <a:latin typeface="Arial" charset="0"/>
+            </a:endParaRPr>
+          </a:p>
+        </p:txBody>
+      </p:sp>
     </p:spTree>
     <p:extLst>
       <p:ext uri="{BB962C8B-B14F-4D97-AF65-F5344CB8AC3E}">
-        <p14:creationId xmlns:p14="http://schemas.microsoft.com/office/powerpoint/2010/main" val="4218426242"/>
+        <p14:creationId xmlns:p14="http://schemas.microsoft.com/office/powerpoint/2010/main" xmlns="" val="4218426242"/>
       </p:ext>
     </p:extLst>
   </p:cSld>
@@ -36959,7 +37350,7 @@
         <a:effectLst/>
         <a:extLst>
           <a:ext uri="{AF507438-7753-43E0-B8FC-AC1667EBCBE1}">
-            <a14:hiddenEffects xmlns:a14="http://schemas.microsoft.com/office/drawing/2010/main">
+            <a14:hiddenEffects xmlns:a14="http://schemas.microsoft.com/office/drawing/2010/main" xmlns="">
               <a:effectLst>
                 <a:outerShdw dist="35921" dir="2700000" algn="ctr" rotWithShape="0">
                   <a:schemeClr val="bg2"/>
@@ -37032,7 +37423,7 @@
         <a:effectLst/>
         <a:extLst>
           <a:ext uri="{AF507438-7753-43E0-B8FC-AC1667EBCBE1}">
-            <a14:hiddenEffects xmlns:a14="http://schemas.microsoft.com/office/drawing/2010/main">
+            <a14:hiddenEffects xmlns:a14="http://schemas.microsoft.com/office/drawing/2010/main" xmlns="">
               <a:effectLst>
                 <a:outerShdw dist="35921" dir="2700000" algn="ctr" rotWithShape="0">
                   <a:schemeClr val="bg2"/>

--- a/공유문서/수정요청/화면점검_20161217(통계분석).pptx
+++ b/공유문서/수정요청/화면점검_20161217(통계분석).pptx
@@ -221,14 +221,14 @@
           <a:effectLst/>
           <a:extLst>
             <a:ext uri="{909E8E84-426E-40DD-AFC4-6F175D3DCCD1}">
-              <a14:hiddenFill xmlns:a14="http://schemas.microsoft.com/office/drawing/2010/main" xmlns="">
+              <a14:hiddenFill xmlns="" xmlns:a14="http://schemas.microsoft.com/office/drawing/2010/main">
                 <a:solidFill>
                   <a:schemeClr val="accent1"/>
                 </a:solidFill>
               </a14:hiddenFill>
             </a:ext>
             <a:ext uri="{91240B29-F687-4F45-9708-019B960494DF}">
-              <a14:hiddenLine xmlns:a14="http://schemas.microsoft.com/office/drawing/2010/main" xmlns="" w="9525">
+              <a14:hiddenLine xmlns="" xmlns:a14="http://schemas.microsoft.com/office/drawing/2010/main" w="9525">
                 <a:solidFill>
                   <a:schemeClr val="tx1"/>
                 </a:solidFill>
@@ -238,7 +238,7 @@
               </a14:hiddenLine>
             </a:ext>
             <a:ext uri="{AF507438-7753-43E0-B8FC-AC1667EBCBE1}">
-              <a14:hiddenEffects xmlns:a14="http://schemas.microsoft.com/office/drawing/2010/main" xmlns="">
+              <a14:hiddenEffects xmlns="" xmlns:a14="http://schemas.microsoft.com/office/drawing/2010/main">
                 <a:effectLst>
                   <a:outerShdw dist="35921" dir="2700000" algn="ctr" rotWithShape="0">
                     <a:schemeClr val="bg2"/>
@@ -292,14 +292,14 @@
           <a:effectLst/>
           <a:extLst>
             <a:ext uri="{909E8E84-426E-40DD-AFC4-6F175D3DCCD1}">
-              <a14:hiddenFill xmlns:a14="http://schemas.microsoft.com/office/drawing/2010/main" xmlns="">
+              <a14:hiddenFill xmlns="" xmlns:a14="http://schemas.microsoft.com/office/drawing/2010/main">
                 <a:solidFill>
                   <a:schemeClr val="accent1"/>
                 </a:solidFill>
               </a14:hiddenFill>
             </a:ext>
             <a:ext uri="{91240B29-F687-4F45-9708-019B960494DF}">
-              <a14:hiddenLine xmlns:a14="http://schemas.microsoft.com/office/drawing/2010/main" xmlns="" w="9525">
+              <a14:hiddenLine xmlns="" xmlns:a14="http://schemas.microsoft.com/office/drawing/2010/main" w="9525">
                 <a:solidFill>
                   <a:schemeClr val="tx1"/>
                 </a:solidFill>
@@ -309,7 +309,7 @@
               </a14:hiddenLine>
             </a:ext>
             <a:ext uri="{AF507438-7753-43E0-B8FC-AC1667EBCBE1}">
-              <a14:hiddenEffects xmlns:a14="http://schemas.microsoft.com/office/drawing/2010/main" xmlns="">
+              <a14:hiddenEffects xmlns="" xmlns:a14="http://schemas.microsoft.com/office/drawing/2010/main">
                 <a:effectLst>
                   <a:outerShdw dist="35921" dir="2700000" algn="ctr" rotWithShape="0">
                     <a:schemeClr val="bg2"/>
@@ -363,14 +363,14 @@
           <a:effectLst/>
           <a:extLst>
             <a:ext uri="{909E8E84-426E-40DD-AFC4-6F175D3DCCD1}">
-              <a14:hiddenFill xmlns:a14="http://schemas.microsoft.com/office/drawing/2010/main" xmlns="">
+              <a14:hiddenFill xmlns="" xmlns:a14="http://schemas.microsoft.com/office/drawing/2010/main">
                 <a:solidFill>
                   <a:schemeClr val="accent1"/>
                 </a:solidFill>
               </a14:hiddenFill>
             </a:ext>
             <a:ext uri="{91240B29-F687-4F45-9708-019B960494DF}">
-              <a14:hiddenLine xmlns:a14="http://schemas.microsoft.com/office/drawing/2010/main" xmlns="" w="9525">
+              <a14:hiddenLine xmlns="" xmlns:a14="http://schemas.microsoft.com/office/drawing/2010/main" w="9525">
                 <a:solidFill>
                   <a:schemeClr val="tx1"/>
                 </a:solidFill>
@@ -380,7 +380,7 @@
               </a14:hiddenLine>
             </a:ext>
             <a:ext uri="{AF507438-7753-43E0-B8FC-AC1667EBCBE1}">
-              <a14:hiddenEffects xmlns:a14="http://schemas.microsoft.com/office/drawing/2010/main" xmlns="">
+              <a14:hiddenEffects xmlns="" xmlns:a14="http://schemas.microsoft.com/office/drawing/2010/main">
                 <a:effectLst>
                   <a:outerShdw dist="35921" dir="2700000" algn="ctr" rotWithShape="0">
                     <a:schemeClr val="bg2"/>
@@ -434,14 +434,14 @@
           <a:effectLst/>
           <a:extLst>
             <a:ext uri="{909E8E84-426E-40DD-AFC4-6F175D3DCCD1}">
-              <a14:hiddenFill xmlns:a14="http://schemas.microsoft.com/office/drawing/2010/main" xmlns="">
+              <a14:hiddenFill xmlns="" xmlns:a14="http://schemas.microsoft.com/office/drawing/2010/main">
                 <a:solidFill>
                   <a:schemeClr val="accent1"/>
                 </a:solidFill>
               </a14:hiddenFill>
             </a:ext>
             <a:ext uri="{91240B29-F687-4F45-9708-019B960494DF}">
-              <a14:hiddenLine xmlns:a14="http://schemas.microsoft.com/office/drawing/2010/main" xmlns="" w="9525">
+              <a14:hiddenLine xmlns="" xmlns:a14="http://schemas.microsoft.com/office/drawing/2010/main" w="9525">
                 <a:solidFill>
                   <a:schemeClr val="tx1"/>
                 </a:solidFill>
@@ -451,7 +451,7 @@
               </a14:hiddenLine>
             </a:ext>
             <a:ext uri="{AF507438-7753-43E0-B8FC-AC1667EBCBE1}">
-              <a14:hiddenEffects xmlns:a14="http://schemas.microsoft.com/office/drawing/2010/main" xmlns="">
+              <a14:hiddenEffects xmlns="" xmlns:a14="http://schemas.microsoft.com/office/drawing/2010/main">
                 <a:effectLst>
                   <a:outerShdw dist="35921" dir="2700000" algn="ctr" rotWithShape="0">
                     <a:schemeClr val="bg2"/>
@@ -488,7 +488,7 @@
     </p:spTree>
     <p:extLst>
       <p:ext uri="{BB962C8B-B14F-4D97-AF65-F5344CB8AC3E}">
-        <p14:creationId xmlns:p14="http://schemas.microsoft.com/office/powerpoint/2010/main" xmlns="" val="2069468955"/>
+        <p14:creationId xmlns="" xmlns:p14="http://schemas.microsoft.com/office/powerpoint/2010/main" val="2069468955"/>
       </p:ext>
     </p:extLst>
   </p:cSld>
@@ -546,14 +546,14 @@
           <a:effectLst/>
           <a:extLst>
             <a:ext uri="{909E8E84-426E-40DD-AFC4-6F175D3DCCD1}">
-              <a14:hiddenFill xmlns:a14="http://schemas.microsoft.com/office/drawing/2010/main" xmlns="">
+              <a14:hiddenFill xmlns="" xmlns:a14="http://schemas.microsoft.com/office/drawing/2010/main">
                 <a:solidFill>
                   <a:schemeClr val="accent1"/>
                 </a:solidFill>
               </a14:hiddenFill>
             </a:ext>
             <a:ext uri="{91240B29-F687-4F45-9708-019B960494DF}">
-              <a14:hiddenLine xmlns:a14="http://schemas.microsoft.com/office/drawing/2010/main" xmlns="" w="9525">
+              <a14:hiddenLine xmlns="" xmlns:a14="http://schemas.microsoft.com/office/drawing/2010/main" w="9525">
                 <a:solidFill>
                   <a:schemeClr val="tx1"/>
                 </a:solidFill>
@@ -563,7 +563,7 @@
               </a14:hiddenLine>
             </a:ext>
             <a:ext uri="{AF507438-7753-43E0-B8FC-AC1667EBCBE1}">
-              <a14:hiddenEffects xmlns:a14="http://schemas.microsoft.com/office/drawing/2010/main" xmlns="">
+              <a14:hiddenEffects xmlns="" xmlns:a14="http://schemas.microsoft.com/office/drawing/2010/main">
                 <a:effectLst>
                   <a:outerShdw dist="35921" dir="2700000" algn="ctr" rotWithShape="0">
                     <a:schemeClr val="bg2"/>
@@ -617,14 +617,14 @@
           <a:effectLst/>
           <a:extLst>
             <a:ext uri="{909E8E84-426E-40DD-AFC4-6F175D3DCCD1}">
-              <a14:hiddenFill xmlns:a14="http://schemas.microsoft.com/office/drawing/2010/main" xmlns="">
+              <a14:hiddenFill xmlns="" xmlns:a14="http://schemas.microsoft.com/office/drawing/2010/main">
                 <a:solidFill>
                   <a:schemeClr val="accent1"/>
                 </a:solidFill>
               </a14:hiddenFill>
             </a:ext>
             <a:ext uri="{91240B29-F687-4F45-9708-019B960494DF}">
-              <a14:hiddenLine xmlns:a14="http://schemas.microsoft.com/office/drawing/2010/main" xmlns="" w="9525">
+              <a14:hiddenLine xmlns="" xmlns:a14="http://schemas.microsoft.com/office/drawing/2010/main" w="9525">
                 <a:solidFill>
                   <a:schemeClr val="tx1"/>
                 </a:solidFill>
@@ -634,7 +634,7 @@
               </a14:hiddenLine>
             </a:ext>
             <a:ext uri="{AF507438-7753-43E0-B8FC-AC1667EBCBE1}">
-              <a14:hiddenEffects xmlns:a14="http://schemas.microsoft.com/office/drawing/2010/main" xmlns="">
+              <a14:hiddenEffects xmlns="" xmlns:a14="http://schemas.microsoft.com/office/drawing/2010/main">
                 <a:effectLst>
                   <a:outerShdw dist="35921" dir="2700000" algn="ctr" rotWithShape="0">
                     <a:schemeClr val="bg2"/>
@@ -693,7 +693,7 @@
           <a:effectLst/>
           <a:extLst>
             <a:ext uri="{AF507438-7753-43E0-B8FC-AC1667EBCBE1}">
-              <a14:hiddenEffects xmlns:a14="http://schemas.microsoft.com/office/drawing/2010/main" xmlns="">
+              <a14:hiddenEffects xmlns="" xmlns:a14="http://schemas.microsoft.com/office/drawing/2010/main">
                 <a:effectLst>
                   <a:outerShdw dist="35921" dir="2700000" algn="ctr" rotWithShape="0">
                     <a:srgbClr val="808080"/>
@@ -702,7 +702,7 @@
               </a14:hiddenEffects>
             </a:ext>
             <a:ext uri="{53640926-AAD7-44D8-BBD7-CCE9431645EC}">
-              <a14:shadowObscured xmlns:a14="http://schemas.microsoft.com/office/drawing/2010/main" xmlns="" val="1"/>
+              <a14:shadowObscured xmlns="" xmlns:a14="http://schemas.microsoft.com/office/drawing/2010/main" val="1"/>
             </a:ext>
           </a:extLst>
         </p:spPr>
@@ -732,14 +732,14 @@
           <a:effectLst/>
           <a:extLst>
             <a:ext uri="{909E8E84-426E-40DD-AFC4-6F175D3DCCD1}">
-              <a14:hiddenFill xmlns:a14="http://schemas.microsoft.com/office/drawing/2010/main" xmlns="">
+              <a14:hiddenFill xmlns="" xmlns:a14="http://schemas.microsoft.com/office/drawing/2010/main">
                 <a:solidFill>
                   <a:schemeClr val="accent1"/>
                 </a:solidFill>
               </a14:hiddenFill>
             </a:ext>
             <a:ext uri="{91240B29-F687-4F45-9708-019B960494DF}">
-              <a14:hiddenLine xmlns:a14="http://schemas.microsoft.com/office/drawing/2010/main" xmlns="" w="9525">
+              <a14:hiddenLine xmlns="" xmlns:a14="http://schemas.microsoft.com/office/drawing/2010/main" w="9525">
                 <a:solidFill>
                   <a:schemeClr val="tx1"/>
                 </a:solidFill>
@@ -749,7 +749,7 @@
               </a14:hiddenLine>
             </a:ext>
             <a:ext uri="{AF507438-7753-43E0-B8FC-AC1667EBCBE1}">
-              <a14:hiddenEffects xmlns:a14="http://schemas.microsoft.com/office/drawing/2010/main" xmlns="">
+              <a14:hiddenEffects xmlns="" xmlns:a14="http://schemas.microsoft.com/office/drawing/2010/main">
                 <a:effectLst>
                   <a:outerShdw dist="35921" dir="2700000" algn="ctr" rotWithShape="0">
                     <a:schemeClr val="bg2"/>
@@ -828,14 +828,14 @@
           <a:effectLst/>
           <a:extLst>
             <a:ext uri="{909E8E84-426E-40DD-AFC4-6F175D3DCCD1}">
-              <a14:hiddenFill xmlns:a14="http://schemas.microsoft.com/office/drawing/2010/main" xmlns="">
+              <a14:hiddenFill xmlns="" xmlns:a14="http://schemas.microsoft.com/office/drawing/2010/main">
                 <a:solidFill>
                   <a:schemeClr val="accent1"/>
                 </a:solidFill>
               </a14:hiddenFill>
             </a:ext>
             <a:ext uri="{91240B29-F687-4F45-9708-019B960494DF}">
-              <a14:hiddenLine xmlns:a14="http://schemas.microsoft.com/office/drawing/2010/main" xmlns="" w="9525">
+              <a14:hiddenLine xmlns="" xmlns:a14="http://schemas.microsoft.com/office/drawing/2010/main" w="9525">
                 <a:solidFill>
                   <a:schemeClr val="tx1"/>
                 </a:solidFill>
@@ -845,7 +845,7 @@
               </a14:hiddenLine>
             </a:ext>
             <a:ext uri="{AF507438-7753-43E0-B8FC-AC1667EBCBE1}">
-              <a14:hiddenEffects xmlns:a14="http://schemas.microsoft.com/office/drawing/2010/main" xmlns="">
+              <a14:hiddenEffects xmlns="" xmlns:a14="http://schemas.microsoft.com/office/drawing/2010/main">
                 <a:effectLst>
                   <a:outerShdw dist="35921" dir="2700000" algn="ctr" rotWithShape="0">
                     <a:schemeClr val="bg2"/>
@@ -899,14 +899,14 @@
           <a:effectLst/>
           <a:extLst>
             <a:ext uri="{909E8E84-426E-40DD-AFC4-6F175D3DCCD1}">
-              <a14:hiddenFill xmlns:a14="http://schemas.microsoft.com/office/drawing/2010/main" xmlns="">
+              <a14:hiddenFill xmlns="" xmlns:a14="http://schemas.microsoft.com/office/drawing/2010/main">
                 <a:solidFill>
                   <a:schemeClr val="accent1"/>
                 </a:solidFill>
               </a14:hiddenFill>
             </a:ext>
             <a:ext uri="{91240B29-F687-4F45-9708-019B960494DF}">
-              <a14:hiddenLine xmlns:a14="http://schemas.microsoft.com/office/drawing/2010/main" xmlns="" w="9525">
+              <a14:hiddenLine xmlns="" xmlns:a14="http://schemas.microsoft.com/office/drawing/2010/main" w="9525">
                 <a:solidFill>
                   <a:schemeClr val="tx1"/>
                 </a:solidFill>
@@ -916,7 +916,7 @@
               </a14:hiddenLine>
             </a:ext>
             <a:ext uri="{AF507438-7753-43E0-B8FC-AC1667EBCBE1}">
-              <a14:hiddenEffects xmlns:a14="http://schemas.microsoft.com/office/drawing/2010/main" xmlns="">
+              <a14:hiddenEffects xmlns="" xmlns:a14="http://schemas.microsoft.com/office/drawing/2010/main">
                 <a:effectLst>
                   <a:outerShdw dist="35921" dir="2700000" algn="ctr" rotWithShape="0">
                     <a:schemeClr val="bg2"/>
@@ -953,7 +953,7 @@
     </p:spTree>
     <p:extLst>
       <p:ext uri="{BB962C8B-B14F-4D97-AF65-F5344CB8AC3E}">
-        <p14:creationId xmlns:p14="http://schemas.microsoft.com/office/powerpoint/2010/main" xmlns="" val="4157978950"/>
+        <p14:creationId xmlns="" xmlns:p14="http://schemas.microsoft.com/office/powerpoint/2010/main" val="4157978950"/>
       </p:ext>
     </p:extLst>
   </p:cSld>
@@ -1149,7 +1149,7 @@
             <a:effectLst/>
             <a:extLst>
               <a:ext uri="{91240B29-F687-4F45-9708-019B960494DF}">
-                <a14:hiddenLine xmlns:a14="http://schemas.microsoft.com/office/drawing/2010/main" xmlns="" w="9525">
+                <a14:hiddenLine xmlns="" xmlns:a14="http://schemas.microsoft.com/office/drawing/2010/main" w="9525">
                   <a:solidFill>
                     <a:schemeClr val="tx1"/>
                   </a:solidFill>
@@ -1159,7 +1159,7 @@
                 </a14:hiddenLine>
               </a:ext>
               <a:ext uri="{AF507438-7753-43E0-B8FC-AC1667EBCBE1}">
-                <a14:hiddenEffects xmlns:a14="http://schemas.microsoft.com/office/drawing/2010/main" xmlns="">
+                <a14:hiddenEffects xmlns="" xmlns:a14="http://schemas.microsoft.com/office/drawing/2010/main">
                   <a:effectLst>
                     <a:outerShdw dist="35921" dir="2700000" algn="ctr" rotWithShape="0">
                       <a:schemeClr val="bg2"/>
@@ -1212,7 +1212,7 @@
             </a:ln>
             <a:extLst>
               <a:ext uri="{91240B29-F687-4F45-9708-019B960494DF}">
-                <a14:hiddenLine xmlns:a14="http://schemas.microsoft.com/office/drawing/2010/main" xmlns="" w="9525">
+                <a14:hiddenLine xmlns="" xmlns:a14="http://schemas.microsoft.com/office/drawing/2010/main" w="9525">
                   <a:solidFill>
                     <a:srgbClr val="000000"/>
                   </a:solidFill>
@@ -1282,7 +1282,7 @@
               </a:ln>
               <a:extLst>
                 <a:ext uri="{91240B29-F687-4F45-9708-019B960494DF}">
-                  <a14:hiddenLine xmlns:a14="http://schemas.microsoft.com/office/drawing/2010/main" xmlns="" w="9525">
+                  <a14:hiddenLine xmlns="" xmlns:a14="http://schemas.microsoft.com/office/drawing/2010/main" w="9525">
                     <a:solidFill>
                       <a:srgbClr val="000000"/>
                     </a:solidFill>
@@ -1336,7 +1336,7 @@
               </a:ln>
               <a:extLst>
                 <a:ext uri="{91240B29-F687-4F45-9708-019B960494DF}">
-                  <a14:hiddenLine xmlns:a14="http://schemas.microsoft.com/office/drawing/2010/main" xmlns="" w="9525">
+                  <a14:hiddenLine xmlns="" xmlns:a14="http://schemas.microsoft.com/office/drawing/2010/main" w="9525">
                     <a:solidFill>
                       <a:srgbClr val="000000"/>
                     </a:solidFill>
@@ -1390,7 +1390,7 @@
               </a:ln>
               <a:extLst>
                 <a:ext uri="{91240B29-F687-4F45-9708-019B960494DF}">
-                  <a14:hiddenLine xmlns:a14="http://schemas.microsoft.com/office/drawing/2010/main" xmlns="" w="9525">
+                  <a14:hiddenLine xmlns="" xmlns:a14="http://schemas.microsoft.com/office/drawing/2010/main" w="9525">
                     <a:solidFill>
                       <a:srgbClr val="000000"/>
                     </a:solidFill>
@@ -1444,7 +1444,7 @@
               </a:ln>
               <a:extLst>
                 <a:ext uri="{91240B29-F687-4F45-9708-019B960494DF}">
-                  <a14:hiddenLine xmlns:a14="http://schemas.microsoft.com/office/drawing/2010/main" xmlns="" w="9525">
+                  <a14:hiddenLine xmlns="" xmlns:a14="http://schemas.microsoft.com/office/drawing/2010/main" w="9525">
                     <a:solidFill>
                       <a:srgbClr val="000000"/>
                     </a:solidFill>
@@ -1498,7 +1498,7 @@
               </a:ln>
               <a:extLst>
                 <a:ext uri="{91240B29-F687-4F45-9708-019B960494DF}">
-                  <a14:hiddenLine xmlns:a14="http://schemas.microsoft.com/office/drawing/2010/main" xmlns="" w="9525">
+                  <a14:hiddenLine xmlns="" xmlns:a14="http://schemas.microsoft.com/office/drawing/2010/main" w="9525">
                     <a:solidFill>
                       <a:srgbClr val="000000"/>
                     </a:solidFill>
@@ -1552,7 +1552,7 @@
               </a:ln>
               <a:extLst>
                 <a:ext uri="{91240B29-F687-4F45-9708-019B960494DF}">
-                  <a14:hiddenLine xmlns:a14="http://schemas.microsoft.com/office/drawing/2010/main" xmlns="" w="9525">
+                  <a14:hiddenLine xmlns="" xmlns:a14="http://schemas.microsoft.com/office/drawing/2010/main" w="9525">
                     <a:solidFill>
                       <a:srgbClr val="000000"/>
                     </a:solidFill>
@@ -1606,7 +1606,7 @@
               </a:ln>
               <a:extLst>
                 <a:ext uri="{91240B29-F687-4F45-9708-019B960494DF}">
-                  <a14:hiddenLine xmlns:a14="http://schemas.microsoft.com/office/drawing/2010/main" xmlns="" w="9525">
+                  <a14:hiddenLine xmlns="" xmlns:a14="http://schemas.microsoft.com/office/drawing/2010/main" w="9525">
                     <a:solidFill>
                       <a:srgbClr val="000000"/>
                     </a:solidFill>
@@ -1660,7 +1660,7 @@
               </a:ln>
               <a:extLst>
                 <a:ext uri="{91240B29-F687-4F45-9708-019B960494DF}">
-                  <a14:hiddenLine xmlns:a14="http://schemas.microsoft.com/office/drawing/2010/main" xmlns="" w="9525">
+                  <a14:hiddenLine xmlns="" xmlns:a14="http://schemas.microsoft.com/office/drawing/2010/main" w="9525">
                     <a:solidFill>
                       <a:srgbClr val="000000"/>
                     </a:solidFill>
@@ -1714,7 +1714,7 @@
               </a:ln>
               <a:extLst>
                 <a:ext uri="{91240B29-F687-4F45-9708-019B960494DF}">
-                  <a14:hiddenLine xmlns:a14="http://schemas.microsoft.com/office/drawing/2010/main" xmlns="" w="9525">
+                  <a14:hiddenLine xmlns="" xmlns:a14="http://schemas.microsoft.com/office/drawing/2010/main" w="9525">
                     <a:solidFill>
                       <a:srgbClr val="000000"/>
                     </a:solidFill>
@@ -1768,7 +1768,7 @@
               </a:ln>
               <a:extLst>
                 <a:ext uri="{91240B29-F687-4F45-9708-019B960494DF}">
-                  <a14:hiddenLine xmlns:a14="http://schemas.microsoft.com/office/drawing/2010/main" xmlns="" w="9525">
+                  <a14:hiddenLine xmlns="" xmlns:a14="http://schemas.microsoft.com/office/drawing/2010/main" w="9525">
                     <a:solidFill>
                       <a:srgbClr val="000000"/>
                     </a:solidFill>
@@ -2127,7 +2127,7 @@
     </p:spTree>
     <p:extLst>
       <p:ext uri="{BB962C8B-B14F-4D97-AF65-F5344CB8AC3E}">
-        <p14:creationId xmlns:p14="http://schemas.microsoft.com/office/powerpoint/2010/main" xmlns="" val="86913377"/>
+        <p14:creationId xmlns="" xmlns:p14="http://schemas.microsoft.com/office/powerpoint/2010/main" val="86913377"/>
       </p:ext>
     </p:extLst>
   </p:cSld>
@@ -2317,7 +2317,7 @@
     </p:spTree>
     <p:extLst>
       <p:ext uri="{BB962C8B-B14F-4D97-AF65-F5344CB8AC3E}">
-        <p14:creationId xmlns:p14="http://schemas.microsoft.com/office/powerpoint/2010/main" xmlns="" val="4273429077"/>
+        <p14:creationId xmlns="" xmlns:p14="http://schemas.microsoft.com/office/powerpoint/2010/main" val="4273429077"/>
       </p:ext>
     </p:extLst>
   </p:cSld>
@@ -2579,7 +2579,7 @@
     </p:spTree>
     <p:extLst>
       <p:ext uri="{BB962C8B-B14F-4D97-AF65-F5344CB8AC3E}">
-        <p14:creationId xmlns:p14="http://schemas.microsoft.com/office/powerpoint/2010/main" xmlns="" val="831120082"/>
+        <p14:creationId xmlns="" xmlns:p14="http://schemas.microsoft.com/office/powerpoint/2010/main" val="831120082"/>
       </p:ext>
     </p:extLst>
   </p:cSld>
@@ -2812,7 +2812,7 @@
     </p:spTree>
     <p:extLst>
       <p:ext uri="{BB962C8B-B14F-4D97-AF65-F5344CB8AC3E}">
-        <p14:creationId xmlns:p14="http://schemas.microsoft.com/office/powerpoint/2010/main" xmlns="" val="2373605731"/>
+        <p14:creationId xmlns="" xmlns:p14="http://schemas.microsoft.com/office/powerpoint/2010/main" val="2373605731"/>
       </p:ext>
     </p:extLst>
   </p:cSld>
@@ -3045,7 +3045,7 @@
     </p:spTree>
     <p:extLst>
       <p:ext uri="{BB962C8B-B14F-4D97-AF65-F5344CB8AC3E}">
-        <p14:creationId xmlns:p14="http://schemas.microsoft.com/office/powerpoint/2010/main" xmlns="" val="1881871935"/>
+        <p14:creationId xmlns="" xmlns:p14="http://schemas.microsoft.com/office/powerpoint/2010/main" val="1881871935"/>
       </p:ext>
     </p:extLst>
   </p:cSld>
@@ -3225,7 +3225,7 @@
     </p:spTree>
     <p:extLst>
       <p:ext uri="{BB962C8B-B14F-4D97-AF65-F5344CB8AC3E}">
-        <p14:creationId xmlns:p14="http://schemas.microsoft.com/office/powerpoint/2010/main" xmlns="" val="2048350811"/>
+        <p14:creationId xmlns="" xmlns:p14="http://schemas.microsoft.com/office/powerpoint/2010/main" val="2048350811"/>
       </p:ext>
     </p:extLst>
   </p:cSld>
@@ -3427,7 +3427,7 @@
     </p:spTree>
     <p:extLst>
       <p:ext uri="{BB962C8B-B14F-4D97-AF65-F5344CB8AC3E}">
-        <p14:creationId xmlns:p14="http://schemas.microsoft.com/office/powerpoint/2010/main" xmlns="" val="2196783589"/>
+        <p14:creationId xmlns="" xmlns:p14="http://schemas.microsoft.com/office/powerpoint/2010/main" val="2196783589"/>
       </p:ext>
     </p:extLst>
   </p:cSld>
@@ -3725,7 +3725,7 @@
     </p:spTree>
     <p:extLst>
       <p:ext uri="{BB962C8B-B14F-4D97-AF65-F5344CB8AC3E}">
-        <p14:creationId xmlns:p14="http://schemas.microsoft.com/office/powerpoint/2010/main" xmlns="" val="814128731"/>
+        <p14:creationId xmlns="" xmlns:p14="http://schemas.microsoft.com/office/powerpoint/2010/main" val="814128731"/>
       </p:ext>
     </p:extLst>
   </p:cSld>
@@ -4162,7 +4162,7 @@
     </p:spTree>
     <p:extLst>
       <p:ext uri="{BB962C8B-B14F-4D97-AF65-F5344CB8AC3E}">
-        <p14:creationId xmlns:p14="http://schemas.microsoft.com/office/powerpoint/2010/main" xmlns="" val="692798999"/>
+        <p14:creationId xmlns="" xmlns:p14="http://schemas.microsoft.com/office/powerpoint/2010/main" val="692798999"/>
       </p:ext>
     </p:extLst>
   </p:cSld>
@@ -4290,7 +4290,7 @@
     </p:spTree>
     <p:extLst>
       <p:ext uri="{BB962C8B-B14F-4D97-AF65-F5344CB8AC3E}">
-        <p14:creationId xmlns:p14="http://schemas.microsoft.com/office/powerpoint/2010/main" xmlns="" val="971838808"/>
+        <p14:creationId xmlns="" xmlns:p14="http://schemas.microsoft.com/office/powerpoint/2010/main" val="971838808"/>
       </p:ext>
     </p:extLst>
   </p:cSld>
@@ -4395,7 +4395,7 @@
     </p:spTree>
     <p:extLst>
       <p:ext uri="{BB962C8B-B14F-4D97-AF65-F5344CB8AC3E}">
-        <p14:creationId xmlns:p14="http://schemas.microsoft.com/office/powerpoint/2010/main" xmlns="" val="4268550838"/>
+        <p14:creationId xmlns="" xmlns:p14="http://schemas.microsoft.com/office/powerpoint/2010/main" val="4268550838"/>
       </p:ext>
     </p:extLst>
   </p:cSld>
@@ -4682,7 +4682,7 @@
     </p:spTree>
     <p:extLst>
       <p:ext uri="{BB962C8B-B14F-4D97-AF65-F5344CB8AC3E}">
-        <p14:creationId xmlns:p14="http://schemas.microsoft.com/office/powerpoint/2010/main" xmlns="" val="835405000"/>
+        <p14:creationId xmlns="" xmlns:p14="http://schemas.microsoft.com/office/powerpoint/2010/main" val="835405000"/>
       </p:ext>
     </p:extLst>
   </p:cSld>
@@ -4949,7 +4949,7 @@
     </p:spTree>
     <p:extLst>
       <p:ext uri="{BB962C8B-B14F-4D97-AF65-F5344CB8AC3E}">
-        <p14:creationId xmlns:p14="http://schemas.microsoft.com/office/powerpoint/2010/main" xmlns="" val="1218909942"/>
+        <p14:creationId xmlns="" xmlns:p14="http://schemas.microsoft.com/office/powerpoint/2010/main" val="1218909942"/>
       </p:ext>
     </p:extLst>
   </p:cSld>
@@ -5010,14 +5010,14 @@
           <a:effectLst/>
           <a:extLst>
             <a:ext uri="{909E8E84-426E-40DD-AFC4-6F175D3DCCD1}">
-              <a14:hiddenFill xmlns:a14="http://schemas.microsoft.com/office/drawing/2010/main" xmlns="">
+              <a14:hiddenFill xmlns="" xmlns:a14="http://schemas.microsoft.com/office/drawing/2010/main">
                 <a:solidFill>
                   <a:schemeClr val="accent1"/>
                 </a:solidFill>
               </a14:hiddenFill>
             </a:ext>
             <a:ext uri="{91240B29-F687-4F45-9708-019B960494DF}">
-              <a14:hiddenLine xmlns:a14="http://schemas.microsoft.com/office/drawing/2010/main" xmlns="" w="9525">
+              <a14:hiddenLine xmlns="" xmlns:a14="http://schemas.microsoft.com/office/drawing/2010/main" w="9525">
                 <a:solidFill>
                   <a:schemeClr val="tx1"/>
                 </a:solidFill>
@@ -5027,7 +5027,7 @@
               </a14:hiddenLine>
             </a:ext>
             <a:ext uri="{AF507438-7753-43E0-B8FC-AC1667EBCBE1}">
-              <a14:hiddenEffects xmlns:a14="http://schemas.microsoft.com/office/drawing/2010/main" xmlns="">
+              <a14:hiddenEffects xmlns="" xmlns:a14="http://schemas.microsoft.com/office/drawing/2010/main">
                 <a:effectLst>
                   <a:outerShdw dist="35921" dir="2700000" algn="ctr" rotWithShape="0">
                     <a:schemeClr val="bg2"/>
@@ -5080,14 +5080,14 @@
           <a:effectLst/>
           <a:extLst>
             <a:ext uri="{909E8E84-426E-40DD-AFC4-6F175D3DCCD1}">
-              <a14:hiddenFill xmlns:a14="http://schemas.microsoft.com/office/drawing/2010/main" xmlns="">
+              <a14:hiddenFill xmlns="" xmlns:a14="http://schemas.microsoft.com/office/drawing/2010/main">
                 <a:solidFill>
                   <a:schemeClr val="accent1"/>
                 </a:solidFill>
               </a14:hiddenFill>
             </a:ext>
             <a:ext uri="{91240B29-F687-4F45-9708-019B960494DF}">
-              <a14:hiddenLine xmlns:a14="http://schemas.microsoft.com/office/drawing/2010/main" xmlns="" w="9525">
+              <a14:hiddenLine xmlns="" xmlns:a14="http://schemas.microsoft.com/office/drawing/2010/main" w="9525">
                 <a:solidFill>
                   <a:schemeClr val="tx1"/>
                 </a:solidFill>
@@ -5097,7 +5097,7 @@
               </a14:hiddenLine>
             </a:ext>
             <a:ext uri="{AF507438-7753-43E0-B8FC-AC1667EBCBE1}">
-              <a14:hiddenEffects xmlns:a14="http://schemas.microsoft.com/office/drawing/2010/main" xmlns="">
+              <a14:hiddenEffects xmlns="" xmlns:a14="http://schemas.microsoft.com/office/drawing/2010/main">
                 <a:effectLst>
                   <a:outerShdw dist="35921" dir="2700000" algn="ctr" rotWithShape="0">
                     <a:schemeClr val="bg2"/>
@@ -5180,7 +5180,7 @@
             <a:effectLst/>
             <a:extLst>
               <a:ext uri="{91240B29-F687-4F45-9708-019B960494DF}">
-                <a14:hiddenLine xmlns:a14="http://schemas.microsoft.com/office/drawing/2010/main" xmlns="" w="9525">
+                <a14:hiddenLine xmlns="" xmlns:a14="http://schemas.microsoft.com/office/drawing/2010/main" w="9525">
                   <a:solidFill>
                     <a:schemeClr val="tx1"/>
                   </a:solidFill>
@@ -5190,7 +5190,7 @@
                 </a14:hiddenLine>
               </a:ext>
               <a:ext uri="{AF507438-7753-43E0-B8FC-AC1667EBCBE1}">
-                <a14:hiddenEffects xmlns:a14="http://schemas.microsoft.com/office/drawing/2010/main" xmlns="">
+                <a14:hiddenEffects xmlns="" xmlns:a14="http://schemas.microsoft.com/office/drawing/2010/main">
                   <a:effectLst>
                     <a:outerShdw dist="35921" dir="2700000" algn="ctr" rotWithShape="0">
                       <a:schemeClr val="bg2"/>
@@ -5251,7 +5251,7 @@
             </a:ln>
             <a:extLst>
               <a:ext uri="{91240B29-F687-4F45-9708-019B960494DF}">
-                <a14:hiddenLine xmlns:a14="http://schemas.microsoft.com/office/drawing/2010/main" xmlns="" w="9525">
+                <a14:hiddenLine xmlns="" xmlns:a14="http://schemas.microsoft.com/office/drawing/2010/main" w="9525">
                   <a:solidFill>
                     <a:srgbClr val="000000"/>
                   </a:solidFill>
@@ -5305,7 +5305,7 @@
             </a:ln>
             <a:extLst>
               <a:ext uri="{91240B29-F687-4F45-9708-019B960494DF}">
-                <a14:hiddenLine xmlns:a14="http://schemas.microsoft.com/office/drawing/2010/main" xmlns="" w="9525">
+                <a14:hiddenLine xmlns="" xmlns:a14="http://schemas.microsoft.com/office/drawing/2010/main" w="9525">
                   <a:solidFill>
                     <a:srgbClr val="000000"/>
                   </a:solidFill>
@@ -5354,7 +5354,7 @@
             </a:ln>
             <a:extLst>
               <a:ext uri="{91240B29-F687-4F45-9708-019B960494DF}">
-                <a14:hiddenLine xmlns:a14="http://schemas.microsoft.com/office/drawing/2010/main" xmlns="" w="9525">
+                <a14:hiddenLine xmlns="" xmlns:a14="http://schemas.microsoft.com/office/drawing/2010/main" w="9525">
                   <a:solidFill>
                     <a:srgbClr val="000000"/>
                   </a:solidFill>
@@ -5403,7 +5403,7 @@
             </a:ln>
             <a:extLst>
               <a:ext uri="{91240B29-F687-4F45-9708-019B960494DF}">
-                <a14:hiddenLine xmlns:a14="http://schemas.microsoft.com/office/drawing/2010/main" xmlns="" w="9525">
+                <a14:hiddenLine xmlns="" xmlns:a14="http://schemas.microsoft.com/office/drawing/2010/main" w="9525">
                   <a:solidFill>
                     <a:srgbClr val="000000"/>
                   </a:solidFill>
@@ -5452,7 +5452,7 @@
             </a:ln>
             <a:extLst>
               <a:ext uri="{91240B29-F687-4F45-9708-019B960494DF}">
-                <a14:hiddenLine xmlns:a14="http://schemas.microsoft.com/office/drawing/2010/main" xmlns="" w="9525">
+                <a14:hiddenLine xmlns="" xmlns:a14="http://schemas.microsoft.com/office/drawing/2010/main" w="9525">
                   <a:solidFill>
                     <a:srgbClr val="000000"/>
                   </a:solidFill>
@@ -5501,7 +5501,7 @@
             </a:ln>
             <a:extLst>
               <a:ext uri="{91240B29-F687-4F45-9708-019B960494DF}">
-                <a14:hiddenLine xmlns:a14="http://schemas.microsoft.com/office/drawing/2010/main" xmlns="" w="9525">
+                <a14:hiddenLine xmlns="" xmlns:a14="http://schemas.microsoft.com/office/drawing/2010/main" w="9525">
                   <a:solidFill>
                     <a:srgbClr val="000000"/>
                   </a:solidFill>
@@ -5555,7 +5555,7 @@
             </a:ln>
             <a:extLst>
               <a:ext uri="{91240B29-F687-4F45-9708-019B960494DF}">
-                <a14:hiddenLine xmlns:a14="http://schemas.microsoft.com/office/drawing/2010/main" xmlns="" w="9525">
+                <a14:hiddenLine xmlns="" xmlns:a14="http://schemas.microsoft.com/office/drawing/2010/main" w="9525">
                   <a:solidFill>
                     <a:srgbClr val="000000"/>
                   </a:solidFill>
@@ -5604,7 +5604,7 @@
             </a:ln>
             <a:extLst>
               <a:ext uri="{91240B29-F687-4F45-9708-019B960494DF}">
-                <a14:hiddenLine xmlns:a14="http://schemas.microsoft.com/office/drawing/2010/main" xmlns="" w="9525">
+                <a14:hiddenLine xmlns="" xmlns:a14="http://schemas.microsoft.com/office/drawing/2010/main" w="9525">
                   <a:solidFill>
                     <a:srgbClr val="000000"/>
                   </a:solidFill>
@@ -5655,14 +5655,14 @@
           <a:effectLst/>
           <a:extLst>
             <a:ext uri="{909E8E84-426E-40DD-AFC4-6F175D3DCCD1}">
-              <a14:hiddenFill xmlns:a14="http://schemas.microsoft.com/office/drawing/2010/main" xmlns="">
+              <a14:hiddenFill xmlns="" xmlns:a14="http://schemas.microsoft.com/office/drawing/2010/main">
                 <a:solidFill>
                   <a:schemeClr val="accent1"/>
                 </a:solidFill>
               </a14:hiddenFill>
             </a:ext>
             <a:ext uri="{91240B29-F687-4F45-9708-019B960494DF}">
-              <a14:hiddenLine xmlns:a14="http://schemas.microsoft.com/office/drawing/2010/main" xmlns="" w="9525">
+              <a14:hiddenLine xmlns="" xmlns:a14="http://schemas.microsoft.com/office/drawing/2010/main" w="9525">
                 <a:solidFill>
                   <a:schemeClr val="tx1"/>
                 </a:solidFill>
@@ -5672,7 +5672,7 @@
               </a14:hiddenLine>
             </a:ext>
             <a:ext uri="{AF507438-7753-43E0-B8FC-AC1667EBCBE1}">
-              <a14:hiddenEffects xmlns:a14="http://schemas.microsoft.com/office/drawing/2010/main" xmlns="">
+              <a14:hiddenEffects xmlns="" xmlns:a14="http://schemas.microsoft.com/office/drawing/2010/main">
                 <a:effectLst>
                   <a:outerShdw dist="35921" dir="2700000" algn="ctr" rotWithShape="0">
                     <a:schemeClr val="bg2"/>
@@ -5723,14 +5723,14 @@
           <a:effectLst/>
           <a:extLst>
             <a:ext uri="{909E8E84-426E-40DD-AFC4-6F175D3DCCD1}">
-              <a14:hiddenFill xmlns:a14="http://schemas.microsoft.com/office/drawing/2010/main" xmlns="">
+              <a14:hiddenFill xmlns="" xmlns:a14="http://schemas.microsoft.com/office/drawing/2010/main">
                 <a:solidFill>
                   <a:schemeClr val="accent1"/>
                 </a:solidFill>
               </a14:hiddenFill>
             </a:ext>
             <a:ext uri="{91240B29-F687-4F45-9708-019B960494DF}">
-              <a14:hiddenLine xmlns:a14="http://schemas.microsoft.com/office/drawing/2010/main" xmlns="" w="9525">
+              <a14:hiddenLine xmlns="" xmlns:a14="http://schemas.microsoft.com/office/drawing/2010/main" w="9525">
                 <a:solidFill>
                   <a:schemeClr val="tx1"/>
                 </a:solidFill>
@@ -5740,7 +5740,7 @@
               </a14:hiddenLine>
             </a:ext>
             <a:ext uri="{AF507438-7753-43E0-B8FC-AC1667EBCBE1}">
-              <a14:hiddenEffects xmlns:a14="http://schemas.microsoft.com/office/drawing/2010/main" xmlns="">
+              <a14:hiddenEffects xmlns="" xmlns:a14="http://schemas.microsoft.com/office/drawing/2010/main">
                 <a:effectLst>
                   <a:outerShdw dist="35921" dir="2700000" algn="ctr" rotWithShape="0">
                     <a:schemeClr val="bg2"/>
@@ -5819,14 +5819,14 @@
           <a:effectLst/>
           <a:extLst>
             <a:ext uri="{909E8E84-426E-40DD-AFC4-6F175D3DCCD1}">
-              <a14:hiddenFill xmlns:a14="http://schemas.microsoft.com/office/drawing/2010/main" xmlns="">
+              <a14:hiddenFill xmlns="" xmlns:a14="http://schemas.microsoft.com/office/drawing/2010/main">
                 <a:solidFill>
                   <a:schemeClr val="accent1"/>
                 </a:solidFill>
               </a14:hiddenFill>
             </a:ext>
             <a:ext uri="{91240B29-F687-4F45-9708-019B960494DF}">
-              <a14:hiddenLine xmlns:a14="http://schemas.microsoft.com/office/drawing/2010/main" xmlns="" w="9525">
+              <a14:hiddenLine xmlns="" xmlns:a14="http://schemas.microsoft.com/office/drawing/2010/main" w="9525">
                 <a:solidFill>
                   <a:schemeClr val="tx1"/>
                 </a:solidFill>
@@ -5836,7 +5836,7 @@
               </a14:hiddenLine>
             </a:ext>
             <a:ext uri="{AF507438-7753-43E0-B8FC-AC1667EBCBE1}">
-              <a14:hiddenEffects xmlns:a14="http://schemas.microsoft.com/office/drawing/2010/main" xmlns="">
+              <a14:hiddenEffects xmlns="" xmlns:a14="http://schemas.microsoft.com/office/drawing/2010/main">
                 <a:effectLst>
                   <a:outerShdw dist="35921" dir="2700000" algn="ctr" rotWithShape="0">
                     <a:schemeClr val="bg2"/>
@@ -6545,7 +6545,7 @@
             <a:effectLst/>
             <a:extLst>
               <a:ext uri="{AF507438-7753-43E0-B8FC-AC1667EBCBE1}">
-                <a14:hiddenEffects xmlns:a14="http://schemas.microsoft.com/office/drawing/2010/main" xmlns="">
+                <a14:hiddenEffects xmlns="" xmlns:a14="http://schemas.microsoft.com/office/drawing/2010/main">
                   <a:effectLst>
                     <a:outerShdw dist="35921" dir="2700000" algn="ctr" rotWithShape="0">
                       <a:schemeClr val="bg2"/>
@@ -6585,7 +6585,7 @@
             <a:effectLst/>
             <a:extLst>
               <a:ext uri="{AF507438-7753-43E0-B8FC-AC1667EBCBE1}">
-                <a14:hiddenEffects xmlns:a14="http://schemas.microsoft.com/office/drawing/2010/main" xmlns="">
+                <a14:hiddenEffects xmlns="" xmlns:a14="http://schemas.microsoft.com/office/drawing/2010/main">
                   <a:effectLst>
                     <a:outerShdw dist="35921" dir="2700000" algn="ctr" rotWithShape="0">
                       <a:schemeClr val="bg2"/>
@@ -6625,7 +6625,7 @@
             <a:effectLst/>
             <a:extLst>
               <a:ext uri="{AF507438-7753-43E0-B8FC-AC1667EBCBE1}">
-                <a14:hiddenEffects xmlns:a14="http://schemas.microsoft.com/office/drawing/2010/main" xmlns="">
+                <a14:hiddenEffects xmlns="" xmlns:a14="http://schemas.microsoft.com/office/drawing/2010/main">
                   <a:effectLst>
                     <a:outerShdw dist="35921" dir="2700000" algn="ctr" rotWithShape="0">
                       <a:schemeClr val="bg2"/>
@@ -6668,7 +6668,7 @@
             <a:effectLst/>
             <a:extLst>
               <a:ext uri="{AF507438-7753-43E0-B8FC-AC1667EBCBE1}">
-                <a14:hiddenEffects xmlns:a14="http://schemas.microsoft.com/office/drawing/2010/main" xmlns="">
+                <a14:hiddenEffects xmlns="" xmlns:a14="http://schemas.microsoft.com/office/drawing/2010/main">
                   <a:effectLst>
                     <a:outerShdw dist="35921" dir="2700000" algn="ctr" rotWithShape="0">
                       <a:schemeClr val="bg2"/>
@@ -6735,7 +6735,7 @@
     </p:spTree>
     <p:extLst>
       <p:ext uri="{BB962C8B-B14F-4D97-AF65-F5344CB8AC3E}">
-        <p14:creationId xmlns:p14="http://schemas.microsoft.com/office/powerpoint/2010/main" xmlns="" val="703775315"/>
+        <p14:creationId xmlns="" xmlns:p14="http://schemas.microsoft.com/office/powerpoint/2010/main" val="703775315"/>
       </p:ext>
     </p:extLst>
   </p:cSld>
@@ -7000,7 +7000,7 @@
             <a:effectLst/>
             <a:extLst>
               <a:ext uri="{AF507438-7753-43E0-B8FC-AC1667EBCBE1}">
-                <a14:hiddenEffects xmlns:a14="http://schemas.microsoft.com/office/drawing/2010/main" xmlns="">
+                <a14:hiddenEffects xmlns="" xmlns:a14="http://schemas.microsoft.com/office/drawing/2010/main">
                   <a:effectLst>
                     <a:outerShdw dist="35921" dir="2700000" algn="ctr" rotWithShape="0">
                       <a:schemeClr val="bg2"/>
@@ -7040,7 +7040,7 @@
             <a:effectLst/>
             <a:extLst>
               <a:ext uri="{AF507438-7753-43E0-B8FC-AC1667EBCBE1}">
-                <a14:hiddenEffects xmlns:a14="http://schemas.microsoft.com/office/drawing/2010/main" xmlns="">
+                <a14:hiddenEffects xmlns="" xmlns:a14="http://schemas.microsoft.com/office/drawing/2010/main">
                   <a:effectLst>
                     <a:outerShdw dist="35921" dir="2700000" algn="ctr" rotWithShape="0">
                       <a:schemeClr val="bg2"/>
@@ -7080,7 +7080,7 @@
             <a:effectLst/>
             <a:extLst>
               <a:ext uri="{AF507438-7753-43E0-B8FC-AC1667EBCBE1}">
-                <a14:hiddenEffects xmlns:a14="http://schemas.microsoft.com/office/drawing/2010/main" xmlns="">
+                <a14:hiddenEffects xmlns="" xmlns:a14="http://schemas.microsoft.com/office/drawing/2010/main">
                   <a:effectLst>
                     <a:outerShdw dist="35921" dir="2700000" algn="ctr" rotWithShape="0">
                       <a:schemeClr val="bg2"/>
@@ -7123,7 +7123,7 @@
             <a:effectLst/>
             <a:extLst>
               <a:ext uri="{AF507438-7753-43E0-B8FC-AC1667EBCBE1}">
-                <a14:hiddenEffects xmlns:a14="http://schemas.microsoft.com/office/drawing/2010/main" xmlns="">
+                <a14:hiddenEffects xmlns="" xmlns:a14="http://schemas.microsoft.com/office/drawing/2010/main">
                   <a:effectLst>
                     <a:outerShdw dist="35921" dir="2700000" algn="ctr" rotWithShape="0">
                       <a:schemeClr val="bg2"/>
@@ -7781,7 +7781,7 @@
           <a:blip r:embed="rId3" cstate="print">
             <a:extLst>
               <a:ext uri="{28A0092B-C50C-407E-A947-70E740481C1C}">
-                <a14:useLocalDpi xmlns:a14="http://schemas.microsoft.com/office/drawing/2010/main" xmlns="" val="0"/>
+                <a14:useLocalDpi xmlns="" xmlns:a14="http://schemas.microsoft.com/office/drawing/2010/main" val="0"/>
               </a:ext>
             </a:extLst>
           </a:blip>
@@ -7804,14 +7804,14 @@
           </a:ln>
           <a:extLst>
             <a:ext uri="{909E8E84-426E-40DD-AFC4-6F175D3DCCD1}">
-              <a14:hiddenFill xmlns:a14="http://schemas.microsoft.com/office/drawing/2010/main" xmlns="">
+              <a14:hiddenFill xmlns="" xmlns:a14="http://schemas.microsoft.com/office/drawing/2010/main">
                 <a:solidFill>
                   <a:schemeClr val="accent1"/>
                 </a:solidFill>
               </a14:hiddenFill>
             </a:ext>
             <a:ext uri="{91240B29-F687-4F45-9708-019B960494DF}">
-              <a14:hiddenLine xmlns:a14="http://schemas.microsoft.com/office/drawing/2010/main" xmlns="" w="9525">
+              <a14:hiddenLine xmlns="" xmlns:a14="http://schemas.microsoft.com/office/drawing/2010/main" w="9525">
                 <a:solidFill>
                   <a:schemeClr val="tx1"/>
                 </a:solidFill>
@@ -8542,7 +8542,7 @@
           <a:effectLst/>
           <a:extLst>
             <a:ext uri="{AF507438-7753-43E0-B8FC-AC1667EBCBE1}">
-              <a14:hiddenEffects xmlns:a14="http://schemas.microsoft.com/office/drawing/2010/main" xmlns="">
+              <a14:hiddenEffects xmlns="" xmlns:a14="http://schemas.microsoft.com/office/drawing/2010/main">
                 <a:effectLst>
                   <a:outerShdw dist="35921" dir="2700000" algn="ctr" rotWithShape="0">
                     <a:schemeClr val="bg2"/>
@@ -8596,7 +8596,7 @@
     </p:spTree>
     <p:extLst>
       <p:ext uri="{BB962C8B-B14F-4D97-AF65-F5344CB8AC3E}">
-        <p14:creationId xmlns:p14="http://schemas.microsoft.com/office/powerpoint/2010/main" xmlns="" val="4201971601"/>
+        <p14:creationId xmlns="" xmlns:p14="http://schemas.microsoft.com/office/powerpoint/2010/main" val="4201971601"/>
       </p:ext>
     </p:extLst>
   </p:cSld>
@@ -8861,7 +8861,7 @@
             <a:effectLst/>
             <a:extLst>
               <a:ext uri="{AF507438-7753-43E0-B8FC-AC1667EBCBE1}">
-                <a14:hiddenEffects xmlns:a14="http://schemas.microsoft.com/office/drawing/2010/main" xmlns="">
+                <a14:hiddenEffects xmlns="" xmlns:a14="http://schemas.microsoft.com/office/drawing/2010/main">
                   <a:effectLst>
                     <a:outerShdw dist="35921" dir="2700000" algn="ctr" rotWithShape="0">
                       <a:schemeClr val="bg2"/>
@@ -8901,7 +8901,7 @@
             <a:effectLst/>
             <a:extLst>
               <a:ext uri="{AF507438-7753-43E0-B8FC-AC1667EBCBE1}">
-                <a14:hiddenEffects xmlns:a14="http://schemas.microsoft.com/office/drawing/2010/main" xmlns="">
+                <a14:hiddenEffects xmlns="" xmlns:a14="http://schemas.microsoft.com/office/drawing/2010/main">
                   <a:effectLst>
                     <a:outerShdw dist="35921" dir="2700000" algn="ctr" rotWithShape="0">
                       <a:schemeClr val="bg2"/>
@@ -8941,7 +8941,7 @@
             <a:effectLst/>
             <a:extLst>
               <a:ext uri="{AF507438-7753-43E0-B8FC-AC1667EBCBE1}">
-                <a14:hiddenEffects xmlns:a14="http://schemas.microsoft.com/office/drawing/2010/main" xmlns="">
+                <a14:hiddenEffects xmlns="" xmlns:a14="http://schemas.microsoft.com/office/drawing/2010/main">
                   <a:effectLst>
                     <a:outerShdw dist="35921" dir="2700000" algn="ctr" rotWithShape="0">
                       <a:schemeClr val="bg2"/>
@@ -8984,7 +8984,7 @@
             <a:effectLst/>
             <a:extLst>
               <a:ext uri="{AF507438-7753-43E0-B8FC-AC1667EBCBE1}">
-                <a14:hiddenEffects xmlns:a14="http://schemas.microsoft.com/office/drawing/2010/main" xmlns="">
+                <a14:hiddenEffects xmlns="" xmlns:a14="http://schemas.microsoft.com/office/drawing/2010/main">
                   <a:effectLst>
                     <a:outerShdw dist="35921" dir="2700000" algn="ctr" rotWithShape="0">
                       <a:schemeClr val="bg2"/>
@@ -9482,7 +9482,7 @@
           <a:blip r:embed="rId3" cstate="print">
             <a:extLst>
               <a:ext uri="{28A0092B-C50C-407E-A947-70E740481C1C}">
-                <a14:useLocalDpi xmlns:a14="http://schemas.microsoft.com/office/drawing/2010/main" xmlns="" val="0"/>
+                <a14:useLocalDpi xmlns="" xmlns:a14="http://schemas.microsoft.com/office/drawing/2010/main" val="0"/>
               </a:ext>
             </a:extLst>
           </a:blip>
@@ -9505,14 +9505,14 @@
           </a:ln>
           <a:extLst>
             <a:ext uri="{909E8E84-426E-40DD-AFC4-6F175D3DCCD1}">
-              <a14:hiddenFill xmlns:a14="http://schemas.microsoft.com/office/drawing/2010/main" xmlns="">
+              <a14:hiddenFill xmlns="" xmlns:a14="http://schemas.microsoft.com/office/drawing/2010/main">
                 <a:solidFill>
                   <a:schemeClr val="accent1"/>
                 </a:solidFill>
               </a14:hiddenFill>
             </a:ext>
             <a:ext uri="{91240B29-F687-4F45-9708-019B960494DF}">
-              <a14:hiddenLine xmlns:a14="http://schemas.microsoft.com/office/drawing/2010/main" xmlns="" w="9525">
+              <a14:hiddenLine xmlns="" xmlns:a14="http://schemas.microsoft.com/office/drawing/2010/main" w="9525">
                 <a:solidFill>
                   <a:schemeClr val="tx1"/>
                 </a:solidFill>
@@ -10079,7 +10079,7 @@
     </p:spTree>
     <p:extLst>
       <p:ext uri="{BB962C8B-B14F-4D97-AF65-F5344CB8AC3E}">
-        <p14:creationId xmlns:p14="http://schemas.microsoft.com/office/powerpoint/2010/main" xmlns="" val="668301445"/>
+        <p14:creationId xmlns="" xmlns:p14="http://schemas.microsoft.com/office/powerpoint/2010/main" val="668301445"/>
       </p:ext>
     </p:extLst>
   </p:cSld>
@@ -10344,7 +10344,7 @@
             <a:effectLst/>
             <a:extLst>
               <a:ext uri="{AF507438-7753-43E0-B8FC-AC1667EBCBE1}">
-                <a14:hiddenEffects xmlns:a14="http://schemas.microsoft.com/office/drawing/2010/main" xmlns="">
+                <a14:hiddenEffects xmlns="" xmlns:a14="http://schemas.microsoft.com/office/drawing/2010/main">
                   <a:effectLst>
                     <a:outerShdw dist="35921" dir="2700000" algn="ctr" rotWithShape="0">
                       <a:schemeClr val="bg2"/>
@@ -10384,7 +10384,7 @@
             <a:effectLst/>
             <a:extLst>
               <a:ext uri="{AF507438-7753-43E0-B8FC-AC1667EBCBE1}">
-                <a14:hiddenEffects xmlns:a14="http://schemas.microsoft.com/office/drawing/2010/main" xmlns="">
+                <a14:hiddenEffects xmlns="" xmlns:a14="http://schemas.microsoft.com/office/drawing/2010/main">
                   <a:effectLst>
                     <a:outerShdw dist="35921" dir="2700000" algn="ctr" rotWithShape="0">
                       <a:schemeClr val="bg2"/>
@@ -10424,7 +10424,7 @@
             <a:effectLst/>
             <a:extLst>
               <a:ext uri="{AF507438-7753-43E0-B8FC-AC1667EBCBE1}">
-                <a14:hiddenEffects xmlns:a14="http://schemas.microsoft.com/office/drawing/2010/main" xmlns="">
+                <a14:hiddenEffects xmlns="" xmlns:a14="http://schemas.microsoft.com/office/drawing/2010/main">
                   <a:effectLst>
                     <a:outerShdw dist="35921" dir="2700000" algn="ctr" rotWithShape="0">
                       <a:schemeClr val="bg2"/>
@@ -10467,7 +10467,7 @@
             <a:effectLst/>
             <a:extLst>
               <a:ext uri="{AF507438-7753-43E0-B8FC-AC1667EBCBE1}">
-                <a14:hiddenEffects xmlns:a14="http://schemas.microsoft.com/office/drawing/2010/main" xmlns="">
+                <a14:hiddenEffects xmlns="" xmlns:a14="http://schemas.microsoft.com/office/drawing/2010/main">
                   <a:effectLst>
                     <a:outerShdw dist="35921" dir="2700000" algn="ctr" rotWithShape="0">
                       <a:schemeClr val="bg2"/>
@@ -10947,7 +10947,7 @@
           <a:blip r:embed="rId3" cstate="print">
             <a:extLst>
               <a:ext uri="{28A0092B-C50C-407E-A947-70E740481C1C}">
-                <a14:useLocalDpi xmlns:a14="http://schemas.microsoft.com/office/drawing/2010/main" xmlns="" val="0"/>
+                <a14:useLocalDpi xmlns="" xmlns:a14="http://schemas.microsoft.com/office/drawing/2010/main" val="0"/>
               </a:ext>
             </a:extLst>
           </a:blip>
@@ -10970,14 +10970,14 @@
           </a:ln>
           <a:extLst>
             <a:ext uri="{909E8E84-426E-40DD-AFC4-6F175D3DCCD1}">
-              <a14:hiddenFill xmlns:a14="http://schemas.microsoft.com/office/drawing/2010/main" xmlns="">
+              <a14:hiddenFill xmlns="" xmlns:a14="http://schemas.microsoft.com/office/drawing/2010/main">
                 <a:solidFill>
                   <a:schemeClr val="accent1"/>
                 </a:solidFill>
               </a14:hiddenFill>
             </a:ext>
             <a:ext uri="{91240B29-F687-4F45-9708-019B960494DF}">
-              <a14:hiddenLine xmlns:a14="http://schemas.microsoft.com/office/drawing/2010/main" xmlns="" w="9525">
+              <a14:hiddenLine xmlns="" xmlns:a14="http://schemas.microsoft.com/office/drawing/2010/main" w="9525">
                 <a:solidFill>
                   <a:schemeClr val="tx1"/>
                 </a:solidFill>
@@ -11268,7 +11268,7 @@
     </p:spTree>
     <p:extLst>
       <p:ext uri="{BB962C8B-B14F-4D97-AF65-F5344CB8AC3E}">
-        <p14:creationId xmlns:p14="http://schemas.microsoft.com/office/powerpoint/2010/main" xmlns="" val="1854283886"/>
+        <p14:creationId xmlns="" xmlns:p14="http://schemas.microsoft.com/office/powerpoint/2010/main" val="1854283886"/>
       </p:ext>
     </p:extLst>
   </p:cSld>
@@ -11533,7 +11533,7 @@
             <a:effectLst/>
             <a:extLst>
               <a:ext uri="{AF507438-7753-43E0-B8FC-AC1667EBCBE1}">
-                <a14:hiddenEffects xmlns:a14="http://schemas.microsoft.com/office/drawing/2010/main" xmlns="">
+                <a14:hiddenEffects xmlns="" xmlns:a14="http://schemas.microsoft.com/office/drawing/2010/main">
                   <a:effectLst>
                     <a:outerShdw dist="35921" dir="2700000" algn="ctr" rotWithShape="0">
                       <a:schemeClr val="bg2"/>
@@ -11573,7 +11573,7 @@
             <a:effectLst/>
             <a:extLst>
               <a:ext uri="{AF507438-7753-43E0-B8FC-AC1667EBCBE1}">
-                <a14:hiddenEffects xmlns:a14="http://schemas.microsoft.com/office/drawing/2010/main" xmlns="">
+                <a14:hiddenEffects xmlns="" xmlns:a14="http://schemas.microsoft.com/office/drawing/2010/main">
                   <a:effectLst>
                     <a:outerShdw dist="35921" dir="2700000" algn="ctr" rotWithShape="0">
                       <a:schemeClr val="bg2"/>
@@ -11613,7 +11613,7 @@
             <a:effectLst/>
             <a:extLst>
               <a:ext uri="{AF507438-7753-43E0-B8FC-AC1667EBCBE1}">
-                <a14:hiddenEffects xmlns:a14="http://schemas.microsoft.com/office/drawing/2010/main" xmlns="">
+                <a14:hiddenEffects xmlns="" xmlns:a14="http://schemas.microsoft.com/office/drawing/2010/main">
                   <a:effectLst>
                     <a:outerShdw dist="35921" dir="2700000" algn="ctr" rotWithShape="0">
                       <a:schemeClr val="bg2"/>
@@ -11656,7 +11656,7 @@
             <a:effectLst/>
             <a:extLst>
               <a:ext uri="{AF507438-7753-43E0-B8FC-AC1667EBCBE1}">
-                <a14:hiddenEffects xmlns:a14="http://schemas.microsoft.com/office/drawing/2010/main" xmlns="">
+                <a14:hiddenEffects xmlns="" xmlns:a14="http://schemas.microsoft.com/office/drawing/2010/main">
                   <a:effectLst>
                     <a:outerShdw dist="35921" dir="2700000" algn="ctr" rotWithShape="0">
                       <a:schemeClr val="bg2"/>
@@ -12019,7 +12019,7 @@
           <a:blip r:embed="rId3" cstate="print">
             <a:extLst>
               <a:ext uri="{28A0092B-C50C-407E-A947-70E740481C1C}">
-                <a14:useLocalDpi xmlns:a14="http://schemas.microsoft.com/office/drawing/2010/main" xmlns="" val="0"/>
+                <a14:useLocalDpi xmlns="" xmlns:a14="http://schemas.microsoft.com/office/drawing/2010/main" val="0"/>
               </a:ext>
             </a:extLst>
           </a:blip>
@@ -12042,14 +12042,14 @@
           </a:ln>
           <a:extLst>
             <a:ext uri="{909E8E84-426E-40DD-AFC4-6F175D3DCCD1}">
-              <a14:hiddenFill xmlns:a14="http://schemas.microsoft.com/office/drawing/2010/main" xmlns="">
+              <a14:hiddenFill xmlns="" xmlns:a14="http://schemas.microsoft.com/office/drawing/2010/main">
                 <a:solidFill>
                   <a:schemeClr val="accent1"/>
                 </a:solidFill>
               </a14:hiddenFill>
             </a:ext>
             <a:ext uri="{91240B29-F687-4F45-9708-019B960494DF}">
-              <a14:hiddenLine xmlns:a14="http://schemas.microsoft.com/office/drawing/2010/main" xmlns="" w="9525">
+              <a14:hiddenLine xmlns="" xmlns:a14="http://schemas.microsoft.com/office/drawing/2010/main" w="9525">
                 <a:solidFill>
                   <a:schemeClr val="tx1"/>
                 </a:solidFill>
@@ -12073,7 +12073,7 @@
           <a:blip r:embed="rId4" cstate="print">
             <a:extLst>
               <a:ext uri="{28A0092B-C50C-407E-A947-70E740481C1C}">
-                <a14:useLocalDpi xmlns:a14="http://schemas.microsoft.com/office/drawing/2010/main" xmlns="" val="0"/>
+                <a14:useLocalDpi xmlns="" xmlns:a14="http://schemas.microsoft.com/office/drawing/2010/main" val="0"/>
               </a:ext>
             </a:extLst>
           </a:blip>
@@ -12096,14 +12096,14 @@
           </a:ln>
           <a:extLst>
             <a:ext uri="{909E8E84-426E-40DD-AFC4-6F175D3DCCD1}">
-              <a14:hiddenFill xmlns:a14="http://schemas.microsoft.com/office/drawing/2010/main" xmlns="">
+              <a14:hiddenFill xmlns="" xmlns:a14="http://schemas.microsoft.com/office/drawing/2010/main">
                 <a:solidFill>
                   <a:schemeClr val="accent1"/>
                 </a:solidFill>
               </a14:hiddenFill>
             </a:ext>
             <a:ext uri="{91240B29-F687-4F45-9708-019B960494DF}">
-              <a14:hiddenLine xmlns:a14="http://schemas.microsoft.com/office/drawing/2010/main" xmlns="" w="9525">
+              <a14:hiddenLine xmlns="" xmlns:a14="http://schemas.microsoft.com/office/drawing/2010/main" w="9525">
                 <a:solidFill>
                   <a:schemeClr val="tx1"/>
                 </a:solidFill>
@@ -12522,7 +12522,7 @@
     </p:spTree>
     <p:extLst>
       <p:ext uri="{BB962C8B-B14F-4D97-AF65-F5344CB8AC3E}">
-        <p14:creationId xmlns:p14="http://schemas.microsoft.com/office/powerpoint/2010/main" xmlns="" val="1634749954"/>
+        <p14:creationId xmlns="" xmlns:p14="http://schemas.microsoft.com/office/powerpoint/2010/main" val="1634749954"/>
       </p:ext>
     </p:extLst>
   </p:cSld>
@@ -12787,7 +12787,7 @@
             <a:effectLst/>
             <a:extLst>
               <a:ext uri="{AF507438-7753-43E0-B8FC-AC1667EBCBE1}">
-                <a14:hiddenEffects xmlns:a14="http://schemas.microsoft.com/office/drawing/2010/main" xmlns="">
+                <a14:hiddenEffects xmlns="" xmlns:a14="http://schemas.microsoft.com/office/drawing/2010/main">
                   <a:effectLst>
                     <a:outerShdw dist="35921" dir="2700000" algn="ctr" rotWithShape="0">
                       <a:schemeClr val="bg2"/>
@@ -12827,7 +12827,7 @@
             <a:effectLst/>
             <a:extLst>
               <a:ext uri="{AF507438-7753-43E0-B8FC-AC1667EBCBE1}">
-                <a14:hiddenEffects xmlns:a14="http://schemas.microsoft.com/office/drawing/2010/main" xmlns="">
+                <a14:hiddenEffects xmlns="" xmlns:a14="http://schemas.microsoft.com/office/drawing/2010/main">
                   <a:effectLst>
                     <a:outerShdw dist="35921" dir="2700000" algn="ctr" rotWithShape="0">
                       <a:schemeClr val="bg2"/>
@@ -12867,7 +12867,7 @@
             <a:effectLst/>
             <a:extLst>
               <a:ext uri="{AF507438-7753-43E0-B8FC-AC1667EBCBE1}">
-                <a14:hiddenEffects xmlns:a14="http://schemas.microsoft.com/office/drawing/2010/main" xmlns="">
+                <a14:hiddenEffects xmlns="" xmlns:a14="http://schemas.microsoft.com/office/drawing/2010/main">
                   <a:effectLst>
                     <a:outerShdw dist="35921" dir="2700000" algn="ctr" rotWithShape="0">
                       <a:schemeClr val="bg2"/>
@@ -12910,7 +12910,7 @@
             <a:effectLst/>
             <a:extLst>
               <a:ext uri="{AF507438-7753-43E0-B8FC-AC1667EBCBE1}">
-                <a14:hiddenEffects xmlns:a14="http://schemas.microsoft.com/office/drawing/2010/main" xmlns="">
+                <a14:hiddenEffects xmlns="" xmlns:a14="http://schemas.microsoft.com/office/drawing/2010/main">
                   <a:effectLst>
                     <a:outerShdw dist="35921" dir="2700000" algn="ctr" rotWithShape="0">
                       <a:schemeClr val="bg2"/>
@@ -13371,7 +13371,7 @@
           <a:blip r:embed="rId3" cstate="print">
             <a:extLst>
               <a:ext uri="{28A0092B-C50C-407E-A947-70E740481C1C}">
-                <a14:useLocalDpi xmlns:a14="http://schemas.microsoft.com/office/drawing/2010/main" xmlns="" val="0"/>
+                <a14:useLocalDpi xmlns="" xmlns:a14="http://schemas.microsoft.com/office/drawing/2010/main" val="0"/>
               </a:ext>
             </a:extLst>
           </a:blip>
@@ -13394,14 +13394,14 @@
           </a:ln>
           <a:extLst>
             <a:ext uri="{909E8E84-426E-40DD-AFC4-6F175D3DCCD1}">
-              <a14:hiddenFill xmlns:a14="http://schemas.microsoft.com/office/drawing/2010/main" xmlns="">
+              <a14:hiddenFill xmlns="" xmlns:a14="http://schemas.microsoft.com/office/drawing/2010/main">
                 <a:solidFill>
                   <a:schemeClr val="accent1"/>
                 </a:solidFill>
               </a14:hiddenFill>
             </a:ext>
             <a:ext uri="{91240B29-F687-4F45-9708-019B960494DF}">
-              <a14:hiddenLine xmlns:a14="http://schemas.microsoft.com/office/drawing/2010/main" xmlns="" w="9525">
+              <a14:hiddenLine xmlns="" xmlns:a14="http://schemas.microsoft.com/office/drawing/2010/main" w="9525">
                 <a:solidFill>
                   <a:schemeClr val="tx1"/>
                 </a:solidFill>
@@ -13982,7 +13982,7 @@
     </p:spTree>
     <p:extLst>
       <p:ext uri="{BB962C8B-B14F-4D97-AF65-F5344CB8AC3E}">
-        <p14:creationId xmlns:p14="http://schemas.microsoft.com/office/powerpoint/2010/main" xmlns="" val="1112426373"/>
+        <p14:creationId xmlns="" xmlns:p14="http://schemas.microsoft.com/office/powerpoint/2010/main" val="1112426373"/>
       </p:ext>
     </p:extLst>
   </p:cSld>
@@ -14247,7 +14247,7 @@
             <a:effectLst/>
             <a:extLst>
               <a:ext uri="{AF507438-7753-43E0-B8FC-AC1667EBCBE1}">
-                <a14:hiddenEffects xmlns:a14="http://schemas.microsoft.com/office/drawing/2010/main" xmlns="">
+                <a14:hiddenEffects xmlns="" xmlns:a14="http://schemas.microsoft.com/office/drawing/2010/main">
                   <a:effectLst>
                     <a:outerShdw dist="35921" dir="2700000" algn="ctr" rotWithShape="0">
                       <a:schemeClr val="bg2"/>
@@ -14287,7 +14287,7 @@
             <a:effectLst/>
             <a:extLst>
               <a:ext uri="{AF507438-7753-43E0-B8FC-AC1667EBCBE1}">
-                <a14:hiddenEffects xmlns:a14="http://schemas.microsoft.com/office/drawing/2010/main" xmlns="">
+                <a14:hiddenEffects xmlns="" xmlns:a14="http://schemas.microsoft.com/office/drawing/2010/main">
                   <a:effectLst>
                     <a:outerShdw dist="35921" dir="2700000" algn="ctr" rotWithShape="0">
                       <a:schemeClr val="bg2"/>
@@ -14327,7 +14327,7 @@
             <a:effectLst/>
             <a:extLst>
               <a:ext uri="{AF507438-7753-43E0-B8FC-AC1667EBCBE1}">
-                <a14:hiddenEffects xmlns:a14="http://schemas.microsoft.com/office/drawing/2010/main" xmlns="">
+                <a14:hiddenEffects xmlns="" xmlns:a14="http://schemas.microsoft.com/office/drawing/2010/main">
                   <a:effectLst>
                     <a:outerShdw dist="35921" dir="2700000" algn="ctr" rotWithShape="0">
                       <a:schemeClr val="bg2"/>
@@ -14370,7 +14370,7 @@
             <a:effectLst/>
             <a:extLst>
               <a:ext uri="{AF507438-7753-43E0-B8FC-AC1667EBCBE1}">
-                <a14:hiddenEffects xmlns:a14="http://schemas.microsoft.com/office/drawing/2010/main" xmlns="">
+                <a14:hiddenEffects xmlns="" xmlns:a14="http://schemas.microsoft.com/office/drawing/2010/main">
                   <a:effectLst>
                     <a:outerShdw dist="35921" dir="2700000" algn="ctr" rotWithShape="0">
                       <a:schemeClr val="bg2"/>
@@ -14937,7 +14937,7 @@
           <a:blip r:embed="rId3" cstate="print">
             <a:extLst>
               <a:ext uri="{28A0092B-C50C-407E-A947-70E740481C1C}">
-                <a14:useLocalDpi xmlns:a14="http://schemas.microsoft.com/office/drawing/2010/main" xmlns="" val="0"/>
+                <a14:useLocalDpi xmlns="" xmlns:a14="http://schemas.microsoft.com/office/drawing/2010/main" val="0"/>
               </a:ext>
             </a:extLst>
           </a:blip>
@@ -14960,14 +14960,14 @@
           </a:ln>
           <a:extLst>
             <a:ext uri="{909E8E84-426E-40DD-AFC4-6F175D3DCCD1}">
-              <a14:hiddenFill xmlns:a14="http://schemas.microsoft.com/office/drawing/2010/main" xmlns="">
+              <a14:hiddenFill xmlns="" xmlns:a14="http://schemas.microsoft.com/office/drawing/2010/main">
                 <a:solidFill>
                   <a:schemeClr val="accent1"/>
                 </a:solidFill>
               </a14:hiddenFill>
             </a:ext>
             <a:ext uri="{91240B29-F687-4F45-9708-019B960494DF}">
-              <a14:hiddenLine xmlns:a14="http://schemas.microsoft.com/office/drawing/2010/main" xmlns="" w="9525">
+              <a14:hiddenLine xmlns="" xmlns:a14="http://schemas.microsoft.com/office/drawing/2010/main" w="9525">
                 <a:solidFill>
                   <a:schemeClr val="tx1"/>
                 </a:solidFill>
@@ -15555,7 +15555,7 @@
     </p:spTree>
     <p:extLst>
       <p:ext uri="{BB962C8B-B14F-4D97-AF65-F5344CB8AC3E}">
-        <p14:creationId xmlns:p14="http://schemas.microsoft.com/office/powerpoint/2010/main" xmlns="" val="3337928231"/>
+        <p14:creationId xmlns="" xmlns:p14="http://schemas.microsoft.com/office/powerpoint/2010/main" val="3337928231"/>
       </p:ext>
     </p:extLst>
   </p:cSld>
@@ -15820,7 +15820,7 @@
             <a:effectLst/>
             <a:extLst>
               <a:ext uri="{AF507438-7753-43E0-B8FC-AC1667EBCBE1}">
-                <a14:hiddenEffects xmlns:a14="http://schemas.microsoft.com/office/drawing/2010/main" xmlns="">
+                <a14:hiddenEffects xmlns="" xmlns:a14="http://schemas.microsoft.com/office/drawing/2010/main">
                   <a:effectLst>
                     <a:outerShdw dist="35921" dir="2700000" algn="ctr" rotWithShape="0">
                       <a:schemeClr val="bg2"/>
@@ -15860,7 +15860,7 @@
             <a:effectLst/>
             <a:extLst>
               <a:ext uri="{AF507438-7753-43E0-B8FC-AC1667EBCBE1}">
-                <a14:hiddenEffects xmlns:a14="http://schemas.microsoft.com/office/drawing/2010/main" xmlns="">
+                <a14:hiddenEffects xmlns="" xmlns:a14="http://schemas.microsoft.com/office/drawing/2010/main">
                   <a:effectLst>
                     <a:outerShdw dist="35921" dir="2700000" algn="ctr" rotWithShape="0">
                       <a:schemeClr val="bg2"/>
@@ -15900,7 +15900,7 @@
             <a:effectLst/>
             <a:extLst>
               <a:ext uri="{AF507438-7753-43E0-B8FC-AC1667EBCBE1}">
-                <a14:hiddenEffects xmlns:a14="http://schemas.microsoft.com/office/drawing/2010/main" xmlns="">
+                <a14:hiddenEffects xmlns="" xmlns:a14="http://schemas.microsoft.com/office/drawing/2010/main">
                   <a:effectLst>
                     <a:outerShdw dist="35921" dir="2700000" algn="ctr" rotWithShape="0">
                       <a:schemeClr val="bg2"/>
@@ -15943,7 +15943,7 @@
             <a:effectLst/>
             <a:extLst>
               <a:ext uri="{AF507438-7753-43E0-B8FC-AC1667EBCBE1}">
-                <a14:hiddenEffects xmlns:a14="http://schemas.microsoft.com/office/drawing/2010/main" xmlns="">
+                <a14:hiddenEffects xmlns="" xmlns:a14="http://schemas.microsoft.com/office/drawing/2010/main">
                   <a:effectLst>
                     <a:outerShdw dist="35921" dir="2700000" algn="ctr" rotWithShape="0">
                       <a:schemeClr val="bg2"/>
@@ -16291,7 +16291,7 @@
           <a:blip r:embed="rId3" cstate="print">
             <a:extLst>
               <a:ext uri="{28A0092B-C50C-407E-A947-70E740481C1C}">
-                <a14:useLocalDpi xmlns:a14="http://schemas.microsoft.com/office/drawing/2010/main" xmlns="" val="0"/>
+                <a14:useLocalDpi xmlns="" xmlns:a14="http://schemas.microsoft.com/office/drawing/2010/main" val="0"/>
               </a:ext>
             </a:extLst>
           </a:blip>
@@ -16314,14 +16314,14 @@
           </a:ln>
           <a:extLst>
             <a:ext uri="{909E8E84-426E-40DD-AFC4-6F175D3DCCD1}">
-              <a14:hiddenFill xmlns:a14="http://schemas.microsoft.com/office/drawing/2010/main" xmlns="">
+              <a14:hiddenFill xmlns="" xmlns:a14="http://schemas.microsoft.com/office/drawing/2010/main">
                 <a:solidFill>
                   <a:schemeClr val="accent1"/>
                 </a:solidFill>
               </a14:hiddenFill>
             </a:ext>
             <a:ext uri="{91240B29-F687-4F45-9708-019B960494DF}">
-              <a14:hiddenLine xmlns:a14="http://schemas.microsoft.com/office/drawing/2010/main" xmlns="" w="9525">
+              <a14:hiddenLine xmlns="" xmlns:a14="http://schemas.microsoft.com/office/drawing/2010/main" w="9525">
                 <a:solidFill>
                   <a:schemeClr val="tx1"/>
                 </a:solidFill>
@@ -16481,7 +16481,7 @@
     </p:spTree>
     <p:extLst>
       <p:ext uri="{BB962C8B-B14F-4D97-AF65-F5344CB8AC3E}">
-        <p14:creationId xmlns:p14="http://schemas.microsoft.com/office/powerpoint/2010/main" xmlns="" val="1365750035"/>
+        <p14:creationId xmlns="" xmlns:p14="http://schemas.microsoft.com/office/powerpoint/2010/main" val="1365750035"/>
       </p:ext>
     </p:extLst>
   </p:cSld>
@@ -16746,7 +16746,7 @@
             <a:effectLst/>
             <a:extLst>
               <a:ext uri="{AF507438-7753-43E0-B8FC-AC1667EBCBE1}">
-                <a14:hiddenEffects xmlns:a14="http://schemas.microsoft.com/office/drawing/2010/main" xmlns="">
+                <a14:hiddenEffects xmlns="" xmlns:a14="http://schemas.microsoft.com/office/drawing/2010/main">
                   <a:effectLst>
                     <a:outerShdw dist="35921" dir="2700000" algn="ctr" rotWithShape="0">
                       <a:schemeClr val="bg2"/>
@@ -16786,7 +16786,7 @@
             <a:effectLst/>
             <a:extLst>
               <a:ext uri="{AF507438-7753-43E0-B8FC-AC1667EBCBE1}">
-                <a14:hiddenEffects xmlns:a14="http://schemas.microsoft.com/office/drawing/2010/main" xmlns="">
+                <a14:hiddenEffects xmlns="" xmlns:a14="http://schemas.microsoft.com/office/drawing/2010/main">
                   <a:effectLst>
                     <a:outerShdw dist="35921" dir="2700000" algn="ctr" rotWithShape="0">
                       <a:schemeClr val="bg2"/>
@@ -16826,7 +16826,7 @@
             <a:effectLst/>
             <a:extLst>
               <a:ext uri="{AF507438-7753-43E0-B8FC-AC1667EBCBE1}">
-                <a14:hiddenEffects xmlns:a14="http://schemas.microsoft.com/office/drawing/2010/main" xmlns="">
+                <a14:hiddenEffects xmlns="" xmlns:a14="http://schemas.microsoft.com/office/drawing/2010/main">
                   <a:effectLst>
                     <a:outerShdw dist="35921" dir="2700000" algn="ctr" rotWithShape="0">
                       <a:schemeClr val="bg2"/>
@@ -16869,7 +16869,7 @@
             <a:effectLst/>
             <a:extLst>
               <a:ext uri="{AF507438-7753-43E0-B8FC-AC1667EBCBE1}">
-                <a14:hiddenEffects xmlns:a14="http://schemas.microsoft.com/office/drawing/2010/main" xmlns="">
+                <a14:hiddenEffects xmlns="" xmlns:a14="http://schemas.microsoft.com/office/drawing/2010/main">
                   <a:effectLst>
                     <a:outerShdw dist="35921" dir="2700000" algn="ctr" rotWithShape="0">
                       <a:schemeClr val="bg2"/>
@@ -17285,7 +17285,7 @@
           <a:blip r:embed="rId3" cstate="print">
             <a:extLst>
               <a:ext uri="{28A0092B-C50C-407E-A947-70E740481C1C}">
-                <a14:useLocalDpi xmlns:a14="http://schemas.microsoft.com/office/drawing/2010/main" xmlns="" val="0"/>
+                <a14:useLocalDpi xmlns="" xmlns:a14="http://schemas.microsoft.com/office/drawing/2010/main" val="0"/>
               </a:ext>
             </a:extLst>
           </a:blip>
@@ -17308,14 +17308,14 @@
           </a:ln>
           <a:extLst>
             <a:ext uri="{909E8E84-426E-40DD-AFC4-6F175D3DCCD1}">
-              <a14:hiddenFill xmlns:a14="http://schemas.microsoft.com/office/drawing/2010/main" xmlns="">
+              <a14:hiddenFill xmlns="" xmlns:a14="http://schemas.microsoft.com/office/drawing/2010/main">
                 <a:solidFill>
                   <a:schemeClr val="accent1"/>
                 </a:solidFill>
               </a14:hiddenFill>
             </a:ext>
             <a:ext uri="{91240B29-F687-4F45-9708-019B960494DF}">
-              <a14:hiddenLine xmlns:a14="http://schemas.microsoft.com/office/drawing/2010/main" xmlns="" w="9525">
+              <a14:hiddenLine xmlns="" xmlns:a14="http://schemas.microsoft.com/office/drawing/2010/main" w="9525">
                 <a:solidFill>
                   <a:schemeClr val="tx1"/>
                 </a:solidFill>
@@ -17620,7 +17620,7 @@
     </p:spTree>
     <p:extLst>
       <p:ext uri="{BB962C8B-B14F-4D97-AF65-F5344CB8AC3E}">
-        <p14:creationId xmlns:p14="http://schemas.microsoft.com/office/powerpoint/2010/main" xmlns="" val="895244554"/>
+        <p14:creationId xmlns="" xmlns:p14="http://schemas.microsoft.com/office/powerpoint/2010/main" val="895244554"/>
       </p:ext>
     </p:extLst>
   </p:cSld>
@@ -17885,7 +17885,7 @@
             <a:effectLst/>
             <a:extLst>
               <a:ext uri="{AF507438-7753-43E0-B8FC-AC1667EBCBE1}">
-                <a14:hiddenEffects xmlns:a14="http://schemas.microsoft.com/office/drawing/2010/main" xmlns="">
+                <a14:hiddenEffects xmlns="" xmlns:a14="http://schemas.microsoft.com/office/drawing/2010/main">
                   <a:effectLst>
                     <a:outerShdw dist="35921" dir="2700000" algn="ctr" rotWithShape="0">
                       <a:schemeClr val="bg2"/>
@@ -17925,7 +17925,7 @@
             <a:effectLst/>
             <a:extLst>
               <a:ext uri="{AF507438-7753-43E0-B8FC-AC1667EBCBE1}">
-                <a14:hiddenEffects xmlns:a14="http://schemas.microsoft.com/office/drawing/2010/main" xmlns="">
+                <a14:hiddenEffects xmlns="" xmlns:a14="http://schemas.microsoft.com/office/drawing/2010/main">
                   <a:effectLst>
                     <a:outerShdw dist="35921" dir="2700000" algn="ctr" rotWithShape="0">
                       <a:schemeClr val="bg2"/>
@@ -17965,7 +17965,7 @@
             <a:effectLst/>
             <a:extLst>
               <a:ext uri="{AF507438-7753-43E0-B8FC-AC1667EBCBE1}">
-                <a14:hiddenEffects xmlns:a14="http://schemas.microsoft.com/office/drawing/2010/main" xmlns="">
+                <a14:hiddenEffects xmlns="" xmlns:a14="http://schemas.microsoft.com/office/drawing/2010/main">
                   <a:effectLst>
                     <a:outerShdw dist="35921" dir="2700000" algn="ctr" rotWithShape="0">
                       <a:schemeClr val="bg2"/>
@@ -18008,7 +18008,7 @@
             <a:effectLst/>
             <a:extLst>
               <a:ext uri="{AF507438-7753-43E0-B8FC-AC1667EBCBE1}">
-                <a14:hiddenEffects xmlns:a14="http://schemas.microsoft.com/office/drawing/2010/main" xmlns="">
+                <a14:hiddenEffects xmlns="" xmlns:a14="http://schemas.microsoft.com/office/drawing/2010/main">
                   <a:effectLst>
                     <a:outerShdw dist="35921" dir="2700000" algn="ctr" rotWithShape="0">
                       <a:schemeClr val="bg2"/>
@@ -18430,7 +18430,7 @@
           <a:blip r:embed="rId3" cstate="print">
             <a:extLst>
               <a:ext uri="{28A0092B-C50C-407E-A947-70E740481C1C}">
-                <a14:useLocalDpi xmlns:a14="http://schemas.microsoft.com/office/drawing/2010/main" xmlns="" val="0"/>
+                <a14:useLocalDpi xmlns="" xmlns:a14="http://schemas.microsoft.com/office/drawing/2010/main" val="0"/>
               </a:ext>
             </a:extLst>
           </a:blip>
@@ -18453,14 +18453,14 @@
           </a:ln>
           <a:extLst>
             <a:ext uri="{909E8E84-426E-40DD-AFC4-6F175D3DCCD1}">
-              <a14:hiddenFill xmlns:a14="http://schemas.microsoft.com/office/drawing/2010/main" xmlns="">
+              <a14:hiddenFill xmlns="" xmlns:a14="http://schemas.microsoft.com/office/drawing/2010/main">
                 <a:solidFill>
                   <a:schemeClr val="accent1"/>
                 </a:solidFill>
               </a14:hiddenFill>
             </a:ext>
             <a:ext uri="{91240B29-F687-4F45-9708-019B960494DF}">
-              <a14:hiddenLine xmlns:a14="http://schemas.microsoft.com/office/drawing/2010/main" xmlns="" w="9525">
+              <a14:hiddenLine xmlns="" xmlns:a14="http://schemas.microsoft.com/office/drawing/2010/main" w="9525">
                 <a:solidFill>
                   <a:schemeClr val="tx1"/>
                 </a:solidFill>
@@ -18620,7 +18620,7 @@
     </p:spTree>
     <p:extLst>
       <p:ext uri="{BB962C8B-B14F-4D97-AF65-F5344CB8AC3E}">
-        <p14:creationId xmlns:p14="http://schemas.microsoft.com/office/powerpoint/2010/main" xmlns="" val="1532892768"/>
+        <p14:creationId xmlns="" xmlns:p14="http://schemas.microsoft.com/office/powerpoint/2010/main" val="1532892768"/>
       </p:ext>
     </p:extLst>
   </p:cSld>
@@ -18885,7 +18885,7 @@
             <a:effectLst/>
             <a:extLst>
               <a:ext uri="{AF507438-7753-43E0-B8FC-AC1667EBCBE1}">
-                <a14:hiddenEffects xmlns:a14="http://schemas.microsoft.com/office/drawing/2010/main" xmlns="">
+                <a14:hiddenEffects xmlns="" xmlns:a14="http://schemas.microsoft.com/office/drawing/2010/main">
                   <a:effectLst>
                     <a:outerShdw dist="35921" dir="2700000" algn="ctr" rotWithShape="0">
                       <a:schemeClr val="bg2"/>
@@ -18925,7 +18925,7 @@
             <a:effectLst/>
             <a:extLst>
               <a:ext uri="{AF507438-7753-43E0-B8FC-AC1667EBCBE1}">
-                <a14:hiddenEffects xmlns:a14="http://schemas.microsoft.com/office/drawing/2010/main" xmlns="">
+                <a14:hiddenEffects xmlns="" xmlns:a14="http://schemas.microsoft.com/office/drawing/2010/main">
                   <a:effectLst>
                     <a:outerShdw dist="35921" dir="2700000" algn="ctr" rotWithShape="0">
                       <a:schemeClr val="bg2"/>
@@ -18965,7 +18965,7 @@
             <a:effectLst/>
             <a:extLst>
               <a:ext uri="{AF507438-7753-43E0-B8FC-AC1667EBCBE1}">
-                <a14:hiddenEffects xmlns:a14="http://schemas.microsoft.com/office/drawing/2010/main" xmlns="">
+                <a14:hiddenEffects xmlns="" xmlns:a14="http://schemas.microsoft.com/office/drawing/2010/main">
                   <a:effectLst>
                     <a:outerShdw dist="35921" dir="2700000" algn="ctr" rotWithShape="0">
                       <a:schemeClr val="bg2"/>
@@ -19008,7 +19008,7 @@
             <a:effectLst/>
             <a:extLst>
               <a:ext uri="{AF507438-7753-43E0-B8FC-AC1667EBCBE1}">
-                <a14:hiddenEffects xmlns:a14="http://schemas.microsoft.com/office/drawing/2010/main" xmlns="">
+                <a14:hiddenEffects xmlns="" xmlns:a14="http://schemas.microsoft.com/office/drawing/2010/main">
                   <a:effectLst>
                     <a:outerShdw dist="35921" dir="2700000" algn="ctr" rotWithShape="0">
                       <a:schemeClr val="bg2"/>
@@ -19462,7 +19462,7 @@
           <a:blip r:embed="rId3" cstate="print">
             <a:extLst>
               <a:ext uri="{28A0092B-C50C-407E-A947-70E740481C1C}">
-                <a14:useLocalDpi xmlns:a14="http://schemas.microsoft.com/office/drawing/2010/main" xmlns="" val="0"/>
+                <a14:useLocalDpi xmlns="" xmlns:a14="http://schemas.microsoft.com/office/drawing/2010/main" val="0"/>
               </a:ext>
             </a:extLst>
           </a:blip>
@@ -19485,14 +19485,14 @@
           </a:ln>
           <a:extLst>
             <a:ext uri="{909E8E84-426E-40DD-AFC4-6F175D3DCCD1}">
-              <a14:hiddenFill xmlns:a14="http://schemas.microsoft.com/office/drawing/2010/main" xmlns="">
+              <a14:hiddenFill xmlns="" xmlns:a14="http://schemas.microsoft.com/office/drawing/2010/main">
                 <a:solidFill>
                   <a:schemeClr val="accent1"/>
                 </a:solidFill>
               </a14:hiddenFill>
             </a:ext>
             <a:ext uri="{91240B29-F687-4F45-9708-019B960494DF}">
-              <a14:hiddenLine xmlns:a14="http://schemas.microsoft.com/office/drawing/2010/main" xmlns="" w="9525">
+              <a14:hiddenLine xmlns="" xmlns:a14="http://schemas.microsoft.com/office/drawing/2010/main" w="9525">
                 <a:solidFill>
                   <a:schemeClr val="tx1"/>
                 </a:solidFill>
@@ -19790,7 +19790,7 @@
     </p:spTree>
     <p:extLst>
       <p:ext uri="{BB962C8B-B14F-4D97-AF65-F5344CB8AC3E}">
-        <p14:creationId xmlns:p14="http://schemas.microsoft.com/office/powerpoint/2010/main" xmlns="" val="3680518366"/>
+        <p14:creationId xmlns="" xmlns:p14="http://schemas.microsoft.com/office/powerpoint/2010/main" val="3680518366"/>
       </p:ext>
     </p:extLst>
   </p:cSld>
@@ -20055,7 +20055,7 @@
             <a:effectLst/>
             <a:extLst>
               <a:ext uri="{AF507438-7753-43E0-B8FC-AC1667EBCBE1}">
-                <a14:hiddenEffects xmlns:a14="http://schemas.microsoft.com/office/drawing/2010/main" xmlns="">
+                <a14:hiddenEffects xmlns="" xmlns:a14="http://schemas.microsoft.com/office/drawing/2010/main">
                   <a:effectLst>
                     <a:outerShdw dist="35921" dir="2700000" algn="ctr" rotWithShape="0">
                       <a:schemeClr val="bg2"/>
@@ -20095,7 +20095,7 @@
             <a:effectLst/>
             <a:extLst>
               <a:ext uri="{AF507438-7753-43E0-B8FC-AC1667EBCBE1}">
-                <a14:hiddenEffects xmlns:a14="http://schemas.microsoft.com/office/drawing/2010/main" xmlns="">
+                <a14:hiddenEffects xmlns="" xmlns:a14="http://schemas.microsoft.com/office/drawing/2010/main">
                   <a:effectLst>
                     <a:outerShdw dist="35921" dir="2700000" algn="ctr" rotWithShape="0">
                       <a:schemeClr val="bg2"/>
@@ -20135,7 +20135,7 @@
             <a:effectLst/>
             <a:extLst>
               <a:ext uri="{AF507438-7753-43E0-B8FC-AC1667EBCBE1}">
-                <a14:hiddenEffects xmlns:a14="http://schemas.microsoft.com/office/drawing/2010/main" xmlns="">
+                <a14:hiddenEffects xmlns="" xmlns:a14="http://schemas.microsoft.com/office/drawing/2010/main">
                   <a:effectLst>
                     <a:outerShdw dist="35921" dir="2700000" algn="ctr" rotWithShape="0">
                       <a:schemeClr val="bg2"/>
@@ -20178,7 +20178,7 @@
             <a:effectLst/>
             <a:extLst>
               <a:ext uri="{AF507438-7753-43E0-B8FC-AC1667EBCBE1}">
-                <a14:hiddenEffects xmlns:a14="http://schemas.microsoft.com/office/drawing/2010/main" xmlns="">
+                <a14:hiddenEffects xmlns="" xmlns:a14="http://schemas.microsoft.com/office/drawing/2010/main">
                   <a:effectLst>
                     <a:outerShdw dist="35921" dir="2700000" algn="ctr" rotWithShape="0">
                       <a:schemeClr val="bg2"/>
@@ -20421,7 +20421,7 @@
           <a:blip r:embed="rId2" cstate="print">
             <a:extLst>
               <a:ext uri="{28A0092B-C50C-407E-A947-70E740481C1C}">
-                <a14:useLocalDpi xmlns:a14="http://schemas.microsoft.com/office/drawing/2010/main" xmlns="" val="0"/>
+                <a14:useLocalDpi xmlns="" xmlns:a14="http://schemas.microsoft.com/office/drawing/2010/main" val="0"/>
               </a:ext>
             </a:extLst>
           </a:blip>
@@ -20444,14 +20444,14 @@
           </a:ln>
           <a:extLst>
             <a:ext uri="{909E8E84-426E-40DD-AFC4-6F175D3DCCD1}">
-              <a14:hiddenFill xmlns:a14="http://schemas.microsoft.com/office/drawing/2010/main" xmlns="">
+              <a14:hiddenFill xmlns="" xmlns:a14="http://schemas.microsoft.com/office/drawing/2010/main">
                 <a:solidFill>
                   <a:schemeClr val="accent1"/>
                 </a:solidFill>
               </a14:hiddenFill>
             </a:ext>
             <a:ext uri="{91240B29-F687-4F45-9708-019B960494DF}">
-              <a14:hiddenLine xmlns:a14="http://schemas.microsoft.com/office/drawing/2010/main" xmlns="" w="9525">
+              <a14:hiddenLine xmlns="" xmlns:a14="http://schemas.microsoft.com/office/drawing/2010/main" w="9525">
                 <a:solidFill>
                   <a:schemeClr val="tx1"/>
                 </a:solidFill>
@@ -20475,7 +20475,7 @@
           <a:blip r:embed="rId3" cstate="print">
             <a:extLst>
               <a:ext uri="{28A0092B-C50C-407E-A947-70E740481C1C}">
-                <a14:useLocalDpi xmlns:a14="http://schemas.microsoft.com/office/drawing/2010/main" xmlns="" val="0"/>
+                <a14:useLocalDpi xmlns="" xmlns:a14="http://schemas.microsoft.com/office/drawing/2010/main" val="0"/>
               </a:ext>
             </a:extLst>
           </a:blip>
@@ -20498,14 +20498,14 @@
           </a:ln>
           <a:extLst>
             <a:ext uri="{909E8E84-426E-40DD-AFC4-6F175D3DCCD1}">
-              <a14:hiddenFill xmlns:a14="http://schemas.microsoft.com/office/drawing/2010/main" xmlns="">
+              <a14:hiddenFill xmlns="" xmlns:a14="http://schemas.microsoft.com/office/drawing/2010/main">
                 <a:solidFill>
                   <a:schemeClr val="accent1"/>
                 </a:solidFill>
               </a14:hiddenFill>
             </a:ext>
             <a:ext uri="{91240B29-F687-4F45-9708-019B960494DF}">
-              <a14:hiddenLine xmlns:a14="http://schemas.microsoft.com/office/drawing/2010/main" xmlns="" w="9525">
+              <a14:hiddenLine xmlns="" xmlns:a14="http://schemas.microsoft.com/office/drawing/2010/main" w="9525">
                 <a:solidFill>
                   <a:schemeClr val="tx1"/>
                 </a:solidFill>
@@ -20674,7 +20674,7 @@
           <a:effectLst/>
           <a:extLst>
             <a:ext uri="{AF507438-7753-43E0-B8FC-AC1667EBCBE1}">
-              <a14:hiddenEffects xmlns:a14="http://schemas.microsoft.com/office/drawing/2010/main" xmlns="">
+              <a14:hiddenEffects xmlns="" xmlns:a14="http://schemas.microsoft.com/office/drawing/2010/main">
                 <a:effectLst>
                   <a:outerShdw dist="35921" dir="2700000" algn="ctr" rotWithShape="0">
                     <a:schemeClr val="bg2"/>
@@ -20857,7 +20857,7 @@
           <a:blip r:embed="rId4" cstate="print">
             <a:extLst>
               <a:ext uri="{28A0092B-C50C-407E-A947-70E740481C1C}">
-                <a14:useLocalDpi xmlns:a14="http://schemas.microsoft.com/office/drawing/2010/main" xmlns="" val="0"/>
+                <a14:useLocalDpi xmlns="" xmlns:a14="http://schemas.microsoft.com/office/drawing/2010/main" val="0"/>
               </a:ext>
             </a:extLst>
           </a:blip>
@@ -20880,14 +20880,14 @@
           </a:ln>
           <a:extLst>
             <a:ext uri="{909E8E84-426E-40DD-AFC4-6F175D3DCCD1}">
-              <a14:hiddenFill xmlns:a14="http://schemas.microsoft.com/office/drawing/2010/main" xmlns="">
+              <a14:hiddenFill xmlns="" xmlns:a14="http://schemas.microsoft.com/office/drawing/2010/main">
                 <a:solidFill>
                   <a:schemeClr val="accent1"/>
                 </a:solidFill>
               </a14:hiddenFill>
             </a:ext>
             <a:ext uri="{91240B29-F687-4F45-9708-019B960494DF}">
-              <a14:hiddenLine xmlns:a14="http://schemas.microsoft.com/office/drawing/2010/main" xmlns="" w="9525">
+              <a14:hiddenLine xmlns="" xmlns:a14="http://schemas.microsoft.com/office/drawing/2010/main" w="9525">
                 <a:solidFill>
                   <a:schemeClr val="tx1"/>
                 </a:solidFill>
@@ -20911,7 +20911,7 @@
           <a:blip r:embed="rId5" cstate="print">
             <a:extLst>
               <a:ext uri="{28A0092B-C50C-407E-A947-70E740481C1C}">
-                <a14:useLocalDpi xmlns:a14="http://schemas.microsoft.com/office/drawing/2010/main" xmlns="" val="0"/>
+                <a14:useLocalDpi xmlns="" xmlns:a14="http://schemas.microsoft.com/office/drawing/2010/main" val="0"/>
               </a:ext>
             </a:extLst>
           </a:blip>
@@ -20934,14 +20934,14 @@
           </a:ln>
           <a:extLst>
             <a:ext uri="{909E8E84-426E-40DD-AFC4-6F175D3DCCD1}">
-              <a14:hiddenFill xmlns:a14="http://schemas.microsoft.com/office/drawing/2010/main" xmlns="">
+              <a14:hiddenFill xmlns="" xmlns:a14="http://schemas.microsoft.com/office/drawing/2010/main">
                 <a:solidFill>
                   <a:schemeClr val="accent1"/>
                 </a:solidFill>
               </a14:hiddenFill>
             </a:ext>
             <a:ext uri="{91240B29-F687-4F45-9708-019B960494DF}">
-              <a14:hiddenLine xmlns:a14="http://schemas.microsoft.com/office/drawing/2010/main" xmlns="" w="9525">
+              <a14:hiddenLine xmlns="" xmlns:a14="http://schemas.microsoft.com/office/drawing/2010/main" w="9525">
                 <a:solidFill>
                   <a:schemeClr val="tx1"/>
                 </a:solidFill>
@@ -21233,7 +21233,7 @@
           <a:blip r:embed="rId6" cstate="print">
             <a:extLst>
               <a:ext uri="{28A0092B-C50C-407E-A947-70E740481C1C}">
-                <a14:useLocalDpi xmlns:a14="http://schemas.microsoft.com/office/drawing/2010/main" xmlns="" val="0"/>
+                <a14:useLocalDpi xmlns="" xmlns:a14="http://schemas.microsoft.com/office/drawing/2010/main" val="0"/>
               </a:ext>
             </a:extLst>
           </a:blip>
@@ -21256,14 +21256,14 @@
           </a:ln>
           <a:extLst>
             <a:ext uri="{909E8E84-426E-40DD-AFC4-6F175D3DCCD1}">
-              <a14:hiddenFill xmlns:a14="http://schemas.microsoft.com/office/drawing/2010/main" xmlns="">
+              <a14:hiddenFill xmlns="" xmlns:a14="http://schemas.microsoft.com/office/drawing/2010/main">
                 <a:solidFill>
                   <a:schemeClr val="accent1"/>
                 </a:solidFill>
               </a14:hiddenFill>
             </a:ext>
             <a:ext uri="{91240B29-F687-4F45-9708-019B960494DF}">
-              <a14:hiddenLine xmlns:a14="http://schemas.microsoft.com/office/drawing/2010/main" xmlns="" w="9525">
+              <a14:hiddenLine xmlns="" xmlns:a14="http://schemas.microsoft.com/office/drawing/2010/main" w="9525">
                 <a:solidFill>
                   <a:schemeClr val="tx1"/>
                 </a:solidFill>
@@ -21432,7 +21432,7 @@
           <a:blip r:embed="rId7" cstate="print">
             <a:extLst>
               <a:ext uri="{28A0092B-C50C-407E-A947-70E740481C1C}">
-                <a14:useLocalDpi xmlns:a14="http://schemas.microsoft.com/office/drawing/2010/main" xmlns="" val="0"/>
+                <a14:useLocalDpi xmlns="" xmlns:a14="http://schemas.microsoft.com/office/drawing/2010/main" val="0"/>
               </a:ext>
             </a:extLst>
           </a:blip>
@@ -21455,14 +21455,14 @@
           </a:ln>
           <a:extLst>
             <a:ext uri="{909E8E84-426E-40DD-AFC4-6F175D3DCCD1}">
-              <a14:hiddenFill xmlns:a14="http://schemas.microsoft.com/office/drawing/2010/main" xmlns="">
+              <a14:hiddenFill xmlns="" xmlns:a14="http://schemas.microsoft.com/office/drawing/2010/main">
                 <a:solidFill>
                   <a:schemeClr val="accent1"/>
                 </a:solidFill>
               </a14:hiddenFill>
             </a:ext>
             <a:ext uri="{91240B29-F687-4F45-9708-019B960494DF}">
-              <a14:hiddenLine xmlns:a14="http://schemas.microsoft.com/office/drawing/2010/main" xmlns="" w="9525">
+              <a14:hiddenLine xmlns="" xmlns:a14="http://schemas.microsoft.com/office/drawing/2010/main" w="9525">
                 <a:solidFill>
                   <a:schemeClr val="tx1"/>
                 </a:solidFill>
@@ -21633,7 +21633,7 @@
           <a:effectLst/>
           <a:extLst>
             <a:ext uri="{AF507438-7753-43E0-B8FC-AC1667EBCBE1}">
-              <a14:hiddenEffects xmlns:a14="http://schemas.microsoft.com/office/drawing/2010/main" xmlns="">
+              <a14:hiddenEffects xmlns="" xmlns:a14="http://schemas.microsoft.com/office/drawing/2010/main">
                 <a:effectLst>
                   <a:outerShdw dist="35921" dir="2700000" algn="ctr" rotWithShape="0">
                     <a:schemeClr val="bg2"/>
@@ -21695,11 +21695,7 @@
             </a:r>
             <a:r>
               <a:rPr lang="ko-KR" altLang="en-US" sz="3200" dirty="0" smtClean="0"/>
-              <a:t>완</a:t>
-            </a:r>
-            <a:r>
-              <a:rPr lang="ko-KR" altLang="en-US" sz="3200" dirty="0" smtClean="0"/>
-              <a:t>료</a:t>
+              <a:t>완료</a:t>
             </a:r>
             <a:endParaRPr kumimoji="0" lang="ko-KR" altLang="en-US" sz="3200" b="0" i="0" u="none" strike="noStrike" cap="none" normalizeH="0" baseline="0" dirty="0" smtClean="0">
               <a:ln>
@@ -21717,7 +21713,7 @@
     </p:spTree>
     <p:extLst>
       <p:ext uri="{BB962C8B-B14F-4D97-AF65-F5344CB8AC3E}">
-        <p14:creationId xmlns:p14="http://schemas.microsoft.com/office/powerpoint/2010/main" xmlns="" val="2566599230"/>
+        <p14:creationId xmlns="" xmlns:p14="http://schemas.microsoft.com/office/powerpoint/2010/main" val="2566599230"/>
       </p:ext>
     </p:extLst>
   </p:cSld>
@@ -21982,7 +21978,7 @@
             <a:effectLst/>
             <a:extLst>
               <a:ext uri="{AF507438-7753-43E0-B8FC-AC1667EBCBE1}">
-                <a14:hiddenEffects xmlns:a14="http://schemas.microsoft.com/office/drawing/2010/main" xmlns="">
+                <a14:hiddenEffects xmlns="" xmlns:a14="http://schemas.microsoft.com/office/drawing/2010/main">
                   <a:effectLst>
                     <a:outerShdw dist="35921" dir="2700000" algn="ctr" rotWithShape="0">
                       <a:schemeClr val="bg2"/>
@@ -22022,7 +22018,7 @@
             <a:effectLst/>
             <a:extLst>
               <a:ext uri="{AF507438-7753-43E0-B8FC-AC1667EBCBE1}">
-                <a14:hiddenEffects xmlns:a14="http://schemas.microsoft.com/office/drawing/2010/main" xmlns="">
+                <a14:hiddenEffects xmlns="" xmlns:a14="http://schemas.microsoft.com/office/drawing/2010/main">
                   <a:effectLst>
                     <a:outerShdw dist="35921" dir="2700000" algn="ctr" rotWithShape="0">
                       <a:schemeClr val="bg2"/>
@@ -22062,7 +22058,7 @@
             <a:effectLst/>
             <a:extLst>
               <a:ext uri="{AF507438-7753-43E0-B8FC-AC1667EBCBE1}">
-                <a14:hiddenEffects xmlns:a14="http://schemas.microsoft.com/office/drawing/2010/main" xmlns="">
+                <a14:hiddenEffects xmlns="" xmlns:a14="http://schemas.microsoft.com/office/drawing/2010/main">
                   <a:effectLst>
                     <a:outerShdw dist="35921" dir="2700000" algn="ctr" rotWithShape="0">
                       <a:schemeClr val="bg2"/>
@@ -22105,7 +22101,7 @@
             <a:effectLst/>
             <a:extLst>
               <a:ext uri="{AF507438-7753-43E0-B8FC-AC1667EBCBE1}">
-                <a14:hiddenEffects xmlns:a14="http://schemas.microsoft.com/office/drawing/2010/main" xmlns="">
+                <a14:hiddenEffects xmlns="" xmlns:a14="http://schemas.microsoft.com/office/drawing/2010/main">
                   <a:effectLst>
                     <a:outerShdw dist="35921" dir="2700000" algn="ctr" rotWithShape="0">
                       <a:schemeClr val="bg2"/>
@@ -22679,7 +22675,7 @@
           <a:blip r:embed="rId3" cstate="print">
             <a:extLst>
               <a:ext uri="{28A0092B-C50C-407E-A947-70E740481C1C}">
-                <a14:useLocalDpi xmlns:a14="http://schemas.microsoft.com/office/drawing/2010/main" xmlns="" val="0"/>
+                <a14:useLocalDpi xmlns="" xmlns:a14="http://schemas.microsoft.com/office/drawing/2010/main" val="0"/>
               </a:ext>
             </a:extLst>
           </a:blip>
@@ -22702,14 +22698,14 @@
           </a:ln>
           <a:extLst>
             <a:ext uri="{909E8E84-426E-40DD-AFC4-6F175D3DCCD1}">
-              <a14:hiddenFill xmlns:a14="http://schemas.microsoft.com/office/drawing/2010/main" xmlns="">
+              <a14:hiddenFill xmlns="" xmlns:a14="http://schemas.microsoft.com/office/drawing/2010/main">
                 <a:solidFill>
                   <a:schemeClr val="accent1"/>
                 </a:solidFill>
               </a14:hiddenFill>
             </a:ext>
             <a:ext uri="{91240B29-F687-4F45-9708-019B960494DF}">
-              <a14:hiddenLine xmlns:a14="http://schemas.microsoft.com/office/drawing/2010/main" xmlns="" w="9525">
+              <a14:hiddenLine xmlns="" xmlns:a14="http://schemas.microsoft.com/office/drawing/2010/main" w="9525">
                 <a:solidFill>
                   <a:schemeClr val="tx1"/>
                 </a:solidFill>
@@ -23218,7 +23214,7 @@
           <a:blip r:embed="rId4" cstate="print">
             <a:extLst>
               <a:ext uri="{28A0092B-C50C-407E-A947-70E740481C1C}">
-                <a14:useLocalDpi xmlns:a14="http://schemas.microsoft.com/office/drawing/2010/main" xmlns="" val="0"/>
+                <a14:useLocalDpi xmlns="" xmlns:a14="http://schemas.microsoft.com/office/drawing/2010/main" val="0"/>
               </a:ext>
             </a:extLst>
           </a:blip>
@@ -23246,7 +23242,7 @@
           </a:ln>
           <a:extLst>
             <a:ext uri="{909E8E84-426E-40DD-AFC4-6F175D3DCCD1}">
-              <a14:hiddenFill xmlns:a14="http://schemas.microsoft.com/office/drawing/2010/main" xmlns="">
+              <a14:hiddenFill xmlns="" xmlns:a14="http://schemas.microsoft.com/office/drawing/2010/main">
                 <a:solidFill>
                   <a:schemeClr val="accent1"/>
                 </a:solidFill>
@@ -23541,7 +23537,7 @@
     </p:spTree>
     <p:extLst>
       <p:ext uri="{BB962C8B-B14F-4D97-AF65-F5344CB8AC3E}">
-        <p14:creationId xmlns:p14="http://schemas.microsoft.com/office/powerpoint/2010/main" xmlns="" val="204687591"/>
+        <p14:creationId xmlns="" xmlns:p14="http://schemas.microsoft.com/office/powerpoint/2010/main" val="204687591"/>
       </p:ext>
     </p:extLst>
   </p:cSld>
@@ -23806,7 +23802,7 @@
             <a:effectLst/>
             <a:extLst>
               <a:ext uri="{AF507438-7753-43E0-B8FC-AC1667EBCBE1}">
-                <a14:hiddenEffects xmlns:a14="http://schemas.microsoft.com/office/drawing/2010/main" xmlns="">
+                <a14:hiddenEffects xmlns="" xmlns:a14="http://schemas.microsoft.com/office/drawing/2010/main">
                   <a:effectLst>
                     <a:outerShdw dist="35921" dir="2700000" algn="ctr" rotWithShape="0">
                       <a:schemeClr val="bg2"/>
@@ -23846,7 +23842,7 @@
             <a:effectLst/>
             <a:extLst>
               <a:ext uri="{AF507438-7753-43E0-B8FC-AC1667EBCBE1}">
-                <a14:hiddenEffects xmlns:a14="http://schemas.microsoft.com/office/drawing/2010/main" xmlns="">
+                <a14:hiddenEffects xmlns="" xmlns:a14="http://schemas.microsoft.com/office/drawing/2010/main">
                   <a:effectLst>
                     <a:outerShdw dist="35921" dir="2700000" algn="ctr" rotWithShape="0">
                       <a:schemeClr val="bg2"/>
@@ -23886,7 +23882,7 @@
             <a:effectLst/>
             <a:extLst>
               <a:ext uri="{AF507438-7753-43E0-B8FC-AC1667EBCBE1}">
-                <a14:hiddenEffects xmlns:a14="http://schemas.microsoft.com/office/drawing/2010/main" xmlns="">
+                <a14:hiddenEffects xmlns="" xmlns:a14="http://schemas.microsoft.com/office/drawing/2010/main">
                   <a:effectLst>
                     <a:outerShdw dist="35921" dir="2700000" algn="ctr" rotWithShape="0">
                       <a:schemeClr val="bg2"/>
@@ -23929,7 +23925,7 @@
             <a:effectLst/>
             <a:extLst>
               <a:ext uri="{AF507438-7753-43E0-B8FC-AC1667EBCBE1}">
-                <a14:hiddenEffects xmlns:a14="http://schemas.microsoft.com/office/drawing/2010/main" xmlns="">
+                <a14:hiddenEffects xmlns="" xmlns:a14="http://schemas.microsoft.com/office/drawing/2010/main">
                   <a:effectLst>
                     <a:outerShdw dist="35921" dir="2700000" algn="ctr" rotWithShape="0">
                       <a:schemeClr val="bg2"/>
@@ -24372,7 +24368,7 @@
           <a:blip r:embed="rId3" cstate="print">
             <a:extLst>
               <a:ext uri="{28A0092B-C50C-407E-A947-70E740481C1C}">
-                <a14:useLocalDpi xmlns:a14="http://schemas.microsoft.com/office/drawing/2010/main" xmlns="" val="0"/>
+                <a14:useLocalDpi xmlns="" xmlns:a14="http://schemas.microsoft.com/office/drawing/2010/main" val="0"/>
               </a:ext>
             </a:extLst>
           </a:blip>
@@ -24395,14 +24391,14 @@
           </a:ln>
           <a:extLst>
             <a:ext uri="{909E8E84-426E-40DD-AFC4-6F175D3DCCD1}">
-              <a14:hiddenFill xmlns:a14="http://schemas.microsoft.com/office/drawing/2010/main" xmlns="">
+              <a14:hiddenFill xmlns="" xmlns:a14="http://schemas.microsoft.com/office/drawing/2010/main">
                 <a:solidFill>
                   <a:schemeClr val="accent1"/>
                 </a:solidFill>
               </a14:hiddenFill>
             </a:ext>
             <a:ext uri="{91240B29-F687-4F45-9708-019B960494DF}">
-              <a14:hiddenLine xmlns:a14="http://schemas.microsoft.com/office/drawing/2010/main" xmlns="" w="9525">
+              <a14:hiddenLine xmlns="" xmlns:a14="http://schemas.microsoft.com/office/drawing/2010/main" w="9525">
                 <a:solidFill>
                   <a:schemeClr val="tx1"/>
                 </a:solidFill>
@@ -24707,7 +24703,7 @@
     </p:spTree>
     <p:extLst>
       <p:ext uri="{BB962C8B-B14F-4D97-AF65-F5344CB8AC3E}">
-        <p14:creationId xmlns:p14="http://schemas.microsoft.com/office/powerpoint/2010/main" xmlns="" val="850629866"/>
+        <p14:creationId xmlns="" xmlns:p14="http://schemas.microsoft.com/office/powerpoint/2010/main" val="850629866"/>
       </p:ext>
     </p:extLst>
   </p:cSld>
@@ -24972,7 +24968,7 @@
             <a:effectLst/>
             <a:extLst>
               <a:ext uri="{AF507438-7753-43E0-B8FC-AC1667EBCBE1}">
-                <a14:hiddenEffects xmlns:a14="http://schemas.microsoft.com/office/drawing/2010/main" xmlns="">
+                <a14:hiddenEffects xmlns="" xmlns:a14="http://schemas.microsoft.com/office/drawing/2010/main">
                   <a:effectLst>
                     <a:outerShdw dist="35921" dir="2700000" algn="ctr" rotWithShape="0">
                       <a:schemeClr val="bg2"/>
@@ -25012,7 +25008,7 @@
             <a:effectLst/>
             <a:extLst>
               <a:ext uri="{AF507438-7753-43E0-B8FC-AC1667EBCBE1}">
-                <a14:hiddenEffects xmlns:a14="http://schemas.microsoft.com/office/drawing/2010/main" xmlns="">
+                <a14:hiddenEffects xmlns="" xmlns:a14="http://schemas.microsoft.com/office/drawing/2010/main">
                   <a:effectLst>
                     <a:outerShdw dist="35921" dir="2700000" algn="ctr" rotWithShape="0">
                       <a:schemeClr val="bg2"/>
@@ -25052,7 +25048,7 @@
             <a:effectLst/>
             <a:extLst>
               <a:ext uri="{AF507438-7753-43E0-B8FC-AC1667EBCBE1}">
-                <a14:hiddenEffects xmlns:a14="http://schemas.microsoft.com/office/drawing/2010/main" xmlns="">
+                <a14:hiddenEffects xmlns="" xmlns:a14="http://schemas.microsoft.com/office/drawing/2010/main">
                   <a:effectLst>
                     <a:outerShdw dist="35921" dir="2700000" algn="ctr" rotWithShape="0">
                       <a:schemeClr val="bg2"/>
@@ -25095,7 +25091,7 @@
             <a:effectLst/>
             <a:extLst>
               <a:ext uri="{AF507438-7753-43E0-B8FC-AC1667EBCBE1}">
-                <a14:hiddenEffects xmlns:a14="http://schemas.microsoft.com/office/drawing/2010/main" xmlns="">
+                <a14:hiddenEffects xmlns="" xmlns:a14="http://schemas.microsoft.com/office/drawing/2010/main">
                   <a:effectLst>
                     <a:outerShdw dist="35921" dir="2700000" algn="ctr" rotWithShape="0">
                       <a:schemeClr val="bg2"/>
@@ -25496,7 +25492,7 @@
           <a:blip r:embed="rId3" cstate="print">
             <a:extLst>
               <a:ext uri="{28A0092B-C50C-407E-A947-70E740481C1C}">
-                <a14:useLocalDpi xmlns:a14="http://schemas.microsoft.com/office/drawing/2010/main" xmlns="" val="0"/>
+                <a14:useLocalDpi xmlns="" xmlns:a14="http://schemas.microsoft.com/office/drawing/2010/main" val="0"/>
               </a:ext>
             </a:extLst>
           </a:blip>
@@ -25519,14 +25515,14 @@
           </a:ln>
           <a:extLst>
             <a:ext uri="{909E8E84-426E-40DD-AFC4-6F175D3DCCD1}">
-              <a14:hiddenFill xmlns:a14="http://schemas.microsoft.com/office/drawing/2010/main" xmlns="">
+              <a14:hiddenFill xmlns="" xmlns:a14="http://schemas.microsoft.com/office/drawing/2010/main">
                 <a:solidFill>
                   <a:schemeClr val="accent1"/>
                 </a:solidFill>
               </a14:hiddenFill>
             </a:ext>
             <a:ext uri="{91240B29-F687-4F45-9708-019B960494DF}">
-              <a14:hiddenLine xmlns:a14="http://schemas.microsoft.com/office/drawing/2010/main" xmlns="" w="9525">
+              <a14:hiddenLine xmlns="" xmlns:a14="http://schemas.microsoft.com/office/drawing/2010/main" w="9525">
                 <a:solidFill>
                   <a:schemeClr val="tx1"/>
                 </a:solidFill>
@@ -25962,7 +25958,7 @@
     </p:spTree>
     <p:extLst>
       <p:ext uri="{BB962C8B-B14F-4D97-AF65-F5344CB8AC3E}">
-        <p14:creationId xmlns:p14="http://schemas.microsoft.com/office/powerpoint/2010/main" xmlns="" val="3227897207"/>
+        <p14:creationId xmlns="" xmlns:p14="http://schemas.microsoft.com/office/powerpoint/2010/main" val="3227897207"/>
       </p:ext>
     </p:extLst>
   </p:cSld>
@@ -26227,7 +26223,7 @@
             <a:effectLst/>
             <a:extLst>
               <a:ext uri="{AF507438-7753-43E0-B8FC-AC1667EBCBE1}">
-                <a14:hiddenEffects xmlns:a14="http://schemas.microsoft.com/office/drawing/2010/main" xmlns="">
+                <a14:hiddenEffects xmlns="" xmlns:a14="http://schemas.microsoft.com/office/drawing/2010/main">
                   <a:effectLst>
                     <a:outerShdw dist="35921" dir="2700000" algn="ctr" rotWithShape="0">
                       <a:schemeClr val="bg2"/>
@@ -26267,7 +26263,7 @@
             <a:effectLst/>
             <a:extLst>
               <a:ext uri="{AF507438-7753-43E0-B8FC-AC1667EBCBE1}">
-                <a14:hiddenEffects xmlns:a14="http://schemas.microsoft.com/office/drawing/2010/main" xmlns="">
+                <a14:hiddenEffects xmlns="" xmlns:a14="http://schemas.microsoft.com/office/drawing/2010/main">
                   <a:effectLst>
                     <a:outerShdw dist="35921" dir="2700000" algn="ctr" rotWithShape="0">
                       <a:schemeClr val="bg2"/>
@@ -26307,7 +26303,7 @@
             <a:effectLst/>
             <a:extLst>
               <a:ext uri="{AF507438-7753-43E0-B8FC-AC1667EBCBE1}">
-                <a14:hiddenEffects xmlns:a14="http://schemas.microsoft.com/office/drawing/2010/main" xmlns="">
+                <a14:hiddenEffects xmlns="" xmlns:a14="http://schemas.microsoft.com/office/drawing/2010/main">
                   <a:effectLst>
                     <a:outerShdw dist="35921" dir="2700000" algn="ctr" rotWithShape="0">
                       <a:schemeClr val="bg2"/>
@@ -26350,7 +26346,7 @@
             <a:effectLst/>
             <a:extLst>
               <a:ext uri="{AF507438-7753-43E0-B8FC-AC1667EBCBE1}">
-                <a14:hiddenEffects xmlns:a14="http://schemas.microsoft.com/office/drawing/2010/main" xmlns="">
+                <a14:hiddenEffects xmlns="" xmlns:a14="http://schemas.microsoft.com/office/drawing/2010/main">
                   <a:effectLst>
                     <a:outerShdw dist="35921" dir="2700000" algn="ctr" rotWithShape="0">
                       <a:schemeClr val="bg2"/>
@@ -26693,7 +26689,7 @@
           <a:blip r:embed="rId3" cstate="print">
             <a:extLst>
               <a:ext uri="{28A0092B-C50C-407E-A947-70E740481C1C}">
-                <a14:useLocalDpi xmlns:a14="http://schemas.microsoft.com/office/drawing/2010/main" xmlns="" val="0"/>
+                <a14:useLocalDpi xmlns="" xmlns:a14="http://schemas.microsoft.com/office/drawing/2010/main" val="0"/>
               </a:ext>
             </a:extLst>
           </a:blip>
@@ -26716,14 +26712,14 @@
           </a:ln>
           <a:extLst>
             <a:ext uri="{909E8E84-426E-40DD-AFC4-6F175D3DCCD1}">
-              <a14:hiddenFill xmlns:a14="http://schemas.microsoft.com/office/drawing/2010/main" xmlns="">
+              <a14:hiddenFill xmlns="" xmlns:a14="http://schemas.microsoft.com/office/drawing/2010/main">
                 <a:solidFill>
                   <a:schemeClr val="accent1"/>
                 </a:solidFill>
               </a14:hiddenFill>
             </a:ext>
             <a:ext uri="{91240B29-F687-4F45-9708-019B960494DF}">
-              <a14:hiddenLine xmlns:a14="http://schemas.microsoft.com/office/drawing/2010/main" xmlns="" w="9525">
+              <a14:hiddenLine xmlns="" xmlns:a14="http://schemas.microsoft.com/office/drawing/2010/main" w="9525">
                 <a:solidFill>
                   <a:schemeClr val="tx1"/>
                 </a:solidFill>
@@ -26883,7 +26879,7 @@
     </p:spTree>
     <p:extLst>
       <p:ext uri="{BB962C8B-B14F-4D97-AF65-F5344CB8AC3E}">
-        <p14:creationId xmlns:p14="http://schemas.microsoft.com/office/powerpoint/2010/main" xmlns="" val="3782649962"/>
+        <p14:creationId xmlns="" xmlns:p14="http://schemas.microsoft.com/office/powerpoint/2010/main" val="3782649962"/>
       </p:ext>
     </p:extLst>
   </p:cSld>
@@ -27148,7 +27144,7 @@
             <a:effectLst/>
             <a:extLst>
               <a:ext uri="{AF507438-7753-43E0-B8FC-AC1667EBCBE1}">
-                <a14:hiddenEffects xmlns:a14="http://schemas.microsoft.com/office/drawing/2010/main" xmlns="">
+                <a14:hiddenEffects xmlns="" xmlns:a14="http://schemas.microsoft.com/office/drawing/2010/main">
                   <a:effectLst>
                     <a:outerShdw dist="35921" dir="2700000" algn="ctr" rotWithShape="0">
                       <a:schemeClr val="bg2"/>
@@ -27188,7 +27184,7 @@
             <a:effectLst/>
             <a:extLst>
               <a:ext uri="{AF507438-7753-43E0-B8FC-AC1667EBCBE1}">
-                <a14:hiddenEffects xmlns:a14="http://schemas.microsoft.com/office/drawing/2010/main" xmlns="">
+                <a14:hiddenEffects xmlns="" xmlns:a14="http://schemas.microsoft.com/office/drawing/2010/main">
                   <a:effectLst>
                     <a:outerShdw dist="35921" dir="2700000" algn="ctr" rotWithShape="0">
                       <a:schemeClr val="bg2"/>
@@ -27228,7 +27224,7 @@
             <a:effectLst/>
             <a:extLst>
               <a:ext uri="{AF507438-7753-43E0-B8FC-AC1667EBCBE1}">
-                <a14:hiddenEffects xmlns:a14="http://schemas.microsoft.com/office/drawing/2010/main" xmlns="">
+                <a14:hiddenEffects xmlns="" xmlns:a14="http://schemas.microsoft.com/office/drawing/2010/main">
                   <a:effectLst>
                     <a:outerShdw dist="35921" dir="2700000" algn="ctr" rotWithShape="0">
                       <a:schemeClr val="bg2"/>
@@ -27271,7 +27267,7 @@
             <a:effectLst/>
             <a:extLst>
               <a:ext uri="{AF507438-7753-43E0-B8FC-AC1667EBCBE1}">
-                <a14:hiddenEffects xmlns:a14="http://schemas.microsoft.com/office/drawing/2010/main" xmlns="">
+                <a14:hiddenEffects xmlns="" xmlns:a14="http://schemas.microsoft.com/office/drawing/2010/main">
                   <a:effectLst>
                     <a:outerShdw dist="35921" dir="2700000" algn="ctr" rotWithShape="0">
                       <a:schemeClr val="bg2"/>
@@ -27663,7 +27659,7 @@
           <a:blip r:embed="rId3" cstate="print">
             <a:extLst>
               <a:ext uri="{28A0092B-C50C-407E-A947-70E740481C1C}">
-                <a14:useLocalDpi xmlns:a14="http://schemas.microsoft.com/office/drawing/2010/main" xmlns="" val="0"/>
+                <a14:useLocalDpi xmlns="" xmlns:a14="http://schemas.microsoft.com/office/drawing/2010/main" val="0"/>
               </a:ext>
             </a:extLst>
           </a:blip>
@@ -27686,14 +27682,14 @@
           </a:ln>
           <a:extLst>
             <a:ext uri="{909E8E84-426E-40DD-AFC4-6F175D3DCCD1}">
-              <a14:hiddenFill xmlns:a14="http://schemas.microsoft.com/office/drawing/2010/main" xmlns="">
+              <a14:hiddenFill xmlns="" xmlns:a14="http://schemas.microsoft.com/office/drawing/2010/main">
                 <a:solidFill>
                   <a:schemeClr val="accent1"/>
                 </a:solidFill>
               </a14:hiddenFill>
             </a:ext>
             <a:ext uri="{91240B29-F687-4F45-9708-019B960494DF}">
-              <a14:hiddenLine xmlns:a14="http://schemas.microsoft.com/office/drawing/2010/main" xmlns="" w="9525">
+              <a14:hiddenLine xmlns="" xmlns:a14="http://schemas.microsoft.com/office/drawing/2010/main" w="9525">
                 <a:solidFill>
                   <a:schemeClr val="tx1"/>
                 </a:solidFill>
@@ -27998,7 +27994,7 @@
     </p:spTree>
     <p:extLst>
       <p:ext uri="{BB962C8B-B14F-4D97-AF65-F5344CB8AC3E}">
-        <p14:creationId xmlns:p14="http://schemas.microsoft.com/office/powerpoint/2010/main" xmlns="" val="1596524086"/>
+        <p14:creationId xmlns="" xmlns:p14="http://schemas.microsoft.com/office/powerpoint/2010/main" val="1596524086"/>
       </p:ext>
     </p:extLst>
   </p:cSld>
@@ -28263,7 +28259,7 @@
             <a:effectLst/>
             <a:extLst>
               <a:ext uri="{AF507438-7753-43E0-B8FC-AC1667EBCBE1}">
-                <a14:hiddenEffects xmlns:a14="http://schemas.microsoft.com/office/drawing/2010/main" xmlns="">
+                <a14:hiddenEffects xmlns="" xmlns:a14="http://schemas.microsoft.com/office/drawing/2010/main">
                   <a:effectLst>
                     <a:outerShdw dist="35921" dir="2700000" algn="ctr" rotWithShape="0">
                       <a:schemeClr val="bg2"/>
@@ -28303,7 +28299,7 @@
             <a:effectLst/>
             <a:extLst>
               <a:ext uri="{AF507438-7753-43E0-B8FC-AC1667EBCBE1}">
-                <a14:hiddenEffects xmlns:a14="http://schemas.microsoft.com/office/drawing/2010/main" xmlns="">
+                <a14:hiddenEffects xmlns="" xmlns:a14="http://schemas.microsoft.com/office/drawing/2010/main">
                   <a:effectLst>
                     <a:outerShdw dist="35921" dir="2700000" algn="ctr" rotWithShape="0">
                       <a:schemeClr val="bg2"/>
@@ -28343,7 +28339,7 @@
             <a:effectLst/>
             <a:extLst>
               <a:ext uri="{AF507438-7753-43E0-B8FC-AC1667EBCBE1}">
-                <a14:hiddenEffects xmlns:a14="http://schemas.microsoft.com/office/drawing/2010/main" xmlns="">
+                <a14:hiddenEffects xmlns="" xmlns:a14="http://schemas.microsoft.com/office/drawing/2010/main">
                   <a:effectLst>
                     <a:outerShdw dist="35921" dir="2700000" algn="ctr" rotWithShape="0">
                       <a:schemeClr val="bg2"/>
@@ -28386,7 +28382,7 @@
             <a:effectLst/>
             <a:extLst>
               <a:ext uri="{AF507438-7753-43E0-B8FC-AC1667EBCBE1}">
-                <a14:hiddenEffects xmlns:a14="http://schemas.microsoft.com/office/drawing/2010/main" xmlns="">
+                <a14:hiddenEffects xmlns="" xmlns:a14="http://schemas.microsoft.com/office/drawing/2010/main">
                   <a:effectLst>
                     <a:outerShdw dist="35921" dir="2700000" algn="ctr" rotWithShape="0">
                       <a:schemeClr val="bg2"/>
@@ -28744,7 +28740,7 @@
           <a:blip r:embed="rId3" cstate="print">
             <a:extLst>
               <a:ext uri="{28A0092B-C50C-407E-A947-70E740481C1C}">
-                <a14:useLocalDpi xmlns:a14="http://schemas.microsoft.com/office/drawing/2010/main" xmlns="" val="0"/>
+                <a14:useLocalDpi xmlns="" xmlns:a14="http://schemas.microsoft.com/office/drawing/2010/main" val="0"/>
               </a:ext>
             </a:extLst>
           </a:blip>
@@ -28767,14 +28763,14 @@
           </a:ln>
           <a:extLst>
             <a:ext uri="{909E8E84-426E-40DD-AFC4-6F175D3DCCD1}">
-              <a14:hiddenFill xmlns:a14="http://schemas.microsoft.com/office/drawing/2010/main" xmlns="">
+              <a14:hiddenFill xmlns="" xmlns:a14="http://schemas.microsoft.com/office/drawing/2010/main">
                 <a:solidFill>
                   <a:schemeClr val="accent1"/>
                 </a:solidFill>
               </a14:hiddenFill>
             </a:ext>
             <a:ext uri="{91240B29-F687-4F45-9708-019B960494DF}">
-              <a14:hiddenLine xmlns:a14="http://schemas.microsoft.com/office/drawing/2010/main" xmlns="" w="9525">
+              <a14:hiddenLine xmlns="" xmlns:a14="http://schemas.microsoft.com/office/drawing/2010/main" w="9525">
                 <a:solidFill>
                   <a:schemeClr val="tx1"/>
                 </a:solidFill>
@@ -28931,10 +28927,90 @@
           </a:p>
         </p:txBody>
       </p:sp>
+      <p:sp>
+        <p:nvSpPr>
+          <p:cNvPr id="24" name="직사각형 23"/>
+          <p:cNvSpPr/>
+          <p:nvPr/>
+        </p:nvSpPr>
+        <p:spPr bwMode="auto">
+          <a:xfrm>
+            <a:off x="5796136" y="1412776"/>
+            <a:ext cx="4752528" cy="1944216"/>
+          </a:xfrm>
+          <a:prstGeom prst="rect">
+            <a:avLst/>
+          </a:prstGeom>
+          <a:solidFill>
+            <a:schemeClr val="accent1"/>
+          </a:solidFill>
+          <a:ln w="9525" cap="flat" cmpd="sng" algn="ctr">
+            <a:solidFill>
+              <a:schemeClr val="tx1"/>
+            </a:solidFill>
+            <a:prstDash val="solid"/>
+            <a:round/>
+            <a:headEnd type="none" w="med" len="med"/>
+            <a:tailEnd type="none" w="med" len="med"/>
+          </a:ln>
+          <a:effectLst/>
+          <a:extLst>
+            <a:ext uri="{AF507438-7753-43E0-B8FC-AC1667EBCBE1}">
+              <a14:hiddenEffects xmlns="" xmlns:a14="http://schemas.microsoft.com/office/drawing/2010/main">
+                <a:effectLst>
+                  <a:outerShdw dist="35921" dir="2700000" algn="ctr" rotWithShape="0">
+                    <a:schemeClr val="bg2"/>
+                  </a:outerShdw>
+                </a:effectLst>
+              </a14:hiddenEffects>
+            </a:ext>
+          </a:extLst>
+        </p:spPr>
+        <p:txBody>
+          <a:bodyPr vert="horz" wrap="none" lIns="91440" tIns="45720" rIns="91440" bIns="45720" numCol="1" rtlCol="0" anchor="ctr" anchorCtr="0" compatLnSpc="1">
+            <a:prstTxWarp prst="textNoShape">
+              <a:avLst/>
+            </a:prstTxWarp>
+          </a:bodyPr>
+          <a:lstStyle/>
+          <a:p>
+            <a:pPr marL="0" marR="0" indent="0" algn="l" defTabSz="914400" rtl="0" eaLnBrk="0" fontAlgn="base" latinLnBrk="0" hangingPunct="0">
+              <a:lnSpc>
+                <a:spcPct val="100000"/>
+              </a:lnSpc>
+              <a:spcBef>
+                <a:spcPct val="0"/>
+              </a:spcBef>
+              <a:spcAft>
+                <a:spcPct val="0"/>
+              </a:spcAft>
+              <a:buClrTx/>
+              <a:buSzTx/>
+              <a:buFontTx/>
+              <a:buNone/>
+              <a:tabLst/>
+            </a:pPr>
+            <a:r>
+              <a:rPr lang="ko-KR" altLang="en-US" sz="3200" smtClean="0"/>
+              <a:t>완료</a:t>
+            </a:r>
+            <a:endParaRPr kumimoji="0" lang="ko-KR" altLang="en-US" sz="3200" b="0" i="0" u="none" strike="noStrike" cap="none" normalizeH="0" baseline="0" dirty="0" smtClean="0">
+              <a:ln>
+                <a:noFill/>
+              </a:ln>
+              <a:solidFill>
+                <a:schemeClr val="tx1"/>
+              </a:solidFill>
+              <a:effectLst/>
+              <a:latin typeface="Arial" charset="0"/>
+            </a:endParaRPr>
+          </a:p>
+        </p:txBody>
+      </p:sp>
     </p:spTree>
     <p:extLst>
       <p:ext uri="{BB962C8B-B14F-4D97-AF65-F5344CB8AC3E}">
-        <p14:creationId xmlns:p14="http://schemas.microsoft.com/office/powerpoint/2010/main" xmlns="" val="3316582217"/>
+        <p14:creationId xmlns="" xmlns:p14="http://schemas.microsoft.com/office/powerpoint/2010/main" val="3316582217"/>
       </p:ext>
     </p:extLst>
   </p:cSld>
@@ -29199,7 +29275,7 @@
             <a:effectLst/>
             <a:extLst>
               <a:ext uri="{AF507438-7753-43E0-B8FC-AC1667EBCBE1}">
-                <a14:hiddenEffects xmlns:a14="http://schemas.microsoft.com/office/drawing/2010/main" xmlns="">
+                <a14:hiddenEffects xmlns="" xmlns:a14="http://schemas.microsoft.com/office/drawing/2010/main">
                   <a:effectLst>
                     <a:outerShdw dist="35921" dir="2700000" algn="ctr" rotWithShape="0">
                       <a:schemeClr val="bg2"/>
@@ -29239,7 +29315,7 @@
             <a:effectLst/>
             <a:extLst>
               <a:ext uri="{AF507438-7753-43E0-B8FC-AC1667EBCBE1}">
-                <a14:hiddenEffects xmlns:a14="http://schemas.microsoft.com/office/drawing/2010/main" xmlns="">
+                <a14:hiddenEffects xmlns="" xmlns:a14="http://schemas.microsoft.com/office/drawing/2010/main">
                   <a:effectLst>
                     <a:outerShdw dist="35921" dir="2700000" algn="ctr" rotWithShape="0">
                       <a:schemeClr val="bg2"/>
@@ -29279,7 +29355,7 @@
             <a:effectLst/>
             <a:extLst>
               <a:ext uri="{AF507438-7753-43E0-B8FC-AC1667EBCBE1}">
-                <a14:hiddenEffects xmlns:a14="http://schemas.microsoft.com/office/drawing/2010/main" xmlns="">
+                <a14:hiddenEffects xmlns="" xmlns:a14="http://schemas.microsoft.com/office/drawing/2010/main">
                   <a:effectLst>
                     <a:outerShdw dist="35921" dir="2700000" algn="ctr" rotWithShape="0">
                       <a:schemeClr val="bg2"/>
@@ -29322,7 +29398,7 @@
             <a:effectLst/>
             <a:extLst>
               <a:ext uri="{AF507438-7753-43E0-B8FC-AC1667EBCBE1}">
-                <a14:hiddenEffects xmlns:a14="http://schemas.microsoft.com/office/drawing/2010/main" xmlns="">
+                <a14:hiddenEffects xmlns="" xmlns:a14="http://schemas.microsoft.com/office/drawing/2010/main">
                   <a:effectLst>
                     <a:outerShdw dist="35921" dir="2700000" algn="ctr" rotWithShape="0">
                       <a:schemeClr val="bg2"/>
@@ -29775,7 +29851,7 @@
           <a:blip r:embed="rId3" cstate="print">
             <a:extLst>
               <a:ext uri="{28A0092B-C50C-407E-A947-70E740481C1C}">
-                <a14:useLocalDpi xmlns:a14="http://schemas.microsoft.com/office/drawing/2010/main" xmlns="" val="0"/>
+                <a14:useLocalDpi xmlns="" xmlns:a14="http://schemas.microsoft.com/office/drawing/2010/main" val="0"/>
               </a:ext>
             </a:extLst>
           </a:blip>
@@ -29798,14 +29874,14 @@
           </a:ln>
           <a:extLst>
             <a:ext uri="{909E8E84-426E-40DD-AFC4-6F175D3DCCD1}">
-              <a14:hiddenFill xmlns:a14="http://schemas.microsoft.com/office/drawing/2010/main" xmlns="">
+              <a14:hiddenFill xmlns="" xmlns:a14="http://schemas.microsoft.com/office/drawing/2010/main">
                 <a:solidFill>
                   <a:schemeClr val="accent1"/>
                 </a:solidFill>
               </a14:hiddenFill>
             </a:ext>
             <a:ext uri="{91240B29-F687-4F45-9708-019B960494DF}">
-              <a14:hiddenLine xmlns:a14="http://schemas.microsoft.com/office/drawing/2010/main" xmlns="" w="9525">
+              <a14:hiddenLine xmlns="" xmlns:a14="http://schemas.microsoft.com/office/drawing/2010/main" w="9525">
                 <a:solidFill>
                   <a:schemeClr val="tx1"/>
                 </a:solidFill>
@@ -30255,7 +30331,7 @@
     </p:spTree>
     <p:extLst>
       <p:ext uri="{BB962C8B-B14F-4D97-AF65-F5344CB8AC3E}">
-        <p14:creationId xmlns:p14="http://schemas.microsoft.com/office/powerpoint/2010/main" xmlns="" val="621323672"/>
+        <p14:creationId xmlns="" xmlns:p14="http://schemas.microsoft.com/office/powerpoint/2010/main" val="621323672"/>
       </p:ext>
     </p:extLst>
   </p:cSld>
@@ -30520,7 +30596,7 @@
             <a:effectLst/>
             <a:extLst>
               <a:ext uri="{AF507438-7753-43E0-B8FC-AC1667EBCBE1}">
-                <a14:hiddenEffects xmlns:a14="http://schemas.microsoft.com/office/drawing/2010/main" xmlns="">
+                <a14:hiddenEffects xmlns="" xmlns:a14="http://schemas.microsoft.com/office/drawing/2010/main">
                   <a:effectLst>
                     <a:outerShdw dist="35921" dir="2700000" algn="ctr" rotWithShape="0">
                       <a:schemeClr val="bg2"/>
@@ -30560,7 +30636,7 @@
             <a:effectLst/>
             <a:extLst>
               <a:ext uri="{AF507438-7753-43E0-B8FC-AC1667EBCBE1}">
-                <a14:hiddenEffects xmlns:a14="http://schemas.microsoft.com/office/drawing/2010/main" xmlns="">
+                <a14:hiddenEffects xmlns="" xmlns:a14="http://schemas.microsoft.com/office/drawing/2010/main">
                   <a:effectLst>
                     <a:outerShdw dist="35921" dir="2700000" algn="ctr" rotWithShape="0">
                       <a:schemeClr val="bg2"/>
@@ -30600,7 +30676,7 @@
             <a:effectLst/>
             <a:extLst>
               <a:ext uri="{AF507438-7753-43E0-B8FC-AC1667EBCBE1}">
-                <a14:hiddenEffects xmlns:a14="http://schemas.microsoft.com/office/drawing/2010/main" xmlns="">
+                <a14:hiddenEffects xmlns="" xmlns:a14="http://schemas.microsoft.com/office/drawing/2010/main">
                   <a:effectLst>
                     <a:outerShdw dist="35921" dir="2700000" algn="ctr" rotWithShape="0">
                       <a:schemeClr val="bg2"/>
@@ -30643,7 +30719,7 @@
             <a:effectLst/>
             <a:extLst>
               <a:ext uri="{AF507438-7753-43E0-B8FC-AC1667EBCBE1}">
-                <a14:hiddenEffects xmlns:a14="http://schemas.microsoft.com/office/drawing/2010/main" xmlns="">
+                <a14:hiddenEffects xmlns="" xmlns:a14="http://schemas.microsoft.com/office/drawing/2010/main">
                   <a:effectLst>
                     <a:outerShdw dist="35921" dir="2700000" algn="ctr" rotWithShape="0">
                       <a:schemeClr val="bg2"/>
@@ -30922,7 +30998,7 @@
           <a:blip r:embed="rId2" cstate="print">
             <a:extLst>
               <a:ext uri="{28A0092B-C50C-407E-A947-70E740481C1C}">
-                <a14:useLocalDpi xmlns:a14="http://schemas.microsoft.com/office/drawing/2010/main" xmlns="" val="0"/>
+                <a14:useLocalDpi xmlns="" xmlns:a14="http://schemas.microsoft.com/office/drawing/2010/main" val="0"/>
               </a:ext>
             </a:extLst>
           </a:blip>
@@ -30945,14 +31021,14 @@
           </a:ln>
           <a:extLst>
             <a:ext uri="{909E8E84-426E-40DD-AFC4-6F175D3DCCD1}">
-              <a14:hiddenFill xmlns:a14="http://schemas.microsoft.com/office/drawing/2010/main" xmlns="">
+              <a14:hiddenFill xmlns="" xmlns:a14="http://schemas.microsoft.com/office/drawing/2010/main">
                 <a:solidFill>
                   <a:schemeClr val="accent1"/>
                 </a:solidFill>
               </a14:hiddenFill>
             </a:ext>
             <a:ext uri="{91240B29-F687-4F45-9708-019B960494DF}">
-              <a14:hiddenLine xmlns:a14="http://schemas.microsoft.com/office/drawing/2010/main" xmlns="" w="9525">
+              <a14:hiddenLine xmlns="" xmlns:a14="http://schemas.microsoft.com/office/drawing/2010/main" w="9525">
                 <a:solidFill>
                   <a:schemeClr val="tx1"/>
                 </a:solidFill>
@@ -31112,7 +31188,7 @@
     </p:spTree>
     <p:extLst>
       <p:ext uri="{BB962C8B-B14F-4D97-AF65-F5344CB8AC3E}">
-        <p14:creationId xmlns:p14="http://schemas.microsoft.com/office/powerpoint/2010/main" xmlns="" val="4285758701"/>
+        <p14:creationId xmlns="" xmlns:p14="http://schemas.microsoft.com/office/powerpoint/2010/main" val="4285758701"/>
       </p:ext>
     </p:extLst>
   </p:cSld>
@@ -31377,7 +31453,7 @@
             <a:effectLst/>
             <a:extLst>
               <a:ext uri="{AF507438-7753-43E0-B8FC-AC1667EBCBE1}">
-                <a14:hiddenEffects xmlns:a14="http://schemas.microsoft.com/office/drawing/2010/main" xmlns="">
+                <a14:hiddenEffects xmlns="" xmlns:a14="http://schemas.microsoft.com/office/drawing/2010/main">
                   <a:effectLst>
                     <a:outerShdw dist="35921" dir="2700000" algn="ctr" rotWithShape="0">
                       <a:schemeClr val="bg2"/>
@@ -31417,7 +31493,7 @@
             <a:effectLst/>
             <a:extLst>
               <a:ext uri="{AF507438-7753-43E0-B8FC-AC1667EBCBE1}">
-                <a14:hiddenEffects xmlns:a14="http://schemas.microsoft.com/office/drawing/2010/main" xmlns="">
+                <a14:hiddenEffects xmlns="" xmlns:a14="http://schemas.microsoft.com/office/drawing/2010/main">
                   <a:effectLst>
                     <a:outerShdw dist="35921" dir="2700000" algn="ctr" rotWithShape="0">
                       <a:schemeClr val="bg2"/>
@@ -31457,7 +31533,7 @@
             <a:effectLst/>
             <a:extLst>
               <a:ext uri="{AF507438-7753-43E0-B8FC-AC1667EBCBE1}">
-                <a14:hiddenEffects xmlns:a14="http://schemas.microsoft.com/office/drawing/2010/main" xmlns="">
+                <a14:hiddenEffects xmlns="" xmlns:a14="http://schemas.microsoft.com/office/drawing/2010/main">
                   <a:effectLst>
                     <a:outerShdw dist="35921" dir="2700000" algn="ctr" rotWithShape="0">
                       <a:schemeClr val="bg2"/>
@@ -31500,7 +31576,7 @@
             <a:effectLst/>
             <a:extLst>
               <a:ext uri="{AF507438-7753-43E0-B8FC-AC1667EBCBE1}">
-                <a14:hiddenEffects xmlns:a14="http://schemas.microsoft.com/office/drawing/2010/main" xmlns="">
+                <a14:hiddenEffects xmlns="" xmlns:a14="http://schemas.microsoft.com/office/drawing/2010/main">
                   <a:effectLst>
                     <a:outerShdw dist="35921" dir="2700000" algn="ctr" rotWithShape="0">
                       <a:schemeClr val="bg2"/>
@@ -31567,7 +31643,7 @@
           <a:blip r:embed="rId2" cstate="print">
             <a:extLst>
               <a:ext uri="{28A0092B-C50C-407E-A947-70E740481C1C}">
-                <a14:useLocalDpi xmlns:a14="http://schemas.microsoft.com/office/drawing/2010/main" xmlns="" val="0"/>
+                <a14:useLocalDpi xmlns="" xmlns:a14="http://schemas.microsoft.com/office/drawing/2010/main" val="0"/>
               </a:ext>
             </a:extLst>
           </a:blip>
@@ -31590,14 +31666,14 @@
           </a:ln>
           <a:extLst>
             <a:ext uri="{909E8E84-426E-40DD-AFC4-6F175D3DCCD1}">
-              <a14:hiddenFill xmlns:a14="http://schemas.microsoft.com/office/drawing/2010/main" xmlns="">
+              <a14:hiddenFill xmlns="" xmlns:a14="http://schemas.microsoft.com/office/drawing/2010/main">
                 <a:solidFill>
                   <a:schemeClr val="accent1"/>
                 </a:solidFill>
               </a14:hiddenFill>
             </a:ext>
             <a:ext uri="{91240B29-F687-4F45-9708-019B960494DF}">
-              <a14:hiddenLine xmlns:a14="http://schemas.microsoft.com/office/drawing/2010/main" xmlns="" w="9525">
+              <a14:hiddenLine xmlns="" xmlns:a14="http://schemas.microsoft.com/office/drawing/2010/main" w="9525">
                 <a:solidFill>
                   <a:schemeClr val="tx1"/>
                 </a:solidFill>
@@ -31942,7 +32018,7 @@
     </p:spTree>
     <p:extLst>
       <p:ext uri="{BB962C8B-B14F-4D97-AF65-F5344CB8AC3E}">
-        <p14:creationId xmlns:p14="http://schemas.microsoft.com/office/powerpoint/2010/main" xmlns="" val="3218567344"/>
+        <p14:creationId xmlns="" xmlns:p14="http://schemas.microsoft.com/office/powerpoint/2010/main" val="3218567344"/>
       </p:ext>
     </p:extLst>
   </p:cSld>
@@ -32207,7 +32283,7 @@
             <a:effectLst/>
             <a:extLst>
               <a:ext uri="{AF507438-7753-43E0-B8FC-AC1667EBCBE1}">
-                <a14:hiddenEffects xmlns:a14="http://schemas.microsoft.com/office/drawing/2010/main" xmlns="">
+                <a14:hiddenEffects xmlns="" xmlns:a14="http://schemas.microsoft.com/office/drawing/2010/main">
                   <a:effectLst>
                     <a:outerShdw dist="35921" dir="2700000" algn="ctr" rotWithShape="0">
                       <a:schemeClr val="bg2"/>
@@ -32247,7 +32323,7 @@
             <a:effectLst/>
             <a:extLst>
               <a:ext uri="{AF507438-7753-43E0-B8FC-AC1667EBCBE1}">
-                <a14:hiddenEffects xmlns:a14="http://schemas.microsoft.com/office/drawing/2010/main" xmlns="">
+                <a14:hiddenEffects xmlns="" xmlns:a14="http://schemas.microsoft.com/office/drawing/2010/main">
                   <a:effectLst>
                     <a:outerShdw dist="35921" dir="2700000" algn="ctr" rotWithShape="0">
                       <a:schemeClr val="bg2"/>
@@ -32287,7 +32363,7 @@
             <a:effectLst/>
             <a:extLst>
               <a:ext uri="{AF507438-7753-43E0-B8FC-AC1667EBCBE1}">
-                <a14:hiddenEffects xmlns:a14="http://schemas.microsoft.com/office/drawing/2010/main" xmlns="">
+                <a14:hiddenEffects xmlns="" xmlns:a14="http://schemas.microsoft.com/office/drawing/2010/main">
                   <a:effectLst>
                     <a:outerShdw dist="35921" dir="2700000" algn="ctr" rotWithShape="0">
                       <a:schemeClr val="bg2"/>
@@ -32330,7 +32406,7 @@
             <a:effectLst/>
             <a:extLst>
               <a:ext uri="{AF507438-7753-43E0-B8FC-AC1667EBCBE1}">
-                <a14:hiddenEffects xmlns:a14="http://schemas.microsoft.com/office/drawing/2010/main" xmlns="">
+                <a14:hiddenEffects xmlns="" xmlns:a14="http://schemas.microsoft.com/office/drawing/2010/main">
                   <a:effectLst>
                     <a:outerShdw dist="35921" dir="2700000" algn="ctr" rotWithShape="0">
                       <a:schemeClr val="bg2"/>
@@ -32397,7 +32473,7 @@
           <a:blip r:embed="rId2" cstate="print">
             <a:extLst>
               <a:ext uri="{28A0092B-C50C-407E-A947-70E740481C1C}">
-                <a14:useLocalDpi xmlns:a14="http://schemas.microsoft.com/office/drawing/2010/main" xmlns="" val="0"/>
+                <a14:useLocalDpi xmlns="" xmlns:a14="http://schemas.microsoft.com/office/drawing/2010/main" val="0"/>
               </a:ext>
             </a:extLst>
           </a:blip>
@@ -32420,14 +32496,14 @@
           </a:ln>
           <a:extLst>
             <a:ext uri="{909E8E84-426E-40DD-AFC4-6F175D3DCCD1}">
-              <a14:hiddenFill xmlns:a14="http://schemas.microsoft.com/office/drawing/2010/main" xmlns="">
+              <a14:hiddenFill xmlns="" xmlns:a14="http://schemas.microsoft.com/office/drawing/2010/main">
                 <a:solidFill>
                   <a:schemeClr val="accent1"/>
                 </a:solidFill>
               </a14:hiddenFill>
             </a:ext>
             <a:ext uri="{91240B29-F687-4F45-9708-019B960494DF}">
-              <a14:hiddenLine xmlns:a14="http://schemas.microsoft.com/office/drawing/2010/main" xmlns="" w="9525">
+              <a14:hiddenLine xmlns="" xmlns:a14="http://schemas.microsoft.com/office/drawing/2010/main" w="9525">
                 <a:solidFill>
                   <a:schemeClr val="tx1"/>
                 </a:solidFill>
@@ -32768,7 +32844,7 @@
           <a:effectLst/>
           <a:extLst>
             <a:ext uri="{AF507438-7753-43E0-B8FC-AC1667EBCBE1}">
-              <a14:hiddenEffects xmlns:a14="http://schemas.microsoft.com/office/drawing/2010/main" xmlns="">
+              <a14:hiddenEffects xmlns="" xmlns:a14="http://schemas.microsoft.com/office/drawing/2010/main">
                 <a:effectLst>
                   <a:outerShdw dist="35921" dir="2700000" algn="ctr" rotWithShape="0">
                     <a:schemeClr val="bg2"/>
@@ -32804,11 +32880,7 @@
             </a:pPr>
             <a:r>
               <a:rPr lang="ko-KR" altLang="en-US" sz="3600" dirty="0" smtClean="0"/>
-              <a:t>완</a:t>
-            </a:r>
-            <a:r>
-              <a:rPr lang="ko-KR" altLang="en-US" sz="3600" dirty="0" smtClean="0"/>
-              <a:t>료</a:t>
+              <a:t>완료</a:t>
             </a:r>
             <a:endParaRPr kumimoji="0" lang="ko-KR" altLang="en-US" sz="3600" b="0" i="0" u="none" strike="noStrike" cap="none" normalizeH="0" baseline="0" dirty="0" smtClean="0">
               <a:ln>
@@ -32826,7 +32898,7 @@
     </p:spTree>
     <p:extLst>
       <p:ext uri="{BB962C8B-B14F-4D97-AF65-F5344CB8AC3E}">
-        <p14:creationId xmlns:p14="http://schemas.microsoft.com/office/powerpoint/2010/main" xmlns="" val="2585101492"/>
+        <p14:creationId xmlns="" xmlns:p14="http://schemas.microsoft.com/office/powerpoint/2010/main" val="2585101492"/>
       </p:ext>
     </p:extLst>
   </p:cSld>
@@ -33091,7 +33163,7 @@
             <a:effectLst/>
             <a:extLst>
               <a:ext uri="{AF507438-7753-43E0-B8FC-AC1667EBCBE1}">
-                <a14:hiddenEffects xmlns:a14="http://schemas.microsoft.com/office/drawing/2010/main" xmlns="">
+                <a14:hiddenEffects xmlns="" xmlns:a14="http://schemas.microsoft.com/office/drawing/2010/main">
                   <a:effectLst>
                     <a:outerShdw dist="35921" dir="2700000" algn="ctr" rotWithShape="0">
                       <a:schemeClr val="bg2"/>
@@ -33131,7 +33203,7 @@
             <a:effectLst/>
             <a:extLst>
               <a:ext uri="{AF507438-7753-43E0-B8FC-AC1667EBCBE1}">
-                <a14:hiddenEffects xmlns:a14="http://schemas.microsoft.com/office/drawing/2010/main" xmlns="">
+                <a14:hiddenEffects xmlns="" xmlns:a14="http://schemas.microsoft.com/office/drawing/2010/main">
                   <a:effectLst>
                     <a:outerShdw dist="35921" dir="2700000" algn="ctr" rotWithShape="0">
                       <a:schemeClr val="bg2"/>
@@ -33171,7 +33243,7 @@
             <a:effectLst/>
             <a:extLst>
               <a:ext uri="{AF507438-7753-43E0-B8FC-AC1667EBCBE1}">
-                <a14:hiddenEffects xmlns:a14="http://schemas.microsoft.com/office/drawing/2010/main" xmlns="">
+                <a14:hiddenEffects xmlns="" xmlns:a14="http://schemas.microsoft.com/office/drawing/2010/main">
                   <a:effectLst>
                     <a:outerShdw dist="35921" dir="2700000" algn="ctr" rotWithShape="0">
                       <a:schemeClr val="bg2"/>
@@ -33214,7 +33286,7 @@
             <a:effectLst/>
             <a:extLst>
               <a:ext uri="{AF507438-7753-43E0-B8FC-AC1667EBCBE1}">
-                <a14:hiddenEffects xmlns:a14="http://schemas.microsoft.com/office/drawing/2010/main" xmlns="">
+                <a14:hiddenEffects xmlns="" xmlns:a14="http://schemas.microsoft.com/office/drawing/2010/main">
                   <a:effectLst>
                     <a:outerShdw dist="35921" dir="2700000" algn="ctr" rotWithShape="0">
                       <a:schemeClr val="bg2"/>
@@ -33544,7 +33616,7 @@
           <a:blip r:embed="rId2" cstate="print">
             <a:extLst>
               <a:ext uri="{28A0092B-C50C-407E-A947-70E740481C1C}">
-                <a14:useLocalDpi xmlns:a14="http://schemas.microsoft.com/office/drawing/2010/main" xmlns="" val="0"/>
+                <a14:useLocalDpi xmlns="" xmlns:a14="http://schemas.microsoft.com/office/drawing/2010/main" val="0"/>
               </a:ext>
             </a:extLst>
           </a:blip>
@@ -33567,14 +33639,14 @@
           </a:ln>
           <a:extLst>
             <a:ext uri="{909E8E84-426E-40DD-AFC4-6F175D3DCCD1}">
-              <a14:hiddenFill xmlns:a14="http://schemas.microsoft.com/office/drawing/2010/main" xmlns="">
+              <a14:hiddenFill xmlns="" xmlns:a14="http://schemas.microsoft.com/office/drawing/2010/main">
                 <a:solidFill>
                   <a:schemeClr val="accent1"/>
                 </a:solidFill>
               </a14:hiddenFill>
             </a:ext>
             <a:ext uri="{91240B29-F687-4F45-9708-019B960494DF}">
-              <a14:hiddenLine xmlns:a14="http://schemas.microsoft.com/office/drawing/2010/main" xmlns="" w="9525">
+              <a14:hiddenLine xmlns="" xmlns:a14="http://schemas.microsoft.com/office/drawing/2010/main" w="9525">
                 <a:solidFill>
                   <a:schemeClr val="tx1"/>
                 </a:solidFill>
@@ -33760,7 +33832,7 @@
           <a:effectLst/>
           <a:extLst>
             <a:ext uri="{AF507438-7753-43E0-B8FC-AC1667EBCBE1}">
-              <a14:hiddenEffects xmlns:a14="http://schemas.microsoft.com/office/drawing/2010/main" xmlns="">
+              <a14:hiddenEffects xmlns="" xmlns:a14="http://schemas.microsoft.com/office/drawing/2010/main">
                 <a:effectLst>
                   <a:outerShdw dist="35921" dir="2700000" algn="ctr" rotWithShape="0">
                     <a:schemeClr val="bg2"/>
@@ -33796,11 +33868,7 @@
             </a:pPr>
             <a:r>
               <a:rPr lang="ko-KR" altLang="en-US" sz="3600" dirty="0" smtClean="0"/>
-              <a:t>완</a:t>
-            </a:r>
-            <a:r>
-              <a:rPr lang="ko-KR" altLang="en-US" sz="3600" dirty="0" smtClean="0"/>
-              <a:t>료</a:t>
+              <a:t>완료</a:t>
             </a:r>
             <a:endParaRPr kumimoji="0" lang="ko-KR" altLang="en-US" sz="3600" b="0" i="0" u="none" strike="noStrike" cap="none" normalizeH="0" baseline="0" dirty="0" smtClean="0">
               <a:ln>
@@ -33818,7 +33886,7 @@
     </p:spTree>
     <p:extLst>
       <p:ext uri="{BB962C8B-B14F-4D97-AF65-F5344CB8AC3E}">
-        <p14:creationId xmlns:p14="http://schemas.microsoft.com/office/powerpoint/2010/main" xmlns="" val="1219351500"/>
+        <p14:creationId xmlns="" xmlns:p14="http://schemas.microsoft.com/office/powerpoint/2010/main" val="1219351500"/>
       </p:ext>
     </p:extLst>
   </p:cSld>
@@ -34083,7 +34151,7 @@
             <a:effectLst/>
             <a:extLst>
               <a:ext uri="{AF507438-7753-43E0-B8FC-AC1667EBCBE1}">
-                <a14:hiddenEffects xmlns:a14="http://schemas.microsoft.com/office/drawing/2010/main" xmlns="">
+                <a14:hiddenEffects xmlns="" xmlns:a14="http://schemas.microsoft.com/office/drawing/2010/main">
                   <a:effectLst>
                     <a:outerShdw dist="35921" dir="2700000" algn="ctr" rotWithShape="0">
                       <a:schemeClr val="bg2"/>
@@ -34123,7 +34191,7 @@
             <a:effectLst/>
             <a:extLst>
               <a:ext uri="{AF507438-7753-43E0-B8FC-AC1667EBCBE1}">
-                <a14:hiddenEffects xmlns:a14="http://schemas.microsoft.com/office/drawing/2010/main" xmlns="">
+                <a14:hiddenEffects xmlns="" xmlns:a14="http://schemas.microsoft.com/office/drawing/2010/main">
                   <a:effectLst>
                     <a:outerShdw dist="35921" dir="2700000" algn="ctr" rotWithShape="0">
                       <a:schemeClr val="bg2"/>
@@ -34163,7 +34231,7 @@
             <a:effectLst/>
             <a:extLst>
               <a:ext uri="{AF507438-7753-43E0-B8FC-AC1667EBCBE1}">
-                <a14:hiddenEffects xmlns:a14="http://schemas.microsoft.com/office/drawing/2010/main" xmlns="">
+                <a14:hiddenEffects xmlns="" xmlns:a14="http://schemas.microsoft.com/office/drawing/2010/main">
                   <a:effectLst>
                     <a:outerShdw dist="35921" dir="2700000" algn="ctr" rotWithShape="0">
                       <a:schemeClr val="bg2"/>
@@ -34206,7 +34274,7 @@
             <a:effectLst/>
             <a:extLst>
               <a:ext uri="{AF507438-7753-43E0-B8FC-AC1667EBCBE1}">
-                <a14:hiddenEffects xmlns:a14="http://schemas.microsoft.com/office/drawing/2010/main" xmlns="">
+                <a14:hiddenEffects xmlns="" xmlns:a14="http://schemas.microsoft.com/office/drawing/2010/main">
                   <a:effectLst>
                     <a:outerShdw dist="35921" dir="2700000" algn="ctr" rotWithShape="0">
                       <a:schemeClr val="bg2"/>
@@ -34273,7 +34341,7 @@
     </p:spTree>
     <p:extLst>
       <p:ext uri="{BB962C8B-B14F-4D97-AF65-F5344CB8AC3E}">
-        <p14:creationId xmlns:p14="http://schemas.microsoft.com/office/powerpoint/2010/main" xmlns="" val="4190711320"/>
+        <p14:creationId xmlns="" xmlns:p14="http://schemas.microsoft.com/office/powerpoint/2010/main" val="4190711320"/>
       </p:ext>
     </p:extLst>
   </p:cSld>
@@ -34538,7 +34606,7 @@
             <a:effectLst/>
             <a:extLst>
               <a:ext uri="{AF507438-7753-43E0-B8FC-AC1667EBCBE1}">
-                <a14:hiddenEffects xmlns:a14="http://schemas.microsoft.com/office/drawing/2010/main" xmlns="">
+                <a14:hiddenEffects xmlns="" xmlns:a14="http://schemas.microsoft.com/office/drawing/2010/main">
                   <a:effectLst>
                     <a:outerShdw dist="35921" dir="2700000" algn="ctr" rotWithShape="0">
                       <a:schemeClr val="bg2"/>
@@ -34578,7 +34646,7 @@
             <a:effectLst/>
             <a:extLst>
               <a:ext uri="{AF507438-7753-43E0-B8FC-AC1667EBCBE1}">
-                <a14:hiddenEffects xmlns:a14="http://schemas.microsoft.com/office/drawing/2010/main" xmlns="">
+                <a14:hiddenEffects xmlns="" xmlns:a14="http://schemas.microsoft.com/office/drawing/2010/main">
                   <a:effectLst>
                     <a:outerShdw dist="35921" dir="2700000" algn="ctr" rotWithShape="0">
                       <a:schemeClr val="bg2"/>
@@ -34618,7 +34686,7 @@
             <a:effectLst/>
             <a:extLst>
               <a:ext uri="{AF507438-7753-43E0-B8FC-AC1667EBCBE1}">
-                <a14:hiddenEffects xmlns:a14="http://schemas.microsoft.com/office/drawing/2010/main" xmlns="">
+                <a14:hiddenEffects xmlns="" xmlns:a14="http://schemas.microsoft.com/office/drawing/2010/main">
                   <a:effectLst>
                     <a:outerShdw dist="35921" dir="2700000" algn="ctr" rotWithShape="0">
                       <a:schemeClr val="bg2"/>
@@ -34661,7 +34729,7 @@
             <a:effectLst/>
             <a:extLst>
               <a:ext uri="{AF507438-7753-43E0-B8FC-AC1667EBCBE1}">
-                <a14:hiddenEffects xmlns:a14="http://schemas.microsoft.com/office/drawing/2010/main" xmlns="">
+                <a14:hiddenEffects xmlns="" xmlns:a14="http://schemas.microsoft.com/office/drawing/2010/main">
                   <a:effectLst>
                     <a:outerShdw dist="35921" dir="2700000" algn="ctr" rotWithShape="0">
                       <a:schemeClr val="bg2"/>
@@ -35050,7 +35118,7 @@
           <a:blip r:embed="rId3" cstate="print">
             <a:extLst>
               <a:ext uri="{28A0092B-C50C-407E-A947-70E740481C1C}">
-                <a14:useLocalDpi xmlns:a14="http://schemas.microsoft.com/office/drawing/2010/main" xmlns="" val="0"/>
+                <a14:useLocalDpi xmlns="" xmlns:a14="http://schemas.microsoft.com/office/drawing/2010/main" val="0"/>
               </a:ext>
             </a:extLst>
           </a:blip>
@@ -35073,14 +35141,14 @@
           </a:ln>
           <a:extLst>
             <a:ext uri="{909E8E84-426E-40DD-AFC4-6F175D3DCCD1}">
-              <a14:hiddenFill xmlns:a14="http://schemas.microsoft.com/office/drawing/2010/main" xmlns="">
+              <a14:hiddenFill xmlns="" xmlns:a14="http://schemas.microsoft.com/office/drawing/2010/main">
                 <a:solidFill>
                   <a:schemeClr val="accent1"/>
                 </a:solidFill>
               </a14:hiddenFill>
             </a:ext>
             <a:ext uri="{91240B29-F687-4F45-9708-019B960494DF}">
-              <a14:hiddenLine xmlns:a14="http://schemas.microsoft.com/office/drawing/2010/main" xmlns="" w="9525">
+              <a14:hiddenLine xmlns="" xmlns:a14="http://schemas.microsoft.com/office/drawing/2010/main" w="9525">
                 <a:solidFill>
                   <a:schemeClr val="tx1"/>
                 </a:solidFill>
@@ -35542,7 +35610,7 @@
           <a:effectLst/>
           <a:extLst>
             <a:ext uri="{AF507438-7753-43E0-B8FC-AC1667EBCBE1}">
-              <a14:hiddenEffects xmlns:a14="http://schemas.microsoft.com/office/drawing/2010/main" xmlns="">
+              <a14:hiddenEffects xmlns="" xmlns:a14="http://schemas.microsoft.com/office/drawing/2010/main">
                 <a:effectLst>
                   <a:outerShdw dist="35921" dir="2700000" algn="ctr" rotWithShape="0">
                     <a:schemeClr val="bg2"/>
@@ -35604,11 +35672,7 @@
             </a:r>
             <a:r>
               <a:rPr lang="ko-KR" altLang="en-US" sz="3200" dirty="0" smtClean="0"/>
-              <a:t>완</a:t>
-            </a:r>
-            <a:r>
-              <a:rPr lang="ko-KR" altLang="en-US" sz="3200" dirty="0" smtClean="0"/>
-              <a:t>료</a:t>
+              <a:t>완료</a:t>
             </a:r>
             <a:endParaRPr kumimoji="0" lang="ko-KR" altLang="en-US" sz="3200" b="0" i="0" u="none" strike="noStrike" cap="none" normalizeH="0" baseline="0" dirty="0" smtClean="0">
               <a:ln>
@@ -35626,7 +35690,7 @@
     </p:spTree>
     <p:extLst>
       <p:ext uri="{BB962C8B-B14F-4D97-AF65-F5344CB8AC3E}">
-        <p14:creationId xmlns:p14="http://schemas.microsoft.com/office/powerpoint/2010/main" xmlns="" val="3304783979"/>
+        <p14:creationId xmlns="" xmlns:p14="http://schemas.microsoft.com/office/powerpoint/2010/main" val="3304783979"/>
       </p:ext>
     </p:extLst>
   </p:cSld>
@@ -35891,7 +35955,7 @@
             <a:effectLst/>
             <a:extLst>
               <a:ext uri="{AF507438-7753-43E0-B8FC-AC1667EBCBE1}">
-                <a14:hiddenEffects xmlns:a14="http://schemas.microsoft.com/office/drawing/2010/main" xmlns="">
+                <a14:hiddenEffects xmlns="" xmlns:a14="http://schemas.microsoft.com/office/drawing/2010/main">
                   <a:effectLst>
                     <a:outerShdw dist="35921" dir="2700000" algn="ctr" rotWithShape="0">
                       <a:schemeClr val="bg2"/>
@@ -35931,7 +35995,7 @@
             <a:effectLst/>
             <a:extLst>
               <a:ext uri="{AF507438-7753-43E0-B8FC-AC1667EBCBE1}">
-                <a14:hiddenEffects xmlns:a14="http://schemas.microsoft.com/office/drawing/2010/main" xmlns="">
+                <a14:hiddenEffects xmlns="" xmlns:a14="http://schemas.microsoft.com/office/drawing/2010/main">
                   <a:effectLst>
                     <a:outerShdw dist="35921" dir="2700000" algn="ctr" rotWithShape="0">
                       <a:schemeClr val="bg2"/>
@@ -35971,7 +36035,7 @@
             <a:effectLst/>
             <a:extLst>
               <a:ext uri="{AF507438-7753-43E0-B8FC-AC1667EBCBE1}">
-                <a14:hiddenEffects xmlns:a14="http://schemas.microsoft.com/office/drawing/2010/main" xmlns="">
+                <a14:hiddenEffects xmlns="" xmlns:a14="http://schemas.microsoft.com/office/drawing/2010/main">
                   <a:effectLst>
                     <a:outerShdw dist="35921" dir="2700000" algn="ctr" rotWithShape="0">
                       <a:schemeClr val="bg2"/>
@@ -36014,7 +36078,7 @@
             <a:effectLst/>
             <a:extLst>
               <a:ext uri="{AF507438-7753-43E0-B8FC-AC1667EBCBE1}">
-                <a14:hiddenEffects xmlns:a14="http://schemas.microsoft.com/office/drawing/2010/main" xmlns="">
+                <a14:hiddenEffects xmlns="" xmlns:a14="http://schemas.microsoft.com/office/drawing/2010/main">
                   <a:effectLst>
                     <a:outerShdw dist="35921" dir="2700000" algn="ctr" rotWithShape="0">
                       <a:schemeClr val="bg2"/>
@@ -36504,7 +36568,7 @@
           <a:blip r:embed="rId3" cstate="print">
             <a:extLst>
               <a:ext uri="{28A0092B-C50C-407E-A947-70E740481C1C}">
-                <a14:useLocalDpi xmlns:a14="http://schemas.microsoft.com/office/drawing/2010/main" xmlns="" val="0"/>
+                <a14:useLocalDpi xmlns="" xmlns:a14="http://schemas.microsoft.com/office/drawing/2010/main" val="0"/>
               </a:ext>
             </a:extLst>
           </a:blip>
@@ -36527,14 +36591,14 @@
           </a:ln>
           <a:extLst>
             <a:ext uri="{909E8E84-426E-40DD-AFC4-6F175D3DCCD1}">
-              <a14:hiddenFill xmlns:a14="http://schemas.microsoft.com/office/drawing/2010/main" xmlns="">
+              <a14:hiddenFill xmlns="" xmlns:a14="http://schemas.microsoft.com/office/drawing/2010/main">
                 <a:solidFill>
                   <a:schemeClr val="accent1"/>
                 </a:solidFill>
               </a14:hiddenFill>
             </a:ext>
             <a:ext uri="{91240B29-F687-4F45-9708-019B960494DF}">
-              <a14:hiddenLine xmlns:a14="http://schemas.microsoft.com/office/drawing/2010/main" xmlns="" w="9525">
+              <a14:hiddenLine xmlns="" xmlns:a14="http://schemas.microsoft.com/office/drawing/2010/main" w="9525">
                 <a:solidFill>
                   <a:schemeClr val="tx1"/>
                 </a:solidFill>
@@ -36996,7 +37060,7 @@
           <a:effectLst/>
           <a:extLst>
             <a:ext uri="{AF507438-7753-43E0-B8FC-AC1667EBCBE1}">
-              <a14:hiddenEffects xmlns:a14="http://schemas.microsoft.com/office/drawing/2010/main" xmlns="">
+              <a14:hiddenEffects xmlns="" xmlns:a14="http://schemas.microsoft.com/office/drawing/2010/main">
                 <a:effectLst>
                   <a:outerShdw dist="35921" dir="2700000" algn="ctr" rotWithShape="0">
                     <a:schemeClr val="bg2"/>
@@ -37058,11 +37122,7 @@
             </a:r>
             <a:r>
               <a:rPr lang="ko-KR" altLang="en-US" sz="3200" dirty="0" smtClean="0"/>
-              <a:t>완</a:t>
-            </a:r>
-            <a:r>
-              <a:rPr lang="ko-KR" altLang="en-US" sz="3200" dirty="0" smtClean="0"/>
-              <a:t>료</a:t>
+              <a:t>완료</a:t>
             </a:r>
             <a:endParaRPr kumimoji="0" lang="ko-KR" altLang="en-US" sz="3200" b="0" i="0" u="none" strike="noStrike" cap="none" normalizeH="0" baseline="0" dirty="0" smtClean="0">
               <a:ln>
@@ -37080,7 +37140,7 @@
     </p:spTree>
     <p:extLst>
       <p:ext uri="{BB962C8B-B14F-4D97-AF65-F5344CB8AC3E}">
-        <p14:creationId xmlns:p14="http://schemas.microsoft.com/office/powerpoint/2010/main" xmlns="" val="4218426242"/>
+        <p14:creationId xmlns="" xmlns:p14="http://schemas.microsoft.com/office/powerpoint/2010/main" val="4218426242"/>
       </p:ext>
     </p:extLst>
   </p:cSld>
@@ -37350,7 +37410,7 @@
         <a:effectLst/>
         <a:extLst>
           <a:ext uri="{AF507438-7753-43E0-B8FC-AC1667EBCBE1}">
-            <a14:hiddenEffects xmlns:a14="http://schemas.microsoft.com/office/drawing/2010/main" xmlns="">
+            <a14:hiddenEffects xmlns="" xmlns:a14="http://schemas.microsoft.com/office/drawing/2010/main">
               <a:effectLst>
                 <a:outerShdw dist="35921" dir="2700000" algn="ctr" rotWithShape="0">
                   <a:schemeClr val="bg2"/>
@@ -37423,7 +37483,7 @@
         <a:effectLst/>
         <a:extLst>
           <a:ext uri="{AF507438-7753-43E0-B8FC-AC1667EBCBE1}">
-            <a14:hiddenEffects xmlns:a14="http://schemas.microsoft.com/office/drawing/2010/main" xmlns="">
+            <a14:hiddenEffects xmlns="" xmlns:a14="http://schemas.microsoft.com/office/drawing/2010/main">
               <a:effectLst>
                 <a:outerShdw dist="35921" dir="2700000" algn="ctr" rotWithShape="0">
                   <a:schemeClr val="bg2"/>

--- a/공유문서/수정요청/화면점검_20161217(통계분석).pptx
+++ b/공유문서/수정요청/화면점검_20161217(통계분석).pptx
@@ -221,14 +221,14 @@
           <a:effectLst/>
           <a:extLst>
             <a:ext uri="{909E8E84-426E-40DD-AFC4-6F175D3DCCD1}">
-              <a14:hiddenFill xmlns="" xmlns:a14="http://schemas.microsoft.com/office/drawing/2010/main">
+              <a14:hiddenFill xmlns:a14="http://schemas.microsoft.com/office/drawing/2010/main" xmlns="">
                 <a:solidFill>
                   <a:schemeClr val="accent1"/>
                 </a:solidFill>
               </a14:hiddenFill>
             </a:ext>
             <a:ext uri="{91240B29-F687-4F45-9708-019B960494DF}">
-              <a14:hiddenLine xmlns="" xmlns:a14="http://schemas.microsoft.com/office/drawing/2010/main" w="9525">
+              <a14:hiddenLine xmlns:a14="http://schemas.microsoft.com/office/drawing/2010/main" xmlns="" w="9525">
                 <a:solidFill>
                   <a:schemeClr val="tx1"/>
                 </a:solidFill>
@@ -238,7 +238,7 @@
               </a14:hiddenLine>
             </a:ext>
             <a:ext uri="{AF507438-7753-43E0-B8FC-AC1667EBCBE1}">
-              <a14:hiddenEffects xmlns="" xmlns:a14="http://schemas.microsoft.com/office/drawing/2010/main">
+              <a14:hiddenEffects xmlns:a14="http://schemas.microsoft.com/office/drawing/2010/main" xmlns="">
                 <a:effectLst>
                   <a:outerShdw dist="35921" dir="2700000" algn="ctr" rotWithShape="0">
                     <a:schemeClr val="bg2"/>
@@ -292,14 +292,14 @@
           <a:effectLst/>
           <a:extLst>
             <a:ext uri="{909E8E84-426E-40DD-AFC4-6F175D3DCCD1}">
-              <a14:hiddenFill xmlns="" xmlns:a14="http://schemas.microsoft.com/office/drawing/2010/main">
+              <a14:hiddenFill xmlns:a14="http://schemas.microsoft.com/office/drawing/2010/main" xmlns="">
                 <a:solidFill>
                   <a:schemeClr val="accent1"/>
                 </a:solidFill>
               </a14:hiddenFill>
             </a:ext>
             <a:ext uri="{91240B29-F687-4F45-9708-019B960494DF}">
-              <a14:hiddenLine xmlns="" xmlns:a14="http://schemas.microsoft.com/office/drawing/2010/main" w="9525">
+              <a14:hiddenLine xmlns:a14="http://schemas.microsoft.com/office/drawing/2010/main" xmlns="" w="9525">
                 <a:solidFill>
                   <a:schemeClr val="tx1"/>
                 </a:solidFill>
@@ -309,7 +309,7 @@
               </a14:hiddenLine>
             </a:ext>
             <a:ext uri="{AF507438-7753-43E0-B8FC-AC1667EBCBE1}">
-              <a14:hiddenEffects xmlns="" xmlns:a14="http://schemas.microsoft.com/office/drawing/2010/main">
+              <a14:hiddenEffects xmlns:a14="http://schemas.microsoft.com/office/drawing/2010/main" xmlns="">
                 <a:effectLst>
                   <a:outerShdw dist="35921" dir="2700000" algn="ctr" rotWithShape="0">
                     <a:schemeClr val="bg2"/>
@@ -363,14 +363,14 @@
           <a:effectLst/>
           <a:extLst>
             <a:ext uri="{909E8E84-426E-40DD-AFC4-6F175D3DCCD1}">
-              <a14:hiddenFill xmlns="" xmlns:a14="http://schemas.microsoft.com/office/drawing/2010/main">
+              <a14:hiddenFill xmlns:a14="http://schemas.microsoft.com/office/drawing/2010/main" xmlns="">
                 <a:solidFill>
                   <a:schemeClr val="accent1"/>
                 </a:solidFill>
               </a14:hiddenFill>
             </a:ext>
             <a:ext uri="{91240B29-F687-4F45-9708-019B960494DF}">
-              <a14:hiddenLine xmlns="" xmlns:a14="http://schemas.microsoft.com/office/drawing/2010/main" w="9525">
+              <a14:hiddenLine xmlns:a14="http://schemas.microsoft.com/office/drawing/2010/main" xmlns="" w="9525">
                 <a:solidFill>
                   <a:schemeClr val="tx1"/>
                 </a:solidFill>
@@ -380,7 +380,7 @@
               </a14:hiddenLine>
             </a:ext>
             <a:ext uri="{AF507438-7753-43E0-B8FC-AC1667EBCBE1}">
-              <a14:hiddenEffects xmlns="" xmlns:a14="http://schemas.microsoft.com/office/drawing/2010/main">
+              <a14:hiddenEffects xmlns:a14="http://schemas.microsoft.com/office/drawing/2010/main" xmlns="">
                 <a:effectLst>
                   <a:outerShdw dist="35921" dir="2700000" algn="ctr" rotWithShape="0">
                     <a:schemeClr val="bg2"/>
@@ -434,14 +434,14 @@
           <a:effectLst/>
           <a:extLst>
             <a:ext uri="{909E8E84-426E-40DD-AFC4-6F175D3DCCD1}">
-              <a14:hiddenFill xmlns="" xmlns:a14="http://schemas.microsoft.com/office/drawing/2010/main">
+              <a14:hiddenFill xmlns:a14="http://schemas.microsoft.com/office/drawing/2010/main" xmlns="">
                 <a:solidFill>
                   <a:schemeClr val="accent1"/>
                 </a:solidFill>
               </a14:hiddenFill>
             </a:ext>
             <a:ext uri="{91240B29-F687-4F45-9708-019B960494DF}">
-              <a14:hiddenLine xmlns="" xmlns:a14="http://schemas.microsoft.com/office/drawing/2010/main" w="9525">
+              <a14:hiddenLine xmlns:a14="http://schemas.microsoft.com/office/drawing/2010/main" xmlns="" w="9525">
                 <a:solidFill>
                   <a:schemeClr val="tx1"/>
                 </a:solidFill>
@@ -451,7 +451,7 @@
               </a14:hiddenLine>
             </a:ext>
             <a:ext uri="{AF507438-7753-43E0-B8FC-AC1667EBCBE1}">
-              <a14:hiddenEffects xmlns="" xmlns:a14="http://schemas.microsoft.com/office/drawing/2010/main">
+              <a14:hiddenEffects xmlns:a14="http://schemas.microsoft.com/office/drawing/2010/main" xmlns="">
                 <a:effectLst>
                   <a:outerShdw dist="35921" dir="2700000" algn="ctr" rotWithShape="0">
                     <a:schemeClr val="bg2"/>
@@ -488,7 +488,7 @@
     </p:spTree>
     <p:extLst>
       <p:ext uri="{BB962C8B-B14F-4D97-AF65-F5344CB8AC3E}">
-        <p14:creationId xmlns="" xmlns:p14="http://schemas.microsoft.com/office/powerpoint/2010/main" val="2069468955"/>
+        <p14:creationId xmlns:p14="http://schemas.microsoft.com/office/powerpoint/2010/main" xmlns="" val="2069468955"/>
       </p:ext>
     </p:extLst>
   </p:cSld>
@@ -546,14 +546,14 @@
           <a:effectLst/>
           <a:extLst>
             <a:ext uri="{909E8E84-426E-40DD-AFC4-6F175D3DCCD1}">
-              <a14:hiddenFill xmlns="" xmlns:a14="http://schemas.microsoft.com/office/drawing/2010/main">
+              <a14:hiddenFill xmlns:a14="http://schemas.microsoft.com/office/drawing/2010/main" xmlns="">
                 <a:solidFill>
                   <a:schemeClr val="accent1"/>
                 </a:solidFill>
               </a14:hiddenFill>
             </a:ext>
             <a:ext uri="{91240B29-F687-4F45-9708-019B960494DF}">
-              <a14:hiddenLine xmlns="" xmlns:a14="http://schemas.microsoft.com/office/drawing/2010/main" w="9525">
+              <a14:hiddenLine xmlns:a14="http://schemas.microsoft.com/office/drawing/2010/main" xmlns="" w="9525">
                 <a:solidFill>
                   <a:schemeClr val="tx1"/>
                 </a:solidFill>
@@ -563,7 +563,7 @@
               </a14:hiddenLine>
             </a:ext>
             <a:ext uri="{AF507438-7753-43E0-B8FC-AC1667EBCBE1}">
-              <a14:hiddenEffects xmlns="" xmlns:a14="http://schemas.microsoft.com/office/drawing/2010/main">
+              <a14:hiddenEffects xmlns:a14="http://schemas.microsoft.com/office/drawing/2010/main" xmlns="">
                 <a:effectLst>
                   <a:outerShdw dist="35921" dir="2700000" algn="ctr" rotWithShape="0">
                     <a:schemeClr val="bg2"/>
@@ -617,14 +617,14 @@
           <a:effectLst/>
           <a:extLst>
             <a:ext uri="{909E8E84-426E-40DD-AFC4-6F175D3DCCD1}">
-              <a14:hiddenFill xmlns="" xmlns:a14="http://schemas.microsoft.com/office/drawing/2010/main">
+              <a14:hiddenFill xmlns:a14="http://schemas.microsoft.com/office/drawing/2010/main" xmlns="">
                 <a:solidFill>
                   <a:schemeClr val="accent1"/>
                 </a:solidFill>
               </a14:hiddenFill>
             </a:ext>
             <a:ext uri="{91240B29-F687-4F45-9708-019B960494DF}">
-              <a14:hiddenLine xmlns="" xmlns:a14="http://schemas.microsoft.com/office/drawing/2010/main" w="9525">
+              <a14:hiddenLine xmlns:a14="http://schemas.microsoft.com/office/drawing/2010/main" xmlns="" w="9525">
                 <a:solidFill>
                   <a:schemeClr val="tx1"/>
                 </a:solidFill>
@@ -634,7 +634,7 @@
               </a14:hiddenLine>
             </a:ext>
             <a:ext uri="{AF507438-7753-43E0-B8FC-AC1667EBCBE1}">
-              <a14:hiddenEffects xmlns="" xmlns:a14="http://schemas.microsoft.com/office/drawing/2010/main">
+              <a14:hiddenEffects xmlns:a14="http://schemas.microsoft.com/office/drawing/2010/main" xmlns="">
                 <a:effectLst>
                   <a:outerShdw dist="35921" dir="2700000" algn="ctr" rotWithShape="0">
                     <a:schemeClr val="bg2"/>
@@ -693,7 +693,7 @@
           <a:effectLst/>
           <a:extLst>
             <a:ext uri="{AF507438-7753-43E0-B8FC-AC1667EBCBE1}">
-              <a14:hiddenEffects xmlns="" xmlns:a14="http://schemas.microsoft.com/office/drawing/2010/main">
+              <a14:hiddenEffects xmlns:a14="http://schemas.microsoft.com/office/drawing/2010/main" xmlns="">
                 <a:effectLst>
                   <a:outerShdw dist="35921" dir="2700000" algn="ctr" rotWithShape="0">
                     <a:srgbClr val="808080"/>
@@ -702,7 +702,7 @@
               </a14:hiddenEffects>
             </a:ext>
             <a:ext uri="{53640926-AAD7-44D8-BBD7-CCE9431645EC}">
-              <a14:shadowObscured xmlns="" xmlns:a14="http://schemas.microsoft.com/office/drawing/2010/main" val="1"/>
+              <a14:shadowObscured xmlns:a14="http://schemas.microsoft.com/office/drawing/2010/main" xmlns="" val="1"/>
             </a:ext>
           </a:extLst>
         </p:spPr>
@@ -732,14 +732,14 @@
           <a:effectLst/>
           <a:extLst>
             <a:ext uri="{909E8E84-426E-40DD-AFC4-6F175D3DCCD1}">
-              <a14:hiddenFill xmlns="" xmlns:a14="http://schemas.microsoft.com/office/drawing/2010/main">
+              <a14:hiddenFill xmlns:a14="http://schemas.microsoft.com/office/drawing/2010/main" xmlns="">
                 <a:solidFill>
                   <a:schemeClr val="accent1"/>
                 </a:solidFill>
               </a14:hiddenFill>
             </a:ext>
             <a:ext uri="{91240B29-F687-4F45-9708-019B960494DF}">
-              <a14:hiddenLine xmlns="" xmlns:a14="http://schemas.microsoft.com/office/drawing/2010/main" w="9525">
+              <a14:hiddenLine xmlns:a14="http://schemas.microsoft.com/office/drawing/2010/main" xmlns="" w="9525">
                 <a:solidFill>
                   <a:schemeClr val="tx1"/>
                 </a:solidFill>
@@ -749,7 +749,7 @@
               </a14:hiddenLine>
             </a:ext>
             <a:ext uri="{AF507438-7753-43E0-B8FC-AC1667EBCBE1}">
-              <a14:hiddenEffects xmlns="" xmlns:a14="http://schemas.microsoft.com/office/drawing/2010/main">
+              <a14:hiddenEffects xmlns:a14="http://schemas.microsoft.com/office/drawing/2010/main" xmlns="">
                 <a:effectLst>
                   <a:outerShdw dist="35921" dir="2700000" algn="ctr" rotWithShape="0">
                     <a:schemeClr val="bg2"/>
@@ -828,14 +828,14 @@
           <a:effectLst/>
           <a:extLst>
             <a:ext uri="{909E8E84-426E-40DD-AFC4-6F175D3DCCD1}">
-              <a14:hiddenFill xmlns="" xmlns:a14="http://schemas.microsoft.com/office/drawing/2010/main">
+              <a14:hiddenFill xmlns:a14="http://schemas.microsoft.com/office/drawing/2010/main" xmlns="">
                 <a:solidFill>
                   <a:schemeClr val="accent1"/>
                 </a:solidFill>
               </a14:hiddenFill>
             </a:ext>
             <a:ext uri="{91240B29-F687-4F45-9708-019B960494DF}">
-              <a14:hiddenLine xmlns="" xmlns:a14="http://schemas.microsoft.com/office/drawing/2010/main" w="9525">
+              <a14:hiddenLine xmlns:a14="http://schemas.microsoft.com/office/drawing/2010/main" xmlns="" w="9525">
                 <a:solidFill>
                   <a:schemeClr val="tx1"/>
                 </a:solidFill>
@@ -845,7 +845,7 @@
               </a14:hiddenLine>
             </a:ext>
             <a:ext uri="{AF507438-7753-43E0-B8FC-AC1667EBCBE1}">
-              <a14:hiddenEffects xmlns="" xmlns:a14="http://schemas.microsoft.com/office/drawing/2010/main">
+              <a14:hiddenEffects xmlns:a14="http://schemas.microsoft.com/office/drawing/2010/main" xmlns="">
                 <a:effectLst>
                   <a:outerShdw dist="35921" dir="2700000" algn="ctr" rotWithShape="0">
                     <a:schemeClr val="bg2"/>
@@ -899,14 +899,14 @@
           <a:effectLst/>
           <a:extLst>
             <a:ext uri="{909E8E84-426E-40DD-AFC4-6F175D3DCCD1}">
-              <a14:hiddenFill xmlns="" xmlns:a14="http://schemas.microsoft.com/office/drawing/2010/main">
+              <a14:hiddenFill xmlns:a14="http://schemas.microsoft.com/office/drawing/2010/main" xmlns="">
                 <a:solidFill>
                   <a:schemeClr val="accent1"/>
                 </a:solidFill>
               </a14:hiddenFill>
             </a:ext>
             <a:ext uri="{91240B29-F687-4F45-9708-019B960494DF}">
-              <a14:hiddenLine xmlns="" xmlns:a14="http://schemas.microsoft.com/office/drawing/2010/main" w="9525">
+              <a14:hiddenLine xmlns:a14="http://schemas.microsoft.com/office/drawing/2010/main" xmlns="" w="9525">
                 <a:solidFill>
                   <a:schemeClr val="tx1"/>
                 </a:solidFill>
@@ -916,7 +916,7 @@
               </a14:hiddenLine>
             </a:ext>
             <a:ext uri="{AF507438-7753-43E0-B8FC-AC1667EBCBE1}">
-              <a14:hiddenEffects xmlns="" xmlns:a14="http://schemas.microsoft.com/office/drawing/2010/main">
+              <a14:hiddenEffects xmlns:a14="http://schemas.microsoft.com/office/drawing/2010/main" xmlns="">
                 <a:effectLst>
                   <a:outerShdw dist="35921" dir="2700000" algn="ctr" rotWithShape="0">
                     <a:schemeClr val="bg2"/>
@@ -953,7 +953,7 @@
     </p:spTree>
     <p:extLst>
       <p:ext uri="{BB962C8B-B14F-4D97-AF65-F5344CB8AC3E}">
-        <p14:creationId xmlns="" xmlns:p14="http://schemas.microsoft.com/office/powerpoint/2010/main" val="4157978950"/>
+        <p14:creationId xmlns:p14="http://schemas.microsoft.com/office/powerpoint/2010/main" xmlns="" val="4157978950"/>
       </p:ext>
     </p:extLst>
   </p:cSld>
@@ -1149,7 +1149,7 @@
             <a:effectLst/>
             <a:extLst>
               <a:ext uri="{91240B29-F687-4F45-9708-019B960494DF}">
-                <a14:hiddenLine xmlns="" xmlns:a14="http://schemas.microsoft.com/office/drawing/2010/main" w="9525">
+                <a14:hiddenLine xmlns:a14="http://schemas.microsoft.com/office/drawing/2010/main" xmlns="" w="9525">
                   <a:solidFill>
                     <a:schemeClr val="tx1"/>
                   </a:solidFill>
@@ -1159,7 +1159,7 @@
                 </a14:hiddenLine>
               </a:ext>
               <a:ext uri="{AF507438-7753-43E0-B8FC-AC1667EBCBE1}">
-                <a14:hiddenEffects xmlns="" xmlns:a14="http://schemas.microsoft.com/office/drawing/2010/main">
+                <a14:hiddenEffects xmlns:a14="http://schemas.microsoft.com/office/drawing/2010/main" xmlns="">
                   <a:effectLst>
                     <a:outerShdw dist="35921" dir="2700000" algn="ctr" rotWithShape="0">
                       <a:schemeClr val="bg2"/>
@@ -1212,7 +1212,7 @@
             </a:ln>
             <a:extLst>
               <a:ext uri="{91240B29-F687-4F45-9708-019B960494DF}">
-                <a14:hiddenLine xmlns="" xmlns:a14="http://schemas.microsoft.com/office/drawing/2010/main" w="9525">
+                <a14:hiddenLine xmlns:a14="http://schemas.microsoft.com/office/drawing/2010/main" xmlns="" w="9525">
                   <a:solidFill>
                     <a:srgbClr val="000000"/>
                   </a:solidFill>
@@ -1282,7 +1282,7 @@
               </a:ln>
               <a:extLst>
                 <a:ext uri="{91240B29-F687-4F45-9708-019B960494DF}">
-                  <a14:hiddenLine xmlns="" xmlns:a14="http://schemas.microsoft.com/office/drawing/2010/main" w="9525">
+                  <a14:hiddenLine xmlns:a14="http://schemas.microsoft.com/office/drawing/2010/main" xmlns="" w="9525">
                     <a:solidFill>
                       <a:srgbClr val="000000"/>
                     </a:solidFill>
@@ -1336,7 +1336,7 @@
               </a:ln>
               <a:extLst>
                 <a:ext uri="{91240B29-F687-4F45-9708-019B960494DF}">
-                  <a14:hiddenLine xmlns="" xmlns:a14="http://schemas.microsoft.com/office/drawing/2010/main" w="9525">
+                  <a14:hiddenLine xmlns:a14="http://schemas.microsoft.com/office/drawing/2010/main" xmlns="" w="9525">
                     <a:solidFill>
                       <a:srgbClr val="000000"/>
                     </a:solidFill>
@@ -1390,7 +1390,7 @@
               </a:ln>
               <a:extLst>
                 <a:ext uri="{91240B29-F687-4F45-9708-019B960494DF}">
-                  <a14:hiddenLine xmlns="" xmlns:a14="http://schemas.microsoft.com/office/drawing/2010/main" w="9525">
+                  <a14:hiddenLine xmlns:a14="http://schemas.microsoft.com/office/drawing/2010/main" xmlns="" w="9525">
                     <a:solidFill>
                       <a:srgbClr val="000000"/>
                     </a:solidFill>
@@ -1444,7 +1444,7 @@
               </a:ln>
               <a:extLst>
                 <a:ext uri="{91240B29-F687-4F45-9708-019B960494DF}">
-                  <a14:hiddenLine xmlns="" xmlns:a14="http://schemas.microsoft.com/office/drawing/2010/main" w="9525">
+                  <a14:hiddenLine xmlns:a14="http://schemas.microsoft.com/office/drawing/2010/main" xmlns="" w="9525">
                     <a:solidFill>
                       <a:srgbClr val="000000"/>
                     </a:solidFill>
@@ -1498,7 +1498,7 @@
               </a:ln>
               <a:extLst>
                 <a:ext uri="{91240B29-F687-4F45-9708-019B960494DF}">
-                  <a14:hiddenLine xmlns="" xmlns:a14="http://schemas.microsoft.com/office/drawing/2010/main" w="9525">
+                  <a14:hiddenLine xmlns:a14="http://schemas.microsoft.com/office/drawing/2010/main" xmlns="" w="9525">
                     <a:solidFill>
                       <a:srgbClr val="000000"/>
                     </a:solidFill>
@@ -1552,7 +1552,7 @@
               </a:ln>
               <a:extLst>
                 <a:ext uri="{91240B29-F687-4F45-9708-019B960494DF}">
-                  <a14:hiddenLine xmlns="" xmlns:a14="http://schemas.microsoft.com/office/drawing/2010/main" w="9525">
+                  <a14:hiddenLine xmlns:a14="http://schemas.microsoft.com/office/drawing/2010/main" xmlns="" w="9525">
                     <a:solidFill>
                       <a:srgbClr val="000000"/>
                     </a:solidFill>
@@ -1606,7 +1606,7 @@
               </a:ln>
               <a:extLst>
                 <a:ext uri="{91240B29-F687-4F45-9708-019B960494DF}">
-                  <a14:hiddenLine xmlns="" xmlns:a14="http://schemas.microsoft.com/office/drawing/2010/main" w="9525">
+                  <a14:hiddenLine xmlns:a14="http://schemas.microsoft.com/office/drawing/2010/main" xmlns="" w="9525">
                     <a:solidFill>
                       <a:srgbClr val="000000"/>
                     </a:solidFill>
@@ -1660,7 +1660,7 @@
               </a:ln>
               <a:extLst>
                 <a:ext uri="{91240B29-F687-4F45-9708-019B960494DF}">
-                  <a14:hiddenLine xmlns="" xmlns:a14="http://schemas.microsoft.com/office/drawing/2010/main" w="9525">
+                  <a14:hiddenLine xmlns:a14="http://schemas.microsoft.com/office/drawing/2010/main" xmlns="" w="9525">
                     <a:solidFill>
                       <a:srgbClr val="000000"/>
                     </a:solidFill>
@@ -1714,7 +1714,7 @@
               </a:ln>
               <a:extLst>
                 <a:ext uri="{91240B29-F687-4F45-9708-019B960494DF}">
-                  <a14:hiddenLine xmlns="" xmlns:a14="http://schemas.microsoft.com/office/drawing/2010/main" w="9525">
+                  <a14:hiddenLine xmlns:a14="http://schemas.microsoft.com/office/drawing/2010/main" xmlns="" w="9525">
                     <a:solidFill>
                       <a:srgbClr val="000000"/>
                     </a:solidFill>
@@ -1768,7 +1768,7 @@
               </a:ln>
               <a:extLst>
                 <a:ext uri="{91240B29-F687-4F45-9708-019B960494DF}">
-                  <a14:hiddenLine xmlns="" xmlns:a14="http://schemas.microsoft.com/office/drawing/2010/main" w="9525">
+                  <a14:hiddenLine xmlns:a14="http://schemas.microsoft.com/office/drawing/2010/main" xmlns="" w="9525">
                     <a:solidFill>
                       <a:srgbClr val="000000"/>
                     </a:solidFill>
@@ -2127,7 +2127,7 @@
     </p:spTree>
     <p:extLst>
       <p:ext uri="{BB962C8B-B14F-4D97-AF65-F5344CB8AC3E}">
-        <p14:creationId xmlns="" xmlns:p14="http://schemas.microsoft.com/office/powerpoint/2010/main" val="86913377"/>
+        <p14:creationId xmlns:p14="http://schemas.microsoft.com/office/powerpoint/2010/main" xmlns="" val="86913377"/>
       </p:ext>
     </p:extLst>
   </p:cSld>
@@ -2317,7 +2317,7 @@
     </p:spTree>
     <p:extLst>
       <p:ext uri="{BB962C8B-B14F-4D97-AF65-F5344CB8AC3E}">
-        <p14:creationId xmlns="" xmlns:p14="http://schemas.microsoft.com/office/powerpoint/2010/main" val="4273429077"/>
+        <p14:creationId xmlns:p14="http://schemas.microsoft.com/office/powerpoint/2010/main" xmlns="" val="4273429077"/>
       </p:ext>
     </p:extLst>
   </p:cSld>
@@ -2579,7 +2579,7 @@
     </p:spTree>
     <p:extLst>
       <p:ext uri="{BB962C8B-B14F-4D97-AF65-F5344CB8AC3E}">
-        <p14:creationId xmlns="" xmlns:p14="http://schemas.microsoft.com/office/powerpoint/2010/main" val="831120082"/>
+        <p14:creationId xmlns:p14="http://schemas.microsoft.com/office/powerpoint/2010/main" xmlns="" val="831120082"/>
       </p:ext>
     </p:extLst>
   </p:cSld>
@@ -2812,7 +2812,7 @@
     </p:spTree>
     <p:extLst>
       <p:ext uri="{BB962C8B-B14F-4D97-AF65-F5344CB8AC3E}">
-        <p14:creationId xmlns="" xmlns:p14="http://schemas.microsoft.com/office/powerpoint/2010/main" val="2373605731"/>
+        <p14:creationId xmlns:p14="http://schemas.microsoft.com/office/powerpoint/2010/main" xmlns="" val="2373605731"/>
       </p:ext>
     </p:extLst>
   </p:cSld>
@@ -3045,7 +3045,7 @@
     </p:spTree>
     <p:extLst>
       <p:ext uri="{BB962C8B-B14F-4D97-AF65-F5344CB8AC3E}">
-        <p14:creationId xmlns="" xmlns:p14="http://schemas.microsoft.com/office/powerpoint/2010/main" val="1881871935"/>
+        <p14:creationId xmlns:p14="http://schemas.microsoft.com/office/powerpoint/2010/main" xmlns="" val="1881871935"/>
       </p:ext>
     </p:extLst>
   </p:cSld>
@@ -3225,7 +3225,7 @@
     </p:spTree>
     <p:extLst>
       <p:ext uri="{BB962C8B-B14F-4D97-AF65-F5344CB8AC3E}">
-        <p14:creationId xmlns="" xmlns:p14="http://schemas.microsoft.com/office/powerpoint/2010/main" val="2048350811"/>
+        <p14:creationId xmlns:p14="http://schemas.microsoft.com/office/powerpoint/2010/main" xmlns="" val="2048350811"/>
       </p:ext>
     </p:extLst>
   </p:cSld>
@@ -3427,7 +3427,7 @@
     </p:spTree>
     <p:extLst>
       <p:ext uri="{BB962C8B-B14F-4D97-AF65-F5344CB8AC3E}">
-        <p14:creationId xmlns="" xmlns:p14="http://schemas.microsoft.com/office/powerpoint/2010/main" val="2196783589"/>
+        <p14:creationId xmlns:p14="http://schemas.microsoft.com/office/powerpoint/2010/main" xmlns="" val="2196783589"/>
       </p:ext>
     </p:extLst>
   </p:cSld>
@@ -3725,7 +3725,7 @@
     </p:spTree>
     <p:extLst>
       <p:ext uri="{BB962C8B-B14F-4D97-AF65-F5344CB8AC3E}">
-        <p14:creationId xmlns="" xmlns:p14="http://schemas.microsoft.com/office/powerpoint/2010/main" val="814128731"/>
+        <p14:creationId xmlns:p14="http://schemas.microsoft.com/office/powerpoint/2010/main" xmlns="" val="814128731"/>
       </p:ext>
     </p:extLst>
   </p:cSld>
@@ -4162,7 +4162,7 @@
     </p:spTree>
     <p:extLst>
       <p:ext uri="{BB962C8B-B14F-4D97-AF65-F5344CB8AC3E}">
-        <p14:creationId xmlns="" xmlns:p14="http://schemas.microsoft.com/office/powerpoint/2010/main" val="692798999"/>
+        <p14:creationId xmlns:p14="http://schemas.microsoft.com/office/powerpoint/2010/main" xmlns="" val="692798999"/>
       </p:ext>
     </p:extLst>
   </p:cSld>
@@ -4290,7 +4290,7 @@
     </p:spTree>
     <p:extLst>
       <p:ext uri="{BB962C8B-B14F-4D97-AF65-F5344CB8AC3E}">
-        <p14:creationId xmlns="" xmlns:p14="http://schemas.microsoft.com/office/powerpoint/2010/main" val="971838808"/>
+        <p14:creationId xmlns:p14="http://schemas.microsoft.com/office/powerpoint/2010/main" xmlns="" val="971838808"/>
       </p:ext>
     </p:extLst>
   </p:cSld>
@@ -4395,7 +4395,7 @@
     </p:spTree>
     <p:extLst>
       <p:ext uri="{BB962C8B-B14F-4D97-AF65-F5344CB8AC3E}">
-        <p14:creationId xmlns="" xmlns:p14="http://schemas.microsoft.com/office/powerpoint/2010/main" val="4268550838"/>
+        <p14:creationId xmlns:p14="http://schemas.microsoft.com/office/powerpoint/2010/main" xmlns="" val="4268550838"/>
       </p:ext>
     </p:extLst>
   </p:cSld>
@@ -4682,7 +4682,7 @@
     </p:spTree>
     <p:extLst>
       <p:ext uri="{BB962C8B-B14F-4D97-AF65-F5344CB8AC3E}">
-        <p14:creationId xmlns="" xmlns:p14="http://schemas.microsoft.com/office/powerpoint/2010/main" val="835405000"/>
+        <p14:creationId xmlns:p14="http://schemas.microsoft.com/office/powerpoint/2010/main" xmlns="" val="835405000"/>
       </p:ext>
     </p:extLst>
   </p:cSld>
@@ -4949,7 +4949,7 @@
     </p:spTree>
     <p:extLst>
       <p:ext uri="{BB962C8B-B14F-4D97-AF65-F5344CB8AC3E}">
-        <p14:creationId xmlns="" xmlns:p14="http://schemas.microsoft.com/office/powerpoint/2010/main" val="1218909942"/>
+        <p14:creationId xmlns:p14="http://schemas.microsoft.com/office/powerpoint/2010/main" xmlns="" val="1218909942"/>
       </p:ext>
     </p:extLst>
   </p:cSld>
@@ -5010,14 +5010,14 @@
           <a:effectLst/>
           <a:extLst>
             <a:ext uri="{909E8E84-426E-40DD-AFC4-6F175D3DCCD1}">
-              <a14:hiddenFill xmlns="" xmlns:a14="http://schemas.microsoft.com/office/drawing/2010/main">
+              <a14:hiddenFill xmlns:a14="http://schemas.microsoft.com/office/drawing/2010/main" xmlns="">
                 <a:solidFill>
                   <a:schemeClr val="accent1"/>
                 </a:solidFill>
               </a14:hiddenFill>
             </a:ext>
             <a:ext uri="{91240B29-F687-4F45-9708-019B960494DF}">
-              <a14:hiddenLine xmlns="" xmlns:a14="http://schemas.microsoft.com/office/drawing/2010/main" w="9525">
+              <a14:hiddenLine xmlns:a14="http://schemas.microsoft.com/office/drawing/2010/main" xmlns="" w="9525">
                 <a:solidFill>
                   <a:schemeClr val="tx1"/>
                 </a:solidFill>
@@ -5027,7 +5027,7 @@
               </a14:hiddenLine>
             </a:ext>
             <a:ext uri="{AF507438-7753-43E0-B8FC-AC1667EBCBE1}">
-              <a14:hiddenEffects xmlns="" xmlns:a14="http://schemas.microsoft.com/office/drawing/2010/main">
+              <a14:hiddenEffects xmlns:a14="http://schemas.microsoft.com/office/drawing/2010/main" xmlns="">
                 <a:effectLst>
                   <a:outerShdw dist="35921" dir="2700000" algn="ctr" rotWithShape="0">
                     <a:schemeClr val="bg2"/>
@@ -5080,14 +5080,14 @@
           <a:effectLst/>
           <a:extLst>
             <a:ext uri="{909E8E84-426E-40DD-AFC4-6F175D3DCCD1}">
-              <a14:hiddenFill xmlns="" xmlns:a14="http://schemas.microsoft.com/office/drawing/2010/main">
+              <a14:hiddenFill xmlns:a14="http://schemas.microsoft.com/office/drawing/2010/main" xmlns="">
                 <a:solidFill>
                   <a:schemeClr val="accent1"/>
                 </a:solidFill>
               </a14:hiddenFill>
             </a:ext>
             <a:ext uri="{91240B29-F687-4F45-9708-019B960494DF}">
-              <a14:hiddenLine xmlns="" xmlns:a14="http://schemas.microsoft.com/office/drawing/2010/main" w="9525">
+              <a14:hiddenLine xmlns:a14="http://schemas.microsoft.com/office/drawing/2010/main" xmlns="" w="9525">
                 <a:solidFill>
                   <a:schemeClr val="tx1"/>
                 </a:solidFill>
@@ -5097,7 +5097,7 @@
               </a14:hiddenLine>
             </a:ext>
             <a:ext uri="{AF507438-7753-43E0-B8FC-AC1667EBCBE1}">
-              <a14:hiddenEffects xmlns="" xmlns:a14="http://schemas.microsoft.com/office/drawing/2010/main">
+              <a14:hiddenEffects xmlns:a14="http://schemas.microsoft.com/office/drawing/2010/main" xmlns="">
                 <a:effectLst>
                   <a:outerShdw dist="35921" dir="2700000" algn="ctr" rotWithShape="0">
                     <a:schemeClr val="bg2"/>
@@ -5180,7 +5180,7 @@
             <a:effectLst/>
             <a:extLst>
               <a:ext uri="{91240B29-F687-4F45-9708-019B960494DF}">
-                <a14:hiddenLine xmlns="" xmlns:a14="http://schemas.microsoft.com/office/drawing/2010/main" w="9525">
+                <a14:hiddenLine xmlns:a14="http://schemas.microsoft.com/office/drawing/2010/main" xmlns="" w="9525">
                   <a:solidFill>
                     <a:schemeClr val="tx1"/>
                   </a:solidFill>
@@ -5190,7 +5190,7 @@
                 </a14:hiddenLine>
               </a:ext>
               <a:ext uri="{AF507438-7753-43E0-B8FC-AC1667EBCBE1}">
-                <a14:hiddenEffects xmlns="" xmlns:a14="http://schemas.microsoft.com/office/drawing/2010/main">
+                <a14:hiddenEffects xmlns:a14="http://schemas.microsoft.com/office/drawing/2010/main" xmlns="">
                   <a:effectLst>
                     <a:outerShdw dist="35921" dir="2700000" algn="ctr" rotWithShape="0">
                       <a:schemeClr val="bg2"/>
@@ -5251,7 +5251,7 @@
             </a:ln>
             <a:extLst>
               <a:ext uri="{91240B29-F687-4F45-9708-019B960494DF}">
-                <a14:hiddenLine xmlns="" xmlns:a14="http://schemas.microsoft.com/office/drawing/2010/main" w="9525">
+                <a14:hiddenLine xmlns:a14="http://schemas.microsoft.com/office/drawing/2010/main" xmlns="" w="9525">
                   <a:solidFill>
                     <a:srgbClr val="000000"/>
                   </a:solidFill>
@@ -5305,7 +5305,7 @@
             </a:ln>
             <a:extLst>
               <a:ext uri="{91240B29-F687-4F45-9708-019B960494DF}">
-                <a14:hiddenLine xmlns="" xmlns:a14="http://schemas.microsoft.com/office/drawing/2010/main" w="9525">
+                <a14:hiddenLine xmlns:a14="http://schemas.microsoft.com/office/drawing/2010/main" xmlns="" w="9525">
                   <a:solidFill>
                     <a:srgbClr val="000000"/>
                   </a:solidFill>
@@ -5354,7 +5354,7 @@
             </a:ln>
             <a:extLst>
               <a:ext uri="{91240B29-F687-4F45-9708-019B960494DF}">
-                <a14:hiddenLine xmlns="" xmlns:a14="http://schemas.microsoft.com/office/drawing/2010/main" w="9525">
+                <a14:hiddenLine xmlns:a14="http://schemas.microsoft.com/office/drawing/2010/main" xmlns="" w="9525">
                   <a:solidFill>
                     <a:srgbClr val="000000"/>
                   </a:solidFill>
@@ -5403,7 +5403,7 @@
             </a:ln>
             <a:extLst>
               <a:ext uri="{91240B29-F687-4F45-9708-019B960494DF}">
-                <a14:hiddenLine xmlns="" xmlns:a14="http://schemas.microsoft.com/office/drawing/2010/main" w="9525">
+                <a14:hiddenLine xmlns:a14="http://schemas.microsoft.com/office/drawing/2010/main" xmlns="" w="9525">
                   <a:solidFill>
                     <a:srgbClr val="000000"/>
                   </a:solidFill>
@@ -5452,7 +5452,7 @@
             </a:ln>
             <a:extLst>
               <a:ext uri="{91240B29-F687-4F45-9708-019B960494DF}">
-                <a14:hiddenLine xmlns="" xmlns:a14="http://schemas.microsoft.com/office/drawing/2010/main" w="9525">
+                <a14:hiddenLine xmlns:a14="http://schemas.microsoft.com/office/drawing/2010/main" xmlns="" w="9525">
                   <a:solidFill>
                     <a:srgbClr val="000000"/>
                   </a:solidFill>
@@ -5501,7 +5501,7 @@
             </a:ln>
             <a:extLst>
               <a:ext uri="{91240B29-F687-4F45-9708-019B960494DF}">
-                <a14:hiddenLine xmlns="" xmlns:a14="http://schemas.microsoft.com/office/drawing/2010/main" w="9525">
+                <a14:hiddenLine xmlns:a14="http://schemas.microsoft.com/office/drawing/2010/main" xmlns="" w="9525">
                   <a:solidFill>
                     <a:srgbClr val="000000"/>
                   </a:solidFill>
@@ -5555,7 +5555,7 @@
             </a:ln>
             <a:extLst>
               <a:ext uri="{91240B29-F687-4F45-9708-019B960494DF}">
-                <a14:hiddenLine xmlns="" xmlns:a14="http://schemas.microsoft.com/office/drawing/2010/main" w="9525">
+                <a14:hiddenLine xmlns:a14="http://schemas.microsoft.com/office/drawing/2010/main" xmlns="" w="9525">
                   <a:solidFill>
                     <a:srgbClr val="000000"/>
                   </a:solidFill>
@@ -5604,7 +5604,7 @@
             </a:ln>
             <a:extLst>
               <a:ext uri="{91240B29-F687-4F45-9708-019B960494DF}">
-                <a14:hiddenLine xmlns="" xmlns:a14="http://schemas.microsoft.com/office/drawing/2010/main" w="9525">
+                <a14:hiddenLine xmlns:a14="http://schemas.microsoft.com/office/drawing/2010/main" xmlns="" w="9525">
                   <a:solidFill>
                     <a:srgbClr val="000000"/>
                   </a:solidFill>
@@ -5655,14 +5655,14 @@
           <a:effectLst/>
           <a:extLst>
             <a:ext uri="{909E8E84-426E-40DD-AFC4-6F175D3DCCD1}">
-              <a14:hiddenFill xmlns="" xmlns:a14="http://schemas.microsoft.com/office/drawing/2010/main">
+              <a14:hiddenFill xmlns:a14="http://schemas.microsoft.com/office/drawing/2010/main" xmlns="">
                 <a:solidFill>
                   <a:schemeClr val="accent1"/>
                 </a:solidFill>
               </a14:hiddenFill>
             </a:ext>
             <a:ext uri="{91240B29-F687-4F45-9708-019B960494DF}">
-              <a14:hiddenLine xmlns="" xmlns:a14="http://schemas.microsoft.com/office/drawing/2010/main" w="9525">
+              <a14:hiddenLine xmlns:a14="http://schemas.microsoft.com/office/drawing/2010/main" xmlns="" w="9525">
                 <a:solidFill>
                   <a:schemeClr val="tx1"/>
                 </a:solidFill>
@@ -5672,7 +5672,7 @@
               </a14:hiddenLine>
             </a:ext>
             <a:ext uri="{AF507438-7753-43E0-B8FC-AC1667EBCBE1}">
-              <a14:hiddenEffects xmlns="" xmlns:a14="http://schemas.microsoft.com/office/drawing/2010/main">
+              <a14:hiddenEffects xmlns:a14="http://schemas.microsoft.com/office/drawing/2010/main" xmlns="">
                 <a:effectLst>
                   <a:outerShdw dist="35921" dir="2700000" algn="ctr" rotWithShape="0">
                     <a:schemeClr val="bg2"/>
@@ -5723,14 +5723,14 @@
           <a:effectLst/>
           <a:extLst>
             <a:ext uri="{909E8E84-426E-40DD-AFC4-6F175D3DCCD1}">
-              <a14:hiddenFill xmlns="" xmlns:a14="http://schemas.microsoft.com/office/drawing/2010/main">
+              <a14:hiddenFill xmlns:a14="http://schemas.microsoft.com/office/drawing/2010/main" xmlns="">
                 <a:solidFill>
                   <a:schemeClr val="accent1"/>
                 </a:solidFill>
               </a14:hiddenFill>
             </a:ext>
             <a:ext uri="{91240B29-F687-4F45-9708-019B960494DF}">
-              <a14:hiddenLine xmlns="" xmlns:a14="http://schemas.microsoft.com/office/drawing/2010/main" w="9525">
+              <a14:hiddenLine xmlns:a14="http://schemas.microsoft.com/office/drawing/2010/main" xmlns="" w="9525">
                 <a:solidFill>
                   <a:schemeClr val="tx1"/>
                 </a:solidFill>
@@ -5740,7 +5740,7 @@
               </a14:hiddenLine>
             </a:ext>
             <a:ext uri="{AF507438-7753-43E0-B8FC-AC1667EBCBE1}">
-              <a14:hiddenEffects xmlns="" xmlns:a14="http://schemas.microsoft.com/office/drawing/2010/main">
+              <a14:hiddenEffects xmlns:a14="http://schemas.microsoft.com/office/drawing/2010/main" xmlns="">
                 <a:effectLst>
                   <a:outerShdw dist="35921" dir="2700000" algn="ctr" rotWithShape="0">
                     <a:schemeClr val="bg2"/>
@@ -5819,14 +5819,14 @@
           <a:effectLst/>
           <a:extLst>
             <a:ext uri="{909E8E84-426E-40DD-AFC4-6F175D3DCCD1}">
-              <a14:hiddenFill xmlns="" xmlns:a14="http://schemas.microsoft.com/office/drawing/2010/main">
+              <a14:hiddenFill xmlns:a14="http://schemas.microsoft.com/office/drawing/2010/main" xmlns="">
                 <a:solidFill>
                   <a:schemeClr val="accent1"/>
                 </a:solidFill>
               </a14:hiddenFill>
             </a:ext>
             <a:ext uri="{91240B29-F687-4F45-9708-019B960494DF}">
-              <a14:hiddenLine xmlns="" xmlns:a14="http://schemas.microsoft.com/office/drawing/2010/main" w="9525">
+              <a14:hiddenLine xmlns:a14="http://schemas.microsoft.com/office/drawing/2010/main" xmlns="" w="9525">
                 <a:solidFill>
                   <a:schemeClr val="tx1"/>
                 </a:solidFill>
@@ -5836,7 +5836,7 @@
               </a14:hiddenLine>
             </a:ext>
             <a:ext uri="{AF507438-7753-43E0-B8FC-AC1667EBCBE1}">
-              <a14:hiddenEffects xmlns="" xmlns:a14="http://schemas.microsoft.com/office/drawing/2010/main">
+              <a14:hiddenEffects xmlns:a14="http://schemas.microsoft.com/office/drawing/2010/main" xmlns="">
                 <a:effectLst>
                   <a:outerShdw dist="35921" dir="2700000" algn="ctr" rotWithShape="0">
                     <a:schemeClr val="bg2"/>
@@ -6545,7 +6545,7 @@
             <a:effectLst/>
             <a:extLst>
               <a:ext uri="{AF507438-7753-43E0-B8FC-AC1667EBCBE1}">
-                <a14:hiddenEffects xmlns="" xmlns:a14="http://schemas.microsoft.com/office/drawing/2010/main">
+                <a14:hiddenEffects xmlns:a14="http://schemas.microsoft.com/office/drawing/2010/main" xmlns="">
                   <a:effectLst>
                     <a:outerShdw dist="35921" dir="2700000" algn="ctr" rotWithShape="0">
                       <a:schemeClr val="bg2"/>
@@ -6585,7 +6585,7 @@
             <a:effectLst/>
             <a:extLst>
               <a:ext uri="{AF507438-7753-43E0-B8FC-AC1667EBCBE1}">
-                <a14:hiddenEffects xmlns="" xmlns:a14="http://schemas.microsoft.com/office/drawing/2010/main">
+                <a14:hiddenEffects xmlns:a14="http://schemas.microsoft.com/office/drawing/2010/main" xmlns="">
                   <a:effectLst>
                     <a:outerShdw dist="35921" dir="2700000" algn="ctr" rotWithShape="0">
                       <a:schemeClr val="bg2"/>
@@ -6625,7 +6625,7 @@
             <a:effectLst/>
             <a:extLst>
               <a:ext uri="{AF507438-7753-43E0-B8FC-AC1667EBCBE1}">
-                <a14:hiddenEffects xmlns="" xmlns:a14="http://schemas.microsoft.com/office/drawing/2010/main">
+                <a14:hiddenEffects xmlns:a14="http://schemas.microsoft.com/office/drawing/2010/main" xmlns="">
                   <a:effectLst>
                     <a:outerShdw dist="35921" dir="2700000" algn="ctr" rotWithShape="0">
                       <a:schemeClr val="bg2"/>
@@ -6668,7 +6668,7 @@
             <a:effectLst/>
             <a:extLst>
               <a:ext uri="{AF507438-7753-43E0-B8FC-AC1667EBCBE1}">
-                <a14:hiddenEffects xmlns="" xmlns:a14="http://schemas.microsoft.com/office/drawing/2010/main">
+                <a14:hiddenEffects xmlns:a14="http://schemas.microsoft.com/office/drawing/2010/main" xmlns="">
                   <a:effectLst>
                     <a:outerShdw dist="35921" dir="2700000" algn="ctr" rotWithShape="0">
                       <a:schemeClr val="bg2"/>
@@ -6735,7 +6735,7 @@
     </p:spTree>
     <p:extLst>
       <p:ext uri="{BB962C8B-B14F-4D97-AF65-F5344CB8AC3E}">
-        <p14:creationId xmlns="" xmlns:p14="http://schemas.microsoft.com/office/powerpoint/2010/main" val="703775315"/>
+        <p14:creationId xmlns:p14="http://schemas.microsoft.com/office/powerpoint/2010/main" xmlns="" val="703775315"/>
       </p:ext>
     </p:extLst>
   </p:cSld>
@@ -7000,7 +7000,7 @@
             <a:effectLst/>
             <a:extLst>
               <a:ext uri="{AF507438-7753-43E0-B8FC-AC1667EBCBE1}">
-                <a14:hiddenEffects xmlns="" xmlns:a14="http://schemas.microsoft.com/office/drawing/2010/main">
+                <a14:hiddenEffects xmlns:a14="http://schemas.microsoft.com/office/drawing/2010/main" xmlns="">
                   <a:effectLst>
                     <a:outerShdw dist="35921" dir="2700000" algn="ctr" rotWithShape="0">
                       <a:schemeClr val="bg2"/>
@@ -7040,7 +7040,7 @@
             <a:effectLst/>
             <a:extLst>
               <a:ext uri="{AF507438-7753-43E0-B8FC-AC1667EBCBE1}">
-                <a14:hiddenEffects xmlns="" xmlns:a14="http://schemas.microsoft.com/office/drawing/2010/main">
+                <a14:hiddenEffects xmlns:a14="http://schemas.microsoft.com/office/drawing/2010/main" xmlns="">
                   <a:effectLst>
                     <a:outerShdw dist="35921" dir="2700000" algn="ctr" rotWithShape="0">
                       <a:schemeClr val="bg2"/>
@@ -7080,7 +7080,7 @@
             <a:effectLst/>
             <a:extLst>
               <a:ext uri="{AF507438-7753-43E0-B8FC-AC1667EBCBE1}">
-                <a14:hiddenEffects xmlns="" xmlns:a14="http://schemas.microsoft.com/office/drawing/2010/main">
+                <a14:hiddenEffects xmlns:a14="http://schemas.microsoft.com/office/drawing/2010/main" xmlns="">
                   <a:effectLst>
                     <a:outerShdw dist="35921" dir="2700000" algn="ctr" rotWithShape="0">
                       <a:schemeClr val="bg2"/>
@@ -7123,7 +7123,7 @@
             <a:effectLst/>
             <a:extLst>
               <a:ext uri="{AF507438-7753-43E0-B8FC-AC1667EBCBE1}">
-                <a14:hiddenEffects xmlns="" xmlns:a14="http://schemas.microsoft.com/office/drawing/2010/main">
+                <a14:hiddenEffects xmlns:a14="http://schemas.microsoft.com/office/drawing/2010/main" xmlns="">
                   <a:effectLst>
                     <a:outerShdw dist="35921" dir="2700000" algn="ctr" rotWithShape="0">
                       <a:schemeClr val="bg2"/>
@@ -7781,7 +7781,7 @@
           <a:blip r:embed="rId3" cstate="print">
             <a:extLst>
               <a:ext uri="{28A0092B-C50C-407E-A947-70E740481C1C}">
-                <a14:useLocalDpi xmlns="" xmlns:a14="http://schemas.microsoft.com/office/drawing/2010/main" val="0"/>
+                <a14:useLocalDpi xmlns:a14="http://schemas.microsoft.com/office/drawing/2010/main" xmlns="" val="0"/>
               </a:ext>
             </a:extLst>
           </a:blip>
@@ -7804,14 +7804,14 @@
           </a:ln>
           <a:extLst>
             <a:ext uri="{909E8E84-426E-40DD-AFC4-6F175D3DCCD1}">
-              <a14:hiddenFill xmlns="" xmlns:a14="http://schemas.microsoft.com/office/drawing/2010/main">
+              <a14:hiddenFill xmlns:a14="http://schemas.microsoft.com/office/drawing/2010/main" xmlns="">
                 <a:solidFill>
                   <a:schemeClr val="accent1"/>
                 </a:solidFill>
               </a14:hiddenFill>
             </a:ext>
             <a:ext uri="{91240B29-F687-4F45-9708-019B960494DF}">
-              <a14:hiddenLine xmlns="" xmlns:a14="http://schemas.microsoft.com/office/drawing/2010/main" w="9525">
+              <a14:hiddenLine xmlns:a14="http://schemas.microsoft.com/office/drawing/2010/main" xmlns="" w="9525">
                 <a:solidFill>
                   <a:schemeClr val="tx1"/>
                 </a:solidFill>
@@ -8542,7 +8542,7 @@
           <a:effectLst/>
           <a:extLst>
             <a:ext uri="{AF507438-7753-43E0-B8FC-AC1667EBCBE1}">
-              <a14:hiddenEffects xmlns="" xmlns:a14="http://schemas.microsoft.com/office/drawing/2010/main">
+              <a14:hiddenEffects xmlns:a14="http://schemas.microsoft.com/office/drawing/2010/main" xmlns="">
                 <a:effectLst>
                   <a:outerShdw dist="35921" dir="2700000" algn="ctr" rotWithShape="0">
                     <a:schemeClr val="bg2"/>
@@ -8596,7 +8596,7 @@
     </p:spTree>
     <p:extLst>
       <p:ext uri="{BB962C8B-B14F-4D97-AF65-F5344CB8AC3E}">
-        <p14:creationId xmlns="" xmlns:p14="http://schemas.microsoft.com/office/powerpoint/2010/main" val="4201971601"/>
+        <p14:creationId xmlns:p14="http://schemas.microsoft.com/office/powerpoint/2010/main" xmlns="" val="4201971601"/>
       </p:ext>
     </p:extLst>
   </p:cSld>
@@ -8861,7 +8861,7 @@
             <a:effectLst/>
             <a:extLst>
               <a:ext uri="{AF507438-7753-43E0-B8FC-AC1667EBCBE1}">
-                <a14:hiddenEffects xmlns="" xmlns:a14="http://schemas.microsoft.com/office/drawing/2010/main">
+                <a14:hiddenEffects xmlns:a14="http://schemas.microsoft.com/office/drawing/2010/main" xmlns="">
                   <a:effectLst>
                     <a:outerShdw dist="35921" dir="2700000" algn="ctr" rotWithShape="0">
                       <a:schemeClr val="bg2"/>
@@ -8901,7 +8901,7 @@
             <a:effectLst/>
             <a:extLst>
               <a:ext uri="{AF507438-7753-43E0-B8FC-AC1667EBCBE1}">
-                <a14:hiddenEffects xmlns="" xmlns:a14="http://schemas.microsoft.com/office/drawing/2010/main">
+                <a14:hiddenEffects xmlns:a14="http://schemas.microsoft.com/office/drawing/2010/main" xmlns="">
                   <a:effectLst>
                     <a:outerShdw dist="35921" dir="2700000" algn="ctr" rotWithShape="0">
                       <a:schemeClr val="bg2"/>
@@ -8941,7 +8941,7 @@
             <a:effectLst/>
             <a:extLst>
               <a:ext uri="{AF507438-7753-43E0-B8FC-AC1667EBCBE1}">
-                <a14:hiddenEffects xmlns="" xmlns:a14="http://schemas.microsoft.com/office/drawing/2010/main">
+                <a14:hiddenEffects xmlns:a14="http://schemas.microsoft.com/office/drawing/2010/main" xmlns="">
                   <a:effectLst>
                     <a:outerShdw dist="35921" dir="2700000" algn="ctr" rotWithShape="0">
                       <a:schemeClr val="bg2"/>
@@ -8984,7 +8984,7 @@
             <a:effectLst/>
             <a:extLst>
               <a:ext uri="{AF507438-7753-43E0-B8FC-AC1667EBCBE1}">
-                <a14:hiddenEffects xmlns="" xmlns:a14="http://schemas.microsoft.com/office/drawing/2010/main">
+                <a14:hiddenEffects xmlns:a14="http://schemas.microsoft.com/office/drawing/2010/main" xmlns="">
                   <a:effectLst>
                     <a:outerShdw dist="35921" dir="2700000" algn="ctr" rotWithShape="0">
                       <a:schemeClr val="bg2"/>
@@ -9482,7 +9482,7 @@
           <a:blip r:embed="rId3" cstate="print">
             <a:extLst>
               <a:ext uri="{28A0092B-C50C-407E-A947-70E740481C1C}">
-                <a14:useLocalDpi xmlns="" xmlns:a14="http://schemas.microsoft.com/office/drawing/2010/main" val="0"/>
+                <a14:useLocalDpi xmlns:a14="http://schemas.microsoft.com/office/drawing/2010/main" xmlns="" val="0"/>
               </a:ext>
             </a:extLst>
           </a:blip>
@@ -9505,14 +9505,14 @@
           </a:ln>
           <a:extLst>
             <a:ext uri="{909E8E84-426E-40DD-AFC4-6F175D3DCCD1}">
-              <a14:hiddenFill xmlns="" xmlns:a14="http://schemas.microsoft.com/office/drawing/2010/main">
+              <a14:hiddenFill xmlns:a14="http://schemas.microsoft.com/office/drawing/2010/main" xmlns="">
                 <a:solidFill>
                   <a:schemeClr val="accent1"/>
                 </a:solidFill>
               </a14:hiddenFill>
             </a:ext>
             <a:ext uri="{91240B29-F687-4F45-9708-019B960494DF}">
-              <a14:hiddenLine xmlns="" xmlns:a14="http://schemas.microsoft.com/office/drawing/2010/main" w="9525">
+              <a14:hiddenLine xmlns:a14="http://schemas.microsoft.com/office/drawing/2010/main" xmlns="" w="9525">
                 <a:solidFill>
                   <a:schemeClr val="tx1"/>
                 </a:solidFill>
@@ -10079,7 +10079,7 @@
     </p:spTree>
     <p:extLst>
       <p:ext uri="{BB962C8B-B14F-4D97-AF65-F5344CB8AC3E}">
-        <p14:creationId xmlns="" xmlns:p14="http://schemas.microsoft.com/office/powerpoint/2010/main" val="668301445"/>
+        <p14:creationId xmlns:p14="http://schemas.microsoft.com/office/powerpoint/2010/main" xmlns="" val="668301445"/>
       </p:ext>
     </p:extLst>
   </p:cSld>
@@ -10344,7 +10344,7 @@
             <a:effectLst/>
             <a:extLst>
               <a:ext uri="{AF507438-7753-43E0-B8FC-AC1667EBCBE1}">
-                <a14:hiddenEffects xmlns="" xmlns:a14="http://schemas.microsoft.com/office/drawing/2010/main">
+                <a14:hiddenEffects xmlns:a14="http://schemas.microsoft.com/office/drawing/2010/main" xmlns="">
                   <a:effectLst>
                     <a:outerShdw dist="35921" dir="2700000" algn="ctr" rotWithShape="0">
                       <a:schemeClr val="bg2"/>
@@ -10384,7 +10384,7 @@
             <a:effectLst/>
             <a:extLst>
               <a:ext uri="{AF507438-7753-43E0-B8FC-AC1667EBCBE1}">
-                <a14:hiddenEffects xmlns="" xmlns:a14="http://schemas.microsoft.com/office/drawing/2010/main">
+                <a14:hiddenEffects xmlns:a14="http://schemas.microsoft.com/office/drawing/2010/main" xmlns="">
                   <a:effectLst>
                     <a:outerShdw dist="35921" dir="2700000" algn="ctr" rotWithShape="0">
                       <a:schemeClr val="bg2"/>
@@ -10424,7 +10424,7 @@
             <a:effectLst/>
             <a:extLst>
               <a:ext uri="{AF507438-7753-43E0-B8FC-AC1667EBCBE1}">
-                <a14:hiddenEffects xmlns="" xmlns:a14="http://schemas.microsoft.com/office/drawing/2010/main">
+                <a14:hiddenEffects xmlns:a14="http://schemas.microsoft.com/office/drawing/2010/main" xmlns="">
                   <a:effectLst>
                     <a:outerShdw dist="35921" dir="2700000" algn="ctr" rotWithShape="0">
                       <a:schemeClr val="bg2"/>
@@ -10467,7 +10467,7 @@
             <a:effectLst/>
             <a:extLst>
               <a:ext uri="{AF507438-7753-43E0-B8FC-AC1667EBCBE1}">
-                <a14:hiddenEffects xmlns="" xmlns:a14="http://schemas.microsoft.com/office/drawing/2010/main">
+                <a14:hiddenEffects xmlns:a14="http://schemas.microsoft.com/office/drawing/2010/main" xmlns="">
                   <a:effectLst>
                     <a:outerShdw dist="35921" dir="2700000" algn="ctr" rotWithShape="0">
                       <a:schemeClr val="bg2"/>
@@ -10947,7 +10947,7 @@
           <a:blip r:embed="rId3" cstate="print">
             <a:extLst>
               <a:ext uri="{28A0092B-C50C-407E-A947-70E740481C1C}">
-                <a14:useLocalDpi xmlns="" xmlns:a14="http://schemas.microsoft.com/office/drawing/2010/main" val="0"/>
+                <a14:useLocalDpi xmlns:a14="http://schemas.microsoft.com/office/drawing/2010/main" xmlns="" val="0"/>
               </a:ext>
             </a:extLst>
           </a:blip>
@@ -10970,14 +10970,14 @@
           </a:ln>
           <a:extLst>
             <a:ext uri="{909E8E84-426E-40DD-AFC4-6F175D3DCCD1}">
-              <a14:hiddenFill xmlns="" xmlns:a14="http://schemas.microsoft.com/office/drawing/2010/main">
+              <a14:hiddenFill xmlns:a14="http://schemas.microsoft.com/office/drawing/2010/main" xmlns="">
                 <a:solidFill>
                   <a:schemeClr val="accent1"/>
                 </a:solidFill>
               </a14:hiddenFill>
             </a:ext>
             <a:ext uri="{91240B29-F687-4F45-9708-019B960494DF}">
-              <a14:hiddenLine xmlns="" xmlns:a14="http://schemas.microsoft.com/office/drawing/2010/main" w="9525">
+              <a14:hiddenLine xmlns:a14="http://schemas.microsoft.com/office/drawing/2010/main" xmlns="" w="9525">
                 <a:solidFill>
                   <a:schemeClr val="tx1"/>
                 </a:solidFill>
@@ -11268,7 +11268,7 @@
     </p:spTree>
     <p:extLst>
       <p:ext uri="{BB962C8B-B14F-4D97-AF65-F5344CB8AC3E}">
-        <p14:creationId xmlns="" xmlns:p14="http://schemas.microsoft.com/office/powerpoint/2010/main" val="1854283886"/>
+        <p14:creationId xmlns:p14="http://schemas.microsoft.com/office/powerpoint/2010/main" xmlns="" val="1854283886"/>
       </p:ext>
     </p:extLst>
   </p:cSld>
@@ -11533,7 +11533,7 @@
             <a:effectLst/>
             <a:extLst>
               <a:ext uri="{AF507438-7753-43E0-B8FC-AC1667EBCBE1}">
-                <a14:hiddenEffects xmlns="" xmlns:a14="http://schemas.microsoft.com/office/drawing/2010/main">
+                <a14:hiddenEffects xmlns:a14="http://schemas.microsoft.com/office/drawing/2010/main" xmlns="">
                   <a:effectLst>
                     <a:outerShdw dist="35921" dir="2700000" algn="ctr" rotWithShape="0">
                       <a:schemeClr val="bg2"/>
@@ -11573,7 +11573,7 @@
             <a:effectLst/>
             <a:extLst>
               <a:ext uri="{AF507438-7753-43E0-B8FC-AC1667EBCBE1}">
-                <a14:hiddenEffects xmlns="" xmlns:a14="http://schemas.microsoft.com/office/drawing/2010/main">
+                <a14:hiddenEffects xmlns:a14="http://schemas.microsoft.com/office/drawing/2010/main" xmlns="">
                   <a:effectLst>
                     <a:outerShdw dist="35921" dir="2700000" algn="ctr" rotWithShape="0">
                       <a:schemeClr val="bg2"/>
@@ -11613,7 +11613,7 @@
             <a:effectLst/>
             <a:extLst>
               <a:ext uri="{AF507438-7753-43E0-B8FC-AC1667EBCBE1}">
-                <a14:hiddenEffects xmlns="" xmlns:a14="http://schemas.microsoft.com/office/drawing/2010/main">
+                <a14:hiddenEffects xmlns:a14="http://schemas.microsoft.com/office/drawing/2010/main" xmlns="">
                   <a:effectLst>
                     <a:outerShdw dist="35921" dir="2700000" algn="ctr" rotWithShape="0">
                       <a:schemeClr val="bg2"/>
@@ -11656,7 +11656,7 @@
             <a:effectLst/>
             <a:extLst>
               <a:ext uri="{AF507438-7753-43E0-B8FC-AC1667EBCBE1}">
-                <a14:hiddenEffects xmlns="" xmlns:a14="http://schemas.microsoft.com/office/drawing/2010/main">
+                <a14:hiddenEffects xmlns:a14="http://schemas.microsoft.com/office/drawing/2010/main" xmlns="">
                   <a:effectLst>
                     <a:outerShdw dist="35921" dir="2700000" algn="ctr" rotWithShape="0">
                       <a:schemeClr val="bg2"/>
@@ -12019,7 +12019,7 @@
           <a:blip r:embed="rId3" cstate="print">
             <a:extLst>
               <a:ext uri="{28A0092B-C50C-407E-A947-70E740481C1C}">
-                <a14:useLocalDpi xmlns="" xmlns:a14="http://schemas.microsoft.com/office/drawing/2010/main" val="0"/>
+                <a14:useLocalDpi xmlns:a14="http://schemas.microsoft.com/office/drawing/2010/main" xmlns="" val="0"/>
               </a:ext>
             </a:extLst>
           </a:blip>
@@ -12042,14 +12042,14 @@
           </a:ln>
           <a:extLst>
             <a:ext uri="{909E8E84-426E-40DD-AFC4-6F175D3DCCD1}">
-              <a14:hiddenFill xmlns="" xmlns:a14="http://schemas.microsoft.com/office/drawing/2010/main">
+              <a14:hiddenFill xmlns:a14="http://schemas.microsoft.com/office/drawing/2010/main" xmlns="">
                 <a:solidFill>
                   <a:schemeClr val="accent1"/>
                 </a:solidFill>
               </a14:hiddenFill>
             </a:ext>
             <a:ext uri="{91240B29-F687-4F45-9708-019B960494DF}">
-              <a14:hiddenLine xmlns="" xmlns:a14="http://schemas.microsoft.com/office/drawing/2010/main" w="9525">
+              <a14:hiddenLine xmlns:a14="http://schemas.microsoft.com/office/drawing/2010/main" xmlns="" w="9525">
                 <a:solidFill>
                   <a:schemeClr val="tx1"/>
                 </a:solidFill>
@@ -12073,7 +12073,7 @@
           <a:blip r:embed="rId4" cstate="print">
             <a:extLst>
               <a:ext uri="{28A0092B-C50C-407E-A947-70E740481C1C}">
-                <a14:useLocalDpi xmlns="" xmlns:a14="http://schemas.microsoft.com/office/drawing/2010/main" val="0"/>
+                <a14:useLocalDpi xmlns:a14="http://schemas.microsoft.com/office/drawing/2010/main" xmlns="" val="0"/>
               </a:ext>
             </a:extLst>
           </a:blip>
@@ -12096,14 +12096,14 @@
           </a:ln>
           <a:extLst>
             <a:ext uri="{909E8E84-426E-40DD-AFC4-6F175D3DCCD1}">
-              <a14:hiddenFill xmlns="" xmlns:a14="http://schemas.microsoft.com/office/drawing/2010/main">
+              <a14:hiddenFill xmlns:a14="http://schemas.microsoft.com/office/drawing/2010/main" xmlns="">
                 <a:solidFill>
                   <a:schemeClr val="accent1"/>
                 </a:solidFill>
               </a14:hiddenFill>
             </a:ext>
             <a:ext uri="{91240B29-F687-4F45-9708-019B960494DF}">
-              <a14:hiddenLine xmlns="" xmlns:a14="http://schemas.microsoft.com/office/drawing/2010/main" w="9525">
+              <a14:hiddenLine xmlns:a14="http://schemas.microsoft.com/office/drawing/2010/main" xmlns="" w="9525">
                 <a:solidFill>
                   <a:schemeClr val="tx1"/>
                 </a:solidFill>
@@ -12522,7 +12522,7 @@
     </p:spTree>
     <p:extLst>
       <p:ext uri="{BB962C8B-B14F-4D97-AF65-F5344CB8AC3E}">
-        <p14:creationId xmlns="" xmlns:p14="http://schemas.microsoft.com/office/powerpoint/2010/main" val="1634749954"/>
+        <p14:creationId xmlns:p14="http://schemas.microsoft.com/office/powerpoint/2010/main" xmlns="" val="1634749954"/>
       </p:ext>
     </p:extLst>
   </p:cSld>
@@ -12787,7 +12787,7 @@
             <a:effectLst/>
             <a:extLst>
               <a:ext uri="{AF507438-7753-43E0-B8FC-AC1667EBCBE1}">
-                <a14:hiddenEffects xmlns="" xmlns:a14="http://schemas.microsoft.com/office/drawing/2010/main">
+                <a14:hiddenEffects xmlns:a14="http://schemas.microsoft.com/office/drawing/2010/main" xmlns="">
                   <a:effectLst>
                     <a:outerShdw dist="35921" dir="2700000" algn="ctr" rotWithShape="0">
                       <a:schemeClr val="bg2"/>
@@ -12827,7 +12827,7 @@
             <a:effectLst/>
             <a:extLst>
               <a:ext uri="{AF507438-7753-43E0-B8FC-AC1667EBCBE1}">
-                <a14:hiddenEffects xmlns="" xmlns:a14="http://schemas.microsoft.com/office/drawing/2010/main">
+                <a14:hiddenEffects xmlns:a14="http://schemas.microsoft.com/office/drawing/2010/main" xmlns="">
                   <a:effectLst>
                     <a:outerShdw dist="35921" dir="2700000" algn="ctr" rotWithShape="0">
                       <a:schemeClr val="bg2"/>
@@ -12867,7 +12867,7 @@
             <a:effectLst/>
             <a:extLst>
               <a:ext uri="{AF507438-7753-43E0-B8FC-AC1667EBCBE1}">
-                <a14:hiddenEffects xmlns="" xmlns:a14="http://schemas.microsoft.com/office/drawing/2010/main">
+                <a14:hiddenEffects xmlns:a14="http://schemas.microsoft.com/office/drawing/2010/main" xmlns="">
                   <a:effectLst>
                     <a:outerShdw dist="35921" dir="2700000" algn="ctr" rotWithShape="0">
                       <a:schemeClr val="bg2"/>
@@ -12910,7 +12910,7 @@
             <a:effectLst/>
             <a:extLst>
               <a:ext uri="{AF507438-7753-43E0-B8FC-AC1667EBCBE1}">
-                <a14:hiddenEffects xmlns="" xmlns:a14="http://schemas.microsoft.com/office/drawing/2010/main">
+                <a14:hiddenEffects xmlns:a14="http://schemas.microsoft.com/office/drawing/2010/main" xmlns="">
                   <a:effectLst>
                     <a:outerShdw dist="35921" dir="2700000" algn="ctr" rotWithShape="0">
                       <a:schemeClr val="bg2"/>
@@ -13371,7 +13371,7 @@
           <a:blip r:embed="rId3" cstate="print">
             <a:extLst>
               <a:ext uri="{28A0092B-C50C-407E-A947-70E740481C1C}">
-                <a14:useLocalDpi xmlns="" xmlns:a14="http://schemas.microsoft.com/office/drawing/2010/main" val="0"/>
+                <a14:useLocalDpi xmlns:a14="http://schemas.microsoft.com/office/drawing/2010/main" xmlns="" val="0"/>
               </a:ext>
             </a:extLst>
           </a:blip>
@@ -13394,14 +13394,14 @@
           </a:ln>
           <a:extLst>
             <a:ext uri="{909E8E84-426E-40DD-AFC4-6F175D3DCCD1}">
-              <a14:hiddenFill xmlns="" xmlns:a14="http://schemas.microsoft.com/office/drawing/2010/main">
+              <a14:hiddenFill xmlns:a14="http://schemas.microsoft.com/office/drawing/2010/main" xmlns="">
                 <a:solidFill>
                   <a:schemeClr val="accent1"/>
                 </a:solidFill>
               </a14:hiddenFill>
             </a:ext>
             <a:ext uri="{91240B29-F687-4F45-9708-019B960494DF}">
-              <a14:hiddenLine xmlns="" xmlns:a14="http://schemas.microsoft.com/office/drawing/2010/main" w="9525">
+              <a14:hiddenLine xmlns:a14="http://schemas.microsoft.com/office/drawing/2010/main" xmlns="" w="9525">
                 <a:solidFill>
                   <a:schemeClr val="tx1"/>
                 </a:solidFill>
@@ -13982,7 +13982,7 @@
     </p:spTree>
     <p:extLst>
       <p:ext uri="{BB962C8B-B14F-4D97-AF65-F5344CB8AC3E}">
-        <p14:creationId xmlns="" xmlns:p14="http://schemas.microsoft.com/office/powerpoint/2010/main" val="1112426373"/>
+        <p14:creationId xmlns:p14="http://schemas.microsoft.com/office/powerpoint/2010/main" xmlns="" val="1112426373"/>
       </p:ext>
     </p:extLst>
   </p:cSld>
@@ -14247,7 +14247,7 @@
             <a:effectLst/>
             <a:extLst>
               <a:ext uri="{AF507438-7753-43E0-B8FC-AC1667EBCBE1}">
-                <a14:hiddenEffects xmlns="" xmlns:a14="http://schemas.microsoft.com/office/drawing/2010/main">
+                <a14:hiddenEffects xmlns:a14="http://schemas.microsoft.com/office/drawing/2010/main" xmlns="">
                   <a:effectLst>
                     <a:outerShdw dist="35921" dir="2700000" algn="ctr" rotWithShape="0">
                       <a:schemeClr val="bg2"/>
@@ -14287,7 +14287,7 @@
             <a:effectLst/>
             <a:extLst>
               <a:ext uri="{AF507438-7753-43E0-B8FC-AC1667EBCBE1}">
-                <a14:hiddenEffects xmlns="" xmlns:a14="http://schemas.microsoft.com/office/drawing/2010/main">
+                <a14:hiddenEffects xmlns:a14="http://schemas.microsoft.com/office/drawing/2010/main" xmlns="">
                   <a:effectLst>
                     <a:outerShdw dist="35921" dir="2700000" algn="ctr" rotWithShape="0">
                       <a:schemeClr val="bg2"/>
@@ -14327,7 +14327,7 @@
             <a:effectLst/>
             <a:extLst>
               <a:ext uri="{AF507438-7753-43E0-B8FC-AC1667EBCBE1}">
-                <a14:hiddenEffects xmlns="" xmlns:a14="http://schemas.microsoft.com/office/drawing/2010/main">
+                <a14:hiddenEffects xmlns:a14="http://schemas.microsoft.com/office/drawing/2010/main" xmlns="">
                   <a:effectLst>
                     <a:outerShdw dist="35921" dir="2700000" algn="ctr" rotWithShape="0">
                       <a:schemeClr val="bg2"/>
@@ -14370,7 +14370,7 @@
             <a:effectLst/>
             <a:extLst>
               <a:ext uri="{AF507438-7753-43E0-B8FC-AC1667EBCBE1}">
-                <a14:hiddenEffects xmlns="" xmlns:a14="http://schemas.microsoft.com/office/drawing/2010/main">
+                <a14:hiddenEffects xmlns:a14="http://schemas.microsoft.com/office/drawing/2010/main" xmlns="">
                   <a:effectLst>
                     <a:outerShdw dist="35921" dir="2700000" algn="ctr" rotWithShape="0">
                       <a:schemeClr val="bg2"/>
@@ -14937,7 +14937,7 @@
           <a:blip r:embed="rId3" cstate="print">
             <a:extLst>
               <a:ext uri="{28A0092B-C50C-407E-A947-70E740481C1C}">
-                <a14:useLocalDpi xmlns="" xmlns:a14="http://schemas.microsoft.com/office/drawing/2010/main" val="0"/>
+                <a14:useLocalDpi xmlns:a14="http://schemas.microsoft.com/office/drawing/2010/main" xmlns="" val="0"/>
               </a:ext>
             </a:extLst>
           </a:blip>
@@ -14960,14 +14960,14 @@
           </a:ln>
           <a:extLst>
             <a:ext uri="{909E8E84-426E-40DD-AFC4-6F175D3DCCD1}">
-              <a14:hiddenFill xmlns="" xmlns:a14="http://schemas.microsoft.com/office/drawing/2010/main">
+              <a14:hiddenFill xmlns:a14="http://schemas.microsoft.com/office/drawing/2010/main" xmlns="">
                 <a:solidFill>
                   <a:schemeClr val="accent1"/>
                 </a:solidFill>
               </a14:hiddenFill>
             </a:ext>
             <a:ext uri="{91240B29-F687-4F45-9708-019B960494DF}">
-              <a14:hiddenLine xmlns="" xmlns:a14="http://schemas.microsoft.com/office/drawing/2010/main" w="9525">
+              <a14:hiddenLine xmlns:a14="http://schemas.microsoft.com/office/drawing/2010/main" xmlns="" w="9525">
                 <a:solidFill>
                   <a:schemeClr val="tx1"/>
                 </a:solidFill>
@@ -15555,7 +15555,7 @@
     </p:spTree>
     <p:extLst>
       <p:ext uri="{BB962C8B-B14F-4D97-AF65-F5344CB8AC3E}">
-        <p14:creationId xmlns="" xmlns:p14="http://schemas.microsoft.com/office/powerpoint/2010/main" val="3337928231"/>
+        <p14:creationId xmlns:p14="http://schemas.microsoft.com/office/powerpoint/2010/main" xmlns="" val="3337928231"/>
       </p:ext>
     </p:extLst>
   </p:cSld>
@@ -15820,7 +15820,7 @@
             <a:effectLst/>
             <a:extLst>
               <a:ext uri="{AF507438-7753-43E0-B8FC-AC1667EBCBE1}">
-                <a14:hiddenEffects xmlns="" xmlns:a14="http://schemas.microsoft.com/office/drawing/2010/main">
+                <a14:hiddenEffects xmlns:a14="http://schemas.microsoft.com/office/drawing/2010/main" xmlns="">
                   <a:effectLst>
                     <a:outerShdw dist="35921" dir="2700000" algn="ctr" rotWithShape="0">
                       <a:schemeClr val="bg2"/>
@@ -15860,7 +15860,7 @@
             <a:effectLst/>
             <a:extLst>
               <a:ext uri="{AF507438-7753-43E0-B8FC-AC1667EBCBE1}">
-                <a14:hiddenEffects xmlns="" xmlns:a14="http://schemas.microsoft.com/office/drawing/2010/main">
+                <a14:hiddenEffects xmlns:a14="http://schemas.microsoft.com/office/drawing/2010/main" xmlns="">
                   <a:effectLst>
                     <a:outerShdw dist="35921" dir="2700000" algn="ctr" rotWithShape="0">
                       <a:schemeClr val="bg2"/>
@@ -15900,7 +15900,7 @@
             <a:effectLst/>
             <a:extLst>
               <a:ext uri="{AF507438-7753-43E0-B8FC-AC1667EBCBE1}">
-                <a14:hiddenEffects xmlns="" xmlns:a14="http://schemas.microsoft.com/office/drawing/2010/main">
+                <a14:hiddenEffects xmlns:a14="http://schemas.microsoft.com/office/drawing/2010/main" xmlns="">
                   <a:effectLst>
                     <a:outerShdw dist="35921" dir="2700000" algn="ctr" rotWithShape="0">
                       <a:schemeClr val="bg2"/>
@@ -15943,7 +15943,7 @@
             <a:effectLst/>
             <a:extLst>
               <a:ext uri="{AF507438-7753-43E0-B8FC-AC1667EBCBE1}">
-                <a14:hiddenEffects xmlns="" xmlns:a14="http://schemas.microsoft.com/office/drawing/2010/main">
+                <a14:hiddenEffects xmlns:a14="http://schemas.microsoft.com/office/drawing/2010/main" xmlns="">
                   <a:effectLst>
                     <a:outerShdw dist="35921" dir="2700000" algn="ctr" rotWithShape="0">
                       <a:schemeClr val="bg2"/>
@@ -16291,7 +16291,7 @@
           <a:blip r:embed="rId3" cstate="print">
             <a:extLst>
               <a:ext uri="{28A0092B-C50C-407E-A947-70E740481C1C}">
-                <a14:useLocalDpi xmlns="" xmlns:a14="http://schemas.microsoft.com/office/drawing/2010/main" val="0"/>
+                <a14:useLocalDpi xmlns:a14="http://schemas.microsoft.com/office/drawing/2010/main" xmlns="" val="0"/>
               </a:ext>
             </a:extLst>
           </a:blip>
@@ -16314,14 +16314,14 @@
           </a:ln>
           <a:extLst>
             <a:ext uri="{909E8E84-426E-40DD-AFC4-6F175D3DCCD1}">
-              <a14:hiddenFill xmlns="" xmlns:a14="http://schemas.microsoft.com/office/drawing/2010/main">
+              <a14:hiddenFill xmlns:a14="http://schemas.microsoft.com/office/drawing/2010/main" xmlns="">
                 <a:solidFill>
                   <a:schemeClr val="accent1"/>
                 </a:solidFill>
               </a14:hiddenFill>
             </a:ext>
             <a:ext uri="{91240B29-F687-4F45-9708-019B960494DF}">
-              <a14:hiddenLine xmlns="" xmlns:a14="http://schemas.microsoft.com/office/drawing/2010/main" w="9525">
+              <a14:hiddenLine xmlns:a14="http://schemas.microsoft.com/office/drawing/2010/main" xmlns="" w="9525">
                 <a:solidFill>
                   <a:schemeClr val="tx1"/>
                 </a:solidFill>
@@ -16481,7 +16481,7 @@
     </p:spTree>
     <p:extLst>
       <p:ext uri="{BB962C8B-B14F-4D97-AF65-F5344CB8AC3E}">
-        <p14:creationId xmlns="" xmlns:p14="http://schemas.microsoft.com/office/powerpoint/2010/main" val="1365750035"/>
+        <p14:creationId xmlns:p14="http://schemas.microsoft.com/office/powerpoint/2010/main" xmlns="" val="1365750035"/>
       </p:ext>
     </p:extLst>
   </p:cSld>
@@ -16746,7 +16746,7 @@
             <a:effectLst/>
             <a:extLst>
               <a:ext uri="{AF507438-7753-43E0-B8FC-AC1667EBCBE1}">
-                <a14:hiddenEffects xmlns="" xmlns:a14="http://schemas.microsoft.com/office/drawing/2010/main">
+                <a14:hiddenEffects xmlns:a14="http://schemas.microsoft.com/office/drawing/2010/main" xmlns="">
                   <a:effectLst>
                     <a:outerShdw dist="35921" dir="2700000" algn="ctr" rotWithShape="0">
                       <a:schemeClr val="bg2"/>
@@ -16786,7 +16786,7 @@
             <a:effectLst/>
             <a:extLst>
               <a:ext uri="{AF507438-7753-43E0-B8FC-AC1667EBCBE1}">
-                <a14:hiddenEffects xmlns="" xmlns:a14="http://schemas.microsoft.com/office/drawing/2010/main">
+                <a14:hiddenEffects xmlns:a14="http://schemas.microsoft.com/office/drawing/2010/main" xmlns="">
                   <a:effectLst>
                     <a:outerShdw dist="35921" dir="2700000" algn="ctr" rotWithShape="0">
                       <a:schemeClr val="bg2"/>
@@ -16826,7 +16826,7 @@
             <a:effectLst/>
             <a:extLst>
               <a:ext uri="{AF507438-7753-43E0-B8FC-AC1667EBCBE1}">
-                <a14:hiddenEffects xmlns="" xmlns:a14="http://schemas.microsoft.com/office/drawing/2010/main">
+                <a14:hiddenEffects xmlns:a14="http://schemas.microsoft.com/office/drawing/2010/main" xmlns="">
                   <a:effectLst>
                     <a:outerShdw dist="35921" dir="2700000" algn="ctr" rotWithShape="0">
                       <a:schemeClr val="bg2"/>
@@ -16869,7 +16869,7 @@
             <a:effectLst/>
             <a:extLst>
               <a:ext uri="{AF507438-7753-43E0-B8FC-AC1667EBCBE1}">
-                <a14:hiddenEffects xmlns="" xmlns:a14="http://schemas.microsoft.com/office/drawing/2010/main">
+                <a14:hiddenEffects xmlns:a14="http://schemas.microsoft.com/office/drawing/2010/main" xmlns="">
                   <a:effectLst>
                     <a:outerShdw dist="35921" dir="2700000" algn="ctr" rotWithShape="0">
                       <a:schemeClr val="bg2"/>
@@ -17285,7 +17285,7 @@
           <a:blip r:embed="rId3" cstate="print">
             <a:extLst>
               <a:ext uri="{28A0092B-C50C-407E-A947-70E740481C1C}">
-                <a14:useLocalDpi xmlns="" xmlns:a14="http://schemas.microsoft.com/office/drawing/2010/main" val="0"/>
+                <a14:useLocalDpi xmlns:a14="http://schemas.microsoft.com/office/drawing/2010/main" xmlns="" val="0"/>
               </a:ext>
             </a:extLst>
           </a:blip>
@@ -17308,14 +17308,14 @@
           </a:ln>
           <a:extLst>
             <a:ext uri="{909E8E84-426E-40DD-AFC4-6F175D3DCCD1}">
-              <a14:hiddenFill xmlns="" xmlns:a14="http://schemas.microsoft.com/office/drawing/2010/main">
+              <a14:hiddenFill xmlns:a14="http://schemas.microsoft.com/office/drawing/2010/main" xmlns="">
                 <a:solidFill>
                   <a:schemeClr val="accent1"/>
                 </a:solidFill>
               </a14:hiddenFill>
             </a:ext>
             <a:ext uri="{91240B29-F687-4F45-9708-019B960494DF}">
-              <a14:hiddenLine xmlns="" xmlns:a14="http://schemas.microsoft.com/office/drawing/2010/main" w="9525">
+              <a14:hiddenLine xmlns:a14="http://schemas.microsoft.com/office/drawing/2010/main" xmlns="" w="9525">
                 <a:solidFill>
                   <a:schemeClr val="tx1"/>
                 </a:solidFill>
@@ -17617,10 +17617,74 @@
           </a:p>
         </p:txBody>
       </p:sp>
+      <p:sp>
+        <p:nvSpPr>
+          <p:cNvPr id="26" name="모서리가 둥근 직사각형 25"/>
+          <p:cNvSpPr/>
+          <p:nvPr/>
+        </p:nvSpPr>
+        <p:spPr bwMode="auto">
+          <a:xfrm>
+            <a:off x="785786" y="3857628"/>
+            <a:ext cx="2714644" cy="1428760"/>
+          </a:xfrm>
+          <a:prstGeom prst="roundRect">
+            <a:avLst/>
+          </a:prstGeom>
+          <a:solidFill>
+            <a:schemeClr val="accent1"/>
+          </a:solidFill>
+          <a:ln w="9525" cap="flat" cmpd="sng" algn="ctr">
+            <a:solidFill>
+              <a:schemeClr val="tx1"/>
+            </a:solidFill>
+            <a:prstDash val="solid"/>
+            <a:round/>
+            <a:headEnd type="none" w="med" len="med"/>
+            <a:tailEnd type="none" w="med" len="med"/>
+          </a:ln>
+          <a:effectLst/>
+          <a:extLst>
+            <a:ext uri="{AF507438-7753-43E0-B8FC-AC1667EBCBE1}">
+              <a14:hiddenEffects xmlns:a14="http://schemas.microsoft.com/office/drawing/2010/main" xmlns="">
+                <a:effectLst>
+                  <a:outerShdw dist="35921" dir="2700000" algn="ctr" rotWithShape="0">
+                    <a:schemeClr val="bg2"/>
+                  </a:outerShdw>
+                </a:effectLst>
+              </a14:hiddenEffects>
+            </a:ext>
+          </a:extLst>
+        </p:spPr>
+        <p:txBody>
+          <a:bodyPr vert="horz" wrap="none" lIns="91440" tIns="45720" rIns="91440" bIns="45720" numCol="1" rtlCol="0" anchor="ctr" anchorCtr="0" compatLnSpc="1">
+            <a:prstTxWarp prst="textNoShape">
+              <a:avLst/>
+            </a:prstTxWarp>
+          </a:bodyPr>
+          <a:lstStyle/>
+          <a:p>
+            <a:r>
+              <a:rPr lang="ko-KR" altLang="en-US" smtClean="0"/>
+              <a:t>완료</a:t>
+            </a:r>
+            <a:endParaRPr kumimoji="0" lang="ko-KR" altLang="en-US" sz="1800" b="0" i="0" u="none" strike="noStrike" cap="none" normalizeH="0" baseline="0" smtClean="0">
+              <a:ln>
+                <a:noFill/>
+              </a:ln>
+              <a:solidFill>
+                <a:schemeClr val="tx1"/>
+              </a:solidFill>
+              <a:effectLst/>
+              <a:latin typeface="Arial" charset="0"/>
+            </a:endParaRPr>
+          </a:p>
+        </p:txBody>
+      </p:sp>
     </p:spTree>
     <p:extLst>
       <p:ext uri="{BB962C8B-B14F-4D97-AF65-F5344CB8AC3E}">
-        <p14:creationId xmlns="" xmlns:p14="http://schemas.microsoft.com/office/powerpoint/2010/main" val="895244554"/>
+        <p14:creationId xmlns:p14="http://schemas.microsoft.com/office/powerpoint/2010/main" xmlns="" val="895244554"/>
       </p:ext>
     </p:extLst>
   </p:cSld>
@@ -17885,7 +17949,7 @@
             <a:effectLst/>
             <a:extLst>
               <a:ext uri="{AF507438-7753-43E0-B8FC-AC1667EBCBE1}">
-                <a14:hiddenEffects xmlns="" xmlns:a14="http://schemas.microsoft.com/office/drawing/2010/main">
+                <a14:hiddenEffects xmlns:a14="http://schemas.microsoft.com/office/drawing/2010/main" xmlns="">
                   <a:effectLst>
                     <a:outerShdw dist="35921" dir="2700000" algn="ctr" rotWithShape="0">
                       <a:schemeClr val="bg2"/>
@@ -17925,7 +17989,7 @@
             <a:effectLst/>
             <a:extLst>
               <a:ext uri="{AF507438-7753-43E0-B8FC-AC1667EBCBE1}">
-                <a14:hiddenEffects xmlns="" xmlns:a14="http://schemas.microsoft.com/office/drawing/2010/main">
+                <a14:hiddenEffects xmlns:a14="http://schemas.microsoft.com/office/drawing/2010/main" xmlns="">
                   <a:effectLst>
                     <a:outerShdw dist="35921" dir="2700000" algn="ctr" rotWithShape="0">
                       <a:schemeClr val="bg2"/>
@@ -17965,7 +18029,7 @@
             <a:effectLst/>
             <a:extLst>
               <a:ext uri="{AF507438-7753-43E0-B8FC-AC1667EBCBE1}">
-                <a14:hiddenEffects xmlns="" xmlns:a14="http://schemas.microsoft.com/office/drawing/2010/main">
+                <a14:hiddenEffects xmlns:a14="http://schemas.microsoft.com/office/drawing/2010/main" xmlns="">
                   <a:effectLst>
                     <a:outerShdw dist="35921" dir="2700000" algn="ctr" rotWithShape="0">
                       <a:schemeClr val="bg2"/>
@@ -18008,7 +18072,7 @@
             <a:effectLst/>
             <a:extLst>
               <a:ext uri="{AF507438-7753-43E0-B8FC-AC1667EBCBE1}">
-                <a14:hiddenEffects xmlns="" xmlns:a14="http://schemas.microsoft.com/office/drawing/2010/main">
+                <a14:hiddenEffects xmlns:a14="http://schemas.microsoft.com/office/drawing/2010/main" xmlns="">
                   <a:effectLst>
                     <a:outerShdw dist="35921" dir="2700000" algn="ctr" rotWithShape="0">
                       <a:schemeClr val="bg2"/>
@@ -18430,7 +18494,7 @@
           <a:blip r:embed="rId3" cstate="print">
             <a:extLst>
               <a:ext uri="{28A0092B-C50C-407E-A947-70E740481C1C}">
-                <a14:useLocalDpi xmlns="" xmlns:a14="http://schemas.microsoft.com/office/drawing/2010/main" val="0"/>
+                <a14:useLocalDpi xmlns:a14="http://schemas.microsoft.com/office/drawing/2010/main" xmlns="" val="0"/>
               </a:ext>
             </a:extLst>
           </a:blip>
@@ -18453,14 +18517,14 @@
           </a:ln>
           <a:extLst>
             <a:ext uri="{909E8E84-426E-40DD-AFC4-6F175D3DCCD1}">
-              <a14:hiddenFill xmlns="" xmlns:a14="http://schemas.microsoft.com/office/drawing/2010/main">
+              <a14:hiddenFill xmlns:a14="http://schemas.microsoft.com/office/drawing/2010/main" xmlns="">
                 <a:solidFill>
                   <a:schemeClr val="accent1"/>
                 </a:solidFill>
               </a14:hiddenFill>
             </a:ext>
             <a:ext uri="{91240B29-F687-4F45-9708-019B960494DF}">
-              <a14:hiddenLine xmlns="" xmlns:a14="http://schemas.microsoft.com/office/drawing/2010/main" w="9525">
+              <a14:hiddenLine xmlns:a14="http://schemas.microsoft.com/office/drawing/2010/main" xmlns="" w="9525">
                 <a:solidFill>
                   <a:schemeClr val="tx1"/>
                 </a:solidFill>
@@ -18617,10 +18681,74 @@
           </a:p>
         </p:txBody>
       </p:sp>
+      <p:sp>
+        <p:nvSpPr>
+          <p:cNvPr id="22" name="모서리가 둥근 직사각형 21"/>
+          <p:cNvSpPr/>
+          <p:nvPr/>
+        </p:nvSpPr>
+        <p:spPr bwMode="auto">
+          <a:xfrm>
+            <a:off x="857224" y="3714752"/>
+            <a:ext cx="2286016" cy="1571636"/>
+          </a:xfrm>
+          <a:prstGeom prst="roundRect">
+            <a:avLst/>
+          </a:prstGeom>
+          <a:solidFill>
+            <a:schemeClr val="accent1"/>
+          </a:solidFill>
+          <a:ln w="9525" cap="flat" cmpd="sng" algn="ctr">
+            <a:solidFill>
+              <a:schemeClr val="tx1"/>
+            </a:solidFill>
+            <a:prstDash val="solid"/>
+            <a:round/>
+            <a:headEnd type="none" w="med" len="med"/>
+            <a:tailEnd type="none" w="med" len="med"/>
+          </a:ln>
+          <a:effectLst/>
+          <a:extLst>
+            <a:ext uri="{AF507438-7753-43E0-B8FC-AC1667EBCBE1}">
+              <a14:hiddenEffects xmlns:a14="http://schemas.microsoft.com/office/drawing/2010/main" xmlns="">
+                <a:effectLst>
+                  <a:outerShdw dist="35921" dir="2700000" algn="ctr" rotWithShape="0">
+                    <a:schemeClr val="bg2"/>
+                  </a:outerShdw>
+                </a:effectLst>
+              </a14:hiddenEffects>
+            </a:ext>
+          </a:extLst>
+        </p:spPr>
+        <p:txBody>
+          <a:bodyPr vert="horz" wrap="none" lIns="91440" tIns="45720" rIns="91440" bIns="45720" numCol="1" rtlCol="0" anchor="ctr" anchorCtr="0" compatLnSpc="1">
+            <a:prstTxWarp prst="textNoShape">
+              <a:avLst/>
+            </a:prstTxWarp>
+          </a:bodyPr>
+          <a:lstStyle/>
+          <a:p>
+            <a:r>
+              <a:rPr lang="ko-KR" altLang="en-US" dirty="0" smtClean="0"/>
+              <a:t>완료</a:t>
+            </a:r>
+            <a:endParaRPr kumimoji="0" lang="ko-KR" altLang="en-US" sz="1800" b="0" i="0" u="none" strike="noStrike" cap="none" normalizeH="0" baseline="0" dirty="0" smtClean="0">
+              <a:ln>
+                <a:noFill/>
+              </a:ln>
+              <a:solidFill>
+                <a:schemeClr val="tx1"/>
+              </a:solidFill>
+              <a:effectLst/>
+              <a:latin typeface="Arial" charset="0"/>
+            </a:endParaRPr>
+          </a:p>
+        </p:txBody>
+      </p:sp>
     </p:spTree>
     <p:extLst>
       <p:ext uri="{BB962C8B-B14F-4D97-AF65-F5344CB8AC3E}">
-        <p14:creationId xmlns="" xmlns:p14="http://schemas.microsoft.com/office/powerpoint/2010/main" val="1532892768"/>
+        <p14:creationId xmlns:p14="http://schemas.microsoft.com/office/powerpoint/2010/main" xmlns="" val="1532892768"/>
       </p:ext>
     </p:extLst>
   </p:cSld>
@@ -18885,7 +19013,7 @@
             <a:effectLst/>
             <a:extLst>
               <a:ext uri="{AF507438-7753-43E0-B8FC-AC1667EBCBE1}">
-                <a14:hiddenEffects xmlns="" xmlns:a14="http://schemas.microsoft.com/office/drawing/2010/main">
+                <a14:hiddenEffects xmlns:a14="http://schemas.microsoft.com/office/drawing/2010/main" xmlns="">
                   <a:effectLst>
                     <a:outerShdw dist="35921" dir="2700000" algn="ctr" rotWithShape="0">
                       <a:schemeClr val="bg2"/>
@@ -18925,7 +19053,7 @@
             <a:effectLst/>
             <a:extLst>
               <a:ext uri="{AF507438-7753-43E0-B8FC-AC1667EBCBE1}">
-                <a14:hiddenEffects xmlns="" xmlns:a14="http://schemas.microsoft.com/office/drawing/2010/main">
+                <a14:hiddenEffects xmlns:a14="http://schemas.microsoft.com/office/drawing/2010/main" xmlns="">
                   <a:effectLst>
                     <a:outerShdw dist="35921" dir="2700000" algn="ctr" rotWithShape="0">
                       <a:schemeClr val="bg2"/>
@@ -18965,7 +19093,7 @@
             <a:effectLst/>
             <a:extLst>
               <a:ext uri="{AF507438-7753-43E0-B8FC-AC1667EBCBE1}">
-                <a14:hiddenEffects xmlns="" xmlns:a14="http://schemas.microsoft.com/office/drawing/2010/main">
+                <a14:hiddenEffects xmlns:a14="http://schemas.microsoft.com/office/drawing/2010/main" xmlns="">
                   <a:effectLst>
                     <a:outerShdw dist="35921" dir="2700000" algn="ctr" rotWithShape="0">
                       <a:schemeClr val="bg2"/>
@@ -19008,7 +19136,7 @@
             <a:effectLst/>
             <a:extLst>
               <a:ext uri="{AF507438-7753-43E0-B8FC-AC1667EBCBE1}">
-                <a14:hiddenEffects xmlns="" xmlns:a14="http://schemas.microsoft.com/office/drawing/2010/main">
+                <a14:hiddenEffects xmlns:a14="http://schemas.microsoft.com/office/drawing/2010/main" xmlns="">
                   <a:effectLst>
                     <a:outerShdw dist="35921" dir="2700000" algn="ctr" rotWithShape="0">
                       <a:schemeClr val="bg2"/>
@@ -19462,7 +19590,7 @@
           <a:blip r:embed="rId3" cstate="print">
             <a:extLst>
               <a:ext uri="{28A0092B-C50C-407E-A947-70E740481C1C}">
-                <a14:useLocalDpi xmlns="" xmlns:a14="http://schemas.microsoft.com/office/drawing/2010/main" val="0"/>
+                <a14:useLocalDpi xmlns:a14="http://schemas.microsoft.com/office/drawing/2010/main" xmlns="" val="0"/>
               </a:ext>
             </a:extLst>
           </a:blip>
@@ -19485,14 +19613,14 @@
           </a:ln>
           <a:extLst>
             <a:ext uri="{909E8E84-426E-40DD-AFC4-6F175D3DCCD1}">
-              <a14:hiddenFill xmlns="" xmlns:a14="http://schemas.microsoft.com/office/drawing/2010/main">
+              <a14:hiddenFill xmlns:a14="http://schemas.microsoft.com/office/drawing/2010/main" xmlns="">
                 <a:solidFill>
                   <a:schemeClr val="accent1"/>
                 </a:solidFill>
               </a14:hiddenFill>
             </a:ext>
             <a:ext uri="{91240B29-F687-4F45-9708-019B960494DF}">
-              <a14:hiddenLine xmlns="" xmlns:a14="http://schemas.microsoft.com/office/drawing/2010/main" w="9525">
+              <a14:hiddenLine xmlns:a14="http://schemas.microsoft.com/office/drawing/2010/main" xmlns="" w="9525">
                 <a:solidFill>
                   <a:schemeClr val="tx1"/>
                 </a:solidFill>
@@ -19787,10 +19915,99 @@
           </a:p>
         </p:txBody>
       </p:sp>
+      <p:sp>
+        <p:nvSpPr>
+          <p:cNvPr id="26" name="직사각형 25"/>
+          <p:cNvSpPr/>
+          <p:nvPr/>
+        </p:nvSpPr>
+        <p:spPr bwMode="auto">
+          <a:xfrm>
+            <a:off x="1214414" y="4143380"/>
+            <a:ext cx="3000396" cy="1428760"/>
+          </a:xfrm>
+          <a:prstGeom prst="rect">
+            <a:avLst/>
+          </a:prstGeom>
+          <a:solidFill>
+            <a:schemeClr val="accent1"/>
+          </a:solidFill>
+          <a:ln w="9525" cap="flat" cmpd="sng" algn="ctr">
+            <a:solidFill>
+              <a:schemeClr val="tx1"/>
+            </a:solidFill>
+            <a:prstDash val="solid"/>
+            <a:round/>
+            <a:headEnd type="none" w="med" len="med"/>
+            <a:tailEnd type="none" w="med" len="med"/>
+          </a:ln>
+          <a:effectLst/>
+          <a:extLst>
+            <a:ext uri="{AF507438-7753-43E0-B8FC-AC1667EBCBE1}">
+              <a14:hiddenEffects xmlns:a14="http://schemas.microsoft.com/office/drawing/2010/main" xmlns="">
+                <a:effectLst>
+                  <a:outerShdw dist="35921" dir="2700000" algn="ctr" rotWithShape="0">
+                    <a:schemeClr val="bg2"/>
+                  </a:outerShdw>
+                </a:effectLst>
+              </a14:hiddenEffects>
+            </a:ext>
+          </a:extLst>
+        </p:spPr>
+        <p:txBody>
+          <a:bodyPr vert="horz" wrap="none" lIns="91440" tIns="45720" rIns="91440" bIns="45720" numCol="1" rtlCol="0" anchor="ctr" anchorCtr="0" compatLnSpc="1">
+            <a:prstTxWarp prst="textNoShape">
+              <a:avLst/>
+            </a:prstTxWarp>
+          </a:bodyPr>
+          <a:lstStyle/>
+          <a:p>
+            <a:pPr marL="0" marR="0" indent="0" algn="l" defTabSz="914400" rtl="0" eaLnBrk="0" fontAlgn="base" latinLnBrk="0" hangingPunct="0">
+              <a:lnSpc>
+                <a:spcPct val="100000"/>
+              </a:lnSpc>
+              <a:spcBef>
+                <a:spcPct val="0"/>
+              </a:spcBef>
+              <a:spcAft>
+                <a:spcPct val="0"/>
+              </a:spcAft>
+              <a:buClrTx/>
+              <a:buSzTx/>
+              <a:buFontTx/>
+              <a:buNone/>
+              <a:tabLst/>
+            </a:pPr>
+            <a:r>
+              <a:rPr kumimoji="0" lang="ko-KR" altLang="en-US" sz="1800" b="0" i="0" u="none" strike="noStrike" cap="none" normalizeH="0" baseline="0" dirty="0" smtClean="0">
+                <a:ln>
+                  <a:noFill/>
+                </a:ln>
+                <a:solidFill>
+                  <a:schemeClr val="tx1"/>
+                </a:solidFill>
+                <a:effectLst/>
+                <a:latin typeface="Arial" charset="0"/>
+              </a:rPr>
+              <a:t>완료</a:t>
+            </a:r>
+            <a:endParaRPr kumimoji="0" lang="ko-KR" altLang="en-US" sz="1800" b="0" i="0" u="none" strike="noStrike" cap="none" normalizeH="0" baseline="0" dirty="0" smtClean="0">
+              <a:ln>
+                <a:noFill/>
+              </a:ln>
+              <a:solidFill>
+                <a:schemeClr val="tx1"/>
+              </a:solidFill>
+              <a:effectLst/>
+              <a:latin typeface="Arial" charset="0"/>
+            </a:endParaRPr>
+          </a:p>
+        </p:txBody>
+      </p:sp>
     </p:spTree>
     <p:extLst>
       <p:ext uri="{BB962C8B-B14F-4D97-AF65-F5344CB8AC3E}">
-        <p14:creationId xmlns="" xmlns:p14="http://schemas.microsoft.com/office/powerpoint/2010/main" val="3680518366"/>
+        <p14:creationId xmlns:p14="http://schemas.microsoft.com/office/powerpoint/2010/main" xmlns="" val="3680518366"/>
       </p:ext>
     </p:extLst>
   </p:cSld>
@@ -20055,7 +20272,7 @@
             <a:effectLst/>
             <a:extLst>
               <a:ext uri="{AF507438-7753-43E0-B8FC-AC1667EBCBE1}">
-                <a14:hiddenEffects xmlns="" xmlns:a14="http://schemas.microsoft.com/office/drawing/2010/main">
+                <a14:hiddenEffects xmlns:a14="http://schemas.microsoft.com/office/drawing/2010/main" xmlns="">
                   <a:effectLst>
                     <a:outerShdw dist="35921" dir="2700000" algn="ctr" rotWithShape="0">
                       <a:schemeClr val="bg2"/>
@@ -20095,7 +20312,7 @@
             <a:effectLst/>
             <a:extLst>
               <a:ext uri="{AF507438-7753-43E0-B8FC-AC1667EBCBE1}">
-                <a14:hiddenEffects xmlns="" xmlns:a14="http://schemas.microsoft.com/office/drawing/2010/main">
+                <a14:hiddenEffects xmlns:a14="http://schemas.microsoft.com/office/drawing/2010/main" xmlns="">
                   <a:effectLst>
                     <a:outerShdw dist="35921" dir="2700000" algn="ctr" rotWithShape="0">
                       <a:schemeClr val="bg2"/>
@@ -20135,7 +20352,7 @@
             <a:effectLst/>
             <a:extLst>
               <a:ext uri="{AF507438-7753-43E0-B8FC-AC1667EBCBE1}">
-                <a14:hiddenEffects xmlns="" xmlns:a14="http://schemas.microsoft.com/office/drawing/2010/main">
+                <a14:hiddenEffects xmlns:a14="http://schemas.microsoft.com/office/drawing/2010/main" xmlns="">
                   <a:effectLst>
                     <a:outerShdw dist="35921" dir="2700000" algn="ctr" rotWithShape="0">
                       <a:schemeClr val="bg2"/>
@@ -20178,7 +20395,7 @@
             <a:effectLst/>
             <a:extLst>
               <a:ext uri="{AF507438-7753-43E0-B8FC-AC1667EBCBE1}">
-                <a14:hiddenEffects xmlns="" xmlns:a14="http://schemas.microsoft.com/office/drawing/2010/main">
+                <a14:hiddenEffects xmlns:a14="http://schemas.microsoft.com/office/drawing/2010/main" xmlns="">
                   <a:effectLst>
                     <a:outerShdw dist="35921" dir="2700000" algn="ctr" rotWithShape="0">
                       <a:schemeClr val="bg2"/>
@@ -20421,7 +20638,7 @@
           <a:blip r:embed="rId2" cstate="print">
             <a:extLst>
               <a:ext uri="{28A0092B-C50C-407E-A947-70E740481C1C}">
-                <a14:useLocalDpi xmlns="" xmlns:a14="http://schemas.microsoft.com/office/drawing/2010/main" val="0"/>
+                <a14:useLocalDpi xmlns:a14="http://schemas.microsoft.com/office/drawing/2010/main" xmlns="" val="0"/>
               </a:ext>
             </a:extLst>
           </a:blip>
@@ -20444,14 +20661,14 @@
           </a:ln>
           <a:extLst>
             <a:ext uri="{909E8E84-426E-40DD-AFC4-6F175D3DCCD1}">
-              <a14:hiddenFill xmlns="" xmlns:a14="http://schemas.microsoft.com/office/drawing/2010/main">
+              <a14:hiddenFill xmlns:a14="http://schemas.microsoft.com/office/drawing/2010/main" xmlns="">
                 <a:solidFill>
                   <a:schemeClr val="accent1"/>
                 </a:solidFill>
               </a14:hiddenFill>
             </a:ext>
             <a:ext uri="{91240B29-F687-4F45-9708-019B960494DF}">
-              <a14:hiddenLine xmlns="" xmlns:a14="http://schemas.microsoft.com/office/drawing/2010/main" w="9525">
+              <a14:hiddenLine xmlns:a14="http://schemas.microsoft.com/office/drawing/2010/main" xmlns="" w="9525">
                 <a:solidFill>
                   <a:schemeClr val="tx1"/>
                 </a:solidFill>
@@ -20475,7 +20692,7 @@
           <a:blip r:embed="rId3" cstate="print">
             <a:extLst>
               <a:ext uri="{28A0092B-C50C-407E-A947-70E740481C1C}">
-                <a14:useLocalDpi xmlns="" xmlns:a14="http://schemas.microsoft.com/office/drawing/2010/main" val="0"/>
+                <a14:useLocalDpi xmlns:a14="http://schemas.microsoft.com/office/drawing/2010/main" xmlns="" val="0"/>
               </a:ext>
             </a:extLst>
           </a:blip>
@@ -20498,14 +20715,14 @@
           </a:ln>
           <a:extLst>
             <a:ext uri="{909E8E84-426E-40DD-AFC4-6F175D3DCCD1}">
-              <a14:hiddenFill xmlns="" xmlns:a14="http://schemas.microsoft.com/office/drawing/2010/main">
+              <a14:hiddenFill xmlns:a14="http://schemas.microsoft.com/office/drawing/2010/main" xmlns="">
                 <a:solidFill>
                   <a:schemeClr val="accent1"/>
                 </a:solidFill>
               </a14:hiddenFill>
             </a:ext>
             <a:ext uri="{91240B29-F687-4F45-9708-019B960494DF}">
-              <a14:hiddenLine xmlns="" xmlns:a14="http://schemas.microsoft.com/office/drawing/2010/main" w="9525">
+              <a14:hiddenLine xmlns:a14="http://schemas.microsoft.com/office/drawing/2010/main" xmlns="" w="9525">
                 <a:solidFill>
                   <a:schemeClr val="tx1"/>
                 </a:solidFill>
@@ -20674,7 +20891,7 @@
           <a:effectLst/>
           <a:extLst>
             <a:ext uri="{AF507438-7753-43E0-B8FC-AC1667EBCBE1}">
-              <a14:hiddenEffects xmlns="" xmlns:a14="http://schemas.microsoft.com/office/drawing/2010/main">
+              <a14:hiddenEffects xmlns:a14="http://schemas.microsoft.com/office/drawing/2010/main" xmlns="">
                 <a:effectLst>
                   <a:outerShdw dist="35921" dir="2700000" algn="ctr" rotWithShape="0">
                     <a:schemeClr val="bg2"/>
@@ -20857,7 +21074,7 @@
           <a:blip r:embed="rId4" cstate="print">
             <a:extLst>
               <a:ext uri="{28A0092B-C50C-407E-A947-70E740481C1C}">
-                <a14:useLocalDpi xmlns="" xmlns:a14="http://schemas.microsoft.com/office/drawing/2010/main" val="0"/>
+                <a14:useLocalDpi xmlns:a14="http://schemas.microsoft.com/office/drawing/2010/main" xmlns="" val="0"/>
               </a:ext>
             </a:extLst>
           </a:blip>
@@ -20880,14 +21097,14 @@
           </a:ln>
           <a:extLst>
             <a:ext uri="{909E8E84-426E-40DD-AFC4-6F175D3DCCD1}">
-              <a14:hiddenFill xmlns="" xmlns:a14="http://schemas.microsoft.com/office/drawing/2010/main">
+              <a14:hiddenFill xmlns:a14="http://schemas.microsoft.com/office/drawing/2010/main" xmlns="">
                 <a:solidFill>
                   <a:schemeClr val="accent1"/>
                 </a:solidFill>
               </a14:hiddenFill>
             </a:ext>
             <a:ext uri="{91240B29-F687-4F45-9708-019B960494DF}">
-              <a14:hiddenLine xmlns="" xmlns:a14="http://schemas.microsoft.com/office/drawing/2010/main" w="9525">
+              <a14:hiddenLine xmlns:a14="http://schemas.microsoft.com/office/drawing/2010/main" xmlns="" w="9525">
                 <a:solidFill>
                   <a:schemeClr val="tx1"/>
                 </a:solidFill>
@@ -20911,7 +21128,7 @@
           <a:blip r:embed="rId5" cstate="print">
             <a:extLst>
               <a:ext uri="{28A0092B-C50C-407E-A947-70E740481C1C}">
-                <a14:useLocalDpi xmlns="" xmlns:a14="http://schemas.microsoft.com/office/drawing/2010/main" val="0"/>
+                <a14:useLocalDpi xmlns:a14="http://schemas.microsoft.com/office/drawing/2010/main" xmlns="" val="0"/>
               </a:ext>
             </a:extLst>
           </a:blip>
@@ -20934,14 +21151,14 @@
           </a:ln>
           <a:extLst>
             <a:ext uri="{909E8E84-426E-40DD-AFC4-6F175D3DCCD1}">
-              <a14:hiddenFill xmlns="" xmlns:a14="http://schemas.microsoft.com/office/drawing/2010/main">
+              <a14:hiddenFill xmlns:a14="http://schemas.microsoft.com/office/drawing/2010/main" xmlns="">
                 <a:solidFill>
                   <a:schemeClr val="accent1"/>
                 </a:solidFill>
               </a14:hiddenFill>
             </a:ext>
             <a:ext uri="{91240B29-F687-4F45-9708-019B960494DF}">
-              <a14:hiddenLine xmlns="" xmlns:a14="http://schemas.microsoft.com/office/drawing/2010/main" w="9525">
+              <a14:hiddenLine xmlns:a14="http://schemas.microsoft.com/office/drawing/2010/main" xmlns="" w="9525">
                 <a:solidFill>
                   <a:schemeClr val="tx1"/>
                 </a:solidFill>
@@ -21233,7 +21450,7 @@
           <a:blip r:embed="rId6" cstate="print">
             <a:extLst>
               <a:ext uri="{28A0092B-C50C-407E-A947-70E740481C1C}">
-                <a14:useLocalDpi xmlns="" xmlns:a14="http://schemas.microsoft.com/office/drawing/2010/main" val="0"/>
+                <a14:useLocalDpi xmlns:a14="http://schemas.microsoft.com/office/drawing/2010/main" xmlns="" val="0"/>
               </a:ext>
             </a:extLst>
           </a:blip>
@@ -21256,14 +21473,14 @@
           </a:ln>
           <a:extLst>
             <a:ext uri="{909E8E84-426E-40DD-AFC4-6F175D3DCCD1}">
-              <a14:hiddenFill xmlns="" xmlns:a14="http://schemas.microsoft.com/office/drawing/2010/main">
+              <a14:hiddenFill xmlns:a14="http://schemas.microsoft.com/office/drawing/2010/main" xmlns="">
                 <a:solidFill>
                   <a:schemeClr val="accent1"/>
                 </a:solidFill>
               </a14:hiddenFill>
             </a:ext>
             <a:ext uri="{91240B29-F687-4F45-9708-019B960494DF}">
-              <a14:hiddenLine xmlns="" xmlns:a14="http://schemas.microsoft.com/office/drawing/2010/main" w="9525">
+              <a14:hiddenLine xmlns:a14="http://schemas.microsoft.com/office/drawing/2010/main" xmlns="" w="9525">
                 <a:solidFill>
                   <a:schemeClr val="tx1"/>
                 </a:solidFill>
@@ -21432,7 +21649,7 @@
           <a:blip r:embed="rId7" cstate="print">
             <a:extLst>
               <a:ext uri="{28A0092B-C50C-407E-A947-70E740481C1C}">
-                <a14:useLocalDpi xmlns="" xmlns:a14="http://schemas.microsoft.com/office/drawing/2010/main" val="0"/>
+                <a14:useLocalDpi xmlns:a14="http://schemas.microsoft.com/office/drawing/2010/main" xmlns="" val="0"/>
               </a:ext>
             </a:extLst>
           </a:blip>
@@ -21455,14 +21672,14 @@
           </a:ln>
           <a:extLst>
             <a:ext uri="{909E8E84-426E-40DD-AFC4-6F175D3DCCD1}">
-              <a14:hiddenFill xmlns="" xmlns:a14="http://schemas.microsoft.com/office/drawing/2010/main">
+              <a14:hiddenFill xmlns:a14="http://schemas.microsoft.com/office/drawing/2010/main" xmlns="">
                 <a:solidFill>
                   <a:schemeClr val="accent1"/>
                 </a:solidFill>
               </a14:hiddenFill>
             </a:ext>
             <a:ext uri="{91240B29-F687-4F45-9708-019B960494DF}">
-              <a14:hiddenLine xmlns="" xmlns:a14="http://schemas.microsoft.com/office/drawing/2010/main" w="9525">
+              <a14:hiddenLine xmlns:a14="http://schemas.microsoft.com/office/drawing/2010/main" xmlns="" w="9525">
                 <a:solidFill>
                   <a:schemeClr val="tx1"/>
                 </a:solidFill>
@@ -21633,7 +21850,7 @@
           <a:effectLst/>
           <a:extLst>
             <a:ext uri="{AF507438-7753-43E0-B8FC-AC1667EBCBE1}">
-              <a14:hiddenEffects xmlns="" xmlns:a14="http://schemas.microsoft.com/office/drawing/2010/main">
+              <a14:hiddenEffects xmlns:a14="http://schemas.microsoft.com/office/drawing/2010/main" xmlns="">
                 <a:effectLst>
                   <a:outerShdw dist="35921" dir="2700000" algn="ctr" rotWithShape="0">
                     <a:schemeClr val="bg2"/>
@@ -21713,7 +21930,7 @@
     </p:spTree>
     <p:extLst>
       <p:ext uri="{BB962C8B-B14F-4D97-AF65-F5344CB8AC3E}">
-        <p14:creationId xmlns="" xmlns:p14="http://schemas.microsoft.com/office/powerpoint/2010/main" val="2566599230"/>
+        <p14:creationId xmlns:p14="http://schemas.microsoft.com/office/powerpoint/2010/main" xmlns="" val="2566599230"/>
       </p:ext>
     </p:extLst>
   </p:cSld>
@@ -21978,7 +22195,7 @@
             <a:effectLst/>
             <a:extLst>
               <a:ext uri="{AF507438-7753-43E0-B8FC-AC1667EBCBE1}">
-                <a14:hiddenEffects xmlns="" xmlns:a14="http://schemas.microsoft.com/office/drawing/2010/main">
+                <a14:hiddenEffects xmlns:a14="http://schemas.microsoft.com/office/drawing/2010/main" xmlns="">
                   <a:effectLst>
                     <a:outerShdw dist="35921" dir="2700000" algn="ctr" rotWithShape="0">
                       <a:schemeClr val="bg2"/>
@@ -22018,7 +22235,7 @@
             <a:effectLst/>
             <a:extLst>
               <a:ext uri="{AF507438-7753-43E0-B8FC-AC1667EBCBE1}">
-                <a14:hiddenEffects xmlns="" xmlns:a14="http://schemas.microsoft.com/office/drawing/2010/main">
+                <a14:hiddenEffects xmlns:a14="http://schemas.microsoft.com/office/drawing/2010/main" xmlns="">
                   <a:effectLst>
                     <a:outerShdw dist="35921" dir="2700000" algn="ctr" rotWithShape="0">
                       <a:schemeClr val="bg2"/>
@@ -22058,7 +22275,7 @@
             <a:effectLst/>
             <a:extLst>
               <a:ext uri="{AF507438-7753-43E0-B8FC-AC1667EBCBE1}">
-                <a14:hiddenEffects xmlns="" xmlns:a14="http://schemas.microsoft.com/office/drawing/2010/main">
+                <a14:hiddenEffects xmlns:a14="http://schemas.microsoft.com/office/drawing/2010/main" xmlns="">
                   <a:effectLst>
                     <a:outerShdw dist="35921" dir="2700000" algn="ctr" rotWithShape="0">
                       <a:schemeClr val="bg2"/>
@@ -22101,7 +22318,7 @@
             <a:effectLst/>
             <a:extLst>
               <a:ext uri="{AF507438-7753-43E0-B8FC-AC1667EBCBE1}">
-                <a14:hiddenEffects xmlns="" xmlns:a14="http://schemas.microsoft.com/office/drawing/2010/main">
+                <a14:hiddenEffects xmlns:a14="http://schemas.microsoft.com/office/drawing/2010/main" xmlns="">
                   <a:effectLst>
                     <a:outerShdw dist="35921" dir="2700000" algn="ctr" rotWithShape="0">
                       <a:schemeClr val="bg2"/>
@@ -22675,7 +22892,7 @@
           <a:blip r:embed="rId3" cstate="print">
             <a:extLst>
               <a:ext uri="{28A0092B-C50C-407E-A947-70E740481C1C}">
-                <a14:useLocalDpi xmlns="" xmlns:a14="http://schemas.microsoft.com/office/drawing/2010/main" val="0"/>
+                <a14:useLocalDpi xmlns:a14="http://schemas.microsoft.com/office/drawing/2010/main" xmlns="" val="0"/>
               </a:ext>
             </a:extLst>
           </a:blip>
@@ -22698,14 +22915,14 @@
           </a:ln>
           <a:extLst>
             <a:ext uri="{909E8E84-426E-40DD-AFC4-6F175D3DCCD1}">
-              <a14:hiddenFill xmlns="" xmlns:a14="http://schemas.microsoft.com/office/drawing/2010/main">
+              <a14:hiddenFill xmlns:a14="http://schemas.microsoft.com/office/drawing/2010/main" xmlns="">
                 <a:solidFill>
                   <a:schemeClr val="accent1"/>
                 </a:solidFill>
               </a14:hiddenFill>
             </a:ext>
             <a:ext uri="{91240B29-F687-4F45-9708-019B960494DF}">
-              <a14:hiddenLine xmlns="" xmlns:a14="http://schemas.microsoft.com/office/drawing/2010/main" w="9525">
+              <a14:hiddenLine xmlns:a14="http://schemas.microsoft.com/office/drawing/2010/main" xmlns="" w="9525">
                 <a:solidFill>
                   <a:schemeClr val="tx1"/>
                 </a:solidFill>
@@ -23214,7 +23431,7 @@
           <a:blip r:embed="rId4" cstate="print">
             <a:extLst>
               <a:ext uri="{28A0092B-C50C-407E-A947-70E740481C1C}">
-                <a14:useLocalDpi xmlns="" xmlns:a14="http://schemas.microsoft.com/office/drawing/2010/main" val="0"/>
+                <a14:useLocalDpi xmlns:a14="http://schemas.microsoft.com/office/drawing/2010/main" xmlns="" val="0"/>
               </a:ext>
             </a:extLst>
           </a:blip>
@@ -23242,7 +23459,7 @@
           </a:ln>
           <a:extLst>
             <a:ext uri="{909E8E84-426E-40DD-AFC4-6F175D3DCCD1}">
-              <a14:hiddenFill xmlns="" xmlns:a14="http://schemas.microsoft.com/office/drawing/2010/main">
+              <a14:hiddenFill xmlns:a14="http://schemas.microsoft.com/office/drawing/2010/main" xmlns="">
                 <a:solidFill>
                   <a:schemeClr val="accent1"/>
                 </a:solidFill>
@@ -23537,7 +23754,7 @@
     </p:spTree>
     <p:extLst>
       <p:ext uri="{BB962C8B-B14F-4D97-AF65-F5344CB8AC3E}">
-        <p14:creationId xmlns="" xmlns:p14="http://schemas.microsoft.com/office/powerpoint/2010/main" val="204687591"/>
+        <p14:creationId xmlns:p14="http://schemas.microsoft.com/office/powerpoint/2010/main" xmlns="" val="204687591"/>
       </p:ext>
     </p:extLst>
   </p:cSld>
@@ -23802,7 +24019,7 @@
             <a:effectLst/>
             <a:extLst>
               <a:ext uri="{AF507438-7753-43E0-B8FC-AC1667EBCBE1}">
-                <a14:hiddenEffects xmlns="" xmlns:a14="http://schemas.microsoft.com/office/drawing/2010/main">
+                <a14:hiddenEffects xmlns:a14="http://schemas.microsoft.com/office/drawing/2010/main" xmlns="">
                   <a:effectLst>
                     <a:outerShdw dist="35921" dir="2700000" algn="ctr" rotWithShape="0">
                       <a:schemeClr val="bg2"/>
@@ -23842,7 +24059,7 @@
             <a:effectLst/>
             <a:extLst>
               <a:ext uri="{AF507438-7753-43E0-B8FC-AC1667EBCBE1}">
-                <a14:hiddenEffects xmlns="" xmlns:a14="http://schemas.microsoft.com/office/drawing/2010/main">
+                <a14:hiddenEffects xmlns:a14="http://schemas.microsoft.com/office/drawing/2010/main" xmlns="">
                   <a:effectLst>
                     <a:outerShdw dist="35921" dir="2700000" algn="ctr" rotWithShape="0">
                       <a:schemeClr val="bg2"/>
@@ -23882,7 +24099,7 @@
             <a:effectLst/>
             <a:extLst>
               <a:ext uri="{AF507438-7753-43E0-B8FC-AC1667EBCBE1}">
-                <a14:hiddenEffects xmlns="" xmlns:a14="http://schemas.microsoft.com/office/drawing/2010/main">
+                <a14:hiddenEffects xmlns:a14="http://schemas.microsoft.com/office/drawing/2010/main" xmlns="">
                   <a:effectLst>
                     <a:outerShdw dist="35921" dir="2700000" algn="ctr" rotWithShape="0">
                       <a:schemeClr val="bg2"/>
@@ -23925,7 +24142,7 @@
             <a:effectLst/>
             <a:extLst>
               <a:ext uri="{AF507438-7753-43E0-B8FC-AC1667EBCBE1}">
-                <a14:hiddenEffects xmlns="" xmlns:a14="http://schemas.microsoft.com/office/drawing/2010/main">
+                <a14:hiddenEffects xmlns:a14="http://schemas.microsoft.com/office/drawing/2010/main" xmlns="">
                   <a:effectLst>
                     <a:outerShdw dist="35921" dir="2700000" algn="ctr" rotWithShape="0">
                       <a:schemeClr val="bg2"/>
@@ -24368,7 +24585,7 @@
           <a:blip r:embed="rId3" cstate="print">
             <a:extLst>
               <a:ext uri="{28A0092B-C50C-407E-A947-70E740481C1C}">
-                <a14:useLocalDpi xmlns="" xmlns:a14="http://schemas.microsoft.com/office/drawing/2010/main" val="0"/>
+                <a14:useLocalDpi xmlns:a14="http://schemas.microsoft.com/office/drawing/2010/main" xmlns="" val="0"/>
               </a:ext>
             </a:extLst>
           </a:blip>
@@ -24391,14 +24608,14 @@
           </a:ln>
           <a:extLst>
             <a:ext uri="{909E8E84-426E-40DD-AFC4-6F175D3DCCD1}">
-              <a14:hiddenFill xmlns="" xmlns:a14="http://schemas.microsoft.com/office/drawing/2010/main">
+              <a14:hiddenFill xmlns:a14="http://schemas.microsoft.com/office/drawing/2010/main" xmlns="">
                 <a:solidFill>
                   <a:schemeClr val="accent1"/>
                 </a:solidFill>
               </a14:hiddenFill>
             </a:ext>
             <a:ext uri="{91240B29-F687-4F45-9708-019B960494DF}">
-              <a14:hiddenLine xmlns="" xmlns:a14="http://schemas.microsoft.com/office/drawing/2010/main" w="9525">
+              <a14:hiddenLine xmlns:a14="http://schemas.microsoft.com/office/drawing/2010/main" xmlns="" w="9525">
                 <a:solidFill>
                   <a:schemeClr val="tx1"/>
                 </a:solidFill>
@@ -24700,10 +24917,94 @@
           </a:p>
         </p:txBody>
       </p:sp>
+      <p:sp>
+        <p:nvSpPr>
+          <p:cNvPr id="22" name="직사각형 21"/>
+          <p:cNvSpPr/>
+          <p:nvPr/>
+        </p:nvSpPr>
+        <p:spPr bwMode="auto">
+          <a:xfrm>
+            <a:off x="1071538" y="3714752"/>
+            <a:ext cx="2714644" cy="1571636"/>
+          </a:xfrm>
+          <a:prstGeom prst="rect">
+            <a:avLst/>
+          </a:prstGeom>
+          <a:solidFill>
+            <a:schemeClr val="accent1"/>
+          </a:solidFill>
+          <a:ln w="9525" cap="flat" cmpd="sng" algn="ctr">
+            <a:solidFill>
+              <a:schemeClr val="tx1"/>
+            </a:solidFill>
+            <a:prstDash val="solid"/>
+            <a:round/>
+            <a:headEnd type="none" w="med" len="med"/>
+            <a:tailEnd type="none" w="med" len="med"/>
+          </a:ln>
+          <a:effectLst/>
+          <a:extLst>
+            <a:ext uri="{AF507438-7753-43E0-B8FC-AC1667EBCBE1}">
+              <a14:hiddenEffects xmlns:a14="http://schemas.microsoft.com/office/drawing/2010/main" xmlns="">
+                <a:effectLst>
+                  <a:outerShdw dist="35921" dir="2700000" algn="ctr" rotWithShape="0">
+                    <a:schemeClr val="bg2"/>
+                  </a:outerShdw>
+                </a:effectLst>
+              </a14:hiddenEffects>
+            </a:ext>
+          </a:extLst>
+        </p:spPr>
+        <p:txBody>
+          <a:bodyPr vert="horz" wrap="none" lIns="91440" tIns="45720" rIns="91440" bIns="45720" numCol="1" rtlCol="0" anchor="ctr" anchorCtr="0" compatLnSpc="1">
+            <a:prstTxWarp prst="textNoShape">
+              <a:avLst/>
+            </a:prstTxWarp>
+          </a:bodyPr>
+          <a:lstStyle/>
+          <a:p>
+            <a:pPr marL="0" marR="0" indent="0" algn="l" defTabSz="914400" rtl="0" eaLnBrk="0" fontAlgn="base" latinLnBrk="0" hangingPunct="0">
+              <a:lnSpc>
+                <a:spcPct val="100000"/>
+              </a:lnSpc>
+              <a:spcBef>
+                <a:spcPct val="0"/>
+              </a:spcBef>
+              <a:spcAft>
+                <a:spcPct val="0"/>
+              </a:spcAft>
+              <a:buClrTx/>
+              <a:buSzTx/>
+              <a:buFontTx/>
+              <a:buNone/>
+              <a:tabLst/>
+            </a:pPr>
+            <a:r>
+              <a:rPr lang="ko-KR" altLang="en-US" dirty="0" smtClean="0"/>
+              <a:t>완</a:t>
+            </a:r>
+            <a:r>
+              <a:rPr lang="ko-KR" altLang="en-US" dirty="0" smtClean="0"/>
+              <a:t>료</a:t>
+            </a:r>
+            <a:endParaRPr kumimoji="0" lang="ko-KR" altLang="en-US" sz="1800" b="0" i="0" u="none" strike="noStrike" cap="none" normalizeH="0" baseline="0" dirty="0" smtClean="0">
+              <a:ln>
+                <a:noFill/>
+              </a:ln>
+              <a:solidFill>
+                <a:schemeClr val="tx1"/>
+              </a:solidFill>
+              <a:effectLst/>
+              <a:latin typeface="Arial" charset="0"/>
+            </a:endParaRPr>
+          </a:p>
+        </p:txBody>
+      </p:sp>
     </p:spTree>
     <p:extLst>
       <p:ext uri="{BB962C8B-B14F-4D97-AF65-F5344CB8AC3E}">
-        <p14:creationId xmlns="" xmlns:p14="http://schemas.microsoft.com/office/powerpoint/2010/main" val="850629866"/>
+        <p14:creationId xmlns:p14="http://schemas.microsoft.com/office/powerpoint/2010/main" xmlns="" val="850629866"/>
       </p:ext>
     </p:extLst>
   </p:cSld>
@@ -24968,7 +25269,7 @@
             <a:effectLst/>
             <a:extLst>
               <a:ext uri="{AF507438-7753-43E0-B8FC-AC1667EBCBE1}">
-                <a14:hiddenEffects xmlns="" xmlns:a14="http://schemas.microsoft.com/office/drawing/2010/main">
+                <a14:hiddenEffects xmlns:a14="http://schemas.microsoft.com/office/drawing/2010/main" xmlns="">
                   <a:effectLst>
                     <a:outerShdw dist="35921" dir="2700000" algn="ctr" rotWithShape="0">
                       <a:schemeClr val="bg2"/>
@@ -25008,7 +25309,7 @@
             <a:effectLst/>
             <a:extLst>
               <a:ext uri="{AF507438-7753-43E0-B8FC-AC1667EBCBE1}">
-                <a14:hiddenEffects xmlns="" xmlns:a14="http://schemas.microsoft.com/office/drawing/2010/main">
+                <a14:hiddenEffects xmlns:a14="http://schemas.microsoft.com/office/drawing/2010/main" xmlns="">
                   <a:effectLst>
                     <a:outerShdw dist="35921" dir="2700000" algn="ctr" rotWithShape="0">
                       <a:schemeClr val="bg2"/>
@@ -25048,7 +25349,7 @@
             <a:effectLst/>
             <a:extLst>
               <a:ext uri="{AF507438-7753-43E0-B8FC-AC1667EBCBE1}">
-                <a14:hiddenEffects xmlns="" xmlns:a14="http://schemas.microsoft.com/office/drawing/2010/main">
+                <a14:hiddenEffects xmlns:a14="http://schemas.microsoft.com/office/drawing/2010/main" xmlns="">
                   <a:effectLst>
                     <a:outerShdw dist="35921" dir="2700000" algn="ctr" rotWithShape="0">
                       <a:schemeClr val="bg2"/>
@@ -25091,7 +25392,7 @@
             <a:effectLst/>
             <a:extLst>
               <a:ext uri="{AF507438-7753-43E0-B8FC-AC1667EBCBE1}">
-                <a14:hiddenEffects xmlns="" xmlns:a14="http://schemas.microsoft.com/office/drawing/2010/main">
+                <a14:hiddenEffects xmlns:a14="http://schemas.microsoft.com/office/drawing/2010/main" xmlns="">
                   <a:effectLst>
                     <a:outerShdw dist="35921" dir="2700000" algn="ctr" rotWithShape="0">
                       <a:schemeClr val="bg2"/>
@@ -25492,7 +25793,7 @@
           <a:blip r:embed="rId3" cstate="print">
             <a:extLst>
               <a:ext uri="{28A0092B-C50C-407E-A947-70E740481C1C}">
-                <a14:useLocalDpi xmlns="" xmlns:a14="http://schemas.microsoft.com/office/drawing/2010/main" val="0"/>
+                <a14:useLocalDpi xmlns:a14="http://schemas.microsoft.com/office/drawing/2010/main" xmlns="" val="0"/>
               </a:ext>
             </a:extLst>
           </a:blip>
@@ -25515,14 +25816,14 @@
           </a:ln>
           <a:extLst>
             <a:ext uri="{909E8E84-426E-40DD-AFC4-6F175D3DCCD1}">
-              <a14:hiddenFill xmlns="" xmlns:a14="http://schemas.microsoft.com/office/drawing/2010/main">
+              <a14:hiddenFill xmlns:a14="http://schemas.microsoft.com/office/drawing/2010/main" xmlns="">
                 <a:solidFill>
                   <a:schemeClr val="accent1"/>
                 </a:solidFill>
               </a14:hiddenFill>
             </a:ext>
             <a:ext uri="{91240B29-F687-4F45-9708-019B960494DF}">
-              <a14:hiddenLine xmlns="" xmlns:a14="http://schemas.microsoft.com/office/drawing/2010/main" w="9525">
+              <a14:hiddenLine xmlns:a14="http://schemas.microsoft.com/office/drawing/2010/main" xmlns="" w="9525">
                 <a:solidFill>
                   <a:schemeClr val="tx1"/>
                 </a:solidFill>
@@ -25958,7 +26259,7 @@
     </p:spTree>
     <p:extLst>
       <p:ext uri="{BB962C8B-B14F-4D97-AF65-F5344CB8AC3E}">
-        <p14:creationId xmlns="" xmlns:p14="http://schemas.microsoft.com/office/powerpoint/2010/main" val="3227897207"/>
+        <p14:creationId xmlns:p14="http://schemas.microsoft.com/office/powerpoint/2010/main" xmlns="" val="3227897207"/>
       </p:ext>
     </p:extLst>
   </p:cSld>
@@ -26223,7 +26524,7 @@
             <a:effectLst/>
             <a:extLst>
               <a:ext uri="{AF507438-7753-43E0-B8FC-AC1667EBCBE1}">
-                <a14:hiddenEffects xmlns="" xmlns:a14="http://schemas.microsoft.com/office/drawing/2010/main">
+                <a14:hiddenEffects xmlns:a14="http://schemas.microsoft.com/office/drawing/2010/main" xmlns="">
                   <a:effectLst>
                     <a:outerShdw dist="35921" dir="2700000" algn="ctr" rotWithShape="0">
                       <a:schemeClr val="bg2"/>
@@ -26263,7 +26564,7 @@
             <a:effectLst/>
             <a:extLst>
               <a:ext uri="{AF507438-7753-43E0-B8FC-AC1667EBCBE1}">
-                <a14:hiddenEffects xmlns="" xmlns:a14="http://schemas.microsoft.com/office/drawing/2010/main">
+                <a14:hiddenEffects xmlns:a14="http://schemas.microsoft.com/office/drawing/2010/main" xmlns="">
                   <a:effectLst>
                     <a:outerShdw dist="35921" dir="2700000" algn="ctr" rotWithShape="0">
                       <a:schemeClr val="bg2"/>
@@ -26303,7 +26604,7 @@
             <a:effectLst/>
             <a:extLst>
               <a:ext uri="{AF507438-7753-43E0-B8FC-AC1667EBCBE1}">
-                <a14:hiddenEffects xmlns="" xmlns:a14="http://schemas.microsoft.com/office/drawing/2010/main">
+                <a14:hiddenEffects xmlns:a14="http://schemas.microsoft.com/office/drawing/2010/main" xmlns="">
                   <a:effectLst>
                     <a:outerShdw dist="35921" dir="2700000" algn="ctr" rotWithShape="0">
                       <a:schemeClr val="bg2"/>
@@ -26346,7 +26647,7 @@
             <a:effectLst/>
             <a:extLst>
               <a:ext uri="{AF507438-7753-43E0-B8FC-AC1667EBCBE1}">
-                <a14:hiddenEffects xmlns="" xmlns:a14="http://schemas.microsoft.com/office/drawing/2010/main">
+                <a14:hiddenEffects xmlns:a14="http://schemas.microsoft.com/office/drawing/2010/main" xmlns="">
                   <a:effectLst>
                     <a:outerShdw dist="35921" dir="2700000" algn="ctr" rotWithShape="0">
                       <a:schemeClr val="bg2"/>
@@ -26689,7 +26990,7 @@
           <a:blip r:embed="rId3" cstate="print">
             <a:extLst>
               <a:ext uri="{28A0092B-C50C-407E-A947-70E740481C1C}">
-                <a14:useLocalDpi xmlns="" xmlns:a14="http://schemas.microsoft.com/office/drawing/2010/main" val="0"/>
+                <a14:useLocalDpi xmlns:a14="http://schemas.microsoft.com/office/drawing/2010/main" xmlns="" val="0"/>
               </a:ext>
             </a:extLst>
           </a:blip>
@@ -26712,14 +27013,14 @@
           </a:ln>
           <a:extLst>
             <a:ext uri="{909E8E84-426E-40DD-AFC4-6F175D3DCCD1}">
-              <a14:hiddenFill xmlns="" xmlns:a14="http://schemas.microsoft.com/office/drawing/2010/main">
+              <a14:hiddenFill xmlns:a14="http://schemas.microsoft.com/office/drawing/2010/main" xmlns="">
                 <a:solidFill>
                   <a:schemeClr val="accent1"/>
                 </a:solidFill>
               </a14:hiddenFill>
             </a:ext>
             <a:ext uri="{91240B29-F687-4F45-9708-019B960494DF}">
-              <a14:hiddenLine xmlns="" xmlns:a14="http://schemas.microsoft.com/office/drawing/2010/main" w="9525">
+              <a14:hiddenLine xmlns:a14="http://schemas.microsoft.com/office/drawing/2010/main" xmlns="" w="9525">
                 <a:solidFill>
                   <a:schemeClr val="tx1"/>
                 </a:solidFill>
@@ -26879,7 +27180,7 @@
     </p:spTree>
     <p:extLst>
       <p:ext uri="{BB962C8B-B14F-4D97-AF65-F5344CB8AC3E}">
-        <p14:creationId xmlns="" xmlns:p14="http://schemas.microsoft.com/office/powerpoint/2010/main" val="3782649962"/>
+        <p14:creationId xmlns:p14="http://schemas.microsoft.com/office/powerpoint/2010/main" xmlns="" val="3782649962"/>
       </p:ext>
     </p:extLst>
   </p:cSld>
@@ -27144,7 +27445,7 @@
             <a:effectLst/>
             <a:extLst>
               <a:ext uri="{AF507438-7753-43E0-B8FC-AC1667EBCBE1}">
-                <a14:hiddenEffects xmlns="" xmlns:a14="http://schemas.microsoft.com/office/drawing/2010/main">
+                <a14:hiddenEffects xmlns:a14="http://schemas.microsoft.com/office/drawing/2010/main" xmlns="">
                   <a:effectLst>
                     <a:outerShdw dist="35921" dir="2700000" algn="ctr" rotWithShape="0">
                       <a:schemeClr val="bg2"/>
@@ -27184,7 +27485,7 @@
             <a:effectLst/>
             <a:extLst>
               <a:ext uri="{AF507438-7753-43E0-B8FC-AC1667EBCBE1}">
-                <a14:hiddenEffects xmlns="" xmlns:a14="http://schemas.microsoft.com/office/drawing/2010/main">
+                <a14:hiddenEffects xmlns:a14="http://schemas.microsoft.com/office/drawing/2010/main" xmlns="">
                   <a:effectLst>
                     <a:outerShdw dist="35921" dir="2700000" algn="ctr" rotWithShape="0">
                       <a:schemeClr val="bg2"/>
@@ -27224,7 +27525,7 @@
             <a:effectLst/>
             <a:extLst>
               <a:ext uri="{AF507438-7753-43E0-B8FC-AC1667EBCBE1}">
-                <a14:hiddenEffects xmlns="" xmlns:a14="http://schemas.microsoft.com/office/drawing/2010/main">
+                <a14:hiddenEffects xmlns:a14="http://schemas.microsoft.com/office/drawing/2010/main" xmlns="">
                   <a:effectLst>
                     <a:outerShdw dist="35921" dir="2700000" algn="ctr" rotWithShape="0">
                       <a:schemeClr val="bg2"/>
@@ -27267,7 +27568,7 @@
             <a:effectLst/>
             <a:extLst>
               <a:ext uri="{AF507438-7753-43E0-B8FC-AC1667EBCBE1}">
-                <a14:hiddenEffects xmlns="" xmlns:a14="http://schemas.microsoft.com/office/drawing/2010/main">
+                <a14:hiddenEffects xmlns:a14="http://schemas.microsoft.com/office/drawing/2010/main" xmlns="">
                   <a:effectLst>
                     <a:outerShdw dist="35921" dir="2700000" algn="ctr" rotWithShape="0">
                       <a:schemeClr val="bg2"/>
@@ -27659,7 +27960,7 @@
           <a:blip r:embed="rId3" cstate="print">
             <a:extLst>
               <a:ext uri="{28A0092B-C50C-407E-A947-70E740481C1C}">
-                <a14:useLocalDpi xmlns="" xmlns:a14="http://schemas.microsoft.com/office/drawing/2010/main" val="0"/>
+                <a14:useLocalDpi xmlns:a14="http://schemas.microsoft.com/office/drawing/2010/main" xmlns="" val="0"/>
               </a:ext>
             </a:extLst>
           </a:blip>
@@ -27682,14 +27983,14 @@
           </a:ln>
           <a:extLst>
             <a:ext uri="{909E8E84-426E-40DD-AFC4-6F175D3DCCD1}">
-              <a14:hiddenFill xmlns="" xmlns:a14="http://schemas.microsoft.com/office/drawing/2010/main">
+              <a14:hiddenFill xmlns:a14="http://schemas.microsoft.com/office/drawing/2010/main" xmlns="">
                 <a:solidFill>
                   <a:schemeClr val="accent1"/>
                 </a:solidFill>
               </a14:hiddenFill>
             </a:ext>
             <a:ext uri="{91240B29-F687-4F45-9708-019B960494DF}">
-              <a14:hiddenLine xmlns="" xmlns:a14="http://schemas.microsoft.com/office/drawing/2010/main" w="9525">
+              <a14:hiddenLine xmlns:a14="http://schemas.microsoft.com/office/drawing/2010/main" xmlns="" w="9525">
                 <a:solidFill>
                   <a:schemeClr val="tx1"/>
                 </a:solidFill>
@@ -27994,7 +28295,7 @@
     </p:spTree>
     <p:extLst>
       <p:ext uri="{BB962C8B-B14F-4D97-AF65-F5344CB8AC3E}">
-        <p14:creationId xmlns="" xmlns:p14="http://schemas.microsoft.com/office/powerpoint/2010/main" val="1596524086"/>
+        <p14:creationId xmlns:p14="http://schemas.microsoft.com/office/powerpoint/2010/main" xmlns="" val="1596524086"/>
       </p:ext>
     </p:extLst>
   </p:cSld>
@@ -28259,7 +28560,7 @@
             <a:effectLst/>
             <a:extLst>
               <a:ext uri="{AF507438-7753-43E0-B8FC-AC1667EBCBE1}">
-                <a14:hiddenEffects xmlns="" xmlns:a14="http://schemas.microsoft.com/office/drawing/2010/main">
+                <a14:hiddenEffects xmlns:a14="http://schemas.microsoft.com/office/drawing/2010/main" xmlns="">
                   <a:effectLst>
                     <a:outerShdw dist="35921" dir="2700000" algn="ctr" rotWithShape="0">
                       <a:schemeClr val="bg2"/>
@@ -28299,7 +28600,7 @@
             <a:effectLst/>
             <a:extLst>
               <a:ext uri="{AF507438-7753-43E0-B8FC-AC1667EBCBE1}">
-                <a14:hiddenEffects xmlns="" xmlns:a14="http://schemas.microsoft.com/office/drawing/2010/main">
+                <a14:hiddenEffects xmlns:a14="http://schemas.microsoft.com/office/drawing/2010/main" xmlns="">
                   <a:effectLst>
                     <a:outerShdw dist="35921" dir="2700000" algn="ctr" rotWithShape="0">
                       <a:schemeClr val="bg2"/>
@@ -28339,7 +28640,7 @@
             <a:effectLst/>
             <a:extLst>
               <a:ext uri="{AF507438-7753-43E0-B8FC-AC1667EBCBE1}">
-                <a14:hiddenEffects xmlns="" xmlns:a14="http://schemas.microsoft.com/office/drawing/2010/main">
+                <a14:hiddenEffects xmlns:a14="http://schemas.microsoft.com/office/drawing/2010/main" xmlns="">
                   <a:effectLst>
                     <a:outerShdw dist="35921" dir="2700000" algn="ctr" rotWithShape="0">
                       <a:schemeClr val="bg2"/>
@@ -28382,7 +28683,7 @@
             <a:effectLst/>
             <a:extLst>
               <a:ext uri="{AF507438-7753-43E0-B8FC-AC1667EBCBE1}">
-                <a14:hiddenEffects xmlns="" xmlns:a14="http://schemas.microsoft.com/office/drawing/2010/main">
+                <a14:hiddenEffects xmlns:a14="http://schemas.microsoft.com/office/drawing/2010/main" xmlns="">
                   <a:effectLst>
                     <a:outerShdw dist="35921" dir="2700000" algn="ctr" rotWithShape="0">
                       <a:schemeClr val="bg2"/>
@@ -28740,7 +29041,7 @@
           <a:blip r:embed="rId3" cstate="print">
             <a:extLst>
               <a:ext uri="{28A0092B-C50C-407E-A947-70E740481C1C}">
-                <a14:useLocalDpi xmlns="" xmlns:a14="http://schemas.microsoft.com/office/drawing/2010/main" val="0"/>
+                <a14:useLocalDpi xmlns:a14="http://schemas.microsoft.com/office/drawing/2010/main" xmlns="" val="0"/>
               </a:ext>
             </a:extLst>
           </a:blip>
@@ -28763,14 +29064,14 @@
           </a:ln>
           <a:extLst>
             <a:ext uri="{909E8E84-426E-40DD-AFC4-6F175D3DCCD1}">
-              <a14:hiddenFill xmlns="" xmlns:a14="http://schemas.microsoft.com/office/drawing/2010/main">
+              <a14:hiddenFill xmlns:a14="http://schemas.microsoft.com/office/drawing/2010/main" xmlns="">
                 <a:solidFill>
                   <a:schemeClr val="accent1"/>
                 </a:solidFill>
               </a14:hiddenFill>
             </a:ext>
             <a:ext uri="{91240B29-F687-4F45-9708-019B960494DF}">
-              <a14:hiddenLine xmlns="" xmlns:a14="http://schemas.microsoft.com/office/drawing/2010/main" w="9525">
+              <a14:hiddenLine xmlns:a14="http://schemas.microsoft.com/office/drawing/2010/main" xmlns="" w="9525">
                 <a:solidFill>
                   <a:schemeClr val="tx1"/>
                 </a:solidFill>
@@ -28956,7 +29257,7 @@
           <a:effectLst/>
           <a:extLst>
             <a:ext uri="{AF507438-7753-43E0-B8FC-AC1667EBCBE1}">
-              <a14:hiddenEffects xmlns="" xmlns:a14="http://schemas.microsoft.com/office/drawing/2010/main">
+              <a14:hiddenEffects xmlns:a14="http://schemas.microsoft.com/office/drawing/2010/main" xmlns="">
                 <a:effectLst>
                   <a:outerShdw dist="35921" dir="2700000" algn="ctr" rotWithShape="0">
                     <a:schemeClr val="bg2"/>
@@ -29010,7 +29311,7 @@
     </p:spTree>
     <p:extLst>
       <p:ext uri="{BB962C8B-B14F-4D97-AF65-F5344CB8AC3E}">
-        <p14:creationId xmlns="" xmlns:p14="http://schemas.microsoft.com/office/powerpoint/2010/main" val="3316582217"/>
+        <p14:creationId xmlns:p14="http://schemas.microsoft.com/office/powerpoint/2010/main" xmlns="" val="3316582217"/>
       </p:ext>
     </p:extLst>
   </p:cSld>
@@ -29275,7 +29576,7 @@
             <a:effectLst/>
             <a:extLst>
               <a:ext uri="{AF507438-7753-43E0-B8FC-AC1667EBCBE1}">
-                <a14:hiddenEffects xmlns="" xmlns:a14="http://schemas.microsoft.com/office/drawing/2010/main">
+                <a14:hiddenEffects xmlns:a14="http://schemas.microsoft.com/office/drawing/2010/main" xmlns="">
                   <a:effectLst>
                     <a:outerShdw dist="35921" dir="2700000" algn="ctr" rotWithShape="0">
                       <a:schemeClr val="bg2"/>
@@ -29315,7 +29616,7 @@
             <a:effectLst/>
             <a:extLst>
               <a:ext uri="{AF507438-7753-43E0-B8FC-AC1667EBCBE1}">
-                <a14:hiddenEffects xmlns="" xmlns:a14="http://schemas.microsoft.com/office/drawing/2010/main">
+                <a14:hiddenEffects xmlns:a14="http://schemas.microsoft.com/office/drawing/2010/main" xmlns="">
                   <a:effectLst>
                     <a:outerShdw dist="35921" dir="2700000" algn="ctr" rotWithShape="0">
                       <a:schemeClr val="bg2"/>
@@ -29355,7 +29656,7 @@
             <a:effectLst/>
             <a:extLst>
               <a:ext uri="{AF507438-7753-43E0-B8FC-AC1667EBCBE1}">
-                <a14:hiddenEffects xmlns="" xmlns:a14="http://schemas.microsoft.com/office/drawing/2010/main">
+                <a14:hiddenEffects xmlns:a14="http://schemas.microsoft.com/office/drawing/2010/main" xmlns="">
                   <a:effectLst>
                     <a:outerShdw dist="35921" dir="2700000" algn="ctr" rotWithShape="0">
                       <a:schemeClr val="bg2"/>
@@ -29398,7 +29699,7 @@
             <a:effectLst/>
             <a:extLst>
               <a:ext uri="{AF507438-7753-43E0-B8FC-AC1667EBCBE1}">
-                <a14:hiddenEffects xmlns="" xmlns:a14="http://schemas.microsoft.com/office/drawing/2010/main">
+                <a14:hiddenEffects xmlns:a14="http://schemas.microsoft.com/office/drawing/2010/main" xmlns="">
                   <a:effectLst>
                     <a:outerShdw dist="35921" dir="2700000" algn="ctr" rotWithShape="0">
                       <a:schemeClr val="bg2"/>
@@ -29851,7 +30152,7 @@
           <a:blip r:embed="rId3" cstate="print">
             <a:extLst>
               <a:ext uri="{28A0092B-C50C-407E-A947-70E740481C1C}">
-                <a14:useLocalDpi xmlns="" xmlns:a14="http://schemas.microsoft.com/office/drawing/2010/main" val="0"/>
+                <a14:useLocalDpi xmlns:a14="http://schemas.microsoft.com/office/drawing/2010/main" xmlns="" val="0"/>
               </a:ext>
             </a:extLst>
           </a:blip>
@@ -29874,14 +30175,14 @@
           </a:ln>
           <a:extLst>
             <a:ext uri="{909E8E84-426E-40DD-AFC4-6F175D3DCCD1}">
-              <a14:hiddenFill xmlns="" xmlns:a14="http://schemas.microsoft.com/office/drawing/2010/main">
+              <a14:hiddenFill xmlns:a14="http://schemas.microsoft.com/office/drawing/2010/main" xmlns="">
                 <a:solidFill>
                   <a:schemeClr val="accent1"/>
                 </a:solidFill>
               </a14:hiddenFill>
             </a:ext>
             <a:ext uri="{91240B29-F687-4F45-9708-019B960494DF}">
-              <a14:hiddenLine xmlns="" xmlns:a14="http://schemas.microsoft.com/office/drawing/2010/main" w="9525">
+              <a14:hiddenLine xmlns:a14="http://schemas.microsoft.com/office/drawing/2010/main" xmlns="" w="9525">
                 <a:solidFill>
                   <a:schemeClr val="tx1"/>
                 </a:solidFill>
@@ -30331,7 +30632,7 @@
     </p:spTree>
     <p:extLst>
       <p:ext uri="{BB962C8B-B14F-4D97-AF65-F5344CB8AC3E}">
-        <p14:creationId xmlns="" xmlns:p14="http://schemas.microsoft.com/office/powerpoint/2010/main" val="621323672"/>
+        <p14:creationId xmlns:p14="http://schemas.microsoft.com/office/powerpoint/2010/main" xmlns="" val="621323672"/>
       </p:ext>
     </p:extLst>
   </p:cSld>
@@ -30596,7 +30897,7 @@
             <a:effectLst/>
             <a:extLst>
               <a:ext uri="{AF507438-7753-43E0-B8FC-AC1667EBCBE1}">
-                <a14:hiddenEffects xmlns="" xmlns:a14="http://schemas.microsoft.com/office/drawing/2010/main">
+                <a14:hiddenEffects xmlns:a14="http://schemas.microsoft.com/office/drawing/2010/main" xmlns="">
                   <a:effectLst>
                     <a:outerShdw dist="35921" dir="2700000" algn="ctr" rotWithShape="0">
                       <a:schemeClr val="bg2"/>
@@ -30636,7 +30937,7 @@
             <a:effectLst/>
             <a:extLst>
               <a:ext uri="{AF507438-7753-43E0-B8FC-AC1667EBCBE1}">
-                <a14:hiddenEffects xmlns="" xmlns:a14="http://schemas.microsoft.com/office/drawing/2010/main">
+                <a14:hiddenEffects xmlns:a14="http://schemas.microsoft.com/office/drawing/2010/main" xmlns="">
                   <a:effectLst>
                     <a:outerShdw dist="35921" dir="2700000" algn="ctr" rotWithShape="0">
                       <a:schemeClr val="bg2"/>
@@ -30676,7 +30977,7 @@
             <a:effectLst/>
             <a:extLst>
               <a:ext uri="{AF507438-7753-43E0-B8FC-AC1667EBCBE1}">
-                <a14:hiddenEffects xmlns="" xmlns:a14="http://schemas.microsoft.com/office/drawing/2010/main">
+                <a14:hiddenEffects xmlns:a14="http://schemas.microsoft.com/office/drawing/2010/main" xmlns="">
                   <a:effectLst>
                     <a:outerShdw dist="35921" dir="2700000" algn="ctr" rotWithShape="0">
                       <a:schemeClr val="bg2"/>
@@ -30719,7 +31020,7 @@
             <a:effectLst/>
             <a:extLst>
               <a:ext uri="{AF507438-7753-43E0-B8FC-AC1667EBCBE1}">
-                <a14:hiddenEffects xmlns="" xmlns:a14="http://schemas.microsoft.com/office/drawing/2010/main">
+                <a14:hiddenEffects xmlns:a14="http://schemas.microsoft.com/office/drawing/2010/main" xmlns="">
                   <a:effectLst>
                     <a:outerShdw dist="35921" dir="2700000" algn="ctr" rotWithShape="0">
                       <a:schemeClr val="bg2"/>
@@ -30998,7 +31299,7 @@
           <a:blip r:embed="rId2" cstate="print">
             <a:extLst>
               <a:ext uri="{28A0092B-C50C-407E-A947-70E740481C1C}">
-                <a14:useLocalDpi xmlns="" xmlns:a14="http://schemas.microsoft.com/office/drawing/2010/main" val="0"/>
+                <a14:useLocalDpi xmlns:a14="http://schemas.microsoft.com/office/drawing/2010/main" xmlns="" val="0"/>
               </a:ext>
             </a:extLst>
           </a:blip>
@@ -31021,14 +31322,14 @@
           </a:ln>
           <a:extLst>
             <a:ext uri="{909E8E84-426E-40DD-AFC4-6F175D3DCCD1}">
-              <a14:hiddenFill xmlns="" xmlns:a14="http://schemas.microsoft.com/office/drawing/2010/main">
+              <a14:hiddenFill xmlns:a14="http://schemas.microsoft.com/office/drawing/2010/main" xmlns="">
                 <a:solidFill>
                   <a:schemeClr val="accent1"/>
                 </a:solidFill>
               </a14:hiddenFill>
             </a:ext>
             <a:ext uri="{91240B29-F687-4F45-9708-019B960494DF}">
-              <a14:hiddenLine xmlns="" xmlns:a14="http://schemas.microsoft.com/office/drawing/2010/main" w="9525">
+              <a14:hiddenLine xmlns:a14="http://schemas.microsoft.com/office/drawing/2010/main" xmlns="" w="9525">
                 <a:solidFill>
                   <a:schemeClr val="tx1"/>
                 </a:solidFill>
@@ -31188,7 +31489,7 @@
     </p:spTree>
     <p:extLst>
       <p:ext uri="{BB962C8B-B14F-4D97-AF65-F5344CB8AC3E}">
-        <p14:creationId xmlns="" xmlns:p14="http://schemas.microsoft.com/office/powerpoint/2010/main" val="4285758701"/>
+        <p14:creationId xmlns:p14="http://schemas.microsoft.com/office/powerpoint/2010/main" xmlns="" val="4285758701"/>
       </p:ext>
     </p:extLst>
   </p:cSld>
@@ -31453,7 +31754,7 @@
             <a:effectLst/>
             <a:extLst>
               <a:ext uri="{AF507438-7753-43E0-B8FC-AC1667EBCBE1}">
-                <a14:hiddenEffects xmlns="" xmlns:a14="http://schemas.microsoft.com/office/drawing/2010/main">
+                <a14:hiddenEffects xmlns:a14="http://schemas.microsoft.com/office/drawing/2010/main" xmlns="">
                   <a:effectLst>
                     <a:outerShdw dist="35921" dir="2700000" algn="ctr" rotWithShape="0">
                       <a:schemeClr val="bg2"/>
@@ -31493,7 +31794,7 @@
             <a:effectLst/>
             <a:extLst>
               <a:ext uri="{AF507438-7753-43E0-B8FC-AC1667EBCBE1}">
-                <a14:hiddenEffects xmlns="" xmlns:a14="http://schemas.microsoft.com/office/drawing/2010/main">
+                <a14:hiddenEffects xmlns:a14="http://schemas.microsoft.com/office/drawing/2010/main" xmlns="">
                   <a:effectLst>
                     <a:outerShdw dist="35921" dir="2700000" algn="ctr" rotWithShape="0">
                       <a:schemeClr val="bg2"/>
@@ -31533,7 +31834,7 @@
             <a:effectLst/>
             <a:extLst>
               <a:ext uri="{AF507438-7753-43E0-B8FC-AC1667EBCBE1}">
-                <a14:hiddenEffects xmlns="" xmlns:a14="http://schemas.microsoft.com/office/drawing/2010/main">
+                <a14:hiddenEffects xmlns:a14="http://schemas.microsoft.com/office/drawing/2010/main" xmlns="">
                   <a:effectLst>
                     <a:outerShdw dist="35921" dir="2700000" algn="ctr" rotWithShape="0">
                       <a:schemeClr val="bg2"/>
@@ -31576,7 +31877,7 @@
             <a:effectLst/>
             <a:extLst>
               <a:ext uri="{AF507438-7753-43E0-B8FC-AC1667EBCBE1}">
-                <a14:hiddenEffects xmlns="" xmlns:a14="http://schemas.microsoft.com/office/drawing/2010/main">
+                <a14:hiddenEffects xmlns:a14="http://schemas.microsoft.com/office/drawing/2010/main" xmlns="">
                   <a:effectLst>
                     <a:outerShdw dist="35921" dir="2700000" algn="ctr" rotWithShape="0">
                       <a:schemeClr val="bg2"/>
@@ -31643,7 +31944,7 @@
           <a:blip r:embed="rId2" cstate="print">
             <a:extLst>
               <a:ext uri="{28A0092B-C50C-407E-A947-70E740481C1C}">
-                <a14:useLocalDpi xmlns="" xmlns:a14="http://schemas.microsoft.com/office/drawing/2010/main" val="0"/>
+                <a14:useLocalDpi xmlns:a14="http://schemas.microsoft.com/office/drawing/2010/main" xmlns="" val="0"/>
               </a:ext>
             </a:extLst>
           </a:blip>
@@ -31666,14 +31967,14 @@
           </a:ln>
           <a:extLst>
             <a:ext uri="{909E8E84-426E-40DD-AFC4-6F175D3DCCD1}">
-              <a14:hiddenFill xmlns="" xmlns:a14="http://schemas.microsoft.com/office/drawing/2010/main">
+              <a14:hiddenFill xmlns:a14="http://schemas.microsoft.com/office/drawing/2010/main" xmlns="">
                 <a:solidFill>
                   <a:schemeClr val="accent1"/>
                 </a:solidFill>
               </a14:hiddenFill>
             </a:ext>
             <a:ext uri="{91240B29-F687-4F45-9708-019B960494DF}">
-              <a14:hiddenLine xmlns="" xmlns:a14="http://schemas.microsoft.com/office/drawing/2010/main" w="9525">
+              <a14:hiddenLine xmlns:a14="http://schemas.microsoft.com/office/drawing/2010/main" xmlns="" w="9525">
                 <a:solidFill>
                   <a:schemeClr val="tx1"/>
                 </a:solidFill>
@@ -32018,7 +32319,7 @@
     </p:spTree>
     <p:extLst>
       <p:ext uri="{BB962C8B-B14F-4D97-AF65-F5344CB8AC3E}">
-        <p14:creationId xmlns="" xmlns:p14="http://schemas.microsoft.com/office/powerpoint/2010/main" val="3218567344"/>
+        <p14:creationId xmlns:p14="http://schemas.microsoft.com/office/powerpoint/2010/main" xmlns="" val="3218567344"/>
       </p:ext>
     </p:extLst>
   </p:cSld>
@@ -32283,7 +32584,7 @@
             <a:effectLst/>
             <a:extLst>
               <a:ext uri="{AF507438-7753-43E0-B8FC-AC1667EBCBE1}">
-                <a14:hiddenEffects xmlns="" xmlns:a14="http://schemas.microsoft.com/office/drawing/2010/main">
+                <a14:hiddenEffects xmlns:a14="http://schemas.microsoft.com/office/drawing/2010/main" xmlns="">
                   <a:effectLst>
                     <a:outerShdw dist="35921" dir="2700000" algn="ctr" rotWithShape="0">
                       <a:schemeClr val="bg2"/>
@@ -32323,7 +32624,7 @@
             <a:effectLst/>
             <a:extLst>
               <a:ext uri="{AF507438-7753-43E0-B8FC-AC1667EBCBE1}">
-                <a14:hiddenEffects xmlns="" xmlns:a14="http://schemas.microsoft.com/office/drawing/2010/main">
+                <a14:hiddenEffects xmlns:a14="http://schemas.microsoft.com/office/drawing/2010/main" xmlns="">
                   <a:effectLst>
                     <a:outerShdw dist="35921" dir="2700000" algn="ctr" rotWithShape="0">
                       <a:schemeClr val="bg2"/>
@@ -32363,7 +32664,7 @@
             <a:effectLst/>
             <a:extLst>
               <a:ext uri="{AF507438-7753-43E0-B8FC-AC1667EBCBE1}">
-                <a14:hiddenEffects xmlns="" xmlns:a14="http://schemas.microsoft.com/office/drawing/2010/main">
+                <a14:hiddenEffects xmlns:a14="http://schemas.microsoft.com/office/drawing/2010/main" xmlns="">
                   <a:effectLst>
                     <a:outerShdw dist="35921" dir="2700000" algn="ctr" rotWithShape="0">
                       <a:schemeClr val="bg2"/>
@@ -32406,7 +32707,7 @@
             <a:effectLst/>
             <a:extLst>
               <a:ext uri="{AF507438-7753-43E0-B8FC-AC1667EBCBE1}">
-                <a14:hiddenEffects xmlns="" xmlns:a14="http://schemas.microsoft.com/office/drawing/2010/main">
+                <a14:hiddenEffects xmlns:a14="http://schemas.microsoft.com/office/drawing/2010/main" xmlns="">
                   <a:effectLst>
                     <a:outerShdw dist="35921" dir="2700000" algn="ctr" rotWithShape="0">
                       <a:schemeClr val="bg2"/>
@@ -32473,7 +32774,7 @@
           <a:blip r:embed="rId2" cstate="print">
             <a:extLst>
               <a:ext uri="{28A0092B-C50C-407E-A947-70E740481C1C}">
-                <a14:useLocalDpi xmlns="" xmlns:a14="http://schemas.microsoft.com/office/drawing/2010/main" val="0"/>
+                <a14:useLocalDpi xmlns:a14="http://schemas.microsoft.com/office/drawing/2010/main" xmlns="" val="0"/>
               </a:ext>
             </a:extLst>
           </a:blip>
@@ -32496,14 +32797,14 @@
           </a:ln>
           <a:extLst>
             <a:ext uri="{909E8E84-426E-40DD-AFC4-6F175D3DCCD1}">
-              <a14:hiddenFill xmlns="" xmlns:a14="http://schemas.microsoft.com/office/drawing/2010/main">
+              <a14:hiddenFill xmlns:a14="http://schemas.microsoft.com/office/drawing/2010/main" xmlns="">
                 <a:solidFill>
                   <a:schemeClr val="accent1"/>
                 </a:solidFill>
               </a14:hiddenFill>
             </a:ext>
             <a:ext uri="{91240B29-F687-4F45-9708-019B960494DF}">
-              <a14:hiddenLine xmlns="" xmlns:a14="http://schemas.microsoft.com/office/drawing/2010/main" w="9525">
+              <a14:hiddenLine xmlns:a14="http://schemas.microsoft.com/office/drawing/2010/main" xmlns="" w="9525">
                 <a:solidFill>
                   <a:schemeClr val="tx1"/>
                 </a:solidFill>
@@ -32844,7 +33145,7 @@
           <a:effectLst/>
           <a:extLst>
             <a:ext uri="{AF507438-7753-43E0-B8FC-AC1667EBCBE1}">
-              <a14:hiddenEffects xmlns="" xmlns:a14="http://schemas.microsoft.com/office/drawing/2010/main">
+              <a14:hiddenEffects xmlns:a14="http://schemas.microsoft.com/office/drawing/2010/main" xmlns="">
                 <a:effectLst>
                   <a:outerShdw dist="35921" dir="2700000" algn="ctr" rotWithShape="0">
                     <a:schemeClr val="bg2"/>
@@ -32898,7 +33199,7 @@
     </p:spTree>
     <p:extLst>
       <p:ext uri="{BB962C8B-B14F-4D97-AF65-F5344CB8AC3E}">
-        <p14:creationId xmlns="" xmlns:p14="http://schemas.microsoft.com/office/powerpoint/2010/main" val="2585101492"/>
+        <p14:creationId xmlns:p14="http://schemas.microsoft.com/office/powerpoint/2010/main" xmlns="" val="2585101492"/>
       </p:ext>
     </p:extLst>
   </p:cSld>
@@ -33163,7 +33464,7 @@
             <a:effectLst/>
             <a:extLst>
               <a:ext uri="{AF507438-7753-43E0-B8FC-AC1667EBCBE1}">
-                <a14:hiddenEffects xmlns="" xmlns:a14="http://schemas.microsoft.com/office/drawing/2010/main">
+                <a14:hiddenEffects xmlns:a14="http://schemas.microsoft.com/office/drawing/2010/main" xmlns="">
                   <a:effectLst>
                     <a:outerShdw dist="35921" dir="2700000" algn="ctr" rotWithShape="0">
                       <a:schemeClr val="bg2"/>
@@ -33203,7 +33504,7 @@
             <a:effectLst/>
             <a:extLst>
               <a:ext uri="{AF507438-7753-43E0-B8FC-AC1667EBCBE1}">
-                <a14:hiddenEffects xmlns="" xmlns:a14="http://schemas.microsoft.com/office/drawing/2010/main">
+                <a14:hiddenEffects xmlns:a14="http://schemas.microsoft.com/office/drawing/2010/main" xmlns="">
                   <a:effectLst>
                     <a:outerShdw dist="35921" dir="2700000" algn="ctr" rotWithShape="0">
                       <a:schemeClr val="bg2"/>
@@ -33243,7 +33544,7 @@
             <a:effectLst/>
             <a:extLst>
               <a:ext uri="{AF507438-7753-43E0-B8FC-AC1667EBCBE1}">
-                <a14:hiddenEffects xmlns="" xmlns:a14="http://schemas.microsoft.com/office/drawing/2010/main">
+                <a14:hiddenEffects xmlns:a14="http://schemas.microsoft.com/office/drawing/2010/main" xmlns="">
                   <a:effectLst>
                     <a:outerShdw dist="35921" dir="2700000" algn="ctr" rotWithShape="0">
                       <a:schemeClr val="bg2"/>
@@ -33286,7 +33587,7 @@
             <a:effectLst/>
             <a:extLst>
               <a:ext uri="{AF507438-7753-43E0-B8FC-AC1667EBCBE1}">
-                <a14:hiddenEffects xmlns="" xmlns:a14="http://schemas.microsoft.com/office/drawing/2010/main">
+                <a14:hiddenEffects xmlns:a14="http://schemas.microsoft.com/office/drawing/2010/main" xmlns="">
                   <a:effectLst>
                     <a:outerShdw dist="35921" dir="2700000" algn="ctr" rotWithShape="0">
                       <a:schemeClr val="bg2"/>
@@ -33616,7 +33917,7 @@
           <a:blip r:embed="rId2" cstate="print">
             <a:extLst>
               <a:ext uri="{28A0092B-C50C-407E-A947-70E740481C1C}">
-                <a14:useLocalDpi xmlns="" xmlns:a14="http://schemas.microsoft.com/office/drawing/2010/main" val="0"/>
+                <a14:useLocalDpi xmlns:a14="http://schemas.microsoft.com/office/drawing/2010/main" xmlns="" val="0"/>
               </a:ext>
             </a:extLst>
           </a:blip>
@@ -33639,14 +33940,14 @@
           </a:ln>
           <a:extLst>
             <a:ext uri="{909E8E84-426E-40DD-AFC4-6F175D3DCCD1}">
-              <a14:hiddenFill xmlns="" xmlns:a14="http://schemas.microsoft.com/office/drawing/2010/main">
+              <a14:hiddenFill xmlns:a14="http://schemas.microsoft.com/office/drawing/2010/main" xmlns="">
                 <a:solidFill>
                   <a:schemeClr val="accent1"/>
                 </a:solidFill>
               </a14:hiddenFill>
             </a:ext>
             <a:ext uri="{91240B29-F687-4F45-9708-019B960494DF}">
-              <a14:hiddenLine xmlns="" xmlns:a14="http://schemas.microsoft.com/office/drawing/2010/main" w="9525">
+              <a14:hiddenLine xmlns:a14="http://schemas.microsoft.com/office/drawing/2010/main" xmlns="" w="9525">
                 <a:solidFill>
                   <a:schemeClr val="tx1"/>
                 </a:solidFill>
@@ -33832,7 +34133,7 @@
           <a:effectLst/>
           <a:extLst>
             <a:ext uri="{AF507438-7753-43E0-B8FC-AC1667EBCBE1}">
-              <a14:hiddenEffects xmlns="" xmlns:a14="http://schemas.microsoft.com/office/drawing/2010/main">
+              <a14:hiddenEffects xmlns:a14="http://schemas.microsoft.com/office/drawing/2010/main" xmlns="">
                 <a:effectLst>
                   <a:outerShdw dist="35921" dir="2700000" algn="ctr" rotWithShape="0">
                     <a:schemeClr val="bg2"/>
@@ -33886,7 +34187,7 @@
     </p:spTree>
     <p:extLst>
       <p:ext uri="{BB962C8B-B14F-4D97-AF65-F5344CB8AC3E}">
-        <p14:creationId xmlns="" xmlns:p14="http://schemas.microsoft.com/office/powerpoint/2010/main" val="1219351500"/>
+        <p14:creationId xmlns:p14="http://schemas.microsoft.com/office/powerpoint/2010/main" xmlns="" val="1219351500"/>
       </p:ext>
     </p:extLst>
   </p:cSld>
@@ -34151,7 +34452,7 @@
             <a:effectLst/>
             <a:extLst>
               <a:ext uri="{AF507438-7753-43E0-B8FC-AC1667EBCBE1}">
-                <a14:hiddenEffects xmlns="" xmlns:a14="http://schemas.microsoft.com/office/drawing/2010/main">
+                <a14:hiddenEffects xmlns:a14="http://schemas.microsoft.com/office/drawing/2010/main" xmlns="">
                   <a:effectLst>
                     <a:outerShdw dist="35921" dir="2700000" algn="ctr" rotWithShape="0">
                       <a:schemeClr val="bg2"/>
@@ -34191,7 +34492,7 @@
             <a:effectLst/>
             <a:extLst>
               <a:ext uri="{AF507438-7753-43E0-B8FC-AC1667EBCBE1}">
-                <a14:hiddenEffects xmlns="" xmlns:a14="http://schemas.microsoft.com/office/drawing/2010/main">
+                <a14:hiddenEffects xmlns:a14="http://schemas.microsoft.com/office/drawing/2010/main" xmlns="">
                   <a:effectLst>
                     <a:outerShdw dist="35921" dir="2700000" algn="ctr" rotWithShape="0">
                       <a:schemeClr val="bg2"/>
@@ -34231,7 +34532,7 @@
             <a:effectLst/>
             <a:extLst>
               <a:ext uri="{AF507438-7753-43E0-B8FC-AC1667EBCBE1}">
-                <a14:hiddenEffects xmlns="" xmlns:a14="http://schemas.microsoft.com/office/drawing/2010/main">
+                <a14:hiddenEffects xmlns:a14="http://schemas.microsoft.com/office/drawing/2010/main" xmlns="">
                   <a:effectLst>
                     <a:outerShdw dist="35921" dir="2700000" algn="ctr" rotWithShape="0">
                       <a:schemeClr val="bg2"/>
@@ -34274,7 +34575,7 @@
             <a:effectLst/>
             <a:extLst>
               <a:ext uri="{AF507438-7753-43E0-B8FC-AC1667EBCBE1}">
-                <a14:hiddenEffects xmlns="" xmlns:a14="http://schemas.microsoft.com/office/drawing/2010/main">
+                <a14:hiddenEffects xmlns:a14="http://schemas.microsoft.com/office/drawing/2010/main" xmlns="">
                   <a:effectLst>
                     <a:outerShdw dist="35921" dir="2700000" algn="ctr" rotWithShape="0">
                       <a:schemeClr val="bg2"/>
@@ -34341,7 +34642,7 @@
     </p:spTree>
     <p:extLst>
       <p:ext uri="{BB962C8B-B14F-4D97-AF65-F5344CB8AC3E}">
-        <p14:creationId xmlns="" xmlns:p14="http://schemas.microsoft.com/office/powerpoint/2010/main" val="4190711320"/>
+        <p14:creationId xmlns:p14="http://schemas.microsoft.com/office/powerpoint/2010/main" xmlns="" val="4190711320"/>
       </p:ext>
     </p:extLst>
   </p:cSld>
@@ -34606,7 +34907,7 @@
             <a:effectLst/>
             <a:extLst>
               <a:ext uri="{AF507438-7753-43E0-B8FC-AC1667EBCBE1}">
-                <a14:hiddenEffects xmlns="" xmlns:a14="http://schemas.microsoft.com/office/drawing/2010/main">
+                <a14:hiddenEffects xmlns:a14="http://schemas.microsoft.com/office/drawing/2010/main" xmlns="">
                   <a:effectLst>
                     <a:outerShdw dist="35921" dir="2700000" algn="ctr" rotWithShape="0">
                       <a:schemeClr val="bg2"/>
@@ -34646,7 +34947,7 @@
             <a:effectLst/>
             <a:extLst>
               <a:ext uri="{AF507438-7753-43E0-B8FC-AC1667EBCBE1}">
-                <a14:hiddenEffects xmlns="" xmlns:a14="http://schemas.microsoft.com/office/drawing/2010/main">
+                <a14:hiddenEffects xmlns:a14="http://schemas.microsoft.com/office/drawing/2010/main" xmlns="">
                   <a:effectLst>
                     <a:outerShdw dist="35921" dir="2700000" algn="ctr" rotWithShape="0">
                       <a:schemeClr val="bg2"/>
@@ -34686,7 +34987,7 @@
             <a:effectLst/>
             <a:extLst>
               <a:ext uri="{AF507438-7753-43E0-B8FC-AC1667EBCBE1}">
-                <a14:hiddenEffects xmlns="" xmlns:a14="http://schemas.microsoft.com/office/drawing/2010/main">
+                <a14:hiddenEffects xmlns:a14="http://schemas.microsoft.com/office/drawing/2010/main" xmlns="">
                   <a:effectLst>
                     <a:outerShdw dist="35921" dir="2700000" algn="ctr" rotWithShape="0">
                       <a:schemeClr val="bg2"/>
@@ -34729,7 +35030,7 @@
             <a:effectLst/>
             <a:extLst>
               <a:ext uri="{AF507438-7753-43E0-B8FC-AC1667EBCBE1}">
-                <a14:hiddenEffects xmlns="" xmlns:a14="http://schemas.microsoft.com/office/drawing/2010/main">
+                <a14:hiddenEffects xmlns:a14="http://schemas.microsoft.com/office/drawing/2010/main" xmlns="">
                   <a:effectLst>
                     <a:outerShdw dist="35921" dir="2700000" algn="ctr" rotWithShape="0">
                       <a:schemeClr val="bg2"/>
@@ -35118,7 +35419,7 @@
           <a:blip r:embed="rId3" cstate="print">
             <a:extLst>
               <a:ext uri="{28A0092B-C50C-407E-A947-70E740481C1C}">
-                <a14:useLocalDpi xmlns="" xmlns:a14="http://schemas.microsoft.com/office/drawing/2010/main" val="0"/>
+                <a14:useLocalDpi xmlns:a14="http://schemas.microsoft.com/office/drawing/2010/main" xmlns="" val="0"/>
               </a:ext>
             </a:extLst>
           </a:blip>
@@ -35141,14 +35442,14 @@
           </a:ln>
           <a:extLst>
             <a:ext uri="{909E8E84-426E-40DD-AFC4-6F175D3DCCD1}">
-              <a14:hiddenFill xmlns="" xmlns:a14="http://schemas.microsoft.com/office/drawing/2010/main">
+              <a14:hiddenFill xmlns:a14="http://schemas.microsoft.com/office/drawing/2010/main" xmlns="">
                 <a:solidFill>
                   <a:schemeClr val="accent1"/>
                 </a:solidFill>
               </a14:hiddenFill>
             </a:ext>
             <a:ext uri="{91240B29-F687-4F45-9708-019B960494DF}">
-              <a14:hiddenLine xmlns="" xmlns:a14="http://schemas.microsoft.com/office/drawing/2010/main" w="9525">
+              <a14:hiddenLine xmlns:a14="http://schemas.microsoft.com/office/drawing/2010/main" xmlns="" w="9525">
                 <a:solidFill>
                   <a:schemeClr val="tx1"/>
                 </a:solidFill>
@@ -35610,7 +35911,7 @@
           <a:effectLst/>
           <a:extLst>
             <a:ext uri="{AF507438-7753-43E0-B8FC-AC1667EBCBE1}">
-              <a14:hiddenEffects xmlns="" xmlns:a14="http://schemas.microsoft.com/office/drawing/2010/main">
+              <a14:hiddenEffects xmlns:a14="http://schemas.microsoft.com/office/drawing/2010/main" xmlns="">
                 <a:effectLst>
                   <a:outerShdw dist="35921" dir="2700000" algn="ctr" rotWithShape="0">
                     <a:schemeClr val="bg2"/>
@@ -35690,7 +35991,7 @@
     </p:spTree>
     <p:extLst>
       <p:ext uri="{BB962C8B-B14F-4D97-AF65-F5344CB8AC3E}">
-        <p14:creationId xmlns="" xmlns:p14="http://schemas.microsoft.com/office/powerpoint/2010/main" val="3304783979"/>
+        <p14:creationId xmlns:p14="http://schemas.microsoft.com/office/powerpoint/2010/main" xmlns="" val="3304783979"/>
       </p:ext>
     </p:extLst>
   </p:cSld>
@@ -35955,7 +36256,7 @@
             <a:effectLst/>
             <a:extLst>
               <a:ext uri="{AF507438-7753-43E0-B8FC-AC1667EBCBE1}">
-                <a14:hiddenEffects xmlns="" xmlns:a14="http://schemas.microsoft.com/office/drawing/2010/main">
+                <a14:hiddenEffects xmlns:a14="http://schemas.microsoft.com/office/drawing/2010/main" xmlns="">
                   <a:effectLst>
                     <a:outerShdw dist="35921" dir="2700000" algn="ctr" rotWithShape="0">
                       <a:schemeClr val="bg2"/>
@@ -35995,7 +36296,7 @@
             <a:effectLst/>
             <a:extLst>
               <a:ext uri="{AF507438-7753-43E0-B8FC-AC1667EBCBE1}">
-                <a14:hiddenEffects xmlns="" xmlns:a14="http://schemas.microsoft.com/office/drawing/2010/main">
+                <a14:hiddenEffects xmlns:a14="http://schemas.microsoft.com/office/drawing/2010/main" xmlns="">
                   <a:effectLst>
                     <a:outerShdw dist="35921" dir="2700000" algn="ctr" rotWithShape="0">
                       <a:schemeClr val="bg2"/>
@@ -36035,7 +36336,7 @@
             <a:effectLst/>
             <a:extLst>
               <a:ext uri="{AF507438-7753-43E0-B8FC-AC1667EBCBE1}">
-                <a14:hiddenEffects xmlns="" xmlns:a14="http://schemas.microsoft.com/office/drawing/2010/main">
+                <a14:hiddenEffects xmlns:a14="http://schemas.microsoft.com/office/drawing/2010/main" xmlns="">
                   <a:effectLst>
                     <a:outerShdw dist="35921" dir="2700000" algn="ctr" rotWithShape="0">
                       <a:schemeClr val="bg2"/>
@@ -36078,7 +36379,7 @@
             <a:effectLst/>
             <a:extLst>
               <a:ext uri="{AF507438-7753-43E0-B8FC-AC1667EBCBE1}">
-                <a14:hiddenEffects xmlns="" xmlns:a14="http://schemas.microsoft.com/office/drawing/2010/main">
+                <a14:hiddenEffects xmlns:a14="http://schemas.microsoft.com/office/drawing/2010/main" xmlns="">
                   <a:effectLst>
                     <a:outerShdw dist="35921" dir="2700000" algn="ctr" rotWithShape="0">
                       <a:schemeClr val="bg2"/>
@@ -36568,7 +36869,7 @@
           <a:blip r:embed="rId3" cstate="print">
             <a:extLst>
               <a:ext uri="{28A0092B-C50C-407E-A947-70E740481C1C}">
-                <a14:useLocalDpi xmlns="" xmlns:a14="http://schemas.microsoft.com/office/drawing/2010/main" val="0"/>
+                <a14:useLocalDpi xmlns:a14="http://schemas.microsoft.com/office/drawing/2010/main" xmlns="" val="0"/>
               </a:ext>
             </a:extLst>
           </a:blip>
@@ -36591,14 +36892,14 @@
           </a:ln>
           <a:extLst>
             <a:ext uri="{909E8E84-426E-40DD-AFC4-6F175D3DCCD1}">
-              <a14:hiddenFill xmlns="" xmlns:a14="http://schemas.microsoft.com/office/drawing/2010/main">
+              <a14:hiddenFill xmlns:a14="http://schemas.microsoft.com/office/drawing/2010/main" xmlns="">
                 <a:solidFill>
                   <a:schemeClr val="accent1"/>
                 </a:solidFill>
               </a14:hiddenFill>
             </a:ext>
             <a:ext uri="{91240B29-F687-4F45-9708-019B960494DF}">
-              <a14:hiddenLine xmlns="" xmlns:a14="http://schemas.microsoft.com/office/drawing/2010/main" w="9525">
+              <a14:hiddenLine xmlns:a14="http://schemas.microsoft.com/office/drawing/2010/main" xmlns="" w="9525">
                 <a:solidFill>
                   <a:schemeClr val="tx1"/>
                 </a:solidFill>
@@ -37060,7 +37361,7 @@
           <a:effectLst/>
           <a:extLst>
             <a:ext uri="{AF507438-7753-43E0-B8FC-AC1667EBCBE1}">
-              <a14:hiddenEffects xmlns="" xmlns:a14="http://schemas.microsoft.com/office/drawing/2010/main">
+              <a14:hiddenEffects xmlns:a14="http://schemas.microsoft.com/office/drawing/2010/main" xmlns="">
                 <a:effectLst>
                   <a:outerShdw dist="35921" dir="2700000" algn="ctr" rotWithShape="0">
                     <a:schemeClr val="bg2"/>
@@ -37140,7 +37441,7 @@
     </p:spTree>
     <p:extLst>
       <p:ext uri="{BB962C8B-B14F-4D97-AF65-F5344CB8AC3E}">
-        <p14:creationId xmlns="" xmlns:p14="http://schemas.microsoft.com/office/powerpoint/2010/main" val="4218426242"/>
+        <p14:creationId xmlns:p14="http://schemas.microsoft.com/office/powerpoint/2010/main" xmlns="" val="4218426242"/>
       </p:ext>
     </p:extLst>
   </p:cSld>
@@ -37410,7 +37711,7 @@
         <a:effectLst/>
         <a:extLst>
           <a:ext uri="{AF507438-7753-43E0-B8FC-AC1667EBCBE1}">
-            <a14:hiddenEffects xmlns="" xmlns:a14="http://schemas.microsoft.com/office/drawing/2010/main">
+            <a14:hiddenEffects xmlns:a14="http://schemas.microsoft.com/office/drawing/2010/main" xmlns="">
               <a:effectLst>
                 <a:outerShdw dist="35921" dir="2700000" algn="ctr" rotWithShape="0">
                   <a:schemeClr val="bg2"/>
@@ -37483,7 +37784,7 @@
         <a:effectLst/>
         <a:extLst>
           <a:ext uri="{AF507438-7753-43E0-B8FC-AC1667EBCBE1}">
-            <a14:hiddenEffects xmlns="" xmlns:a14="http://schemas.microsoft.com/office/drawing/2010/main">
+            <a14:hiddenEffects xmlns:a14="http://schemas.microsoft.com/office/drawing/2010/main" xmlns="">
               <a:effectLst>
                 <a:outerShdw dist="35921" dir="2700000" algn="ctr" rotWithShape="0">
                   <a:schemeClr val="bg2"/>
